--- a/lab4/lab4-tarefas.pptx
+++ b/lab4/lab4-tarefas.pptx
@@ -10382,8 +10382,8 @@
         </p:nvSpPr>
         <p:spPr>
           <a:xfrm>
-            <a:off x="2986725" y="4324350"/>
-            <a:ext cx="2115300" cy="4610100"/>
+            <a:off x="2928483" y="495300"/>
+            <a:ext cx="2115300" cy="8392434"/>
           </a:xfrm>
           <a:prstGeom prst="rect">
             <a:avLst/>
@@ -10428,8 +10428,8 @@
         </p:nvSpPr>
         <p:spPr>
           <a:xfrm>
-            <a:off x="514350" y="4324350"/>
-            <a:ext cx="2115300" cy="4610100"/>
+            <a:off x="456108" y="495299"/>
+            <a:ext cx="2115300" cy="8392435"/>
           </a:xfrm>
           <a:prstGeom prst="rect">
             <a:avLst/>
@@ -10468,100 +10468,14 @@
       </p:sp>
       <p:sp>
         <p:nvSpPr>
-          <p:cNvPr id="279" name="Google Shape;279;p16"/>
-          <p:cNvSpPr txBox="1">
-            <a:spLocks noGrp="1"/>
-          </p:cNvSpPr>
-          <p:nvPr>
-            <p:ph type="title"/>
-          </p:nvPr>
-        </p:nvSpPr>
-        <p:spPr>
-          <a:xfrm>
-            <a:off x="2789325" y="137100"/>
-            <a:ext cx="2510100" cy="3514200"/>
-          </a:xfrm>
-          <a:prstGeom prst="rect">
-            <a:avLst/>
-          </a:prstGeom>
-        </p:spPr>
-        <p:txBody>
-          <a:bodyPr spcFirstLastPara="1" wrap="square" lIns="91425" tIns="91425" rIns="91425" bIns="91425" anchor="t" anchorCtr="0">
-            <a:noAutofit/>
-          </a:bodyPr>
-          <a:lstStyle/>
-          <a:p>
-            <a:pPr marL="0" lvl="0" indent="0" algn="l" rtl="0">
-              <a:spcBef>
-                <a:spcPts val="0"/>
-              </a:spcBef>
-              <a:spcAft>
-                <a:spcPts val="0"/>
-              </a:spcAft>
-              <a:buNone/>
-            </a:pPr>
-            <a:r>
-              <a:rPr lang="en" b="1"/>
-              <a:t>Tarefa 2</a:t>
-            </a:r>
-            <a:endParaRPr b="1"/>
-          </a:p>
-          <a:p>
-            <a:pPr marL="0" lvl="0" indent="0" algn="l" rtl="0">
-              <a:spcBef>
-                <a:spcPts val="0"/>
-              </a:spcBef>
-              <a:spcAft>
-                <a:spcPts val="0"/>
-              </a:spcAft>
-              <a:buNone/>
-            </a:pPr>
-            <a:r>
-              <a:rPr lang="en" sz="2200" b="1"/>
-              <a:t>Componentes Técnicos</a:t>
-            </a:r>
-            <a:endParaRPr sz="2200" b="1"/>
-          </a:p>
-          <a:p>
-            <a:pPr marL="0" lvl="0" indent="0" algn="l" rtl="0">
-              <a:spcBef>
-                <a:spcPts val="0"/>
-              </a:spcBef>
-              <a:spcAft>
-                <a:spcPts val="0"/>
-              </a:spcAft>
-              <a:buNone/>
-            </a:pPr>
-            <a:endParaRPr sz="2200"/>
-          </a:p>
-          <a:p>
-            <a:pPr marL="0" lvl="0" indent="0" algn="l" rtl="0">
-              <a:spcBef>
-                <a:spcPts val="0"/>
-              </a:spcBef>
-              <a:spcAft>
-                <a:spcPts val="0"/>
-              </a:spcAft>
-              <a:buNone/>
-            </a:pPr>
-            <a:r>
-              <a:rPr lang="en" sz="2200"/>
-              <a:t>Separe os componentes do View daqueles definidos no Controller</a:t>
-            </a:r>
-            <a:endParaRPr sz="2200"/>
-          </a:p>
-        </p:txBody>
-      </p:sp>
-      <p:sp>
-        <p:nvSpPr>
           <p:cNvPr id="280" name="Google Shape;280;p16"/>
           <p:cNvSpPr/>
           <p:nvPr/>
         </p:nvSpPr>
         <p:spPr>
           <a:xfrm>
-            <a:off x="933938" y="4662338"/>
-            <a:ext cx="987300" cy="432000"/>
+            <a:off x="657619" y="1078507"/>
+            <a:ext cx="1204861" cy="432000"/>
           </a:xfrm>
           <a:prstGeom prst="rect">
             <a:avLst/>
@@ -10595,14 +10509,14 @@
               <a:buNone/>
             </a:pPr>
             <a:r>
-              <a:rPr lang="en" sz="800" i="0" u="none" strike="noStrike" cap="none">
+              <a:rPr lang="en" sz="800" i="0" u="none" strike="noStrike" cap="none" dirty="0">
                 <a:solidFill>
                   <a:srgbClr val="666666"/>
                 </a:solidFill>
               </a:rPr>
               <a:t>«component»</a:t>
             </a:r>
-            <a:endParaRPr sz="800" i="0" u="none" strike="noStrike" cap="none"/>
+            <a:endParaRPr sz="800" i="0" u="none" strike="noStrike" cap="none" dirty="0"/>
           </a:p>
           <a:p>
             <a:pPr marL="0" marR="0" lvl="0" indent="0" algn="ctr" rtl="0">
@@ -10614,7 +10528,7 @@
               </a:spcAft>
               <a:buNone/>
             </a:pPr>
-            <a:endParaRPr sz="100" i="0" u="none" strike="noStrike" cap="none"/>
+            <a:endParaRPr sz="100" i="0" u="none" strike="noStrike" cap="none" dirty="0"/>
           </a:p>
           <a:p>
             <a:pPr marL="0" marR="0" lvl="0" indent="0" algn="ctr" rtl="0">
@@ -10627,22 +10541,968 @@
               <a:buNone/>
             </a:pPr>
             <a:r>
-              <a:rPr lang="en" sz="1000" b="1"/>
-              <a:t>Componente A</a:t>
+              <a:rPr lang="en" sz="1000" b="1" dirty="0"/>
+              <a:t>BuscaProdutos</a:t>
             </a:r>
-            <a:endParaRPr sz="1000" i="0" u="none" strike="noStrike" cap="none"/>
+            <a:endParaRPr sz="1000" i="0" u="none" strike="noStrike" cap="none" dirty="0"/>
+          </a:p>
+        </p:txBody>
+      </p:sp>
+      <p:grpSp>
+        <p:nvGrpSpPr>
+          <p:cNvPr id="5" name="Group 4">
+            <a:extLst>
+              <a:ext uri="{FF2B5EF4-FFF2-40B4-BE49-F238E27FC236}">
+                <a16:creationId xmlns:a16="http://schemas.microsoft.com/office/drawing/2014/main" id="{81D6ACF7-99C8-4FC7-A7DF-07761B8420E3}"/>
+              </a:ext>
+            </a:extLst>
+          </p:cNvPr>
+          <p:cNvGrpSpPr/>
+          <p:nvPr/>
+        </p:nvGrpSpPr>
+        <p:grpSpPr>
+          <a:xfrm>
+            <a:off x="1874693" y="1128086"/>
+            <a:ext cx="307655" cy="99700"/>
+            <a:chOff x="1862738" y="1105281"/>
+            <a:chExt cx="307655" cy="99700"/>
+          </a:xfrm>
+        </p:grpSpPr>
+        <p:cxnSp>
+          <p:nvCxnSpPr>
+            <p:cNvPr id="281" name="Google Shape;281;p16"/>
+            <p:cNvCxnSpPr/>
+            <p:nvPr/>
+          </p:nvCxnSpPr>
+          <p:spPr>
+            <a:xfrm>
+              <a:off x="1862738" y="1155052"/>
+              <a:ext cx="249300" cy="0"/>
+            </a:xfrm>
+            <a:prstGeom prst="straightConnector1">
+              <a:avLst/>
+            </a:prstGeom>
+            <a:noFill/>
+            <a:ln w="19050" cap="flat" cmpd="sng">
+              <a:solidFill>
+                <a:srgbClr val="000000"/>
+              </a:solidFill>
+              <a:prstDash val="solid"/>
+              <a:round/>
+              <a:headEnd type="none" w="sm" len="sm"/>
+              <a:tailEnd type="none" w="sm" len="sm"/>
+            </a:ln>
+          </p:spPr>
+        </p:cxnSp>
+        <p:sp>
+          <p:nvSpPr>
+            <p:cNvPr id="282" name="Google Shape;282;p16"/>
+            <p:cNvSpPr/>
+            <p:nvPr/>
+          </p:nvSpPr>
+          <p:spPr>
+            <a:xfrm>
+              <a:off x="2119196" y="1105281"/>
+              <a:ext cx="51197" cy="99700"/>
+            </a:xfrm>
+            <a:custGeom>
+              <a:avLst/>
+              <a:gdLst/>
+              <a:ahLst/>
+              <a:cxnLst/>
+              <a:rect l="l" t="t" r="r" b="b"/>
+              <a:pathLst>
+                <a:path w="323" h="629" extrusionOk="0">
+                  <a:moveTo>
+                    <a:pt x="320" y="0"/>
+                  </a:moveTo>
+                  <a:lnTo>
+                    <a:pt x="319" y="1"/>
+                  </a:lnTo>
+                  <a:cubicBezTo>
+                    <a:pt x="319" y="1"/>
+                    <a:pt x="318" y="1"/>
+                    <a:pt x="318" y="2"/>
+                  </a:cubicBezTo>
+                  <a:cubicBezTo>
+                    <a:pt x="317" y="3"/>
+                    <a:pt x="317" y="3"/>
+                    <a:pt x="317" y="4"/>
+                  </a:cubicBezTo>
+                  <a:lnTo>
+                    <a:pt x="317" y="7"/>
+                  </a:lnTo>
+                  <a:cubicBezTo>
+                    <a:pt x="316" y="7"/>
+                    <a:pt x="315" y="7"/>
+                    <a:pt x="314" y="7"/>
+                  </a:cubicBezTo>
+                  <a:cubicBezTo>
+                    <a:pt x="271" y="7"/>
+                    <a:pt x="230" y="15"/>
+                    <a:pt x="192" y="30"/>
+                  </a:cubicBezTo>
+                  <a:cubicBezTo>
+                    <a:pt x="156" y="45"/>
+                    <a:pt x="123" y="68"/>
+                    <a:pt x="95" y="95"/>
+                  </a:cubicBezTo>
+                  <a:cubicBezTo>
+                    <a:pt x="68" y="123"/>
+                    <a:pt x="45" y="156"/>
+                    <a:pt x="30" y="192"/>
+                  </a:cubicBezTo>
+                  <a:cubicBezTo>
+                    <a:pt x="15" y="230"/>
+                    <a:pt x="7" y="271"/>
+                    <a:pt x="7" y="314"/>
+                  </a:cubicBezTo>
+                  <a:cubicBezTo>
+                    <a:pt x="7" y="357"/>
+                    <a:pt x="15" y="398"/>
+                    <a:pt x="30" y="436"/>
+                  </a:cubicBezTo>
+                  <a:cubicBezTo>
+                    <a:pt x="45" y="473"/>
+                    <a:pt x="68" y="506"/>
+                    <a:pt x="95" y="533"/>
+                  </a:cubicBezTo>
+                  <a:cubicBezTo>
+                    <a:pt x="123" y="560"/>
+                    <a:pt x="156" y="583"/>
+                    <a:pt x="192" y="598"/>
+                  </a:cubicBezTo>
+                  <a:cubicBezTo>
+                    <a:pt x="230" y="613"/>
+                    <a:pt x="271" y="622"/>
+                    <a:pt x="314" y="622"/>
+                  </a:cubicBezTo>
+                  <a:cubicBezTo>
+                    <a:pt x="315" y="622"/>
+                    <a:pt x="316" y="622"/>
+                    <a:pt x="317" y="622"/>
+                  </a:cubicBezTo>
+                  <a:lnTo>
+                    <a:pt x="317" y="628"/>
+                  </a:lnTo>
+                  <a:cubicBezTo>
+                    <a:pt x="316" y="628"/>
+                    <a:pt x="315" y="628"/>
+                    <a:pt x="314" y="628"/>
+                  </a:cubicBezTo>
+                  <a:cubicBezTo>
+                    <a:pt x="270" y="628"/>
+                    <a:pt x="228" y="620"/>
+                    <a:pt x="190" y="604"/>
+                  </a:cubicBezTo>
+                  <a:cubicBezTo>
+                    <a:pt x="152" y="589"/>
+                    <a:pt x="118" y="566"/>
+                    <a:pt x="90" y="538"/>
+                  </a:cubicBezTo>
+                  <a:cubicBezTo>
+                    <a:pt x="62" y="510"/>
+                    <a:pt x="39" y="476"/>
+                    <a:pt x="24" y="438"/>
+                  </a:cubicBezTo>
+                  <a:cubicBezTo>
+                    <a:pt x="9" y="400"/>
+                    <a:pt x="0" y="358"/>
+                    <a:pt x="0" y="314"/>
+                  </a:cubicBezTo>
+                  <a:cubicBezTo>
+                    <a:pt x="0" y="270"/>
+                    <a:pt x="9" y="228"/>
+                    <a:pt x="24" y="190"/>
+                  </a:cubicBezTo>
+                  <a:cubicBezTo>
+                    <a:pt x="39" y="152"/>
+                    <a:pt x="62" y="118"/>
+                    <a:pt x="90" y="90"/>
+                  </a:cubicBezTo>
+                  <a:cubicBezTo>
+                    <a:pt x="118" y="62"/>
+                    <a:pt x="152" y="39"/>
+                    <a:pt x="190" y="24"/>
+                  </a:cubicBezTo>
+                  <a:cubicBezTo>
+                    <a:pt x="228" y="9"/>
+                    <a:pt x="270" y="0"/>
+                    <a:pt x="314" y="0"/>
+                  </a:cubicBezTo>
+                  <a:cubicBezTo>
+                    <a:pt x="316" y="0"/>
+                    <a:pt x="319" y="0"/>
+                    <a:pt x="322" y="0"/>
+                  </a:cubicBezTo>
+                  <a:lnTo>
+                    <a:pt x="320" y="0"/>
+                  </a:lnTo>
+                </a:path>
+              </a:pathLst>
+            </a:custGeom>
+            <a:solidFill>
+              <a:srgbClr val="000000"/>
+            </a:solidFill>
+            <a:ln w="19050" cap="flat" cmpd="sng">
+              <a:solidFill>
+                <a:srgbClr val="000000"/>
+              </a:solidFill>
+              <a:prstDash val="solid"/>
+              <a:round/>
+              <a:headEnd type="none" w="sm" len="sm"/>
+              <a:tailEnd type="none" w="sm" len="sm"/>
+            </a:ln>
+          </p:spPr>
+          <p:txBody>
+            <a:bodyPr spcFirstLastPara="1" wrap="square" lIns="91425" tIns="91425" rIns="91425" bIns="91425" anchor="ctr" anchorCtr="0">
+              <a:noAutofit/>
+            </a:bodyPr>
+            <a:lstStyle/>
+            <a:p>
+              <a:pPr marL="0" lvl="0" indent="0" algn="l" rtl="0">
+                <a:spcBef>
+                  <a:spcPts val="0"/>
+                </a:spcBef>
+                <a:spcAft>
+                  <a:spcPts val="0"/>
+                </a:spcAft>
+                <a:buNone/>
+              </a:pPr>
+              <a:endParaRPr/>
+            </a:p>
+          </p:txBody>
+        </p:sp>
+      </p:grpSp>
+      <p:grpSp>
+        <p:nvGrpSpPr>
+          <p:cNvPr id="4" name="Group 3">
+            <a:extLst>
+              <a:ext uri="{FF2B5EF4-FFF2-40B4-BE49-F238E27FC236}">
+                <a16:creationId xmlns:a16="http://schemas.microsoft.com/office/drawing/2014/main" id="{B1DE60B6-D4FF-4978-834E-0647A38625B1}"/>
+              </a:ext>
+            </a:extLst>
+          </p:cNvPr>
+          <p:cNvGrpSpPr/>
+          <p:nvPr/>
+        </p:nvGrpSpPr>
+        <p:grpSpPr>
+          <a:xfrm>
+            <a:off x="1861964" y="1340863"/>
+            <a:ext cx="370284" cy="97500"/>
+            <a:chOff x="1826375" y="1590661"/>
+            <a:chExt cx="370284" cy="97500"/>
+          </a:xfrm>
+        </p:grpSpPr>
+        <p:sp>
+          <p:nvSpPr>
+            <p:cNvPr id="284" name="Google Shape;284;p16"/>
+            <p:cNvSpPr/>
+            <p:nvPr/>
+          </p:nvSpPr>
+          <p:spPr>
+            <a:xfrm>
+              <a:off x="2099159" y="1590661"/>
+              <a:ext cx="97500" cy="97500"/>
+            </a:xfrm>
+            <a:prstGeom prst="ellipse">
+              <a:avLst/>
+            </a:prstGeom>
+            <a:solidFill>
+              <a:srgbClr val="FFFFFF"/>
+            </a:solidFill>
+            <a:ln w="19050" cap="flat" cmpd="sng">
+              <a:solidFill>
+                <a:srgbClr val="000000"/>
+              </a:solidFill>
+              <a:prstDash val="solid"/>
+              <a:round/>
+              <a:headEnd type="none" w="sm" len="sm"/>
+              <a:tailEnd type="none" w="sm" len="sm"/>
+            </a:ln>
+          </p:spPr>
+          <p:txBody>
+            <a:bodyPr spcFirstLastPara="1" wrap="square" lIns="91425" tIns="91425" rIns="91425" bIns="91425" anchor="ctr" anchorCtr="0">
+              <a:noAutofit/>
+            </a:bodyPr>
+            <a:lstStyle/>
+            <a:p>
+              <a:pPr marL="0" lvl="0" indent="0" algn="l" rtl="0">
+                <a:spcBef>
+                  <a:spcPts val="0"/>
+                </a:spcBef>
+                <a:spcAft>
+                  <a:spcPts val="0"/>
+                </a:spcAft>
+                <a:buNone/>
+              </a:pPr>
+              <a:endParaRPr/>
+            </a:p>
+          </p:txBody>
+        </p:sp>
+        <p:cxnSp>
+          <p:nvCxnSpPr>
+            <p:cNvPr id="285" name="Google Shape;285;p16"/>
+            <p:cNvCxnSpPr/>
+            <p:nvPr/>
+          </p:nvCxnSpPr>
+          <p:spPr>
+            <a:xfrm>
+              <a:off x="1826375" y="1639321"/>
+              <a:ext cx="272700" cy="0"/>
+            </a:xfrm>
+            <a:prstGeom prst="straightConnector1">
+              <a:avLst/>
+            </a:prstGeom>
+            <a:noFill/>
+            <a:ln w="19050" cap="flat" cmpd="sng">
+              <a:solidFill>
+                <a:srgbClr val="000000"/>
+              </a:solidFill>
+              <a:prstDash val="solid"/>
+              <a:round/>
+              <a:headEnd type="none" w="sm" len="sm"/>
+              <a:tailEnd type="none" w="sm" len="sm"/>
+            </a:ln>
+          </p:spPr>
+        </p:cxnSp>
+      </p:grpSp>
+      <p:sp>
+        <p:nvSpPr>
+          <p:cNvPr id="286" name="Google Shape;286;p16"/>
+          <p:cNvSpPr txBox="1"/>
+          <p:nvPr/>
+        </p:nvSpPr>
+        <p:spPr>
+          <a:xfrm>
+            <a:off x="2556543" y="692764"/>
+            <a:ext cx="470022" cy="143100"/>
+          </a:xfrm>
+          <a:prstGeom prst="rect">
+            <a:avLst/>
+          </a:prstGeom>
+          <a:noFill/>
+          <a:ln>
+            <a:noFill/>
+          </a:ln>
+        </p:spPr>
+        <p:txBody>
+          <a:bodyPr spcFirstLastPara="1" wrap="square" lIns="90000" tIns="45000" rIns="90000" bIns="45000" anchor="t" anchorCtr="0">
+            <a:noAutofit/>
+          </a:bodyPr>
+          <a:lstStyle/>
+          <a:p>
+            <a:pPr marL="0" marR="0" lvl="0" indent="0" algn="l" rtl="0">
+              <a:spcBef>
+                <a:spcPts val="0"/>
+              </a:spcBef>
+              <a:spcAft>
+                <a:spcPts val="0"/>
+              </a:spcAft>
+              <a:buNone/>
+            </a:pPr>
+            <a:r>
+              <a:rPr lang="en" sz="600" strike="noStrike" dirty="0"/>
+              <a:t>IBusca</a:t>
+            </a:r>
+            <a:endParaRPr sz="600" strike="noStrike" dirty="0"/>
+          </a:p>
+        </p:txBody>
+      </p:sp>
+      <p:sp>
+        <p:nvSpPr>
+          <p:cNvPr id="287" name="Google Shape;287;p16"/>
+          <p:cNvSpPr/>
+          <p:nvPr/>
+        </p:nvSpPr>
+        <p:spPr>
+          <a:xfrm>
+            <a:off x="3505083" y="1660325"/>
+            <a:ext cx="1287287" cy="432000"/>
+          </a:xfrm>
+          <a:prstGeom prst="rect">
+            <a:avLst/>
+          </a:prstGeom>
+          <a:solidFill>
+            <a:srgbClr val="FFFFFF"/>
+          </a:solidFill>
+          <a:ln w="19050" cap="flat" cmpd="sng">
+            <a:solidFill>
+              <a:srgbClr val="000000"/>
+            </a:solidFill>
+            <a:prstDash val="solid"/>
+            <a:round/>
+            <a:headEnd type="none" w="sm" len="sm"/>
+            <a:tailEnd type="none" w="sm" len="sm"/>
+          </a:ln>
+        </p:spPr>
+        <p:txBody>
+          <a:bodyPr spcFirstLastPara="1" wrap="square" lIns="104400" tIns="59400" rIns="104400" bIns="59400" anchor="ctr" anchorCtr="0">
+            <a:noAutofit/>
+          </a:bodyPr>
+          <a:lstStyle/>
+          <a:p>
+            <a:pPr marL="0" lvl="0" indent="0" algn="ctr" rtl="0">
+              <a:spcBef>
+                <a:spcPts val="0"/>
+              </a:spcBef>
+              <a:spcAft>
+                <a:spcPts val="0"/>
+              </a:spcAft>
+              <a:buNone/>
+            </a:pPr>
+            <a:r>
+              <a:rPr lang="en" sz="800" dirty="0">
+                <a:solidFill>
+                  <a:srgbClr val="666666"/>
+                </a:solidFill>
+              </a:rPr>
+              <a:t>«component»</a:t>
+            </a:r>
+            <a:endParaRPr sz="800" dirty="0">
+              <a:solidFill>
+                <a:srgbClr val="000000"/>
+              </a:solidFill>
+            </a:endParaRPr>
+          </a:p>
+          <a:p>
+            <a:pPr marL="0" lvl="0" indent="0" algn="ctr" rtl="0">
+              <a:spcBef>
+                <a:spcPts val="0"/>
+              </a:spcBef>
+              <a:spcAft>
+                <a:spcPts val="0"/>
+              </a:spcAft>
+              <a:buNone/>
+            </a:pPr>
+            <a:endParaRPr sz="100" dirty="0">
+              <a:solidFill>
+                <a:srgbClr val="000000"/>
+              </a:solidFill>
+            </a:endParaRPr>
+          </a:p>
+          <a:p>
+            <a:pPr marL="0" lvl="0" indent="0" algn="ctr" rtl="0">
+              <a:spcBef>
+                <a:spcPts val="0"/>
+              </a:spcBef>
+              <a:spcAft>
+                <a:spcPts val="0"/>
+              </a:spcAft>
+              <a:buNone/>
+            </a:pPr>
+            <a:r>
+              <a:rPr lang="en-US" sz="1000" b="1" dirty="0" err="1">
+                <a:solidFill>
+                  <a:schemeClr val="tx1"/>
+                </a:solidFill>
+              </a:rPr>
+              <a:t>ResultadosBusca</a:t>
+            </a:r>
+            <a:endParaRPr sz="1000" b="1" dirty="0">
+              <a:solidFill>
+                <a:schemeClr val="tx1"/>
+              </a:solidFill>
+            </a:endParaRPr>
+          </a:p>
+        </p:txBody>
+      </p:sp>
+      <p:grpSp>
+        <p:nvGrpSpPr>
+          <p:cNvPr id="288" name="Google Shape;288;p16"/>
+          <p:cNvGrpSpPr/>
+          <p:nvPr/>
+        </p:nvGrpSpPr>
+        <p:grpSpPr>
+          <a:xfrm>
+            <a:off x="3292742" y="1932368"/>
+            <a:ext cx="212401" cy="99702"/>
+            <a:chOff x="4613040" y="5077440"/>
+            <a:chExt cx="482400" cy="226440"/>
+          </a:xfrm>
+        </p:grpSpPr>
+        <p:cxnSp>
+          <p:nvCxnSpPr>
+            <p:cNvPr id="289" name="Google Shape;289;p16"/>
+            <p:cNvCxnSpPr/>
+            <p:nvPr/>
+          </p:nvCxnSpPr>
+          <p:spPr>
+            <a:xfrm rot="10800000">
+              <a:off x="4745040" y="5190480"/>
+              <a:ext cx="350400" cy="0"/>
+            </a:xfrm>
+            <a:prstGeom prst="straightConnector1">
+              <a:avLst/>
+            </a:prstGeom>
+            <a:noFill/>
+            <a:ln w="19050" cap="flat" cmpd="sng">
+              <a:solidFill>
+                <a:srgbClr val="000000"/>
+              </a:solidFill>
+              <a:prstDash val="solid"/>
+              <a:round/>
+              <a:headEnd type="none" w="sm" len="sm"/>
+              <a:tailEnd type="none" w="sm" len="sm"/>
+            </a:ln>
+          </p:spPr>
+        </p:cxnSp>
+        <p:sp>
+          <p:nvSpPr>
+            <p:cNvPr id="290" name="Google Shape;290;p16"/>
+            <p:cNvSpPr/>
+            <p:nvPr/>
+          </p:nvSpPr>
+          <p:spPr>
+            <a:xfrm>
+              <a:off x="4613040" y="5077440"/>
+              <a:ext cx="116280" cy="226440"/>
+            </a:xfrm>
+            <a:custGeom>
+              <a:avLst/>
+              <a:gdLst/>
+              <a:ahLst/>
+              <a:cxnLst/>
+              <a:rect l="l" t="t" r="r" b="b"/>
+              <a:pathLst>
+                <a:path w="323" h="629" extrusionOk="0">
+                  <a:moveTo>
+                    <a:pt x="1" y="0"/>
+                  </a:moveTo>
+                  <a:cubicBezTo>
+                    <a:pt x="2" y="0"/>
+                    <a:pt x="2" y="0"/>
+                    <a:pt x="3" y="1"/>
+                  </a:cubicBezTo>
+                  <a:cubicBezTo>
+                    <a:pt x="3" y="1"/>
+                    <a:pt x="4" y="1"/>
+                    <a:pt x="4" y="2"/>
+                  </a:cubicBezTo>
+                  <a:cubicBezTo>
+                    <a:pt x="4" y="3"/>
+                    <a:pt x="4" y="3"/>
+                    <a:pt x="4" y="4"/>
+                  </a:cubicBezTo>
+                  <a:lnTo>
+                    <a:pt x="4" y="7"/>
+                  </a:lnTo>
+                  <a:cubicBezTo>
+                    <a:pt x="5" y="7"/>
+                    <a:pt x="6" y="7"/>
+                    <a:pt x="7" y="7"/>
+                  </a:cubicBezTo>
+                  <a:cubicBezTo>
+                    <a:pt x="50" y="7"/>
+                    <a:pt x="92" y="15"/>
+                    <a:pt x="129" y="30"/>
+                  </a:cubicBezTo>
+                  <a:cubicBezTo>
+                    <a:pt x="166" y="45"/>
+                    <a:pt x="199" y="68"/>
+                    <a:pt x="226" y="95"/>
+                  </a:cubicBezTo>
+                  <a:cubicBezTo>
+                    <a:pt x="254" y="123"/>
+                    <a:pt x="276" y="156"/>
+                    <a:pt x="291" y="192"/>
+                  </a:cubicBezTo>
+                  <a:cubicBezTo>
+                    <a:pt x="306" y="230"/>
+                    <a:pt x="314" y="271"/>
+                    <a:pt x="314" y="314"/>
+                  </a:cubicBezTo>
+                  <a:cubicBezTo>
+                    <a:pt x="314" y="357"/>
+                    <a:pt x="306" y="398"/>
+                    <a:pt x="291" y="436"/>
+                  </a:cubicBezTo>
+                  <a:cubicBezTo>
+                    <a:pt x="276" y="473"/>
+                    <a:pt x="254" y="506"/>
+                    <a:pt x="226" y="533"/>
+                  </a:cubicBezTo>
+                  <a:cubicBezTo>
+                    <a:pt x="199" y="560"/>
+                    <a:pt x="166" y="583"/>
+                    <a:pt x="129" y="598"/>
+                  </a:cubicBezTo>
+                  <a:cubicBezTo>
+                    <a:pt x="92" y="613"/>
+                    <a:pt x="50" y="622"/>
+                    <a:pt x="7" y="622"/>
+                  </a:cubicBezTo>
+                  <a:cubicBezTo>
+                    <a:pt x="6" y="622"/>
+                    <a:pt x="5" y="622"/>
+                    <a:pt x="4" y="622"/>
+                  </a:cubicBezTo>
+                  <a:lnTo>
+                    <a:pt x="4" y="628"/>
+                  </a:lnTo>
+                  <a:cubicBezTo>
+                    <a:pt x="5" y="628"/>
+                    <a:pt x="6" y="628"/>
+                    <a:pt x="7" y="628"/>
+                  </a:cubicBezTo>
+                  <a:cubicBezTo>
+                    <a:pt x="51" y="628"/>
+                    <a:pt x="94" y="620"/>
+                    <a:pt x="132" y="604"/>
+                  </a:cubicBezTo>
+                  <a:cubicBezTo>
+                    <a:pt x="169" y="589"/>
+                    <a:pt x="203" y="566"/>
+                    <a:pt x="231" y="538"/>
+                  </a:cubicBezTo>
+                  <a:cubicBezTo>
+                    <a:pt x="259" y="510"/>
+                    <a:pt x="282" y="476"/>
+                    <a:pt x="297" y="438"/>
+                  </a:cubicBezTo>
+                  <a:cubicBezTo>
+                    <a:pt x="313" y="400"/>
+                    <a:pt x="322" y="358"/>
+                    <a:pt x="322" y="314"/>
+                  </a:cubicBezTo>
+                  <a:cubicBezTo>
+                    <a:pt x="322" y="270"/>
+                    <a:pt x="313" y="228"/>
+                    <a:pt x="297" y="190"/>
+                  </a:cubicBezTo>
+                  <a:cubicBezTo>
+                    <a:pt x="282" y="152"/>
+                    <a:pt x="259" y="118"/>
+                    <a:pt x="231" y="90"/>
+                  </a:cubicBezTo>
+                  <a:cubicBezTo>
+                    <a:pt x="203" y="62"/>
+                    <a:pt x="169" y="39"/>
+                    <a:pt x="132" y="24"/>
+                  </a:cubicBezTo>
+                  <a:cubicBezTo>
+                    <a:pt x="94" y="9"/>
+                    <a:pt x="51" y="0"/>
+                    <a:pt x="7" y="0"/>
+                  </a:cubicBezTo>
+                  <a:cubicBezTo>
+                    <a:pt x="5" y="0"/>
+                    <a:pt x="3" y="0"/>
+                    <a:pt x="0" y="0"/>
+                  </a:cubicBezTo>
+                  <a:lnTo>
+                    <a:pt x="1" y="0"/>
+                  </a:lnTo>
+                </a:path>
+              </a:pathLst>
+            </a:custGeom>
+            <a:solidFill>
+              <a:srgbClr val="000000"/>
+            </a:solidFill>
+            <a:ln w="19050" cap="flat" cmpd="sng">
+              <a:solidFill>
+                <a:srgbClr val="000000"/>
+              </a:solidFill>
+              <a:prstDash val="solid"/>
+              <a:round/>
+              <a:headEnd type="none" w="sm" len="sm"/>
+              <a:tailEnd type="none" w="sm" len="sm"/>
+            </a:ln>
+          </p:spPr>
+          <p:txBody>
+            <a:bodyPr spcFirstLastPara="1" wrap="square" lIns="91425" tIns="91425" rIns="91425" bIns="91425" anchor="ctr" anchorCtr="0">
+              <a:noAutofit/>
+            </a:bodyPr>
+            <a:lstStyle/>
+            <a:p>
+              <a:pPr marL="0" lvl="0" indent="0" algn="l" rtl="0">
+                <a:spcBef>
+                  <a:spcPts val="0"/>
+                </a:spcBef>
+                <a:spcAft>
+                  <a:spcPts val="0"/>
+                </a:spcAft>
+                <a:buNone/>
+              </a:pPr>
+              <a:endParaRPr/>
+            </a:p>
+          </p:txBody>
+        </p:sp>
+      </p:grpSp>
+      <p:grpSp>
+        <p:nvGrpSpPr>
+          <p:cNvPr id="292" name="Google Shape;292;p16"/>
+          <p:cNvGrpSpPr/>
+          <p:nvPr/>
+        </p:nvGrpSpPr>
+        <p:grpSpPr>
+          <a:xfrm>
+            <a:off x="3229841" y="1660368"/>
+            <a:ext cx="275302" cy="97615"/>
+            <a:chOff x="4470180" y="4459680"/>
+            <a:chExt cx="625260" cy="221700"/>
+          </a:xfrm>
+        </p:grpSpPr>
+        <p:sp>
+          <p:nvSpPr>
+            <p:cNvPr id="293" name="Google Shape;293;p16"/>
+            <p:cNvSpPr/>
+            <p:nvPr/>
+          </p:nvSpPr>
+          <p:spPr>
+            <a:xfrm flipH="1">
+              <a:off x="4470180" y="4459680"/>
+              <a:ext cx="221700" cy="221700"/>
+            </a:xfrm>
+            <a:prstGeom prst="ellipse">
+              <a:avLst/>
+            </a:prstGeom>
+            <a:solidFill>
+              <a:srgbClr val="FFFFFF"/>
+            </a:solidFill>
+            <a:ln w="19050" cap="flat" cmpd="sng">
+              <a:solidFill>
+                <a:srgbClr val="000000"/>
+              </a:solidFill>
+              <a:prstDash val="solid"/>
+              <a:round/>
+              <a:headEnd type="none" w="sm" len="sm"/>
+              <a:tailEnd type="none" w="sm" len="sm"/>
+            </a:ln>
+          </p:spPr>
+          <p:txBody>
+            <a:bodyPr spcFirstLastPara="1" wrap="square" lIns="91425" tIns="91425" rIns="91425" bIns="91425" anchor="ctr" anchorCtr="0">
+              <a:noAutofit/>
+            </a:bodyPr>
+            <a:lstStyle/>
+            <a:p>
+              <a:pPr marL="0" lvl="0" indent="0" algn="l" rtl="0">
+                <a:spcBef>
+                  <a:spcPts val="0"/>
+                </a:spcBef>
+                <a:spcAft>
+                  <a:spcPts val="0"/>
+                </a:spcAft>
+                <a:buNone/>
+              </a:pPr>
+              <a:endParaRPr/>
+            </a:p>
+          </p:txBody>
+        </p:sp>
+        <p:cxnSp>
+          <p:nvCxnSpPr>
+            <p:cNvPr id="294" name="Google Shape;294;p16"/>
+            <p:cNvCxnSpPr/>
+            <p:nvPr/>
+          </p:nvCxnSpPr>
+          <p:spPr>
+            <a:xfrm rot="10800000">
+              <a:off x="4691940" y="4570200"/>
+              <a:ext cx="403500" cy="0"/>
+            </a:xfrm>
+            <a:prstGeom prst="straightConnector1">
+              <a:avLst/>
+            </a:prstGeom>
+            <a:noFill/>
+            <a:ln w="19050" cap="flat" cmpd="sng">
+              <a:solidFill>
+                <a:srgbClr val="000000"/>
+              </a:solidFill>
+              <a:prstDash val="solid"/>
+              <a:round/>
+              <a:headEnd type="none" w="sm" len="sm"/>
+              <a:tailEnd type="none" w="sm" len="sm"/>
+            </a:ln>
+          </p:spPr>
+        </p:cxnSp>
+      </p:grpSp>
+      <p:sp>
+        <p:nvSpPr>
+          <p:cNvPr id="303" name="Google Shape;303;p16"/>
+          <p:cNvSpPr txBox="1"/>
+          <p:nvPr/>
+        </p:nvSpPr>
+        <p:spPr>
+          <a:xfrm>
+            <a:off x="778608" y="5855"/>
+            <a:ext cx="1470300" cy="320100"/>
+          </a:xfrm>
+          <a:prstGeom prst="rect">
+            <a:avLst/>
+          </a:prstGeom>
+          <a:noFill/>
+          <a:ln>
+            <a:noFill/>
+          </a:ln>
+        </p:spPr>
+        <p:txBody>
+          <a:bodyPr spcFirstLastPara="1" wrap="square" lIns="91425" tIns="91425" rIns="91425" bIns="91425" anchor="t" anchorCtr="0">
+            <a:noAutofit/>
+          </a:bodyPr>
+          <a:lstStyle/>
+          <a:p>
+            <a:pPr marL="0" lvl="0" indent="0" algn="l" rtl="0">
+              <a:spcBef>
+                <a:spcPts val="0"/>
+              </a:spcBef>
+              <a:spcAft>
+                <a:spcPts val="0"/>
+              </a:spcAft>
+              <a:buNone/>
+            </a:pPr>
+            <a:r>
+              <a:rPr lang="en" sz="2000" b="1" dirty="0"/>
+              <a:t>Controller</a:t>
+            </a:r>
+            <a:endParaRPr sz="2000" b="1" dirty="0"/>
+          </a:p>
+        </p:txBody>
+      </p:sp>
+      <p:sp>
+        <p:nvSpPr>
+          <p:cNvPr id="304" name="Google Shape;304;p16"/>
+          <p:cNvSpPr txBox="1"/>
+          <p:nvPr/>
+        </p:nvSpPr>
+        <p:spPr>
+          <a:xfrm>
+            <a:off x="3505083" y="-3558"/>
+            <a:ext cx="962100" cy="320100"/>
+          </a:xfrm>
+          <a:prstGeom prst="rect">
+            <a:avLst/>
+          </a:prstGeom>
+          <a:noFill/>
+          <a:ln>
+            <a:noFill/>
+          </a:ln>
+        </p:spPr>
+        <p:txBody>
+          <a:bodyPr spcFirstLastPara="1" wrap="square" lIns="91425" tIns="91425" rIns="91425" bIns="91425" anchor="t" anchorCtr="0">
+            <a:noAutofit/>
+          </a:bodyPr>
+          <a:lstStyle/>
+          <a:p>
+            <a:pPr marL="0" lvl="0" indent="0" algn="l" rtl="0">
+              <a:spcBef>
+                <a:spcPts val="0"/>
+              </a:spcBef>
+              <a:spcAft>
+                <a:spcPts val="0"/>
+              </a:spcAft>
+              <a:buNone/>
+            </a:pPr>
+            <a:r>
+              <a:rPr lang="en" sz="2000" b="1" dirty="0"/>
+              <a:t>View</a:t>
+            </a:r>
+            <a:endParaRPr sz="2000" b="1" dirty="0"/>
+          </a:p>
+        </p:txBody>
+      </p:sp>
+      <p:sp>
+        <p:nvSpPr>
+          <p:cNvPr id="37" name="Google Shape;280;p16">
+            <a:extLst>
+              <a:ext uri="{FF2B5EF4-FFF2-40B4-BE49-F238E27FC236}">
+                <a16:creationId xmlns:a16="http://schemas.microsoft.com/office/drawing/2014/main" id="{79595DC1-E1C5-45FA-9B59-22643FB105D3}"/>
+              </a:ext>
+            </a:extLst>
+          </p:cNvPr>
+          <p:cNvSpPr/>
+          <p:nvPr/>
+        </p:nvSpPr>
+        <p:spPr>
+          <a:xfrm>
+            <a:off x="657103" y="5843304"/>
+            <a:ext cx="987300" cy="432000"/>
+          </a:xfrm>
+          <a:prstGeom prst="rect">
+            <a:avLst/>
+          </a:prstGeom>
+          <a:solidFill>
+            <a:srgbClr val="FFFFFF"/>
+          </a:solidFill>
+          <a:ln w="19050" cap="flat" cmpd="sng">
+            <a:solidFill>
+              <a:srgbClr val="000000"/>
+            </a:solidFill>
+            <a:prstDash val="solid"/>
+            <a:round/>
+            <a:headEnd type="none" w="sm" len="sm"/>
+            <a:tailEnd type="none" w="sm" len="sm"/>
+          </a:ln>
+        </p:spPr>
+        <p:txBody>
+          <a:bodyPr spcFirstLastPara="1" wrap="square" lIns="104400" tIns="59400" rIns="104400" bIns="59400" anchor="ctr" anchorCtr="0">
+            <a:noAutofit/>
+          </a:bodyPr>
+          <a:lstStyle/>
+          <a:p>
+            <a:pPr marL="0" marR="0" lvl="0" indent="0" algn="ctr" rtl="0">
+              <a:spcBef>
+                <a:spcPts val="0"/>
+              </a:spcBef>
+              <a:spcAft>
+                <a:spcPts val="0"/>
+              </a:spcAft>
+              <a:buNone/>
+            </a:pPr>
+            <a:r>
+              <a:rPr lang="en" sz="800" i="0" u="none" strike="noStrike" cap="none" dirty="0">
+                <a:solidFill>
+                  <a:srgbClr val="666666"/>
+                </a:solidFill>
+              </a:rPr>
+              <a:t>«component»</a:t>
+            </a:r>
+            <a:endParaRPr sz="800" i="0" u="none" strike="noStrike" cap="none" dirty="0"/>
+          </a:p>
+          <a:p>
+            <a:pPr marL="0" marR="0" lvl="0" indent="0" algn="ctr" rtl="0">
+              <a:spcBef>
+                <a:spcPts val="0"/>
+              </a:spcBef>
+              <a:spcAft>
+                <a:spcPts val="0"/>
+              </a:spcAft>
+              <a:buNone/>
+            </a:pPr>
+            <a:endParaRPr sz="100" i="0" u="none" strike="noStrike" cap="none" dirty="0"/>
+          </a:p>
+          <a:p>
+            <a:pPr marL="0" marR="0" lvl="0" indent="0" algn="ctr" rtl="0">
+              <a:spcBef>
+                <a:spcPts val="0"/>
+              </a:spcBef>
+              <a:spcAft>
+                <a:spcPts val="0"/>
+              </a:spcAft>
+              <a:buNone/>
+            </a:pPr>
+            <a:r>
+              <a:rPr lang="en" sz="1000" b="1" dirty="0"/>
+              <a:t>Pagamento</a:t>
+            </a:r>
+            <a:endParaRPr sz="1000" i="0" u="none" strike="noStrike" cap="none" dirty="0"/>
           </a:p>
         </p:txBody>
       </p:sp>
       <p:cxnSp>
         <p:nvCxnSpPr>
-          <p:cNvPr id="281" name="Google Shape;281;p16"/>
+          <p:cNvPr id="38" name="Google Shape;281;p16">
+            <a:extLst>
+              <a:ext uri="{FF2B5EF4-FFF2-40B4-BE49-F238E27FC236}">
+                <a16:creationId xmlns:a16="http://schemas.microsoft.com/office/drawing/2014/main" id="{8E3377C6-637C-4FA6-B37A-D40DABF9E01D}"/>
+              </a:ext>
+            </a:extLst>
+          </p:cNvPr>
           <p:cNvCxnSpPr/>
           <p:nvPr/>
         </p:nvCxnSpPr>
         <p:spPr>
           <a:xfrm>
-            <a:off x="1920980" y="4984102"/>
+            <a:off x="1644145" y="6165068"/>
             <a:ext cx="249300" cy="0"/>
           </a:xfrm>
           <a:prstGeom prst="straightConnector1">
@@ -10662,13 +11522,19 @@
       </p:cxnSp>
       <p:sp>
         <p:nvSpPr>
-          <p:cNvPr id="282" name="Google Shape;282;p16"/>
+          <p:cNvPr id="39" name="Google Shape;282;p16">
+            <a:extLst>
+              <a:ext uri="{FF2B5EF4-FFF2-40B4-BE49-F238E27FC236}">
+                <a16:creationId xmlns:a16="http://schemas.microsoft.com/office/drawing/2014/main" id="{661941FE-5194-4296-8862-FABCA4B8A09B}"/>
+              </a:ext>
+            </a:extLst>
+          </p:cNvPr>
           <p:cNvSpPr/>
           <p:nvPr/>
         </p:nvSpPr>
         <p:spPr>
           <a:xfrm>
-            <a:off x="2177438" y="4934331"/>
+            <a:off x="1900603" y="6115297"/>
             <a:ext cx="51197" cy="99700"/>
           </a:xfrm>
           <a:custGeom>
@@ -10841,59 +11707,19 @@
       </p:sp>
       <p:sp>
         <p:nvSpPr>
-          <p:cNvPr id="283" name="Google Shape;283;p16"/>
-          <p:cNvSpPr txBox="1"/>
+          <p:cNvPr id="40" name="Google Shape;284;p16">
+            <a:extLst>
+              <a:ext uri="{FF2B5EF4-FFF2-40B4-BE49-F238E27FC236}">
+                <a16:creationId xmlns:a16="http://schemas.microsoft.com/office/drawing/2014/main" id="{9A991025-AAED-4A17-8142-03110E69CE59}"/>
+              </a:ext>
+            </a:extLst>
+          </p:cNvPr>
+          <p:cNvSpPr/>
           <p:nvPr/>
         </p:nvSpPr>
         <p:spPr>
           <a:xfrm>
-            <a:off x="1933709" y="5033876"/>
-            <a:ext cx="622500" cy="147300"/>
-          </a:xfrm>
-          <a:prstGeom prst="rect">
-            <a:avLst/>
-          </a:prstGeom>
-          <a:noFill/>
-          <a:ln>
-            <a:noFill/>
-          </a:ln>
-        </p:spPr>
-        <p:txBody>
-          <a:bodyPr spcFirstLastPara="1" wrap="square" lIns="90000" tIns="45000" rIns="90000" bIns="45000" anchor="t" anchorCtr="0">
-            <a:noAutofit/>
-          </a:bodyPr>
-          <a:lstStyle/>
-          <a:p>
-            <a:pPr marL="0" marR="0" lvl="0" indent="0" algn="l" rtl="0">
-              <a:spcBef>
-                <a:spcPts val="0"/>
-              </a:spcBef>
-              <a:spcAft>
-                <a:spcPts val="0"/>
-              </a:spcAft>
-              <a:buNone/>
-            </a:pPr>
-            <a:r>
-              <a:rPr lang="en" sz="600" i="0" u="none" strike="noStrike" cap="none"/>
-              <a:t>I</a:t>
-            </a:r>
-            <a:r>
-              <a:rPr lang="en" sz="600"/>
-              <a:t>nterface B</a:t>
-            </a:r>
-            <a:endParaRPr sz="600" strike="noStrike"/>
-          </a:p>
-        </p:txBody>
-      </p:sp>
-      <p:sp>
-        <p:nvSpPr>
-          <p:cNvPr id="284" name="Google Shape;284;p16"/>
-          <p:cNvSpPr/>
-          <p:nvPr/>
-        </p:nvSpPr>
-        <p:spPr>
-          <a:xfrm>
-            <a:off x="2193764" y="4662338"/>
+            <a:off x="1916929" y="5843304"/>
             <a:ext cx="97500" cy="97500"/>
           </a:xfrm>
           <a:prstGeom prst="ellipse">
@@ -10933,13 +11759,19 @@
       </p:sp>
       <p:cxnSp>
         <p:nvCxnSpPr>
-          <p:cNvPr id="285" name="Google Shape;285;p16"/>
+          <p:cNvPr id="41" name="Google Shape;285;p16">
+            <a:extLst>
+              <a:ext uri="{FF2B5EF4-FFF2-40B4-BE49-F238E27FC236}">
+                <a16:creationId xmlns:a16="http://schemas.microsoft.com/office/drawing/2014/main" id="{DB6FAB71-BD43-4C70-9F1B-D13D7965A747}"/>
+              </a:ext>
+            </a:extLst>
+          </p:cNvPr>
           <p:cNvCxnSpPr/>
           <p:nvPr/>
         </p:nvCxnSpPr>
         <p:spPr>
           <a:xfrm>
-            <a:off x="1920980" y="4710998"/>
+            <a:off x="1644145" y="5891964"/>
             <a:ext cx="272700" cy="0"/>
           </a:xfrm>
           <a:prstGeom prst="straightConnector1">
@@ -10959,60 +11791,20 @@
       </p:cxnSp>
       <p:sp>
         <p:nvSpPr>
-          <p:cNvPr id="286" name="Google Shape;286;p16"/>
-          <p:cNvSpPr txBox="1"/>
+          <p:cNvPr id="42" name="Google Shape;280;p16">
+            <a:extLst>
+              <a:ext uri="{FF2B5EF4-FFF2-40B4-BE49-F238E27FC236}">
+                <a16:creationId xmlns:a16="http://schemas.microsoft.com/office/drawing/2014/main" id="{2AAC7126-23B3-44BE-BAB0-C2F5B6DC9568}"/>
+              </a:ext>
+            </a:extLst>
+          </p:cNvPr>
+          <p:cNvSpPr/>
           <p:nvPr/>
         </p:nvSpPr>
         <p:spPr>
           <a:xfrm>
-            <a:off x="1920985" y="4756967"/>
-            <a:ext cx="601800" cy="143100"/>
-          </a:xfrm>
-          <a:prstGeom prst="rect">
-            <a:avLst/>
-          </a:prstGeom>
-          <a:noFill/>
-          <a:ln>
-            <a:noFill/>
-          </a:ln>
-        </p:spPr>
-        <p:txBody>
-          <a:bodyPr spcFirstLastPara="1" wrap="square" lIns="90000" tIns="45000" rIns="90000" bIns="45000" anchor="t" anchorCtr="0">
-            <a:noAutofit/>
-          </a:bodyPr>
-          <a:lstStyle/>
-          <a:p>
-            <a:pPr marL="0" marR="0" lvl="0" indent="0" algn="l" rtl="0">
-              <a:spcBef>
-                <a:spcPts val="0"/>
-              </a:spcBef>
-              <a:spcAft>
-                <a:spcPts val="0"/>
-              </a:spcAft>
-              <a:buNone/>
-            </a:pPr>
-            <a:r>
-              <a:rPr lang="en" sz="600" strike="noStrike"/>
-              <a:t>I</a:t>
-            </a:r>
-            <a:r>
-              <a:rPr lang="en" sz="600"/>
-              <a:t>nterface A</a:t>
-            </a:r>
-            <a:endParaRPr sz="600" strike="noStrike"/>
-          </a:p>
-        </p:txBody>
-      </p:sp>
-      <p:sp>
-        <p:nvSpPr>
-          <p:cNvPr id="287" name="Google Shape;287;p16"/>
-          <p:cNvSpPr/>
-          <p:nvPr/>
-        </p:nvSpPr>
-        <p:spPr>
-          <a:xfrm>
-            <a:off x="3257964" y="4670738"/>
-            <a:ext cx="1128900" cy="432000"/>
+            <a:off x="657103" y="4207510"/>
+            <a:ext cx="987300" cy="432000"/>
           </a:xfrm>
           <a:prstGeom prst="rect">
             <a:avLst/>
@@ -11036,7 +11828,7 @@
           </a:bodyPr>
           <a:lstStyle/>
           <a:p>
-            <a:pPr marL="0" lvl="0" indent="0" algn="ctr" rtl="0">
+            <a:pPr marL="0" marR="0" lvl="0" indent="0" algn="ctr" rtl="0">
               <a:spcBef>
                 <a:spcPts val="0"/>
               </a:spcBef>
@@ -11046,14 +11838,834 @@
               <a:buNone/>
             </a:pPr>
             <a:r>
-              <a:rPr lang="en" sz="800">
+              <a:rPr lang="en" sz="800" i="0" u="none" strike="noStrike" cap="none" dirty="0">
                 <a:solidFill>
                   <a:srgbClr val="666666"/>
                 </a:solidFill>
               </a:rPr>
               <a:t>«component»</a:t>
             </a:r>
-            <a:endParaRPr sz="800">
+            <a:endParaRPr sz="800" i="0" u="none" strike="noStrike" cap="none" dirty="0"/>
+          </a:p>
+          <a:p>
+            <a:pPr marL="0" marR="0" lvl="0" indent="0" algn="ctr" rtl="0">
+              <a:spcBef>
+                <a:spcPts val="0"/>
+              </a:spcBef>
+              <a:spcAft>
+                <a:spcPts val="0"/>
+              </a:spcAft>
+              <a:buNone/>
+            </a:pPr>
+            <a:endParaRPr sz="100" i="0" u="none" strike="noStrike" cap="none" dirty="0"/>
+          </a:p>
+          <a:p>
+            <a:pPr marL="0" marR="0" lvl="0" indent="0" algn="ctr" rtl="0">
+              <a:spcBef>
+                <a:spcPts val="0"/>
+              </a:spcBef>
+              <a:spcAft>
+                <a:spcPts val="0"/>
+              </a:spcAft>
+              <a:buNone/>
+            </a:pPr>
+            <a:r>
+              <a:rPr lang="en" sz="1000" b="1" dirty="0"/>
+              <a:t>Pedido</a:t>
+            </a:r>
+            <a:endParaRPr sz="1000" i="0" u="none" strike="noStrike" cap="none" dirty="0"/>
+          </a:p>
+        </p:txBody>
+      </p:sp>
+      <p:cxnSp>
+        <p:nvCxnSpPr>
+          <p:cNvPr id="43" name="Google Shape;281;p16">
+            <a:extLst>
+              <a:ext uri="{FF2B5EF4-FFF2-40B4-BE49-F238E27FC236}">
+                <a16:creationId xmlns:a16="http://schemas.microsoft.com/office/drawing/2014/main" id="{D1847B5A-643C-45B0-9B46-AC8C069FE6A9}"/>
+              </a:ext>
+            </a:extLst>
+          </p:cNvPr>
+          <p:cNvCxnSpPr/>
+          <p:nvPr/>
+        </p:nvCxnSpPr>
+        <p:spPr>
+          <a:xfrm>
+            <a:off x="1644145" y="4529274"/>
+            <a:ext cx="249300" cy="0"/>
+          </a:xfrm>
+          <a:prstGeom prst="straightConnector1">
+            <a:avLst/>
+          </a:prstGeom>
+          <a:noFill/>
+          <a:ln w="19050" cap="flat" cmpd="sng">
+            <a:solidFill>
+              <a:srgbClr val="000000"/>
+            </a:solidFill>
+            <a:prstDash val="solid"/>
+            <a:round/>
+            <a:headEnd type="none" w="sm" len="sm"/>
+            <a:tailEnd type="none" w="sm" len="sm"/>
+          </a:ln>
+        </p:spPr>
+      </p:cxnSp>
+      <p:sp>
+        <p:nvSpPr>
+          <p:cNvPr id="44" name="Google Shape;282;p16">
+            <a:extLst>
+              <a:ext uri="{FF2B5EF4-FFF2-40B4-BE49-F238E27FC236}">
+                <a16:creationId xmlns:a16="http://schemas.microsoft.com/office/drawing/2014/main" id="{5F5D5F75-A697-4477-B787-668ECD8F813F}"/>
+              </a:ext>
+            </a:extLst>
+          </p:cNvPr>
+          <p:cNvSpPr/>
+          <p:nvPr/>
+        </p:nvSpPr>
+        <p:spPr>
+          <a:xfrm>
+            <a:off x="1900603" y="4479503"/>
+            <a:ext cx="51197" cy="99700"/>
+          </a:xfrm>
+          <a:custGeom>
+            <a:avLst/>
+            <a:gdLst/>
+            <a:ahLst/>
+            <a:cxnLst/>
+            <a:rect l="l" t="t" r="r" b="b"/>
+            <a:pathLst>
+              <a:path w="323" h="629" extrusionOk="0">
+                <a:moveTo>
+                  <a:pt x="320" y="0"/>
+                </a:moveTo>
+                <a:lnTo>
+                  <a:pt x="319" y="1"/>
+                </a:lnTo>
+                <a:cubicBezTo>
+                  <a:pt x="319" y="1"/>
+                  <a:pt x="318" y="1"/>
+                  <a:pt x="318" y="2"/>
+                </a:cubicBezTo>
+                <a:cubicBezTo>
+                  <a:pt x="317" y="3"/>
+                  <a:pt x="317" y="3"/>
+                  <a:pt x="317" y="4"/>
+                </a:cubicBezTo>
+                <a:lnTo>
+                  <a:pt x="317" y="7"/>
+                </a:lnTo>
+                <a:cubicBezTo>
+                  <a:pt x="316" y="7"/>
+                  <a:pt x="315" y="7"/>
+                  <a:pt x="314" y="7"/>
+                </a:cubicBezTo>
+                <a:cubicBezTo>
+                  <a:pt x="271" y="7"/>
+                  <a:pt x="230" y="15"/>
+                  <a:pt x="192" y="30"/>
+                </a:cubicBezTo>
+                <a:cubicBezTo>
+                  <a:pt x="156" y="45"/>
+                  <a:pt x="123" y="68"/>
+                  <a:pt x="95" y="95"/>
+                </a:cubicBezTo>
+                <a:cubicBezTo>
+                  <a:pt x="68" y="123"/>
+                  <a:pt x="45" y="156"/>
+                  <a:pt x="30" y="192"/>
+                </a:cubicBezTo>
+                <a:cubicBezTo>
+                  <a:pt x="15" y="230"/>
+                  <a:pt x="7" y="271"/>
+                  <a:pt x="7" y="314"/>
+                </a:cubicBezTo>
+                <a:cubicBezTo>
+                  <a:pt x="7" y="357"/>
+                  <a:pt x="15" y="398"/>
+                  <a:pt x="30" y="436"/>
+                </a:cubicBezTo>
+                <a:cubicBezTo>
+                  <a:pt x="45" y="473"/>
+                  <a:pt x="68" y="506"/>
+                  <a:pt x="95" y="533"/>
+                </a:cubicBezTo>
+                <a:cubicBezTo>
+                  <a:pt x="123" y="560"/>
+                  <a:pt x="156" y="583"/>
+                  <a:pt x="192" y="598"/>
+                </a:cubicBezTo>
+                <a:cubicBezTo>
+                  <a:pt x="230" y="613"/>
+                  <a:pt x="271" y="622"/>
+                  <a:pt x="314" y="622"/>
+                </a:cubicBezTo>
+                <a:cubicBezTo>
+                  <a:pt x="315" y="622"/>
+                  <a:pt x="316" y="622"/>
+                  <a:pt x="317" y="622"/>
+                </a:cubicBezTo>
+                <a:lnTo>
+                  <a:pt x="317" y="628"/>
+                </a:lnTo>
+                <a:cubicBezTo>
+                  <a:pt x="316" y="628"/>
+                  <a:pt x="315" y="628"/>
+                  <a:pt x="314" y="628"/>
+                </a:cubicBezTo>
+                <a:cubicBezTo>
+                  <a:pt x="270" y="628"/>
+                  <a:pt x="228" y="620"/>
+                  <a:pt x="190" y="604"/>
+                </a:cubicBezTo>
+                <a:cubicBezTo>
+                  <a:pt x="152" y="589"/>
+                  <a:pt x="118" y="566"/>
+                  <a:pt x="90" y="538"/>
+                </a:cubicBezTo>
+                <a:cubicBezTo>
+                  <a:pt x="62" y="510"/>
+                  <a:pt x="39" y="476"/>
+                  <a:pt x="24" y="438"/>
+                </a:cubicBezTo>
+                <a:cubicBezTo>
+                  <a:pt x="9" y="400"/>
+                  <a:pt x="0" y="358"/>
+                  <a:pt x="0" y="314"/>
+                </a:cubicBezTo>
+                <a:cubicBezTo>
+                  <a:pt x="0" y="270"/>
+                  <a:pt x="9" y="228"/>
+                  <a:pt x="24" y="190"/>
+                </a:cubicBezTo>
+                <a:cubicBezTo>
+                  <a:pt x="39" y="152"/>
+                  <a:pt x="62" y="118"/>
+                  <a:pt x="90" y="90"/>
+                </a:cubicBezTo>
+                <a:cubicBezTo>
+                  <a:pt x="118" y="62"/>
+                  <a:pt x="152" y="39"/>
+                  <a:pt x="190" y="24"/>
+                </a:cubicBezTo>
+                <a:cubicBezTo>
+                  <a:pt x="228" y="9"/>
+                  <a:pt x="270" y="0"/>
+                  <a:pt x="314" y="0"/>
+                </a:cubicBezTo>
+                <a:cubicBezTo>
+                  <a:pt x="316" y="0"/>
+                  <a:pt x="319" y="0"/>
+                  <a:pt x="322" y="0"/>
+                </a:cubicBezTo>
+                <a:lnTo>
+                  <a:pt x="320" y="0"/>
+                </a:lnTo>
+              </a:path>
+            </a:pathLst>
+          </a:custGeom>
+          <a:solidFill>
+            <a:srgbClr val="000000"/>
+          </a:solidFill>
+          <a:ln w="19050" cap="flat" cmpd="sng">
+            <a:solidFill>
+              <a:srgbClr val="000000"/>
+            </a:solidFill>
+            <a:prstDash val="solid"/>
+            <a:round/>
+            <a:headEnd type="none" w="sm" len="sm"/>
+            <a:tailEnd type="none" w="sm" len="sm"/>
+          </a:ln>
+        </p:spPr>
+        <p:txBody>
+          <a:bodyPr spcFirstLastPara="1" wrap="square" lIns="91425" tIns="91425" rIns="91425" bIns="91425" anchor="ctr" anchorCtr="0">
+            <a:noAutofit/>
+          </a:bodyPr>
+          <a:lstStyle/>
+          <a:p>
+            <a:pPr marL="0" lvl="0" indent="0" algn="l" rtl="0">
+              <a:spcBef>
+                <a:spcPts val="0"/>
+              </a:spcBef>
+              <a:spcAft>
+                <a:spcPts val="0"/>
+              </a:spcAft>
+              <a:buNone/>
+            </a:pPr>
+            <a:endParaRPr/>
+          </a:p>
+        </p:txBody>
+      </p:sp>
+      <p:sp>
+        <p:nvSpPr>
+          <p:cNvPr id="45" name="Google Shape;284;p16">
+            <a:extLst>
+              <a:ext uri="{FF2B5EF4-FFF2-40B4-BE49-F238E27FC236}">
+                <a16:creationId xmlns:a16="http://schemas.microsoft.com/office/drawing/2014/main" id="{0107C6A2-EFC7-4FD5-AF40-A157E040E292}"/>
+              </a:ext>
+            </a:extLst>
+          </p:cNvPr>
+          <p:cNvSpPr/>
+          <p:nvPr/>
+        </p:nvSpPr>
+        <p:spPr>
+          <a:xfrm>
+            <a:off x="1916929" y="4207510"/>
+            <a:ext cx="97500" cy="97500"/>
+          </a:xfrm>
+          <a:prstGeom prst="ellipse">
+            <a:avLst/>
+          </a:prstGeom>
+          <a:solidFill>
+            <a:srgbClr val="FFFFFF"/>
+          </a:solidFill>
+          <a:ln w="19050" cap="flat" cmpd="sng">
+            <a:solidFill>
+              <a:srgbClr val="000000"/>
+            </a:solidFill>
+            <a:prstDash val="solid"/>
+            <a:round/>
+            <a:headEnd type="none" w="sm" len="sm"/>
+            <a:tailEnd type="none" w="sm" len="sm"/>
+          </a:ln>
+        </p:spPr>
+        <p:txBody>
+          <a:bodyPr spcFirstLastPara="1" wrap="square" lIns="91425" tIns="91425" rIns="91425" bIns="91425" anchor="ctr" anchorCtr="0">
+            <a:noAutofit/>
+          </a:bodyPr>
+          <a:lstStyle/>
+          <a:p>
+            <a:pPr marL="0" lvl="0" indent="0" algn="l" rtl="0">
+              <a:spcBef>
+                <a:spcPts val="0"/>
+              </a:spcBef>
+              <a:spcAft>
+                <a:spcPts val="0"/>
+              </a:spcAft>
+              <a:buNone/>
+            </a:pPr>
+            <a:endParaRPr/>
+          </a:p>
+        </p:txBody>
+      </p:sp>
+      <p:cxnSp>
+        <p:nvCxnSpPr>
+          <p:cNvPr id="46" name="Google Shape;285;p16">
+            <a:extLst>
+              <a:ext uri="{FF2B5EF4-FFF2-40B4-BE49-F238E27FC236}">
+                <a16:creationId xmlns:a16="http://schemas.microsoft.com/office/drawing/2014/main" id="{1C9E5FB4-06F5-4E6B-A7BF-64E884C386F5}"/>
+              </a:ext>
+            </a:extLst>
+          </p:cNvPr>
+          <p:cNvCxnSpPr/>
+          <p:nvPr/>
+        </p:nvCxnSpPr>
+        <p:spPr>
+          <a:xfrm>
+            <a:off x="1644145" y="4256170"/>
+            <a:ext cx="272700" cy="0"/>
+          </a:xfrm>
+          <a:prstGeom prst="straightConnector1">
+            <a:avLst/>
+          </a:prstGeom>
+          <a:noFill/>
+          <a:ln w="19050" cap="flat" cmpd="sng">
+            <a:solidFill>
+              <a:srgbClr val="000000"/>
+            </a:solidFill>
+            <a:prstDash val="solid"/>
+            <a:round/>
+            <a:headEnd type="none" w="sm" len="sm"/>
+            <a:tailEnd type="none" w="sm" len="sm"/>
+          </a:ln>
+        </p:spPr>
+      </p:cxnSp>
+      <p:sp>
+        <p:nvSpPr>
+          <p:cNvPr id="47" name="Google Shape;280;p16">
+            <a:extLst>
+              <a:ext uri="{FF2B5EF4-FFF2-40B4-BE49-F238E27FC236}">
+                <a16:creationId xmlns:a16="http://schemas.microsoft.com/office/drawing/2014/main" id="{57BABFB4-1862-43E4-B577-B2B264C76842}"/>
+              </a:ext>
+            </a:extLst>
+          </p:cNvPr>
+          <p:cNvSpPr/>
+          <p:nvPr/>
+        </p:nvSpPr>
+        <p:spPr>
+          <a:xfrm>
+            <a:off x="657619" y="2854867"/>
+            <a:ext cx="987300" cy="432000"/>
+          </a:xfrm>
+          <a:prstGeom prst="rect">
+            <a:avLst/>
+          </a:prstGeom>
+          <a:solidFill>
+            <a:srgbClr val="FFFFFF"/>
+          </a:solidFill>
+          <a:ln w="19050" cap="flat" cmpd="sng">
+            <a:solidFill>
+              <a:srgbClr val="000000"/>
+            </a:solidFill>
+            <a:prstDash val="solid"/>
+            <a:round/>
+            <a:headEnd type="none" w="sm" len="sm"/>
+            <a:tailEnd type="none" w="sm" len="sm"/>
+          </a:ln>
+        </p:spPr>
+        <p:txBody>
+          <a:bodyPr spcFirstLastPara="1" wrap="square" lIns="104400" tIns="59400" rIns="104400" bIns="59400" anchor="ctr" anchorCtr="0">
+            <a:noAutofit/>
+          </a:bodyPr>
+          <a:lstStyle/>
+          <a:p>
+            <a:pPr marL="0" marR="0" lvl="0" indent="0" algn="ctr" rtl="0">
+              <a:spcBef>
+                <a:spcPts val="0"/>
+              </a:spcBef>
+              <a:spcAft>
+                <a:spcPts val="0"/>
+              </a:spcAft>
+              <a:buNone/>
+            </a:pPr>
+            <a:r>
+              <a:rPr lang="en" sz="800" i="0" u="none" strike="noStrike" cap="none" dirty="0">
+                <a:solidFill>
+                  <a:srgbClr val="666666"/>
+                </a:solidFill>
+              </a:rPr>
+              <a:t>«component»</a:t>
+            </a:r>
+            <a:endParaRPr sz="800" i="0" u="none" strike="noStrike" cap="none" dirty="0"/>
+          </a:p>
+          <a:p>
+            <a:pPr marL="0" marR="0" lvl="0" indent="0" algn="ctr" rtl="0">
+              <a:spcBef>
+                <a:spcPts val="0"/>
+              </a:spcBef>
+              <a:spcAft>
+                <a:spcPts val="0"/>
+              </a:spcAft>
+              <a:buNone/>
+            </a:pPr>
+            <a:endParaRPr sz="100" i="0" u="none" strike="noStrike" cap="none" dirty="0"/>
+          </a:p>
+          <a:p>
+            <a:pPr marL="0" marR="0" lvl="0" indent="0" algn="ctr" rtl="0">
+              <a:spcBef>
+                <a:spcPts val="0"/>
+              </a:spcBef>
+              <a:spcAft>
+                <a:spcPts val="0"/>
+              </a:spcAft>
+              <a:buNone/>
+            </a:pPr>
+            <a:r>
+              <a:rPr lang="en" sz="1000" b="1" dirty="0"/>
+              <a:t>Produto</a:t>
+            </a:r>
+            <a:endParaRPr sz="1000" i="0" u="none" strike="noStrike" cap="none" dirty="0"/>
+          </a:p>
+        </p:txBody>
+      </p:sp>
+      <p:grpSp>
+        <p:nvGrpSpPr>
+          <p:cNvPr id="17" name="Group 16">
+            <a:extLst>
+              <a:ext uri="{FF2B5EF4-FFF2-40B4-BE49-F238E27FC236}">
+                <a16:creationId xmlns:a16="http://schemas.microsoft.com/office/drawing/2014/main" id="{5FE5DE4C-6534-4A65-9893-34E49C9836DD}"/>
+              </a:ext>
+            </a:extLst>
+          </p:cNvPr>
+          <p:cNvGrpSpPr/>
+          <p:nvPr/>
+        </p:nvGrpSpPr>
+        <p:grpSpPr>
+          <a:xfrm>
+            <a:off x="1644661" y="3126860"/>
+            <a:ext cx="307655" cy="99700"/>
+            <a:chOff x="1644661" y="3126860"/>
+            <a:chExt cx="307655" cy="99700"/>
+          </a:xfrm>
+        </p:grpSpPr>
+        <p:cxnSp>
+          <p:nvCxnSpPr>
+            <p:cNvPr id="48" name="Google Shape;281;p16">
+              <a:extLst>
+                <a:ext uri="{FF2B5EF4-FFF2-40B4-BE49-F238E27FC236}">
+                  <a16:creationId xmlns:a16="http://schemas.microsoft.com/office/drawing/2014/main" id="{2E24E7A6-07CE-4661-9C86-6B2B0944EFF0}"/>
+                </a:ext>
+              </a:extLst>
+            </p:cNvPr>
+            <p:cNvCxnSpPr/>
+            <p:nvPr/>
+          </p:nvCxnSpPr>
+          <p:spPr>
+            <a:xfrm>
+              <a:off x="1644661" y="3176631"/>
+              <a:ext cx="249300" cy="0"/>
+            </a:xfrm>
+            <a:prstGeom prst="straightConnector1">
+              <a:avLst/>
+            </a:prstGeom>
+            <a:noFill/>
+            <a:ln w="19050" cap="flat" cmpd="sng">
+              <a:solidFill>
+                <a:srgbClr val="000000"/>
+              </a:solidFill>
+              <a:prstDash val="solid"/>
+              <a:round/>
+              <a:headEnd type="none" w="sm" len="sm"/>
+              <a:tailEnd type="none" w="sm" len="sm"/>
+            </a:ln>
+          </p:spPr>
+        </p:cxnSp>
+        <p:sp>
+          <p:nvSpPr>
+            <p:cNvPr id="49" name="Google Shape;282;p16">
+              <a:extLst>
+                <a:ext uri="{FF2B5EF4-FFF2-40B4-BE49-F238E27FC236}">
+                  <a16:creationId xmlns:a16="http://schemas.microsoft.com/office/drawing/2014/main" id="{8962DD33-90A6-4EB6-A007-A56AA322E67A}"/>
+                </a:ext>
+              </a:extLst>
+            </p:cNvPr>
+            <p:cNvSpPr/>
+            <p:nvPr/>
+          </p:nvSpPr>
+          <p:spPr>
+            <a:xfrm>
+              <a:off x="1901119" y="3126860"/>
+              <a:ext cx="51197" cy="99700"/>
+            </a:xfrm>
+            <a:custGeom>
+              <a:avLst/>
+              <a:gdLst/>
+              <a:ahLst/>
+              <a:cxnLst/>
+              <a:rect l="l" t="t" r="r" b="b"/>
+              <a:pathLst>
+                <a:path w="323" h="629" extrusionOk="0">
+                  <a:moveTo>
+                    <a:pt x="320" y="0"/>
+                  </a:moveTo>
+                  <a:lnTo>
+                    <a:pt x="319" y="1"/>
+                  </a:lnTo>
+                  <a:cubicBezTo>
+                    <a:pt x="319" y="1"/>
+                    <a:pt x="318" y="1"/>
+                    <a:pt x="318" y="2"/>
+                  </a:cubicBezTo>
+                  <a:cubicBezTo>
+                    <a:pt x="317" y="3"/>
+                    <a:pt x="317" y="3"/>
+                    <a:pt x="317" y="4"/>
+                  </a:cubicBezTo>
+                  <a:lnTo>
+                    <a:pt x="317" y="7"/>
+                  </a:lnTo>
+                  <a:cubicBezTo>
+                    <a:pt x="316" y="7"/>
+                    <a:pt x="315" y="7"/>
+                    <a:pt x="314" y="7"/>
+                  </a:cubicBezTo>
+                  <a:cubicBezTo>
+                    <a:pt x="271" y="7"/>
+                    <a:pt x="230" y="15"/>
+                    <a:pt x="192" y="30"/>
+                  </a:cubicBezTo>
+                  <a:cubicBezTo>
+                    <a:pt x="156" y="45"/>
+                    <a:pt x="123" y="68"/>
+                    <a:pt x="95" y="95"/>
+                  </a:cubicBezTo>
+                  <a:cubicBezTo>
+                    <a:pt x="68" y="123"/>
+                    <a:pt x="45" y="156"/>
+                    <a:pt x="30" y="192"/>
+                  </a:cubicBezTo>
+                  <a:cubicBezTo>
+                    <a:pt x="15" y="230"/>
+                    <a:pt x="7" y="271"/>
+                    <a:pt x="7" y="314"/>
+                  </a:cubicBezTo>
+                  <a:cubicBezTo>
+                    <a:pt x="7" y="357"/>
+                    <a:pt x="15" y="398"/>
+                    <a:pt x="30" y="436"/>
+                  </a:cubicBezTo>
+                  <a:cubicBezTo>
+                    <a:pt x="45" y="473"/>
+                    <a:pt x="68" y="506"/>
+                    <a:pt x="95" y="533"/>
+                  </a:cubicBezTo>
+                  <a:cubicBezTo>
+                    <a:pt x="123" y="560"/>
+                    <a:pt x="156" y="583"/>
+                    <a:pt x="192" y="598"/>
+                  </a:cubicBezTo>
+                  <a:cubicBezTo>
+                    <a:pt x="230" y="613"/>
+                    <a:pt x="271" y="622"/>
+                    <a:pt x="314" y="622"/>
+                  </a:cubicBezTo>
+                  <a:cubicBezTo>
+                    <a:pt x="315" y="622"/>
+                    <a:pt x="316" y="622"/>
+                    <a:pt x="317" y="622"/>
+                  </a:cubicBezTo>
+                  <a:lnTo>
+                    <a:pt x="317" y="628"/>
+                  </a:lnTo>
+                  <a:cubicBezTo>
+                    <a:pt x="316" y="628"/>
+                    <a:pt x="315" y="628"/>
+                    <a:pt x="314" y="628"/>
+                  </a:cubicBezTo>
+                  <a:cubicBezTo>
+                    <a:pt x="270" y="628"/>
+                    <a:pt x="228" y="620"/>
+                    <a:pt x="190" y="604"/>
+                  </a:cubicBezTo>
+                  <a:cubicBezTo>
+                    <a:pt x="152" y="589"/>
+                    <a:pt x="118" y="566"/>
+                    <a:pt x="90" y="538"/>
+                  </a:cubicBezTo>
+                  <a:cubicBezTo>
+                    <a:pt x="62" y="510"/>
+                    <a:pt x="39" y="476"/>
+                    <a:pt x="24" y="438"/>
+                  </a:cubicBezTo>
+                  <a:cubicBezTo>
+                    <a:pt x="9" y="400"/>
+                    <a:pt x="0" y="358"/>
+                    <a:pt x="0" y="314"/>
+                  </a:cubicBezTo>
+                  <a:cubicBezTo>
+                    <a:pt x="0" y="270"/>
+                    <a:pt x="9" y="228"/>
+                    <a:pt x="24" y="190"/>
+                  </a:cubicBezTo>
+                  <a:cubicBezTo>
+                    <a:pt x="39" y="152"/>
+                    <a:pt x="62" y="118"/>
+                    <a:pt x="90" y="90"/>
+                  </a:cubicBezTo>
+                  <a:cubicBezTo>
+                    <a:pt x="118" y="62"/>
+                    <a:pt x="152" y="39"/>
+                    <a:pt x="190" y="24"/>
+                  </a:cubicBezTo>
+                  <a:cubicBezTo>
+                    <a:pt x="228" y="9"/>
+                    <a:pt x="270" y="0"/>
+                    <a:pt x="314" y="0"/>
+                  </a:cubicBezTo>
+                  <a:cubicBezTo>
+                    <a:pt x="316" y="0"/>
+                    <a:pt x="319" y="0"/>
+                    <a:pt x="322" y="0"/>
+                  </a:cubicBezTo>
+                  <a:lnTo>
+                    <a:pt x="320" y="0"/>
+                  </a:lnTo>
+                </a:path>
+              </a:pathLst>
+            </a:custGeom>
+            <a:solidFill>
+              <a:srgbClr val="000000"/>
+            </a:solidFill>
+            <a:ln w="19050" cap="flat" cmpd="sng">
+              <a:solidFill>
+                <a:srgbClr val="000000"/>
+              </a:solidFill>
+              <a:prstDash val="solid"/>
+              <a:round/>
+              <a:headEnd type="none" w="sm" len="sm"/>
+              <a:tailEnd type="none" w="sm" len="sm"/>
+            </a:ln>
+          </p:spPr>
+          <p:txBody>
+            <a:bodyPr spcFirstLastPara="1" wrap="square" lIns="91425" tIns="91425" rIns="91425" bIns="91425" anchor="ctr" anchorCtr="0">
+              <a:noAutofit/>
+            </a:bodyPr>
+            <a:lstStyle/>
+            <a:p>
+              <a:pPr marL="0" lvl="0" indent="0" algn="l" rtl="0">
+                <a:spcBef>
+                  <a:spcPts val="0"/>
+                </a:spcBef>
+                <a:spcAft>
+                  <a:spcPts val="0"/>
+                </a:spcAft>
+                <a:buNone/>
+              </a:pPr>
+              <a:endParaRPr/>
+            </a:p>
+          </p:txBody>
+        </p:sp>
+      </p:grpSp>
+      <p:grpSp>
+        <p:nvGrpSpPr>
+          <p:cNvPr id="16" name="Group 15">
+            <a:extLst>
+              <a:ext uri="{FF2B5EF4-FFF2-40B4-BE49-F238E27FC236}">
+                <a16:creationId xmlns:a16="http://schemas.microsoft.com/office/drawing/2014/main" id="{9F5F6682-C30F-4485-AAAD-338B314D2919}"/>
+              </a:ext>
+            </a:extLst>
+          </p:cNvPr>
+          <p:cNvGrpSpPr/>
+          <p:nvPr/>
+        </p:nvGrpSpPr>
+        <p:grpSpPr>
+          <a:xfrm>
+            <a:off x="1644661" y="2889811"/>
+            <a:ext cx="370284" cy="97500"/>
+            <a:chOff x="1644661" y="2889811"/>
+            <a:chExt cx="370284" cy="97500"/>
+          </a:xfrm>
+        </p:grpSpPr>
+        <p:sp>
+          <p:nvSpPr>
+            <p:cNvPr id="50" name="Google Shape;284;p16">
+              <a:extLst>
+                <a:ext uri="{FF2B5EF4-FFF2-40B4-BE49-F238E27FC236}">
+                  <a16:creationId xmlns:a16="http://schemas.microsoft.com/office/drawing/2014/main" id="{BB36FC4C-CCEC-464D-A4DD-E901BF87F72C}"/>
+                </a:ext>
+              </a:extLst>
+            </p:cNvPr>
+            <p:cNvSpPr/>
+            <p:nvPr/>
+          </p:nvSpPr>
+          <p:spPr>
+            <a:xfrm>
+              <a:off x="1917445" y="2889811"/>
+              <a:ext cx="97500" cy="97500"/>
+            </a:xfrm>
+            <a:prstGeom prst="ellipse">
+              <a:avLst/>
+            </a:prstGeom>
+            <a:solidFill>
+              <a:srgbClr val="FFFFFF"/>
+            </a:solidFill>
+            <a:ln w="19050" cap="flat" cmpd="sng">
+              <a:solidFill>
+                <a:srgbClr val="000000"/>
+              </a:solidFill>
+              <a:prstDash val="solid"/>
+              <a:round/>
+              <a:headEnd type="none" w="sm" len="sm"/>
+              <a:tailEnd type="none" w="sm" len="sm"/>
+            </a:ln>
+          </p:spPr>
+          <p:txBody>
+            <a:bodyPr spcFirstLastPara="1" wrap="square" lIns="91425" tIns="91425" rIns="91425" bIns="91425" anchor="ctr" anchorCtr="0">
+              <a:noAutofit/>
+            </a:bodyPr>
+            <a:lstStyle/>
+            <a:p>
+              <a:pPr marL="0" lvl="0" indent="0" algn="l" rtl="0">
+                <a:spcBef>
+                  <a:spcPts val="0"/>
+                </a:spcBef>
+                <a:spcAft>
+                  <a:spcPts val="0"/>
+                </a:spcAft>
+                <a:buNone/>
+              </a:pPr>
+              <a:endParaRPr/>
+            </a:p>
+          </p:txBody>
+        </p:sp>
+        <p:cxnSp>
+          <p:nvCxnSpPr>
+            <p:cNvPr id="51" name="Google Shape;285;p16">
+              <a:extLst>
+                <a:ext uri="{FF2B5EF4-FFF2-40B4-BE49-F238E27FC236}">
+                  <a16:creationId xmlns:a16="http://schemas.microsoft.com/office/drawing/2014/main" id="{52B10C7C-DA72-4CFA-8B1A-A1838A2B27C9}"/>
+                </a:ext>
+              </a:extLst>
+            </p:cNvPr>
+            <p:cNvCxnSpPr/>
+            <p:nvPr/>
+          </p:nvCxnSpPr>
+          <p:spPr>
+            <a:xfrm>
+              <a:off x="1644661" y="2938471"/>
+              <a:ext cx="272700" cy="0"/>
+            </a:xfrm>
+            <a:prstGeom prst="straightConnector1">
+              <a:avLst/>
+            </a:prstGeom>
+            <a:noFill/>
+            <a:ln w="19050" cap="flat" cmpd="sng">
+              <a:solidFill>
+                <a:srgbClr val="000000"/>
+              </a:solidFill>
+              <a:prstDash val="solid"/>
+              <a:round/>
+              <a:headEnd type="none" w="sm" len="sm"/>
+              <a:tailEnd type="none" w="sm" len="sm"/>
+            </a:ln>
+          </p:spPr>
+        </p:cxnSp>
+      </p:grpSp>
+      <p:sp>
+        <p:nvSpPr>
+          <p:cNvPr id="52" name="Google Shape;287;p16">
+            <a:extLst>
+              <a:ext uri="{FF2B5EF4-FFF2-40B4-BE49-F238E27FC236}">
+                <a16:creationId xmlns:a16="http://schemas.microsoft.com/office/drawing/2014/main" id="{6459889E-5212-44E6-A280-023AE8F8B560}"/>
+              </a:ext>
+            </a:extLst>
+          </p:cNvPr>
+          <p:cNvSpPr/>
+          <p:nvPr/>
+        </p:nvSpPr>
+        <p:spPr>
+          <a:xfrm>
+            <a:off x="3505083" y="836945"/>
+            <a:ext cx="1287287" cy="432000"/>
+          </a:xfrm>
+          <a:prstGeom prst="rect">
+            <a:avLst/>
+          </a:prstGeom>
+          <a:solidFill>
+            <a:srgbClr val="FFFFFF"/>
+          </a:solidFill>
+          <a:ln w="19050" cap="flat" cmpd="sng">
+            <a:solidFill>
+              <a:srgbClr val="000000"/>
+            </a:solidFill>
+            <a:prstDash val="solid"/>
+            <a:round/>
+            <a:headEnd type="none" w="sm" len="sm"/>
+            <a:tailEnd type="none" w="sm" len="sm"/>
+          </a:ln>
+        </p:spPr>
+        <p:txBody>
+          <a:bodyPr spcFirstLastPara="1" wrap="square" lIns="104400" tIns="59400" rIns="104400" bIns="59400" anchor="ctr" anchorCtr="0">
+            <a:noAutofit/>
+          </a:bodyPr>
+          <a:lstStyle/>
+          <a:p>
+            <a:pPr marL="0" lvl="0" indent="0" algn="ctr" rtl="0">
+              <a:spcBef>
+                <a:spcPts val="0"/>
+              </a:spcBef>
+              <a:spcAft>
+                <a:spcPts val="0"/>
+              </a:spcAft>
+              <a:buNone/>
+            </a:pPr>
+            <a:r>
+              <a:rPr lang="en" sz="800" dirty="0">
+                <a:solidFill>
+                  <a:srgbClr val="666666"/>
+                </a:solidFill>
+              </a:rPr>
+              <a:t>«component»</a:t>
+            </a:r>
+            <a:endParaRPr sz="800" dirty="0">
               <a:solidFill>
                 <a:srgbClr val="000000"/>
               </a:solidFill>
@@ -11069,7 +12681,7 @@
               </a:spcAft>
               <a:buNone/>
             </a:pPr>
-            <a:endParaRPr sz="100">
+            <a:endParaRPr sz="100" dirty="0">
               <a:solidFill>
                 <a:srgbClr val="000000"/>
               </a:solidFill>
@@ -11086,16 +12698,16 @@
               <a:buNone/>
             </a:pPr>
             <a:r>
-              <a:rPr lang="en" sz="1000" b="1">
+              <a:rPr lang="en-US" sz="1000" b="1" dirty="0" err="1">
                 <a:solidFill>
-                  <a:srgbClr val="000000"/>
+                  <a:schemeClr val="tx1"/>
                 </a:solidFill>
               </a:rPr>
-              <a:t>Componente B</a:t>
+              <a:t>Busca</a:t>
             </a:r>
-            <a:endParaRPr sz="800">
+            <a:endParaRPr sz="1000" b="1" dirty="0">
               <a:solidFill>
-                <a:srgbClr val="666666"/>
+                <a:schemeClr val="tx1"/>
               </a:solidFill>
             </a:endParaRPr>
           </a:p>
@@ -11103,13 +12715,19 @@
       </p:sp>
       <p:grpSp>
         <p:nvGrpSpPr>
-          <p:cNvPr id="288" name="Google Shape;288;p16"/>
+          <p:cNvPr id="53" name="Google Shape;288;p16">
+            <a:extLst>
+              <a:ext uri="{FF2B5EF4-FFF2-40B4-BE49-F238E27FC236}">
+                <a16:creationId xmlns:a16="http://schemas.microsoft.com/office/drawing/2014/main" id="{0F526E4B-8B82-476B-B834-2D354137ED9F}"/>
+              </a:ext>
+            </a:extLst>
+          </p:cNvPr>
           <p:cNvGrpSpPr/>
           <p:nvPr/>
         </p:nvGrpSpPr>
         <p:grpSpPr>
           <a:xfrm>
-            <a:off x="3045622" y="4942781"/>
+            <a:off x="3292742" y="1108988"/>
             <a:ext cx="212401" cy="99702"/>
             <a:chOff x="4613040" y="5077440"/>
             <a:chExt cx="482400" cy="226440"/>
@@ -11117,7 +12735,13 @@
         </p:grpSpPr>
         <p:cxnSp>
           <p:nvCxnSpPr>
-            <p:cNvPr id="289" name="Google Shape;289;p16"/>
+            <p:cNvPr id="54" name="Google Shape;289;p16">
+              <a:extLst>
+                <a:ext uri="{FF2B5EF4-FFF2-40B4-BE49-F238E27FC236}">
+                  <a16:creationId xmlns:a16="http://schemas.microsoft.com/office/drawing/2014/main" id="{2DFE96A5-9288-4BF2-8352-C136E8B78550}"/>
+                </a:ext>
+              </a:extLst>
+            </p:cNvPr>
             <p:cNvCxnSpPr/>
             <p:nvPr/>
           </p:nvCxnSpPr>
@@ -11143,7 +12767,13 @@
         </p:cxnSp>
         <p:sp>
           <p:nvSpPr>
-            <p:cNvPr id="290" name="Google Shape;290;p16"/>
+            <p:cNvPr id="55" name="Google Shape;290;p16">
+              <a:extLst>
+                <a:ext uri="{FF2B5EF4-FFF2-40B4-BE49-F238E27FC236}">
+                  <a16:creationId xmlns:a16="http://schemas.microsoft.com/office/drawing/2014/main" id="{D7362206-28D2-4877-B177-9D49A52DA05B}"/>
+                </a:ext>
+              </a:extLst>
+            </p:cNvPr>
             <p:cNvSpPr/>
             <p:nvPr/>
           </p:nvSpPr>
@@ -11323,57 +12953,21 @@
           </p:txBody>
         </p:sp>
       </p:grpSp>
-      <p:sp>
-        <p:nvSpPr>
-          <p:cNvPr id="291" name="Google Shape;291;p16"/>
-          <p:cNvSpPr txBox="1"/>
-          <p:nvPr/>
-        </p:nvSpPr>
-        <p:spPr>
-          <a:xfrm>
-            <a:off x="2815416" y="5106568"/>
-            <a:ext cx="601800" cy="142500"/>
-          </a:xfrm>
-          <a:prstGeom prst="rect">
-            <a:avLst/>
-          </a:prstGeom>
-          <a:noFill/>
-          <a:ln>
-            <a:noFill/>
-          </a:ln>
-        </p:spPr>
-        <p:txBody>
-          <a:bodyPr spcFirstLastPara="1" wrap="square" lIns="90000" tIns="45000" rIns="90000" bIns="45000" anchor="t" anchorCtr="0">
-            <a:noAutofit/>
-          </a:bodyPr>
-          <a:lstStyle/>
-          <a:p>
-            <a:pPr marL="0" marR="0" lvl="0" indent="0" algn="l" rtl="0">
-              <a:spcBef>
-                <a:spcPts val="0"/>
-              </a:spcBef>
-              <a:spcAft>
-                <a:spcPts val="0"/>
-              </a:spcAft>
-              <a:buNone/>
-            </a:pPr>
-            <a:r>
-              <a:rPr lang="en" sz="600"/>
-              <a:t>Interface C</a:t>
-            </a:r>
-            <a:endParaRPr sz="600" strike="noStrike"/>
-          </a:p>
-        </p:txBody>
-      </p:sp>
       <p:grpSp>
         <p:nvGrpSpPr>
-          <p:cNvPr id="292" name="Google Shape;292;p16"/>
+          <p:cNvPr id="56" name="Google Shape;292;p16">
+            <a:extLst>
+              <a:ext uri="{FF2B5EF4-FFF2-40B4-BE49-F238E27FC236}">
+                <a16:creationId xmlns:a16="http://schemas.microsoft.com/office/drawing/2014/main" id="{724D3CCD-7042-483C-A989-658BF01929E8}"/>
+              </a:ext>
+            </a:extLst>
+          </p:cNvPr>
           <p:cNvGrpSpPr/>
           <p:nvPr/>
         </p:nvGrpSpPr>
         <p:grpSpPr>
           <a:xfrm>
-            <a:off x="2982721" y="4670781"/>
+            <a:off x="3229841" y="836988"/>
             <a:ext cx="275302" cy="97615"/>
             <a:chOff x="4470180" y="4459680"/>
             <a:chExt cx="625260" cy="221700"/>
@@ -11381,7 +12975,13 @@
         </p:grpSpPr>
         <p:sp>
           <p:nvSpPr>
-            <p:cNvPr id="293" name="Google Shape;293;p16"/>
+            <p:cNvPr id="57" name="Google Shape;293;p16">
+              <a:extLst>
+                <a:ext uri="{FF2B5EF4-FFF2-40B4-BE49-F238E27FC236}">
+                  <a16:creationId xmlns:a16="http://schemas.microsoft.com/office/drawing/2014/main" id="{2D5E5FA9-7060-4CA9-BA92-E90BF8EC482B}"/>
+                </a:ext>
+              </a:extLst>
+            </p:cNvPr>
             <p:cNvSpPr/>
             <p:nvPr/>
           </p:nvSpPr>
@@ -11427,7 +13027,13 @@
         </p:sp>
         <p:cxnSp>
           <p:nvCxnSpPr>
-            <p:cNvPr id="294" name="Google Shape;294;p16"/>
+            <p:cNvPr id="58" name="Google Shape;294;p16">
+              <a:extLst>
+                <a:ext uri="{FF2B5EF4-FFF2-40B4-BE49-F238E27FC236}">
+                  <a16:creationId xmlns:a16="http://schemas.microsoft.com/office/drawing/2014/main" id="{3EF51F62-4A64-4885-926E-88E51A7A314D}"/>
+                </a:ext>
+              </a:extLst>
+            </p:cNvPr>
             <p:cNvCxnSpPr/>
             <p:nvPr/>
           </p:nvCxnSpPr>
@@ -11452,16 +13058,112 @@
           </p:spPr>
         </p:cxnSp>
       </p:grpSp>
+      <p:cxnSp>
+        <p:nvCxnSpPr>
+          <p:cNvPr id="7" name="Connector: Elbow 6">
+            <a:extLst>
+              <a:ext uri="{FF2B5EF4-FFF2-40B4-BE49-F238E27FC236}">
+                <a16:creationId xmlns:a16="http://schemas.microsoft.com/office/drawing/2014/main" id="{60AA4D9B-DB54-4383-AB38-BBE46F3FA502}"/>
+              </a:ext>
+            </a:extLst>
+          </p:cNvPr>
+          <p:cNvCxnSpPr>
+            <a:cxnSpLocks/>
+            <a:stCxn id="57" idx="6"/>
+          </p:cNvCxnSpPr>
+          <p:nvPr/>
+        </p:nvCxnSpPr>
+        <p:spPr>
+          <a:xfrm rot="10800000" flipV="1">
+            <a:off x="2161585" y="885795"/>
+            <a:ext cx="1068256" cy="292061"/>
+          </a:xfrm>
+          <a:prstGeom prst="bentConnector3">
+            <a:avLst>
+              <a:gd name="adj1" fmla="val 45638"/>
+            </a:avLst>
+          </a:prstGeom>
+          <a:ln w="12700">
+            <a:prstDash val="dash"/>
+          </a:ln>
+        </p:spPr>
+        <p:style>
+          <a:lnRef idx="1">
+            <a:schemeClr val="dk1"/>
+          </a:lnRef>
+          <a:fillRef idx="0">
+            <a:schemeClr val="dk1"/>
+          </a:fillRef>
+          <a:effectRef idx="0">
+            <a:schemeClr val="dk1"/>
+          </a:effectRef>
+          <a:fontRef idx="minor">
+            <a:schemeClr val="tx1"/>
+          </a:fontRef>
+        </p:style>
+      </p:cxnSp>
+      <p:cxnSp>
+        <p:nvCxnSpPr>
+          <p:cNvPr id="12" name="Connector: Elbow 11">
+            <a:extLst>
+              <a:ext uri="{FF2B5EF4-FFF2-40B4-BE49-F238E27FC236}">
+                <a16:creationId xmlns:a16="http://schemas.microsoft.com/office/drawing/2014/main" id="{5129674F-633B-452F-B0E1-4C78C2A12EF3}"/>
+              </a:ext>
+            </a:extLst>
+          </p:cNvPr>
+          <p:cNvCxnSpPr>
+            <a:stCxn id="284" idx="6"/>
+          </p:cNvCxnSpPr>
+          <p:nvPr/>
+        </p:nvCxnSpPr>
+        <p:spPr>
+          <a:xfrm>
+            <a:off x="2232248" y="1389613"/>
+            <a:ext cx="1118613" cy="592527"/>
+          </a:xfrm>
+          <a:prstGeom prst="bentConnector3">
+            <a:avLst>
+              <a:gd name="adj1" fmla="val 46355"/>
+            </a:avLst>
+          </a:prstGeom>
+          <a:ln w="12700">
+            <a:solidFill>
+              <a:schemeClr val="tx1"/>
+            </a:solidFill>
+            <a:prstDash val="dash"/>
+          </a:ln>
+        </p:spPr>
+        <p:style>
+          <a:lnRef idx="1">
+            <a:schemeClr val="dk1"/>
+          </a:lnRef>
+          <a:fillRef idx="0">
+            <a:schemeClr val="dk1"/>
+          </a:fillRef>
+          <a:effectRef idx="0">
+            <a:schemeClr val="dk1"/>
+          </a:effectRef>
+          <a:fontRef idx="minor">
+            <a:schemeClr val="tx1"/>
+          </a:fontRef>
+        </p:style>
+      </p:cxnSp>
       <p:sp>
         <p:nvSpPr>
-          <p:cNvPr id="295" name="Google Shape;295;p16"/>
+          <p:cNvPr id="15" name="Google Shape;286;p16">
+            <a:extLst>
+              <a:ext uri="{FF2B5EF4-FFF2-40B4-BE49-F238E27FC236}">
+                <a16:creationId xmlns:a16="http://schemas.microsoft.com/office/drawing/2014/main" id="{E8C23C60-5976-4645-AEB7-06660D3C6BD0}"/>
+              </a:ext>
+            </a:extLst>
+          </p:cNvPr>
           <p:cNvSpPr txBox="1"/>
           <p:nvPr/>
         </p:nvSpPr>
         <p:spPr>
           <a:xfrm>
-            <a:off x="2629571" y="4761557"/>
-            <a:ext cx="601800" cy="137100"/>
+            <a:off x="2546607" y="1212184"/>
+            <a:ext cx="470022" cy="143100"/>
           </a:xfrm>
           <a:prstGeom prst="rect">
             <a:avLst/>
@@ -11487,72 +13189,29 @@
               <a:buNone/>
             </a:pPr>
             <a:r>
-              <a:rPr lang="en" sz="600"/>
-              <a:t>Interface B</a:t>
+              <a:rPr lang="en" sz="600" strike="noStrike" dirty="0"/>
+              <a:t>IBusca</a:t>
             </a:r>
-            <a:endParaRPr sz="600" strike="noStrike"/>
+            <a:endParaRPr sz="600" strike="noStrike" dirty="0"/>
           </a:p>
         </p:txBody>
       </p:sp>
       <p:sp>
         <p:nvSpPr>
-          <p:cNvPr id="296" name="Google Shape;296;p16"/>
+          <p:cNvPr id="74" name="Google Shape;287;p16">
+            <a:extLst>
+              <a:ext uri="{FF2B5EF4-FFF2-40B4-BE49-F238E27FC236}">
+                <a16:creationId xmlns:a16="http://schemas.microsoft.com/office/drawing/2014/main" id="{B21B4ED8-7907-4DBB-84E5-F838DEE21CA7}"/>
+              </a:ext>
+            </a:extLst>
+          </p:cNvPr>
           <p:cNvSpPr/>
           <p:nvPr/>
         </p:nvSpPr>
         <p:spPr>
           <a:xfrm>
-            <a:off x="2228476" y="4738578"/>
-            <a:ext cx="806156" cy="254084"/>
-          </a:xfrm>
-          <a:custGeom>
-            <a:avLst/>
-            <a:gdLst/>
-            <a:ahLst/>
-            <a:cxnLst/>
-            <a:rect l="l" t="t" r="r" b="b"/>
-            <a:pathLst>
-              <a:path w="5086" h="1603" extrusionOk="0">
-                <a:moveTo>
-                  <a:pt x="0" y="1602"/>
-                </a:moveTo>
-                <a:lnTo>
-                  <a:pt x="2196" y="1602"/>
-                </a:lnTo>
-                <a:lnTo>
-                  <a:pt x="2196" y="0"/>
-                </a:lnTo>
-                <a:lnTo>
-                  <a:pt x="5060" y="0"/>
-                </a:lnTo>
-                <a:lnTo>
-                  <a:pt x="5085" y="0"/>
-                </a:lnTo>
-              </a:path>
-            </a:pathLst>
-          </a:custGeom>
-          <a:noFill/>
-          <a:ln w="19050" cap="flat" cmpd="sng">
-            <a:solidFill>
-              <a:srgbClr val="000000"/>
-            </a:solidFill>
-            <a:prstDash val="dash"/>
-            <a:round/>
-            <a:headEnd type="none" w="sm" len="sm"/>
-            <a:tailEnd type="none" w="sm" len="sm"/>
-          </a:ln>
-        </p:spPr>
-      </p:sp>
-      <p:sp>
-        <p:nvSpPr>
-          <p:cNvPr id="297" name="Google Shape;297;p16"/>
-          <p:cNvSpPr/>
-          <p:nvPr/>
-        </p:nvSpPr>
-        <p:spPr>
-          <a:xfrm>
-            <a:off x="3261616" y="5347863"/>
-            <a:ext cx="1128900" cy="432000"/>
+            <a:off x="3393473" y="2854867"/>
+            <a:ext cx="1398897" cy="432000"/>
           </a:xfrm>
           <a:prstGeom prst="rect">
             <a:avLst/>
@@ -11586,14 +13245,14 @@
               <a:buNone/>
             </a:pPr>
             <a:r>
-              <a:rPr lang="en" sz="800">
+              <a:rPr lang="en" sz="800" dirty="0">
                 <a:solidFill>
                   <a:srgbClr val="666666"/>
                 </a:solidFill>
               </a:rPr>
               <a:t>«component»</a:t>
             </a:r>
-            <a:endParaRPr sz="800">
+            <a:endParaRPr sz="800" dirty="0">
               <a:solidFill>
                 <a:srgbClr val="000000"/>
               </a:solidFill>
@@ -11609,7 +13268,7 @@
               </a:spcAft>
               <a:buNone/>
             </a:pPr>
-            <a:endParaRPr sz="100">
+            <a:endParaRPr sz="100" dirty="0">
               <a:solidFill>
                 <a:srgbClr val="000000"/>
               </a:solidFill>
@@ -11626,16 +13285,16 @@
               <a:buNone/>
             </a:pPr>
             <a:r>
-              <a:rPr lang="en" sz="1000" b="1">
+              <a:rPr lang="en-US" sz="1000" b="1" dirty="0" err="1">
                 <a:solidFill>
-                  <a:srgbClr val="000000"/>
+                  <a:schemeClr val="tx1"/>
                 </a:solidFill>
               </a:rPr>
-              <a:t>Componente C</a:t>
+              <a:t>DetalhesProduto</a:t>
             </a:r>
-            <a:endParaRPr sz="800">
+            <a:endParaRPr sz="1000" b="1" dirty="0">
               <a:solidFill>
-                <a:srgbClr val="666666"/>
+                <a:schemeClr val="tx1"/>
               </a:solidFill>
             </a:endParaRPr>
           </a:p>
@@ -11643,27 +13302,279 @@
       </p:sp>
       <p:grpSp>
         <p:nvGrpSpPr>
-          <p:cNvPr id="298" name="Google Shape;298;p16"/>
+          <p:cNvPr id="75" name="Google Shape;288;p16">
+            <a:extLst>
+              <a:ext uri="{FF2B5EF4-FFF2-40B4-BE49-F238E27FC236}">
+                <a16:creationId xmlns:a16="http://schemas.microsoft.com/office/drawing/2014/main" id="{BB3FA569-B0E1-4E6A-A09E-46AFDD225B8D}"/>
+              </a:ext>
+            </a:extLst>
+          </p:cNvPr>
           <p:cNvGrpSpPr/>
           <p:nvPr/>
         </p:nvGrpSpPr>
         <p:grpSpPr>
           <a:xfrm>
-            <a:off x="2986367" y="5347928"/>
+            <a:off x="3181132" y="3126910"/>
+            <a:ext cx="212401" cy="99702"/>
+            <a:chOff x="4613040" y="5077440"/>
+            <a:chExt cx="482400" cy="226440"/>
+          </a:xfrm>
+        </p:grpSpPr>
+        <p:cxnSp>
+          <p:nvCxnSpPr>
+            <p:cNvPr id="76" name="Google Shape;289;p16">
+              <a:extLst>
+                <a:ext uri="{FF2B5EF4-FFF2-40B4-BE49-F238E27FC236}">
+                  <a16:creationId xmlns:a16="http://schemas.microsoft.com/office/drawing/2014/main" id="{9EA7C182-6214-4CB7-B615-6BD8863DE79E}"/>
+                </a:ext>
+              </a:extLst>
+            </p:cNvPr>
+            <p:cNvCxnSpPr/>
+            <p:nvPr/>
+          </p:nvCxnSpPr>
+          <p:spPr>
+            <a:xfrm rot="10800000">
+              <a:off x="4745040" y="5190480"/>
+              <a:ext cx="350400" cy="0"/>
+            </a:xfrm>
+            <a:prstGeom prst="straightConnector1">
+              <a:avLst/>
+            </a:prstGeom>
+            <a:noFill/>
+            <a:ln w="19050" cap="flat" cmpd="sng">
+              <a:solidFill>
+                <a:srgbClr val="000000"/>
+              </a:solidFill>
+              <a:prstDash val="solid"/>
+              <a:round/>
+              <a:headEnd type="none" w="sm" len="sm"/>
+              <a:tailEnd type="none" w="sm" len="sm"/>
+            </a:ln>
+          </p:spPr>
+        </p:cxnSp>
+        <p:sp>
+          <p:nvSpPr>
+            <p:cNvPr id="77" name="Google Shape;290;p16">
+              <a:extLst>
+                <a:ext uri="{FF2B5EF4-FFF2-40B4-BE49-F238E27FC236}">
+                  <a16:creationId xmlns:a16="http://schemas.microsoft.com/office/drawing/2014/main" id="{4251C817-5556-4C73-91BF-4655A6691FED}"/>
+                </a:ext>
+              </a:extLst>
+            </p:cNvPr>
+            <p:cNvSpPr/>
+            <p:nvPr/>
+          </p:nvSpPr>
+          <p:spPr>
+            <a:xfrm>
+              <a:off x="4613040" y="5077440"/>
+              <a:ext cx="116280" cy="226440"/>
+            </a:xfrm>
+            <a:custGeom>
+              <a:avLst/>
+              <a:gdLst/>
+              <a:ahLst/>
+              <a:cxnLst/>
+              <a:rect l="l" t="t" r="r" b="b"/>
+              <a:pathLst>
+                <a:path w="323" h="629" extrusionOk="0">
+                  <a:moveTo>
+                    <a:pt x="1" y="0"/>
+                  </a:moveTo>
+                  <a:cubicBezTo>
+                    <a:pt x="2" y="0"/>
+                    <a:pt x="2" y="0"/>
+                    <a:pt x="3" y="1"/>
+                  </a:cubicBezTo>
+                  <a:cubicBezTo>
+                    <a:pt x="3" y="1"/>
+                    <a:pt x="4" y="1"/>
+                    <a:pt x="4" y="2"/>
+                  </a:cubicBezTo>
+                  <a:cubicBezTo>
+                    <a:pt x="4" y="3"/>
+                    <a:pt x="4" y="3"/>
+                    <a:pt x="4" y="4"/>
+                  </a:cubicBezTo>
+                  <a:lnTo>
+                    <a:pt x="4" y="7"/>
+                  </a:lnTo>
+                  <a:cubicBezTo>
+                    <a:pt x="5" y="7"/>
+                    <a:pt x="6" y="7"/>
+                    <a:pt x="7" y="7"/>
+                  </a:cubicBezTo>
+                  <a:cubicBezTo>
+                    <a:pt x="50" y="7"/>
+                    <a:pt x="92" y="15"/>
+                    <a:pt x="129" y="30"/>
+                  </a:cubicBezTo>
+                  <a:cubicBezTo>
+                    <a:pt x="166" y="45"/>
+                    <a:pt x="199" y="68"/>
+                    <a:pt x="226" y="95"/>
+                  </a:cubicBezTo>
+                  <a:cubicBezTo>
+                    <a:pt x="254" y="123"/>
+                    <a:pt x="276" y="156"/>
+                    <a:pt x="291" y="192"/>
+                  </a:cubicBezTo>
+                  <a:cubicBezTo>
+                    <a:pt x="306" y="230"/>
+                    <a:pt x="314" y="271"/>
+                    <a:pt x="314" y="314"/>
+                  </a:cubicBezTo>
+                  <a:cubicBezTo>
+                    <a:pt x="314" y="357"/>
+                    <a:pt x="306" y="398"/>
+                    <a:pt x="291" y="436"/>
+                  </a:cubicBezTo>
+                  <a:cubicBezTo>
+                    <a:pt x="276" y="473"/>
+                    <a:pt x="254" y="506"/>
+                    <a:pt x="226" y="533"/>
+                  </a:cubicBezTo>
+                  <a:cubicBezTo>
+                    <a:pt x="199" y="560"/>
+                    <a:pt x="166" y="583"/>
+                    <a:pt x="129" y="598"/>
+                  </a:cubicBezTo>
+                  <a:cubicBezTo>
+                    <a:pt x="92" y="613"/>
+                    <a:pt x="50" y="622"/>
+                    <a:pt x="7" y="622"/>
+                  </a:cubicBezTo>
+                  <a:cubicBezTo>
+                    <a:pt x="6" y="622"/>
+                    <a:pt x="5" y="622"/>
+                    <a:pt x="4" y="622"/>
+                  </a:cubicBezTo>
+                  <a:lnTo>
+                    <a:pt x="4" y="628"/>
+                  </a:lnTo>
+                  <a:cubicBezTo>
+                    <a:pt x="5" y="628"/>
+                    <a:pt x="6" y="628"/>
+                    <a:pt x="7" y="628"/>
+                  </a:cubicBezTo>
+                  <a:cubicBezTo>
+                    <a:pt x="51" y="628"/>
+                    <a:pt x="94" y="620"/>
+                    <a:pt x="132" y="604"/>
+                  </a:cubicBezTo>
+                  <a:cubicBezTo>
+                    <a:pt x="169" y="589"/>
+                    <a:pt x="203" y="566"/>
+                    <a:pt x="231" y="538"/>
+                  </a:cubicBezTo>
+                  <a:cubicBezTo>
+                    <a:pt x="259" y="510"/>
+                    <a:pt x="282" y="476"/>
+                    <a:pt x="297" y="438"/>
+                  </a:cubicBezTo>
+                  <a:cubicBezTo>
+                    <a:pt x="313" y="400"/>
+                    <a:pt x="322" y="358"/>
+                    <a:pt x="322" y="314"/>
+                  </a:cubicBezTo>
+                  <a:cubicBezTo>
+                    <a:pt x="322" y="270"/>
+                    <a:pt x="313" y="228"/>
+                    <a:pt x="297" y="190"/>
+                  </a:cubicBezTo>
+                  <a:cubicBezTo>
+                    <a:pt x="282" y="152"/>
+                    <a:pt x="259" y="118"/>
+                    <a:pt x="231" y="90"/>
+                  </a:cubicBezTo>
+                  <a:cubicBezTo>
+                    <a:pt x="203" y="62"/>
+                    <a:pt x="169" y="39"/>
+                    <a:pt x="132" y="24"/>
+                  </a:cubicBezTo>
+                  <a:cubicBezTo>
+                    <a:pt x="94" y="9"/>
+                    <a:pt x="51" y="0"/>
+                    <a:pt x="7" y="0"/>
+                  </a:cubicBezTo>
+                  <a:cubicBezTo>
+                    <a:pt x="5" y="0"/>
+                    <a:pt x="3" y="0"/>
+                    <a:pt x="0" y="0"/>
+                  </a:cubicBezTo>
+                  <a:lnTo>
+                    <a:pt x="1" y="0"/>
+                  </a:lnTo>
+                </a:path>
+              </a:pathLst>
+            </a:custGeom>
+            <a:solidFill>
+              <a:srgbClr val="000000"/>
+            </a:solidFill>
+            <a:ln w="19050" cap="flat" cmpd="sng">
+              <a:solidFill>
+                <a:srgbClr val="000000"/>
+              </a:solidFill>
+              <a:prstDash val="solid"/>
+              <a:round/>
+              <a:headEnd type="none" w="sm" len="sm"/>
+              <a:tailEnd type="none" w="sm" len="sm"/>
+            </a:ln>
+          </p:spPr>
+          <p:txBody>
+            <a:bodyPr spcFirstLastPara="1" wrap="square" lIns="91425" tIns="91425" rIns="91425" bIns="91425" anchor="ctr" anchorCtr="0">
+              <a:noAutofit/>
+            </a:bodyPr>
+            <a:lstStyle/>
+            <a:p>
+              <a:pPr marL="0" lvl="0" indent="0" algn="l" rtl="0">
+                <a:spcBef>
+                  <a:spcPts val="0"/>
+                </a:spcBef>
+                <a:spcAft>
+                  <a:spcPts val="0"/>
+                </a:spcAft>
+                <a:buNone/>
+              </a:pPr>
+              <a:endParaRPr/>
+            </a:p>
+          </p:txBody>
+        </p:sp>
+      </p:grpSp>
+      <p:grpSp>
+        <p:nvGrpSpPr>
+          <p:cNvPr id="78" name="Google Shape;292;p16">
+            <a:extLst>
+              <a:ext uri="{FF2B5EF4-FFF2-40B4-BE49-F238E27FC236}">
+                <a16:creationId xmlns:a16="http://schemas.microsoft.com/office/drawing/2014/main" id="{EFAD1B18-0F98-4933-BE12-F31DEADF35C2}"/>
+              </a:ext>
+            </a:extLst>
+          </p:cNvPr>
+          <p:cNvGrpSpPr/>
+          <p:nvPr/>
+        </p:nvGrpSpPr>
+        <p:grpSpPr>
+          <a:xfrm>
+            <a:off x="3118231" y="2901502"/>
             <a:ext cx="275302" cy="97615"/>
-            <a:chOff x="4478460" y="5997600"/>
+            <a:chOff x="4470180" y="4459680"/>
             <a:chExt cx="625260" cy="221700"/>
           </a:xfrm>
         </p:grpSpPr>
         <p:sp>
           <p:nvSpPr>
-            <p:cNvPr id="299" name="Google Shape;299;p16"/>
+            <p:cNvPr id="79" name="Google Shape;293;p16">
+              <a:extLst>
+                <a:ext uri="{FF2B5EF4-FFF2-40B4-BE49-F238E27FC236}">
+                  <a16:creationId xmlns:a16="http://schemas.microsoft.com/office/drawing/2014/main" id="{B9C87F9A-5367-4DF0-B597-58108992F1B8}"/>
+                </a:ext>
+              </a:extLst>
+            </p:cNvPr>
             <p:cNvSpPr/>
             <p:nvPr/>
           </p:nvSpPr>
           <p:spPr>
             <a:xfrm flipH="1">
-              <a:off x="4478460" y="5997600"/>
+              <a:off x="4470180" y="4459680"/>
               <a:ext cx="221700" cy="221700"/>
             </a:xfrm>
             <a:prstGeom prst="ellipse">
@@ -11703,13 +13614,559 @@
         </p:sp>
         <p:cxnSp>
           <p:nvCxnSpPr>
-            <p:cNvPr id="300" name="Google Shape;300;p16"/>
+            <p:cNvPr id="80" name="Google Shape;294;p16">
+              <a:extLst>
+                <a:ext uri="{FF2B5EF4-FFF2-40B4-BE49-F238E27FC236}">
+                  <a16:creationId xmlns:a16="http://schemas.microsoft.com/office/drawing/2014/main" id="{D44F69CF-A5C5-47C8-86EC-EBF947BF111C}"/>
+                </a:ext>
+              </a:extLst>
+            </p:cNvPr>
             <p:cNvCxnSpPr/>
             <p:nvPr/>
           </p:nvCxnSpPr>
           <p:spPr>
             <a:xfrm rot="10800000">
-              <a:off x="4700220" y="6108120"/>
+              <a:off x="4691940" y="4570200"/>
+              <a:ext cx="403500" cy="0"/>
+            </a:xfrm>
+            <a:prstGeom prst="straightConnector1">
+              <a:avLst/>
+            </a:prstGeom>
+            <a:noFill/>
+            <a:ln w="19050" cap="flat" cmpd="sng">
+              <a:solidFill>
+                <a:srgbClr val="000000"/>
+              </a:solidFill>
+              <a:prstDash val="solid"/>
+              <a:round/>
+              <a:headEnd type="none" w="sm" len="sm"/>
+              <a:tailEnd type="none" w="sm" len="sm"/>
+            </a:ln>
+          </p:spPr>
+        </p:cxnSp>
+      </p:grpSp>
+      <p:cxnSp>
+        <p:nvCxnSpPr>
+          <p:cNvPr id="19" name="Connector: Elbow 18">
+            <a:extLst>
+              <a:ext uri="{FF2B5EF4-FFF2-40B4-BE49-F238E27FC236}">
+                <a16:creationId xmlns:a16="http://schemas.microsoft.com/office/drawing/2014/main" id="{9728C493-AB9E-4E06-8B28-EB0D72620BEE}"/>
+              </a:ext>
+            </a:extLst>
+          </p:cNvPr>
+          <p:cNvCxnSpPr>
+            <a:stCxn id="50" idx="6"/>
+          </p:cNvCxnSpPr>
+          <p:nvPr/>
+        </p:nvCxnSpPr>
+        <p:spPr>
+          <a:xfrm>
+            <a:off x="2014945" y="2938561"/>
+            <a:ext cx="1224306" cy="238070"/>
+          </a:xfrm>
+          <a:prstGeom prst="bentConnector3">
+            <a:avLst>
+              <a:gd name="adj1" fmla="val 60941"/>
+            </a:avLst>
+          </a:prstGeom>
+          <a:ln w="12700">
+            <a:prstDash val="dash"/>
+          </a:ln>
+        </p:spPr>
+        <p:style>
+          <a:lnRef idx="1">
+            <a:schemeClr val="dk1"/>
+          </a:lnRef>
+          <a:fillRef idx="0">
+            <a:schemeClr val="dk1"/>
+          </a:fillRef>
+          <a:effectRef idx="0">
+            <a:schemeClr val="dk1"/>
+          </a:effectRef>
+          <a:fontRef idx="minor">
+            <a:schemeClr val="tx1"/>
+          </a:fontRef>
+        </p:style>
+      </p:cxnSp>
+      <p:sp>
+        <p:nvSpPr>
+          <p:cNvPr id="21" name="Google Shape;286;p16">
+            <a:extLst>
+              <a:ext uri="{FF2B5EF4-FFF2-40B4-BE49-F238E27FC236}">
+                <a16:creationId xmlns:a16="http://schemas.microsoft.com/office/drawing/2014/main" id="{B73AFCEC-B0A6-4293-90F3-370DCEDDC871}"/>
+              </a:ext>
+            </a:extLst>
+          </p:cNvPr>
+          <p:cNvSpPr txBox="1"/>
+          <p:nvPr/>
+        </p:nvSpPr>
+        <p:spPr>
+          <a:xfrm>
+            <a:off x="2521410" y="2734997"/>
+            <a:ext cx="470022" cy="143100"/>
+          </a:xfrm>
+          <a:prstGeom prst="rect">
+            <a:avLst/>
+          </a:prstGeom>
+          <a:noFill/>
+          <a:ln>
+            <a:noFill/>
+          </a:ln>
+        </p:spPr>
+        <p:txBody>
+          <a:bodyPr spcFirstLastPara="1" wrap="square" lIns="90000" tIns="45000" rIns="90000" bIns="45000" anchor="t" anchorCtr="0">
+            <a:noAutofit/>
+          </a:bodyPr>
+          <a:lstStyle/>
+          <a:p>
+            <a:pPr marL="0" marR="0" lvl="0" indent="0" algn="l" rtl="0">
+              <a:spcBef>
+                <a:spcPts val="0"/>
+              </a:spcBef>
+              <a:spcAft>
+                <a:spcPts val="0"/>
+              </a:spcAft>
+              <a:buNone/>
+            </a:pPr>
+            <a:r>
+              <a:rPr lang="en" sz="600" strike="noStrike" dirty="0"/>
+              <a:t>IProduto</a:t>
+            </a:r>
+            <a:endParaRPr sz="600" strike="noStrike" dirty="0"/>
+          </a:p>
+        </p:txBody>
+      </p:sp>
+      <p:sp>
+        <p:nvSpPr>
+          <p:cNvPr id="86" name="Google Shape;287;p16">
+            <a:extLst>
+              <a:ext uri="{FF2B5EF4-FFF2-40B4-BE49-F238E27FC236}">
+                <a16:creationId xmlns:a16="http://schemas.microsoft.com/office/drawing/2014/main" id="{32E96EC0-D17D-4AC4-B91A-6B52CC0EA314}"/>
+              </a:ext>
+            </a:extLst>
+          </p:cNvPr>
+          <p:cNvSpPr/>
+          <p:nvPr/>
+        </p:nvSpPr>
+        <p:spPr>
+          <a:xfrm>
+            <a:off x="3393473" y="3652259"/>
+            <a:ext cx="1398897" cy="432000"/>
+          </a:xfrm>
+          <a:prstGeom prst="rect">
+            <a:avLst/>
+          </a:prstGeom>
+          <a:solidFill>
+            <a:srgbClr val="FFFFFF"/>
+          </a:solidFill>
+          <a:ln w="19050" cap="flat" cmpd="sng">
+            <a:solidFill>
+              <a:srgbClr val="000000"/>
+            </a:solidFill>
+            <a:prstDash val="solid"/>
+            <a:round/>
+            <a:headEnd type="none" w="sm" len="sm"/>
+            <a:tailEnd type="none" w="sm" len="sm"/>
+          </a:ln>
+        </p:spPr>
+        <p:txBody>
+          <a:bodyPr spcFirstLastPara="1" wrap="square" lIns="104400" tIns="59400" rIns="104400" bIns="59400" anchor="ctr" anchorCtr="0">
+            <a:noAutofit/>
+          </a:bodyPr>
+          <a:lstStyle/>
+          <a:p>
+            <a:pPr marL="0" lvl="0" indent="0" algn="ctr" rtl="0">
+              <a:spcBef>
+                <a:spcPts val="0"/>
+              </a:spcBef>
+              <a:spcAft>
+                <a:spcPts val="0"/>
+              </a:spcAft>
+              <a:buNone/>
+            </a:pPr>
+            <a:r>
+              <a:rPr lang="en" sz="800" dirty="0">
+                <a:solidFill>
+                  <a:srgbClr val="666666"/>
+                </a:solidFill>
+              </a:rPr>
+              <a:t>«component»</a:t>
+            </a:r>
+            <a:endParaRPr sz="800" dirty="0">
+              <a:solidFill>
+                <a:srgbClr val="000000"/>
+              </a:solidFill>
+            </a:endParaRPr>
+          </a:p>
+          <a:p>
+            <a:pPr marL="0" lvl="0" indent="0" algn="ctr" rtl="0">
+              <a:spcBef>
+                <a:spcPts val="0"/>
+              </a:spcBef>
+              <a:spcAft>
+                <a:spcPts val="0"/>
+              </a:spcAft>
+              <a:buNone/>
+            </a:pPr>
+            <a:endParaRPr sz="100" dirty="0">
+              <a:solidFill>
+                <a:srgbClr val="000000"/>
+              </a:solidFill>
+            </a:endParaRPr>
+          </a:p>
+          <a:p>
+            <a:pPr marL="0" lvl="0" indent="0" algn="ctr" rtl="0">
+              <a:spcBef>
+                <a:spcPts val="0"/>
+              </a:spcBef>
+              <a:spcAft>
+                <a:spcPts val="0"/>
+              </a:spcAft>
+              <a:buNone/>
+            </a:pPr>
+            <a:r>
+              <a:rPr lang="en-US" sz="1000" b="1" dirty="0" err="1">
+                <a:solidFill>
+                  <a:schemeClr val="tx1"/>
+                </a:solidFill>
+              </a:rPr>
+              <a:t>Carrinho</a:t>
+            </a:r>
+            <a:endParaRPr sz="1000" b="1" dirty="0">
+              <a:solidFill>
+                <a:schemeClr val="tx1"/>
+              </a:solidFill>
+            </a:endParaRPr>
+          </a:p>
+        </p:txBody>
+      </p:sp>
+      <p:grpSp>
+        <p:nvGrpSpPr>
+          <p:cNvPr id="87" name="Google Shape;288;p16">
+            <a:extLst>
+              <a:ext uri="{FF2B5EF4-FFF2-40B4-BE49-F238E27FC236}">
+                <a16:creationId xmlns:a16="http://schemas.microsoft.com/office/drawing/2014/main" id="{0A0153E5-F3F7-49F3-B08C-D76D5CE891BA}"/>
+              </a:ext>
+            </a:extLst>
+          </p:cNvPr>
+          <p:cNvGrpSpPr/>
+          <p:nvPr/>
+        </p:nvGrpSpPr>
+        <p:grpSpPr>
+          <a:xfrm>
+            <a:off x="3181132" y="3924302"/>
+            <a:ext cx="212401" cy="99702"/>
+            <a:chOff x="4613040" y="5077440"/>
+            <a:chExt cx="482400" cy="226440"/>
+          </a:xfrm>
+        </p:grpSpPr>
+        <p:cxnSp>
+          <p:nvCxnSpPr>
+            <p:cNvPr id="88" name="Google Shape;289;p16">
+              <a:extLst>
+                <a:ext uri="{FF2B5EF4-FFF2-40B4-BE49-F238E27FC236}">
+                  <a16:creationId xmlns:a16="http://schemas.microsoft.com/office/drawing/2014/main" id="{1901E0FE-B8B7-4F48-8372-826F7FE0C080}"/>
+                </a:ext>
+              </a:extLst>
+            </p:cNvPr>
+            <p:cNvCxnSpPr/>
+            <p:nvPr/>
+          </p:nvCxnSpPr>
+          <p:spPr>
+            <a:xfrm rot="10800000">
+              <a:off x="4745040" y="5190480"/>
+              <a:ext cx="350400" cy="0"/>
+            </a:xfrm>
+            <a:prstGeom prst="straightConnector1">
+              <a:avLst/>
+            </a:prstGeom>
+            <a:noFill/>
+            <a:ln w="19050" cap="flat" cmpd="sng">
+              <a:solidFill>
+                <a:srgbClr val="000000"/>
+              </a:solidFill>
+              <a:prstDash val="solid"/>
+              <a:round/>
+              <a:headEnd type="none" w="sm" len="sm"/>
+              <a:tailEnd type="none" w="sm" len="sm"/>
+            </a:ln>
+          </p:spPr>
+        </p:cxnSp>
+        <p:sp>
+          <p:nvSpPr>
+            <p:cNvPr id="89" name="Google Shape;290;p16">
+              <a:extLst>
+                <a:ext uri="{FF2B5EF4-FFF2-40B4-BE49-F238E27FC236}">
+                  <a16:creationId xmlns:a16="http://schemas.microsoft.com/office/drawing/2014/main" id="{9EC0D0D3-582C-4791-8586-5BCC65A39031}"/>
+                </a:ext>
+              </a:extLst>
+            </p:cNvPr>
+            <p:cNvSpPr/>
+            <p:nvPr/>
+          </p:nvSpPr>
+          <p:spPr>
+            <a:xfrm>
+              <a:off x="4613040" y="5077440"/>
+              <a:ext cx="116280" cy="226440"/>
+            </a:xfrm>
+            <a:custGeom>
+              <a:avLst/>
+              <a:gdLst/>
+              <a:ahLst/>
+              <a:cxnLst/>
+              <a:rect l="l" t="t" r="r" b="b"/>
+              <a:pathLst>
+                <a:path w="323" h="629" extrusionOk="0">
+                  <a:moveTo>
+                    <a:pt x="1" y="0"/>
+                  </a:moveTo>
+                  <a:cubicBezTo>
+                    <a:pt x="2" y="0"/>
+                    <a:pt x="2" y="0"/>
+                    <a:pt x="3" y="1"/>
+                  </a:cubicBezTo>
+                  <a:cubicBezTo>
+                    <a:pt x="3" y="1"/>
+                    <a:pt x="4" y="1"/>
+                    <a:pt x="4" y="2"/>
+                  </a:cubicBezTo>
+                  <a:cubicBezTo>
+                    <a:pt x="4" y="3"/>
+                    <a:pt x="4" y="3"/>
+                    <a:pt x="4" y="4"/>
+                  </a:cubicBezTo>
+                  <a:lnTo>
+                    <a:pt x="4" y="7"/>
+                  </a:lnTo>
+                  <a:cubicBezTo>
+                    <a:pt x="5" y="7"/>
+                    <a:pt x="6" y="7"/>
+                    <a:pt x="7" y="7"/>
+                  </a:cubicBezTo>
+                  <a:cubicBezTo>
+                    <a:pt x="50" y="7"/>
+                    <a:pt x="92" y="15"/>
+                    <a:pt x="129" y="30"/>
+                  </a:cubicBezTo>
+                  <a:cubicBezTo>
+                    <a:pt x="166" y="45"/>
+                    <a:pt x="199" y="68"/>
+                    <a:pt x="226" y="95"/>
+                  </a:cubicBezTo>
+                  <a:cubicBezTo>
+                    <a:pt x="254" y="123"/>
+                    <a:pt x="276" y="156"/>
+                    <a:pt x="291" y="192"/>
+                  </a:cubicBezTo>
+                  <a:cubicBezTo>
+                    <a:pt x="306" y="230"/>
+                    <a:pt x="314" y="271"/>
+                    <a:pt x="314" y="314"/>
+                  </a:cubicBezTo>
+                  <a:cubicBezTo>
+                    <a:pt x="314" y="357"/>
+                    <a:pt x="306" y="398"/>
+                    <a:pt x="291" y="436"/>
+                  </a:cubicBezTo>
+                  <a:cubicBezTo>
+                    <a:pt x="276" y="473"/>
+                    <a:pt x="254" y="506"/>
+                    <a:pt x="226" y="533"/>
+                  </a:cubicBezTo>
+                  <a:cubicBezTo>
+                    <a:pt x="199" y="560"/>
+                    <a:pt x="166" y="583"/>
+                    <a:pt x="129" y="598"/>
+                  </a:cubicBezTo>
+                  <a:cubicBezTo>
+                    <a:pt x="92" y="613"/>
+                    <a:pt x="50" y="622"/>
+                    <a:pt x="7" y="622"/>
+                  </a:cubicBezTo>
+                  <a:cubicBezTo>
+                    <a:pt x="6" y="622"/>
+                    <a:pt x="5" y="622"/>
+                    <a:pt x="4" y="622"/>
+                  </a:cubicBezTo>
+                  <a:lnTo>
+                    <a:pt x="4" y="628"/>
+                  </a:lnTo>
+                  <a:cubicBezTo>
+                    <a:pt x="5" y="628"/>
+                    <a:pt x="6" y="628"/>
+                    <a:pt x="7" y="628"/>
+                  </a:cubicBezTo>
+                  <a:cubicBezTo>
+                    <a:pt x="51" y="628"/>
+                    <a:pt x="94" y="620"/>
+                    <a:pt x="132" y="604"/>
+                  </a:cubicBezTo>
+                  <a:cubicBezTo>
+                    <a:pt x="169" y="589"/>
+                    <a:pt x="203" y="566"/>
+                    <a:pt x="231" y="538"/>
+                  </a:cubicBezTo>
+                  <a:cubicBezTo>
+                    <a:pt x="259" y="510"/>
+                    <a:pt x="282" y="476"/>
+                    <a:pt x="297" y="438"/>
+                  </a:cubicBezTo>
+                  <a:cubicBezTo>
+                    <a:pt x="313" y="400"/>
+                    <a:pt x="322" y="358"/>
+                    <a:pt x="322" y="314"/>
+                  </a:cubicBezTo>
+                  <a:cubicBezTo>
+                    <a:pt x="322" y="270"/>
+                    <a:pt x="313" y="228"/>
+                    <a:pt x="297" y="190"/>
+                  </a:cubicBezTo>
+                  <a:cubicBezTo>
+                    <a:pt x="282" y="152"/>
+                    <a:pt x="259" y="118"/>
+                    <a:pt x="231" y="90"/>
+                  </a:cubicBezTo>
+                  <a:cubicBezTo>
+                    <a:pt x="203" y="62"/>
+                    <a:pt x="169" y="39"/>
+                    <a:pt x="132" y="24"/>
+                  </a:cubicBezTo>
+                  <a:cubicBezTo>
+                    <a:pt x="94" y="9"/>
+                    <a:pt x="51" y="0"/>
+                    <a:pt x="7" y="0"/>
+                  </a:cubicBezTo>
+                  <a:cubicBezTo>
+                    <a:pt x="5" y="0"/>
+                    <a:pt x="3" y="0"/>
+                    <a:pt x="0" y="0"/>
+                  </a:cubicBezTo>
+                  <a:lnTo>
+                    <a:pt x="1" y="0"/>
+                  </a:lnTo>
+                </a:path>
+              </a:pathLst>
+            </a:custGeom>
+            <a:solidFill>
+              <a:srgbClr val="000000"/>
+            </a:solidFill>
+            <a:ln w="19050" cap="flat" cmpd="sng">
+              <a:solidFill>
+                <a:srgbClr val="000000"/>
+              </a:solidFill>
+              <a:prstDash val="solid"/>
+              <a:round/>
+              <a:headEnd type="none" w="sm" len="sm"/>
+              <a:tailEnd type="none" w="sm" len="sm"/>
+            </a:ln>
+          </p:spPr>
+          <p:txBody>
+            <a:bodyPr spcFirstLastPara="1" wrap="square" lIns="91425" tIns="91425" rIns="91425" bIns="91425" anchor="ctr" anchorCtr="0">
+              <a:noAutofit/>
+            </a:bodyPr>
+            <a:lstStyle/>
+            <a:p>
+              <a:pPr marL="0" lvl="0" indent="0" algn="l" rtl="0">
+                <a:spcBef>
+                  <a:spcPts val="0"/>
+                </a:spcBef>
+                <a:spcAft>
+                  <a:spcPts val="0"/>
+                </a:spcAft>
+                <a:buNone/>
+              </a:pPr>
+              <a:endParaRPr/>
+            </a:p>
+          </p:txBody>
+        </p:sp>
+      </p:grpSp>
+      <p:grpSp>
+        <p:nvGrpSpPr>
+          <p:cNvPr id="90" name="Google Shape;292;p16">
+            <a:extLst>
+              <a:ext uri="{FF2B5EF4-FFF2-40B4-BE49-F238E27FC236}">
+                <a16:creationId xmlns:a16="http://schemas.microsoft.com/office/drawing/2014/main" id="{0E59E228-BA86-4BEE-BB21-8AF0A8BB01AC}"/>
+              </a:ext>
+            </a:extLst>
+          </p:cNvPr>
+          <p:cNvGrpSpPr/>
+          <p:nvPr/>
+        </p:nvGrpSpPr>
+        <p:grpSpPr>
+          <a:xfrm>
+            <a:off x="3118231" y="3698894"/>
+            <a:ext cx="275302" cy="97615"/>
+            <a:chOff x="4470180" y="4459680"/>
+            <a:chExt cx="625260" cy="221700"/>
+          </a:xfrm>
+        </p:grpSpPr>
+        <p:sp>
+          <p:nvSpPr>
+            <p:cNvPr id="91" name="Google Shape;293;p16">
+              <a:extLst>
+                <a:ext uri="{FF2B5EF4-FFF2-40B4-BE49-F238E27FC236}">
+                  <a16:creationId xmlns:a16="http://schemas.microsoft.com/office/drawing/2014/main" id="{54BC3684-7B38-4D0E-B3BA-5377F742898A}"/>
+                </a:ext>
+              </a:extLst>
+            </p:cNvPr>
+            <p:cNvSpPr/>
+            <p:nvPr/>
+          </p:nvSpPr>
+          <p:spPr>
+            <a:xfrm flipH="1">
+              <a:off x="4470180" y="4459680"/>
+              <a:ext cx="221700" cy="221700"/>
+            </a:xfrm>
+            <a:prstGeom prst="ellipse">
+              <a:avLst/>
+            </a:prstGeom>
+            <a:solidFill>
+              <a:srgbClr val="FFFFFF"/>
+            </a:solidFill>
+            <a:ln w="19050" cap="flat" cmpd="sng">
+              <a:solidFill>
+                <a:srgbClr val="000000"/>
+              </a:solidFill>
+              <a:prstDash val="solid"/>
+              <a:round/>
+              <a:headEnd type="none" w="sm" len="sm"/>
+              <a:tailEnd type="none" w="sm" len="sm"/>
+            </a:ln>
+          </p:spPr>
+          <p:txBody>
+            <a:bodyPr spcFirstLastPara="1" wrap="square" lIns="91425" tIns="91425" rIns="91425" bIns="91425" anchor="ctr" anchorCtr="0">
+              <a:noAutofit/>
+            </a:bodyPr>
+            <a:lstStyle/>
+            <a:p>
+              <a:pPr marL="0" lvl="0" indent="0" algn="l" rtl="0">
+                <a:spcBef>
+                  <a:spcPts val="0"/>
+                </a:spcBef>
+                <a:spcAft>
+                  <a:spcPts val="0"/>
+                </a:spcAft>
+                <a:buNone/>
+              </a:pPr>
+              <a:endParaRPr/>
+            </a:p>
+          </p:txBody>
+        </p:sp>
+        <p:cxnSp>
+          <p:nvCxnSpPr>
+            <p:cNvPr id="92" name="Google Shape;294;p16">
+              <a:extLst>
+                <a:ext uri="{FF2B5EF4-FFF2-40B4-BE49-F238E27FC236}">
+                  <a16:creationId xmlns:a16="http://schemas.microsoft.com/office/drawing/2014/main" id="{31CC0FD8-E88A-484F-A1C4-72B540BE68BB}"/>
+                </a:ext>
+              </a:extLst>
+            </p:cNvPr>
+            <p:cNvCxnSpPr/>
+            <p:nvPr/>
+          </p:nvCxnSpPr>
+          <p:spPr>
+            <a:xfrm rot="10800000">
+              <a:off x="4691940" y="4570200"/>
               <a:ext cx="403500" cy="0"/>
             </a:xfrm>
             <a:prstGeom prst="straightConnector1">
@@ -11730,118 +14187,44 @@
       </p:grpSp>
       <p:sp>
         <p:nvSpPr>
-          <p:cNvPr id="301" name="Google Shape;301;p16"/>
-          <p:cNvSpPr txBox="1"/>
+          <p:cNvPr id="93" name="Google Shape;287;p16">
+            <a:extLst>
+              <a:ext uri="{FF2B5EF4-FFF2-40B4-BE49-F238E27FC236}">
+                <a16:creationId xmlns:a16="http://schemas.microsoft.com/office/drawing/2014/main" id="{F5C986E8-3B3F-477B-92D1-C8101BD3C1E0}"/>
+              </a:ext>
+            </a:extLst>
+          </p:cNvPr>
+          <p:cNvSpPr/>
           <p:nvPr/>
         </p:nvSpPr>
         <p:spPr>
           <a:xfrm>
-            <a:off x="2696373" y="5481013"/>
-            <a:ext cx="573900" cy="137100"/>
+            <a:off x="3393473" y="4212052"/>
+            <a:ext cx="1398897" cy="432000"/>
           </a:xfrm>
           <a:prstGeom prst="rect">
             <a:avLst/>
           </a:prstGeom>
-          <a:noFill/>
-          <a:ln>
-            <a:noFill/>
-          </a:ln>
-        </p:spPr>
-        <p:txBody>
-          <a:bodyPr spcFirstLastPara="1" wrap="square" lIns="90000" tIns="45000" rIns="90000" bIns="45000" anchor="t" anchorCtr="0">
-            <a:noAutofit/>
-          </a:bodyPr>
-          <a:lstStyle/>
-          <a:p>
-            <a:pPr marL="0" marR="0" lvl="0" indent="0" algn="l" rtl="0">
-              <a:spcBef>
-                <a:spcPts val="0"/>
-              </a:spcBef>
-              <a:spcAft>
-                <a:spcPts val="0"/>
-              </a:spcAft>
-              <a:buNone/>
-            </a:pPr>
-            <a:r>
-              <a:rPr lang="en" sz="600"/>
-              <a:t>Interface C</a:t>
-            </a:r>
-            <a:endParaRPr sz="600" strike="noStrike"/>
-          </a:p>
-        </p:txBody>
-      </p:sp>
-      <p:sp>
-        <p:nvSpPr>
-          <p:cNvPr id="302" name="Google Shape;302;p16"/>
-          <p:cNvSpPr/>
-          <p:nvPr/>
-        </p:nvSpPr>
-        <p:spPr>
-          <a:xfrm>
-            <a:off x="2795918" y="4992502"/>
-            <a:ext cx="250279" cy="411796"/>
-          </a:xfrm>
-          <a:custGeom>
-            <a:avLst/>
-            <a:gdLst/>
-            <a:ahLst/>
-            <a:cxnLst/>
-            <a:rect l="l" t="t" r="r" b="b"/>
-            <a:pathLst>
-              <a:path w="1579" h="2598" extrusionOk="0">
-                <a:moveTo>
-                  <a:pt x="1335" y="0"/>
-                </a:moveTo>
-                <a:lnTo>
-                  <a:pt x="0" y="0"/>
-                </a:lnTo>
-                <a:lnTo>
-                  <a:pt x="0" y="2597"/>
-                </a:lnTo>
-                <a:lnTo>
-                  <a:pt x="1578" y="2597"/>
-                </a:lnTo>
-              </a:path>
-            </a:pathLst>
-          </a:custGeom>
-          <a:noFill/>
+          <a:solidFill>
+            <a:srgbClr val="FFFFFF"/>
+          </a:solidFill>
           <a:ln w="19050" cap="flat" cmpd="sng">
             <a:solidFill>
               <a:srgbClr val="000000"/>
             </a:solidFill>
-            <a:prstDash val="dash"/>
+            <a:prstDash val="solid"/>
             <a:round/>
             <a:headEnd type="none" w="sm" len="sm"/>
             <a:tailEnd type="none" w="sm" len="sm"/>
           </a:ln>
         </p:spPr>
-      </p:sp>
-      <p:sp>
-        <p:nvSpPr>
-          <p:cNvPr id="303" name="Google Shape;303;p16"/>
-          <p:cNvSpPr txBox="1"/>
-          <p:nvPr/>
-        </p:nvSpPr>
-        <p:spPr>
-          <a:xfrm>
-            <a:off x="1085850" y="3829050"/>
-            <a:ext cx="1470300" cy="320100"/>
-          </a:xfrm>
-          <a:prstGeom prst="rect">
-            <a:avLst/>
-          </a:prstGeom>
-          <a:noFill/>
-          <a:ln>
-            <a:noFill/>
-          </a:ln>
-        </p:spPr>
         <p:txBody>
-          <a:bodyPr spcFirstLastPara="1" wrap="square" lIns="91425" tIns="91425" rIns="91425" bIns="91425" anchor="t" anchorCtr="0">
+          <a:bodyPr spcFirstLastPara="1" wrap="square" lIns="104400" tIns="59400" rIns="104400" bIns="59400" anchor="ctr" anchorCtr="0">
             <a:noAutofit/>
           </a:bodyPr>
           <a:lstStyle/>
           <a:p>
-            <a:pPr marL="0" lvl="0" indent="0" algn="l" rtl="0">
+            <a:pPr marL="0" lvl="0" indent="0" algn="ctr" rtl="0">
               <a:spcBef>
                 <a:spcPts val="0"/>
               </a:spcBef>
@@ -11851,39 +14234,446 @@
               <a:buNone/>
             </a:pPr>
             <a:r>
-              <a:rPr lang="en" sz="2000" b="1"/>
-              <a:t>Controller</a:t>
+              <a:rPr lang="en" sz="800" dirty="0">
+                <a:solidFill>
+                  <a:srgbClr val="666666"/>
+                </a:solidFill>
+              </a:rPr>
+              <a:t>«component»</a:t>
             </a:r>
-            <a:endParaRPr sz="2000" b="1"/>
+            <a:endParaRPr sz="800" dirty="0">
+              <a:solidFill>
+                <a:srgbClr val="000000"/>
+              </a:solidFill>
+            </a:endParaRPr>
+          </a:p>
+          <a:p>
+            <a:pPr marL="0" lvl="0" indent="0" algn="ctr" rtl="0">
+              <a:spcBef>
+                <a:spcPts val="0"/>
+              </a:spcBef>
+              <a:spcAft>
+                <a:spcPts val="0"/>
+              </a:spcAft>
+              <a:buNone/>
+            </a:pPr>
+            <a:endParaRPr sz="100" dirty="0">
+              <a:solidFill>
+                <a:srgbClr val="000000"/>
+              </a:solidFill>
+            </a:endParaRPr>
+          </a:p>
+          <a:p>
+            <a:pPr marL="0" lvl="0" indent="0" algn="ctr" rtl="0">
+              <a:spcBef>
+                <a:spcPts val="0"/>
+              </a:spcBef>
+              <a:spcAft>
+                <a:spcPts val="0"/>
+              </a:spcAft>
+              <a:buNone/>
+            </a:pPr>
+            <a:r>
+              <a:rPr lang="en-US" sz="1000" b="1" dirty="0" err="1">
+                <a:solidFill>
+                  <a:schemeClr val="tx1"/>
+                </a:solidFill>
+              </a:rPr>
+              <a:t>ConfirmaCompra</a:t>
+            </a:r>
+            <a:endParaRPr sz="1000" b="1" dirty="0">
+              <a:solidFill>
+                <a:schemeClr val="tx1"/>
+              </a:solidFill>
+            </a:endParaRPr>
           </a:p>
         </p:txBody>
       </p:sp>
+      <p:grpSp>
+        <p:nvGrpSpPr>
+          <p:cNvPr id="94" name="Google Shape;288;p16">
+            <a:extLst>
+              <a:ext uri="{FF2B5EF4-FFF2-40B4-BE49-F238E27FC236}">
+                <a16:creationId xmlns:a16="http://schemas.microsoft.com/office/drawing/2014/main" id="{FE6D0346-6630-4554-8925-3E5C85656ECE}"/>
+              </a:ext>
+            </a:extLst>
+          </p:cNvPr>
+          <p:cNvGrpSpPr/>
+          <p:nvPr/>
+        </p:nvGrpSpPr>
+        <p:grpSpPr>
+          <a:xfrm>
+            <a:off x="3181132" y="4484095"/>
+            <a:ext cx="212401" cy="99702"/>
+            <a:chOff x="4613040" y="5077440"/>
+            <a:chExt cx="482400" cy="226440"/>
+          </a:xfrm>
+        </p:grpSpPr>
+        <p:cxnSp>
+          <p:nvCxnSpPr>
+            <p:cNvPr id="95" name="Google Shape;289;p16">
+              <a:extLst>
+                <a:ext uri="{FF2B5EF4-FFF2-40B4-BE49-F238E27FC236}">
+                  <a16:creationId xmlns:a16="http://schemas.microsoft.com/office/drawing/2014/main" id="{05F0F099-623A-4DB5-988B-57EDAA043CD9}"/>
+                </a:ext>
+              </a:extLst>
+            </p:cNvPr>
+            <p:cNvCxnSpPr/>
+            <p:nvPr/>
+          </p:nvCxnSpPr>
+          <p:spPr>
+            <a:xfrm rot="10800000">
+              <a:off x="4745040" y="5190480"/>
+              <a:ext cx="350400" cy="0"/>
+            </a:xfrm>
+            <a:prstGeom prst="straightConnector1">
+              <a:avLst/>
+            </a:prstGeom>
+            <a:noFill/>
+            <a:ln w="19050" cap="flat" cmpd="sng">
+              <a:solidFill>
+                <a:srgbClr val="000000"/>
+              </a:solidFill>
+              <a:prstDash val="solid"/>
+              <a:round/>
+              <a:headEnd type="none" w="sm" len="sm"/>
+              <a:tailEnd type="none" w="sm" len="sm"/>
+            </a:ln>
+          </p:spPr>
+        </p:cxnSp>
+        <p:sp>
+          <p:nvSpPr>
+            <p:cNvPr id="96" name="Google Shape;290;p16">
+              <a:extLst>
+                <a:ext uri="{FF2B5EF4-FFF2-40B4-BE49-F238E27FC236}">
+                  <a16:creationId xmlns:a16="http://schemas.microsoft.com/office/drawing/2014/main" id="{4ADE344C-5413-4646-8FA8-AB60F71251F7}"/>
+                </a:ext>
+              </a:extLst>
+            </p:cNvPr>
+            <p:cNvSpPr/>
+            <p:nvPr/>
+          </p:nvSpPr>
+          <p:spPr>
+            <a:xfrm>
+              <a:off x="4613040" y="5077440"/>
+              <a:ext cx="116280" cy="226440"/>
+            </a:xfrm>
+            <a:custGeom>
+              <a:avLst/>
+              <a:gdLst/>
+              <a:ahLst/>
+              <a:cxnLst/>
+              <a:rect l="l" t="t" r="r" b="b"/>
+              <a:pathLst>
+                <a:path w="323" h="629" extrusionOk="0">
+                  <a:moveTo>
+                    <a:pt x="1" y="0"/>
+                  </a:moveTo>
+                  <a:cubicBezTo>
+                    <a:pt x="2" y="0"/>
+                    <a:pt x="2" y="0"/>
+                    <a:pt x="3" y="1"/>
+                  </a:cubicBezTo>
+                  <a:cubicBezTo>
+                    <a:pt x="3" y="1"/>
+                    <a:pt x="4" y="1"/>
+                    <a:pt x="4" y="2"/>
+                  </a:cubicBezTo>
+                  <a:cubicBezTo>
+                    <a:pt x="4" y="3"/>
+                    <a:pt x="4" y="3"/>
+                    <a:pt x="4" y="4"/>
+                  </a:cubicBezTo>
+                  <a:lnTo>
+                    <a:pt x="4" y="7"/>
+                  </a:lnTo>
+                  <a:cubicBezTo>
+                    <a:pt x="5" y="7"/>
+                    <a:pt x="6" y="7"/>
+                    <a:pt x="7" y="7"/>
+                  </a:cubicBezTo>
+                  <a:cubicBezTo>
+                    <a:pt x="50" y="7"/>
+                    <a:pt x="92" y="15"/>
+                    <a:pt x="129" y="30"/>
+                  </a:cubicBezTo>
+                  <a:cubicBezTo>
+                    <a:pt x="166" y="45"/>
+                    <a:pt x="199" y="68"/>
+                    <a:pt x="226" y="95"/>
+                  </a:cubicBezTo>
+                  <a:cubicBezTo>
+                    <a:pt x="254" y="123"/>
+                    <a:pt x="276" y="156"/>
+                    <a:pt x="291" y="192"/>
+                  </a:cubicBezTo>
+                  <a:cubicBezTo>
+                    <a:pt x="306" y="230"/>
+                    <a:pt x="314" y="271"/>
+                    <a:pt x="314" y="314"/>
+                  </a:cubicBezTo>
+                  <a:cubicBezTo>
+                    <a:pt x="314" y="357"/>
+                    <a:pt x="306" y="398"/>
+                    <a:pt x="291" y="436"/>
+                  </a:cubicBezTo>
+                  <a:cubicBezTo>
+                    <a:pt x="276" y="473"/>
+                    <a:pt x="254" y="506"/>
+                    <a:pt x="226" y="533"/>
+                  </a:cubicBezTo>
+                  <a:cubicBezTo>
+                    <a:pt x="199" y="560"/>
+                    <a:pt x="166" y="583"/>
+                    <a:pt x="129" y="598"/>
+                  </a:cubicBezTo>
+                  <a:cubicBezTo>
+                    <a:pt x="92" y="613"/>
+                    <a:pt x="50" y="622"/>
+                    <a:pt x="7" y="622"/>
+                  </a:cubicBezTo>
+                  <a:cubicBezTo>
+                    <a:pt x="6" y="622"/>
+                    <a:pt x="5" y="622"/>
+                    <a:pt x="4" y="622"/>
+                  </a:cubicBezTo>
+                  <a:lnTo>
+                    <a:pt x="4" y="628"/>
+                  </a:lnTo>
+                  <a:cubicBezTo>
+                    <a:pt x="5" y="628"/>
+                    <a:pt x="6" y="628"/>
+                    <a:pt x="7" y="628"/>
+                  </a:cubicBezTo>
+                  <a:cubicBezTo>
+                    <a:pt x="51" y="628"/>
+                    <a:pt x="94" y="620"/>
+                    <a:pt x="132" y="604"/>
+                  </a:cubicBezTo>
+                  <a:cubicBezTo>
+                    <a:pt x="169" y="589"/>
+                    <a:pt x="203" y="566"/>
+                    <a:pt x="231" y="538"/>
+                  </a:cubicBezTo>
+                  <a:cubicBezTo>
+                    <a:pt x="259" y="510"/>
+                    <a:pt x="282" y="476"/>
+                    <a:pt x="297" y="438"/>
+                  </a:cubicBezTo>
+                  <a:cubicBezTo>
+                    <a:pt x="313" y="400"/>
+                    <a:pt x="322" y="358"/>
+                    <a:pt x="322" y="314"/>
+                  </a:cubicBezTo>
+                  <a:cubicBezTo>
+                    <a:pt x="322" y="270"/>
+                    <a:pt x="313" y="228"/>
+                    <a:pt x="297" y="190"/>
+                  </a:cubicBezTo>
+                  <a:cubicBezTo>
+                    <a:pt x="282" y="152"/>
+                    <a:pt x="259" y="118"/>
+                    <a:pt x="231" y="90"/>
+                  </a:cubicBezTo>
+                  <a:cubicBezTo>
+                    <a:pt x="203" y="62"/>
+                    <a:pt x="169" y="39"/>
+                    <a:pt x="132" y="24"/>
+                  </a:cubicBezTo>
+                  <a:cubicBezTo>
+                    <a:pt x="94" y="9"/>
+                    <a:pt x="51" y="0"/>
+                    <a:pt x="7" y="0"/>
+                  </a:cubicBezTo>
+                  <a:cubicBezTo>
+                    <a:pt x="5" y="0"/>
+                    <a:pt x="3" y="0"/>
+                    <a:pt x="0" y="0"/>
+                  </a:cubicBezTo>
+                  <a:lnTo>
+                    <a:pt x="1" y="0"/>
+                  </a:lnTo>
+                </a:path>
+              </a:pathLst>
+            </a:custGeom>
+            <a:solidFill>
+              <a:srgbClr val="000000"/>
+            </a:solidFill>
+            <a:ln w="19050" cap="flat" cmpd="sng">
+              <a:solidFill>
+                <a:srgbClr val="000000"/>
+              </a:solidFill>
+              <a:prstDash val="solid"/>
+              <a:round/>
+              <a:headEnd type="none" w="sm" len="sm"/>
+              <a:tailEnd type="none" w="sm" len="sm"/>
+            </a:ln>
+          </p:spPr>
+          <p:txBody>
+            <a:bodyPr spcFirstLastPara="1" wrap="square" lIns="91425" tIns="91425" rIns="91425" bIns="91425" anchor="ctr" anchorCtr="0">
+              <a:noAutofit/>
+            </a:bodyPr>
+            <a:lstStyle/>
+            <a:p>
+              <a:pPr marL="0" lvl="0" indent="0" algn="l" rtl="0">
+                <a:spcBef>
+                  <a:spcPts val="0"/>
+                </a:spcBef>
+                <a:spcAft>
+                  <a:spcPts val="0"/>
+                </a:spcAft>
+                <a:buNone/>
+              </a:pPr>
+              <a:endParaRPr/>
+            </a:p>
+          </p:txBody>
+        </p:sp>
+      </p:grpSp>
+      <p:grpSp>
+        <p:nvGrpSpPr>
+          <p:cNvPr id="97" name="Google Shape;292;p16">
+            <a:extLst>
+              <a:ext uri="{FF2B5EF4-FFF2-40B4-BE49-F238E27FC236}">
+                <a16:creationId xmlns:a16="http://schemas.microsoft.com/office/drawing/2014/main" id="{F2955F86-92D0-44FA-A53D-9F51188662F7}"/>
+              </a:ext>
+            </a:extLst>
+          </p:cNvPr>
+          <p:cNvGrpSpPr/>
+          <p:nvPr/>
+        </p:nvGrpSpPr>
+        <p:grpSpPr>
+          <a:xfrm>
+            <a:off x="3118231" y="4258687"/>
+            <a:ext cx="275302" cy="97615"/>
+            <a:chOff x="4470180" y="4459680"/>
+            <a:chExt cx="625260" cy="221700"/>
+          </a:xfrm>
+        </p:grpSpPr>
+        <p:sp>
+          <p:nvSpPr>
+            <p:cNvPr id="98" name="Google Shape;293;p16">
+              <a:extLst>
+                <a:ext uri="{FF2B5EF4-FFF2-40B4-BE49-F238E27FC236}">
+                  <a16:creationId xmlns:a16="http://schemas.microsoft.com/office/drawing/2014/main" id="{7A03E159-7E85-4278-B41E-E4041DE76432}"/>
+                </a:ext>
+              </a:extLst>
+            </p:cNvPr>
+            <p:cNvSpPr/>
+            <p:nvPr/>
+          </p:nvSpPr>
+          <p:spPr>
+            <a:xfrm flipH="1">
+              <a:off x="4470180" y="4459680"/>
+              <a:ext cx="221700" cy="221700"/>
+            </a:xfrm>
+            <a:prstGeom prst="ellipse">
+              <a:avLst/>
+            </a:prstGeom>
+            <a:solidFill>
+              <a:srgbClr val="FFFFFF"/>
+            </a:solidFill>
+            <a:ln w="19050" cap="flat" cmpd="sng">
+              <a:solidFill>
+                <a:srgbClr val="000000"/>
+              </a:solidFill>
+              <a:prstDash val="solid"/>
+              <a:round/>
+              <a:headEnd type="none" w="sm" len="sm"/>
+              <a:tailEnd type="none" w="sm" len="sm"/>
+            </a:ln>
+          </p:spPr>
+          <p:txBody>
+            <a:bodyPr spcFirstLastPara="1" wrap="square" lIns="91425" tIns="91425" rIns="91425" bIns="91425" anchor="ctr" anchorCtr="0">
+              <a:noAutofit/>
+            </a:bodyPr>
+            <a:lstStyle/>
+            <a:p>
+              <a:pPr marL="0" lvl="0" indent="0" algn="l" rtl="0">
+                <a:spcBef>
+                  <a:spcPts val="0"/>
+                </a:spcBef>
+                <a:spcAft>
+                  <a:spcPts val="0"/>
+                </a:spcAft>
+                <a:buNone/>
+              </a:pPr>
+              <a:endParaRPr/>
+            </a:p>
+          </p:txBody>
+        </p:sp>
+        <p:cxnSp>
+          <p:nvCxnSpPr>
+            <p:cNvPr id="99" name="Google Shape;294;p16">
+              <a:extLst>
+                <a:ext uri="{FF2B5EF4-FFF2-40B4-BE49-F238E27FC236}">
+                  <a16:creationId xmlns:a16="http://schemas.microsoft.com/office/drawing/2014/main" id="{D691C514-670C-4891-B47F-E02CA153D053}"/>
+                </a:ext>
+              </a:extLst>
+            </p:cNvPr>
+            <p:cNvCxnSpPr/>
+            <p:nvPr/>
+          </p:nvCxnSpPr>
+          <p:spPr>
+            <a:xfrm rot="10800000">
+              <a:off x="4691940" y="4570200"/>
+              <a:ext cx="403500" cy="0"/>
+            </a:xfrm>
+            <a:prstGeom prst="straightConnector1">
+              <a:avLst/>
+            </a:prstGeom>
+            <a:noFill/>
+            <a:ln w="19050" cap="flat" cmpd="sng">
+              <a:solidFill>
+                <a:srgbClr val="000000"/>
+              </a:solidFill>
+              <a:prstDash val="solid"/>
+              <a:round/>
+              <a:headEnd type="none" w="sm" len="sm"/>
+              <a:tailEnd type="none" w="sm" len="sm"/>
+            </a:ln>
+          </p:spPr>
+        </p:cxnSp>
+      </p:grpSp>
       <p:sp>
         <p:nvSpPr>
-          <p:cNvPr id="304" name="Google Shape;304;p16"/>
-          <p:cNvSpPr txBox="1"/>
+          <p:cNvPr id="100" name="Google Shape;287;p16">
+            <a:extLst>
+              <a:ext uri="{FF2B5EF4-FFF2-40B4-BE49-F238E27FC236}">
+                <a16:creationId xmlns:a16="http://schemas.microsoft.com/office/drawing/2014/main" id="{6D7631E0-E503-41B4-98EC-54A0BEE5C37A}"/>
+              </a:ext>
+            </a:extLst>
+          </p:cNvPr>
+          <p:cNvSpPr/>
           <p:nvPr/>
         </p:nvSpPr>
         <p:spPr>
           <a:xfrm>
-            <a:off x="3390900" y="3852850"/>
-            <a:ext cx="962100" cy="320100"/>
+            <a:off x="3393473" y="4805461"/>
+            <a:ext cx="1398897" cy="432000"/>
           </a:xfrm>
           <a:prstGeom prst="rect">
             <a:avLst/>
           </a:prstGeom>
-          <a:noFill/>
-          <a:ln>
-            <a:noFill/>
+          <a:solidFill>
+            <a:srgbClr val="FFFFFF"/>
+          </a:solidFill>
+          <a:ln w="19050" cap="flat" cmpd="sng">
+            <a:solidFill>
+              <a:srgbClr val="000000"/>
+            </a:solidFill>
+            <a:prstDash val="solid"/>
+            <a:round/>
+            <a:headEnd type="none" w="sm" len="sm"/>
+            <a:tailEnd type="none" w="sm" len="sm"/>
           </a:ln>
         </p:spPr>
         <p:txBody>
-          <a:bodyPr spcFirstLastPara="1" wrap="square" lIns="91425" tIns="91425" rIns="91425" bIns="91425" anchor="t" anchorCtr="0">
+          <a:bodyPr spcFirstLastPara="1" wrap="square" lIns="104400" tIns="59400" rIns="104400" bIns="59400" anchor="ctr" anchorCtr="0">
             <a:noAutofit/>
           </a:bodyPr>
           <a:lstStyle/>
           <a:p>
-            <a:pPr marL="0" lvl="0" indent="0" algn="l" rtl="0">
+            <a:pPr marL="0" lvl="0" indent="0" algn="ctr" rtl="0">
               <a:spcBef>
                 <a:spcPts val="0"/>
               </a:spcBef>
@@ -11893,13 +14683,406 @@
               <a:buNone/>
             </a:pPr>
             <a:r>
-              <a:rPr lang="en" sz="2000" b="1"/>
-              <a:t>View</a:t>
+              <a:rPr lang="en" sz="800" dirty="0">
+                <a:solidFill>
+                  <a:srgbClr val="666666"/>
+                </a:solidFill>
+              </a:rPr>
+              <a:t>«component»</a:t>
             </a:r>
-            <a:endParaRPr sz="2000" b="1"/>
+            <a:endParaRPr sz="800" dirty="0">
+              <a:solidFill>
+                <a:srgbClr val="000000"/>
+              </a:solidFill>
+            </a:endParaRPr>
+          </a:p>
+          <a:p>
+            <a:pPr marL="0" lvl="0" indent="0" algn="ctr" rtl="0">
+              <a:spcBef>
+                <a:spcPts val="0"/>
+              </a:spcBef>
+              <a:spcAft>
+                <a:spcPts val="0"/>
+              </a:spcAft>
+              <a:buNone/>
+            </a:pPr>
+            <a:endParaRPr sz="100" dirty="0">
+              <a:solidFill>
+                <a:srgbClr val="000000"/>
+              </a:solidFill>
+            </a:endParaRPr>
+          </a:p>
+          <a:p>
+            <a:pPr marL="0" lvl="0" indent="0" algn="ctr" rtl="0">
+              <a:spcBef>
+                <a:spcPts val="0"/>
+              </a:spcBef>
+              <a:spcAft>
+                <a:spcPts val="0"/>
+              </a:spcAft>
+              <a:buNone/>
+            </a:pPr>
+            <a:r>
+              <a:rPr lang="en-US" sz="1000" b="1" dirty="0" err="1">
+                <a:solidFill>
+                  <a:schemeClr val="tx1"/>
+                </a:solidFill>
+              </a:rPr>
+              <a:t>FinalizaCompra</a:t>
+            </a:r>
+            <a:endParaRPr sz="1000" b="1" dirty="0">
+              <a:solidFill>
+                <a:schemeClr val="tx1"/>
+              </a:solidFill>
+            </a:endParaRPr>
           </a:p>
         </p:txBody>
       </p:sp>
+      <p:grpSp>
+        <p:nvGrpSpPr>
+          <p:cNvPr id="101" name="Google Shape;288;p16">
+            <a:extLst>
+              <a:ext uri="{FF2B5EF4-FFF2-40B4-BE49-F238E27FC236}">
+                <a16:creationId xmlns:a16="http://schemas.microsoft.com/office/drawing/2014/main" id="{B8F9204C-1004-4786-8701-949CA090BE4C}"/>
+              </a:ext>
+            </a:extLst>
+          </p:cNvPr>
+          <p:cNvGrpSpPr/>
+          <p:nvPr/>
+        </p:nvGrpSpPr>
+        <p:grpSpPr>
+          <a:xfrm>
+            <a:off x="3181132" y="5077504"/>
+            <a:ext cx="212401" cy="99702"/>
+            <a:chOff x="4613040" y="5077440"/>
+            <a:chExt cx="482400" cy="226440"/>
+          </a:xfrm>
+        </p:grpSpPr>
+        <p:cxnSp>
+          <p:nvCxnSpPr>
+            <p:cNvPr id="102" name="Google Shape;289;p16">
+              <a:extLst>
+                <a:ext uri="{FF2B5EF4-FFF2-40B4-BE49-F238E27FC236}">
+                  <a16:creationId xmlns:a16="http://schemas.microsoft.com/office/drawing/2014/main" id="{A3127F82-783F-42B6-888A-AE24C7A7E0BC}"/>
+                </a:ext>
+              </a:extLst>
+            </p:cNvPr>
+            <p:cNvCxnSpPr/>
+            <p:nvPr/>
+          </p:nvCxnSpPr>
+          <p:spPr>
+            <a:xfrm rot="10800000">
+              <a:off x="4745040" y="5190480"/>
+              <a:ext cx="350400" cy="0"/>
+            </a:xfrm>
+            <a:prstGeom prst="straightConnector1">
+              <a:avLst/>
+            </a:prstGeom>
+            <a:noFill/>
+            <a:ln w="19050" cap="flat" cmpd="sng">
+              <a:solidFill>
+                <a:srgbClr val="000000"/>
+              </a:solidFill>
+              <a:prstDash val="solid"/>
+              <a:round/>
+              <a:headEnd type="none" w="sm" len="sm"/>
+              <a:tailEnd type="none" w="sm" len="sm"/>
+            </a:ln>
+          </p:spPr>
+        </p:cxnSp>
+        <p:sp>
+          <p:nvSpPr>
+            <p:cNvPr id="103" name="Google Shape;290;p16">
+              <a:extLst>
+                <a:ext uri="{FF2B5EF4-FFF2-40B4-BE49-F238E27FC236}">
+                  <a16:creationId xmlns:a16="http://schemas.microsoft.com/office/drawing/2014/main" id="{7A0981E7-094C-4B75-A254-B51F9040F6D1}"/>
+                </a:ext>
+              </a:extLst>
+            </p:cNvPr>
+            <p:cNvSpPr/>
+            <p:nvPr/>
+          </p:nvSpPr>
+          <p:spPr>
+            <a:xfrm>
+              <a:off x="4613040" y="5077440"/>
+              <a:ext cx="116280" cy="226440"/>
+            </a:xfrm>
+            <a:custGeom>
+              <a:avLst/>
+              <a:gdLst/>
+              <a:ahLst/>
+              <a:cxnLst/>
+              <a:rect l="l" t="t" r="r" b="b"/>
+              <a:pathLst>
+                <a:path w="323" h="629" extrusionOk="0">
+                  <a:moveTo>
+                    <a:pt x="1" y="0"/>
+                  </a:moveTo>
+                  <a:cubicBezTo>
+                    <a:pt x="2" y="0"/>
+                    <a:pt x="2" y="0"/>
+                    <a:pt x="3" y="1"/>
+                  </a:cubicBezTo>
+                  <a:cubicBezTo>
+                    <a:pt x="3" y="1"/>
+                    <a:pt x="4" y="1"/>
+                    <a:pt x="4" y="2"/>
+                  </a:cubicBezTo>
+                  <a:cubicBezTo>
+                    <a:pt x="4" y="3"/>
+                    <a:pt x="4" y="3"/>
+                    <a:pt x="4" y="4"/>
+                  </a:cubicBezTo>
+                  <a:lnTo>
+                    <a:pt x="4" y="7"/>
+                  </a:lnTo>
+                  <a:cubicBezTo>
+                    <a:pt x="5" y="7"/>
+                    <a:pt x="6" y="7"/>
+                    <a:pt x="7" y="7"/>
+                  </a:cubicBezTo>
+                  <a:cubicBezTo>
+                    <a:pt x="50" y="7"/>
+                    <a:pt x="92" y="15"/>
+                    <a:pt x="129" y="30"/>
+                  </a:cubicBezTo>
+                  <a:cubicBezTo>
+                    <a:pt x="166" y="45"/>
+                    <a:pt x="199" y="68"/>
+                    <a:pt x="226" y="95"/>
+                  </a:cubicBezTo>
+                  <a:cubicBezTo>
+                    <a:pt x="254" y="123"/>
+                    <a:pt x="276" y="156"/>
+                    <a:pt x="291" y="192"/>
+                  </a:cubicBezTo>
+                  <a:cubicBezTo>
+                    <a:pt x="306" y="230"/>
+                    <a:pt x="314" y="271"/>
+                    <a:pt x="314" y="314"/>
+                  </a:cubicBezTo>
+                  <a:cubicBezTo>
+                    <a:pt x="314" y="357"/>
+                    <a:pt x="306" y="398"/>
+                    <a:pt x="291" y="436"/>
+                  </a:cubicBezTo>
+                  <a:cubicBezTo>
+                    <a:pt x="276" y="473"/>
+                    <a:pt x="254" y="506"/>
+                    <a:pt x="226" y="533"/>
+                  </a:cubicBezTo>
+                  <a:cubicBezTo>
+                    <a:pt x="199" y="560"/>
+                    <a:pt x="166" y="583"/>
+                    <a:pt x="129" y="598"/>
+                  </a:cubicBezTo>
+                  <a:cubicBezTo>
+                    <a:pt x="92" y="613"/>
+                    <a:pt x="50" y="622"/>
+                    <a:pt x="7" y="622"/>
+                  </a:cubicBezTo>
+                  <a:cubicBezTo>
+                    <a:pt x="6" y="622"/>
+                    <a:pt x="5" y="622"/>
+                    <a:pt x="4" y="622"/>
+                  </a:cubicBezTo>
+                  <a:lnTo>
+                    <a:pt x="4" y="628"/>
+                  </a:lnTo>
+                  <a:cubicBezTo>
+                    <a:pt x="5" y="628"/>
+                    <a:pt x="6" y="628"/>
+                    <a:pt x="7" y="628"/>
+                  </a:cubicBezTo>
+                  <a:cubicBezTo>
+                    <a:pt x="51" y="628"/>
+                    <a:pt x="94" y="620"/>
+                    <a:pt x="132" y="604"/>
+                  </a:cubicBezTo>
+                  <a:cubicBezTo>
+                    <a:pt x="169" y="589"/>
+                    <a:pt x="203" y="566"/>
+                    <a:pt x="231" y="538"/>
+                  </a:cubicBezTo>
+                  <a:cubicBezTo>
+                    <a:pt x="259" y="510"/>
+                    <a:pt x="282" y="476"/>
+                    <a:pt x="297" y="438"/>
+                  </a:cubicBezTo>
+                  <a:cubicBezTo>
+                    <a:pt x="313" y="400"/>
+                    <a:pt x="322" y="358"/>
+                    <a:pt x="322" y="314"/>
+                  </a:cubicBezTo>
+                  <a:cubicBezTo>
+                    <a:pt x="322" y="270"/>
+                    <a:pt x="313" y="228"/>
+                    <a:pt x="297" y="190"/>
+                  </a:cubicBezTo>
+                  <a:cubicBezTo>
+                    <a:pt x="282" y="152"/>
+                    <a:pt x="259" y="118"/>
+                    <a:pt x="231" y="90"/>
+                  </a:cubicBezTo>
+                  <a:cubicBezTo>
+                    <a:pt x="203" y="62"/>
+                    <a:pt x="169" y="39"/>
+                    <a:pt x="132" y="24"/>
+                  </a:cubicBezTo>
+                  <a:cubicBezTo>
+                    <a:pt x="94" y="9"/>
+                    <a:pt x="51" y="0"/>
+                    <a:pt x="7" y="0"/>
+                  </a:cubicBezTo>
+                  <a:cubicBezTo>
+                    <a:pt x="5" y="0"/>
+                    <a:pt x="3" y="0"/>
+                    <a:pt x="0" y="0"/>
+                  </a:cubicBezTo>
+                  <a:lnTo>
+                    <a:pt x="1" y="0"/>
+                  </a:lnTo>
+                </a:path>
+              </a:pathLst>
+            </a:custGeom>
+            <a:solidFill>
+              <a:srgbClr val="000000"/>
+            </a:solidFill>
+            <a:ln w="19050" cap="flat" cmpd="sng">
+              <a:solidFill>
+                <a:srgbClr val="000000"/>
+              </a:solidFill>
+              <a:prstDash val="solid"/>
+              <a:round/>
+              <a:headEnd type="none" w="sm" len="sm"/>
+              <a:tailEnd type="none" w="sm" len="sm"/>
+            </a:ln>
+          </p:spPr>
+          <p:txBody>
+            <a:bodyPr spcFirstLastPara="1" wrap="square" lIns="91425" tIns="91425" rIns="91425" bIns="91425" anchor="ctr" anchorCtr="0">
+              <a:noAutofit/>
+            </a:bodyPr>
+            <a:lstStyle/>
+            <a:p>
+              <a:pPr marL="0" lvl="0" indent="0" algn="l" rtl="0">
+                <a:spcBef>
+                  <a:spcPts val="0"/>
+                </a:spcBef>
+                <a:spcAft>
+                  <a:spcPts val="0"/>
+                </a:spcAft>
+                <a:buNone/>
+              </a:pPr>
+              <a:endParaRPr/>
+            </a:p>
+          </p:txBody>
+        </p:sp>
+      </p:grpSp>
+      <p:grpSp>
+        <p:nvGrpSpPr>
+          <p:cNvPr id="104" name="Google Shape;292;p16">
+            <a:extLst>
+              <a:ext uri="{FF2B5EF4-FFF2-40B4-BE49-F238E27FC236}">
+                <a16:creationId xmlns:a16="http://schemas.microsoft.com/office/drawing/2014/main" id="{F07896AA-DEC2-4FE2-9264-6A2C9A7A5B3F}"/>
+              </a:ext>
+            </a:extLst>
+          </p:cNvPr>
+          <p:cNvGrpSpPr/>
+          <p:nvPr/>
+        </p:nvGrpSpPr>
+        <p:grpSpPr>
+          <a:xfrm>
+            <a:off x="3118231" y="4852096"/>
+            <a:ext cx="275302" cy="97615"/>
+            <a:chOff x="4470180" y="4459680"/>
+            <a:chExt cx="625260" cy="221700"/>
+          </a:xfrm>
+        </p:grpSpPr>
+        <p:sp>
+          <p:nvSpPr>
+            <p:cNvPr id="105" name="Google Shape;293;p16">
+              <a:extLst>
+                <a:ext uri="{FF2B5EF4-FFF2-40B4-BE49-F238E27FC236}">
+                  <a16:creationId xmlns:a16="http://schemas.microsoft.com/office/drawing/2014/main" id="{28681443-434E-4B23-8EE1-D89A54ECFAF0}"/>
+                </a:ext>
+              </a:extLst>
+            </p:cNvPr>
+            <p:cNvSpPr/>
+            <p:nvPr/>
+          </p:nvSpPr>
+          <p:spPr>
+            <a:xfrm flipH="1">
+              <a:off x="4470180" y="4459680"/>
+              <a:ext cx="221700" cy="221700"/>
+            </a:xfrm>
+            <a:prstGeom prst="ellipse">
+              <a:avLst/>
+            </a:prstGeom>
+            <a:solidFill>
+              <a:srgbClr val="FFFFFF"/>
+            </a:solidFill>
+            <a:ln w="19050" cap="flat" cmpd="sng">
+              <a:solidFill>
+                <a:srgbClr val="000000"/>
+              </a:solidFill>
+              <a:prstDash val="solid"/>
+              <a:round/>
+              <a:headEnd type="none" w="sm" len="sm"/>
+              <a:tailEnd type="none" w="sm" len="sm"/>
+            </a:ln>
+          </p:spPr>
+          <p:txBody>
+            <a:bodyPr spcFirstLastPara="1" wrap="square" lIns="91425" tIns="91425" rIns="91425" bIns="91425" anchor="ctr" anchorCtr="0">
+              <a:noAutofit/>
+            </a:bodyPr>
+            <a:lstStyle/>
+            <a:p>
+              <a:pPr marL="0" lvl="0" indent="0" algn="l" rtl="0">
+                <a:spcBef>
+                  <a:spcPts val="0"/>
+                </a:spcBef>
+                <a:spcAft>
+                  <a:spcPts val="0"/>
+                </a:spcAft>
+                <a:buNone/>
+              </a:pPr>
+              <a:endParaRPr/>
+            </a:p>
+          </p:txBody>
+        </p:sp>
+        <p:cxnSp>
+          <p:nvCxnSpPr>
+            <p:cNvPr id="106" name="Google Shape;294;p16">
+              <a:extLst>
+                <a:ext uri="{FF2B5EF4-FFF2-40B4-BE49-F238E27FC236}">
+                  <a16:creationId xmlns:a16="http://schemas.microsoft.com/office/drawing/2014/main" id="{E9C5B05B-FE3C-439E-AD14-9570F091A7CE}"/>
+                </a:ext>
+              </a:extLst>
+            </p:cNvPr>
+            <p:cNvCxnSpPr/>
+            <p:nvPr/>
+          </p:nvCxnSpPr>
+          <p:spPr>
+            <a:xfrm rot="10800000">
+              <a:off x="4691940" y="4570200"/>
+              <a:ext cx="403500" cy="0"/>
+            </a:xfrm>
+            <a:prstGeom prst="straightConnector1">
+              <a:avLst/>
+            </a:prstGeom>
+            <a:noFill/>
+            <a:ln w="19050" cap="flat" cmpd="sng">
+              <a:solidFill>
+                <a:srgbClr val="000000"/>
+              </a:solidFill>
+              <a:prstDash val="solid"/>
+              <a:round/>
+              <a:headEnd type="none" w="sm" len="sm"/>
+              <a:tailEnd type="none" w="sm" len="sm"/>
+            </a:ln>
+          </p:spPr>
+        </p:cxnSp>
+      </p:grpSp>
     </p:spTree>
   </p:cSld>
   <p:clrMapOvr>

--- a/lab4/lab4-tarefas.pptx
+++ b/lab4/lab4-tarefas.pptx
@@ -8659,8 +8659,8 @@
         </p:nvSpPr>
         <p:spPr>
           <a:xfrm>
-            <a:off x="3705751" y="5374525"/>
-            <a:ext cx="569400" cy="318000"/>
+            <a:off x="3660911" y="5374525"/>
+            <a:ext cx="614240" cy="318000"/>
           </a:xfrm>
           <a:prstGeom prst="rect">
             <a:avLst/>
@@ -8728,6 +8728,21 @@
             <a:r>
               <a:rPr lang="en" sz="600" b="1" i="0" u="none" strike="noStrike" cap="none" dirty="0"/>
               <a:t>Pedido</a:t>
+            </a:r>
+          </a:p>
+          <a:p>
+            <a:pPr marL="0" marR="0" lvl="0" indent="0" algn="ctr" rtl="0">
+              <a:spcBef>
+                <a:spcPts val="0"/>
+              </a:spcBef>
+              <a:spcAft>
+                <a:spcPts val="0"/>
+              </a:spcAft>
+              <a:buNone/>
+            </a:pPr>
+            <a:r>
+              <a:rPr lang="en" sz="600" b="1" i="0" u="none" strike="noStrike" cap="none" dirty="0"/>
+              <a:t>Controller</a:t>
             </a:r>
             <a:endParaRPr sz="600" i="0" u="none" strike="noStrike" cap="none" dirty="0"/>
           </a:p>
@@ -9014,6 +9029,7 @@
         <p:nvCxnSpPr>
           <p:cNvPr id="272" name="Google Shape;272;p15"/>
           <p:cNvCxnSpPr>
+            <a:cxnSpLocks/>
             <a:endCxn id="267" idx="1"/>
           </p:cNvCxnSpPr>
           <p:nvPr/>
@@ -9021,7 +9037,7 @@
         <p:spPr>
           <a:xfrm>
             <a:off x="3128851" y="5311825"/>
-            <a:ext cx="576900" cy="221700"/>
+            <a:ext cx="532060" cy="221700"/>
           </a:xfrm>
           <a:prstGeom prst="straightConnector1">
             <a:avLst/>
@@ -9052,8 +9068,8 @@
         </p:nvSpPr>
         <p:spPr>
           <a:xfrm>
-            <a:off x="4028431" y="1282430"/>
-            <a:ext cx="757715" cy="318000"/>
+            <a:off x="3971881" y="1282430"/>
+            <a:ext cx="814266" cy="318000"/>
           </a:xfrm>
           <a:prstGeom prst="rect">
             <a:avLst/>
@@ -9119,10 +9135,10 @@
               <a:buNone/>
             </a:pPr>
             <a:r>
-              <a:rPr lang="en-US" sz="600" i="0" u="none" strike="noStrike" cap="none" dirty="0" err="1"/>
-              <a:t>BuscaProdutos</a:t>
+              <a:rPr lang="en-US" sz="600" b="1" i="0" u="none" strike="noStrike" cap="none" dirty="0"/>
+              <a:t>BuscaProdutosController</a:t>
             </a:r>
-            <a:endParaRPr sz="600" i="0" u="none" strike="noStrike" cap="none" dirty="0"/>
+            <a:endParaRPr sz="600" b="1" i="0" u="none" strike="noStrike" cap="none" dirty="0"/>
           </a:p>
         </p:txBody>
       </p:sp>
@@ -9445,7 +9461,7 @@
         <p:spPr>
           <a:xfrm>
             <a:off x="3451532" y="1219730"/>
-            <a:ext cx="576899" cy="221700"/>
+            <a:ext cx="520349" cy="221700"/>
           </a:xfrm>
           <a:prstGeom prst="straightConnector1">
             <a:avLst/>
@@ -9476,8 +9492,8 @@
         </p:nvSpPr>
         <p:spPr>
           <a:xfrm>
-            <a:off x="3517436" y="3556452"/>
-            <a:ext cx="569400" cy="318000"/>
+            <a:off x="3494411" y="3556452"/>
+            <a:ext cx="592425" cy="318000"/>
           </a:xfrm>
           <a:prstGeom prst="rect">
             <a:avLst/>
@@ -9545,6 +9561,21 @@
             <a:r>
               <a:rPr lang="en" sz="600" b="1" i="0" u="none" strike="noStrike" cap="none" dirty="0"/>
               <a:t>Produto</a:t>
+            </a:r>
+          </a:p>
+          <a:p>
+            <a:pPr marL="0" marR="0" lvl="0" indent="0" algn="ctr" rtl="0">
+              <a:spcBef>
+                <a:spcPts val="0"/>
+              </a:spcBef>
+              <a:spcAft>
+                <a:spcPts val="0"/>
+              </a:spcAft>
+              <a:buNone/>
+            </a:pPr>
+            <a:r>
+              <a:rPr lang="en" sz="600" b="1" i="0" u="none" strike="noStrike" cap="none" dirty="0"/>
+              <a:t>Controller</a:t>
             </a:r>
             <a:endParaRPr sz="600" i="0" u="none" strike="noStrike" cap="none" dirty="0"/>
           </a:p>
@@ -9861,6 +9892,7 @@
             </a:extLst>
           </p:cNvPr>
           <p:cNvCxnSpPr>
+            <a:cxnSpLocks/>
             <a:endCxn id="99" idx="1"/>
           </p:cNvCxnSpPr>
           <p:nvPr/>
@@ -9868,7 +9900,7 @@
         <p:spPr>
           <a:xfrm>
             <a:off x="2940536" y="3493752"/>
-            <a:ext cx="576900" cy="221700"/>
+            <a:ext cx="553875" cy="221700"/>
           </a:xfrm>
           <a:prstGeom prst="straightConnector1">
             <a:avLst/>
@@ -9968,6 +10000,21 @@
             <a:r>
               <a:rPr lang="en" sz="600" b="1" i="0" u="none" strike="noStrike" cap="none" dirty="0"/>
               <a:t>Pagamento</a:t>
+            </a:r>
+          </a:p>
+          <a:p>
+            <a:pPr marL="0" marR="0" lvl="0" indent="0" algn="ctr" rtl="0">
+              <a:spcBef>
+                <a:spcPts val="0"/>
+              </a:spcBef>
+              <a:spcAft>
+                <a:spcPts val="0"/>
+              </a:spcAft>
+              <a:buNone/>
+            </a:pPr>
+            <a:r>
+              <a:rPr lang="en" sz="600" b="1" dirty="0"/>
+              <a:t>Controller</a:t>
             </a:r>
             <a:endParaRPr sz="600" i="0" u="none" strike="noStrike" cap="none" dirty="0"/>
           </a:p>
@@ -10309,46 +10356,6 @@
           </a:ln>
         </p:spPr>
       </p:cxnSp>
-      <p:sp>
-        <p:nvSpPr>
-          <p:cNvPr id="14" name="TextBox 13">
-            <a:extLst>
-              <a:ext uri="{FF2B5EF4-FFF2-40B4-BE49-F238E27FC236}">
-                <a16:creationId xmlns:a16="http://schemas.microsoft.com/office/drawing/2014/main" id="{B997944D-DAAC-4BD1-B4E9-9D1504088E30}"/>
-              </a:ext>
-            </a:extLst>
-          </p:cNvPr>
-          <p:cNvSpPr txBox="1"/>
-          <p:nvPr/>
-        </p:nvSpPr>
-        <p:spPr>
-          <a:xfrm>
-            <a:off x="6281" y="13376"/>
-            <a:ext cx="958451" cy="276999"/>
-          </a:xfrm>
-          <a:prstGeom prst="rect">
-            <a:avLst/>
-          </a:prstGeom>
-          <a:noFill/>
-        </p:spPr>
-        <p:txBody>
-          <a:bodyPr wrap="square" rtlCol="0">
-            <a:spAutoFit/>
-          </a:bodyPr>
-          <a:lstStyle/>
-          <a:p>
-            <a:r>
-              <a:rPr lang="en-US" sz="1200" b="1" dirty="0" err="1"/>
-              <a:t>Tarefa</a:t>
-            </a:r>
-            <a:r>
-              <a:rPr lang="en-US" sz="1200" b="1" dirty="0"/>
-              <a:t> 1</a:t>
-            </a:r>
-            <a:endParaRPr lang="pt-BR" sz="1200" b="1" dirty="0"/>
-          </a:p>
-        </p:txBody>
-      </p:sp>
     </p:spTree>
   </p:cSld>
   <p:clrMapOvr>
@@ -10383,7 +10390,7 @@
         <p:spPr>
           <a:xfrm>
             <a:off x="2928483" y="495300"/>
-            <a:ext cx="2115300" cy="8392434"/>
+            <a:ext cx="2115300" cy="6188242"/>
           </a:xfrm>
           <a:prstGeom prst="rect">
             <a:avLst/>
@@ -10428,8 +10435,8 @@
         </p:nvSpPr>
         <p:spPr>
           <a:xfrm>
-            <a:off x="456108" y="495299"/>
-            <a:ext cx="2115300" cy="8392435"/>
+            <a:off x="456108" y="495300"/>
+            <a:ext cx="2115300" cy="6188242"/>
           </a:xfrm>
           <a:prstGeom prst="rect">
             <a:avLst/>
@@ -10474,8 +10481,8 @@
         </p:nvSpPr>
         <p:spPr>
           <a:xfrm>
-            <a:off x="657619" y="1078507"/>
-            <a:ext cx="1204861" cy="432000"/>
+            <a:off x="657619" y="1046908"/>
+            <a:ext cx="1204861" cy="463599"/>
           </a:xfrm>
           <a:prstGeom prst="rect">
             <a:avLst/>
@@ -10542,7 +10549,7 @@
             </a:pPr>
             <a:r>
               <a:rPr lang="en" sz="1000" b="1" dirty="0"/>
-              <a:t>BuscaProdutos</a:t>
+              <a:t>BuscaProdutosController</a:t>
             </a:r>
             <a:endParaRPr sz="1000" i="0" u="none" strike="noStrike" cap="none" dirty="0"/>
           </a:p>
@@ -10902,10 +10909,18 @@
               <a:buNone/>
             </a:pPr>
             <a:r>
-              <a:rPr lang="en" sz="600" strike="noStrike" dirty="0"/>
+              <a:rPr lang="en" sz="600" strike="noStrike" dirty="0">
+                <a:solidFill>
+                  <a:srgbClr val="FF0000"/>
+                </a:solidFill>
+              </a:rPr>
               <a:t>IBusca</a:t>
             </a:r>
-            <a:endParaRPr sz="600" strike="noStrike" dirty="0"/>
+            <a:endParaRPr sz="600" strike="noStrike" dirty="0">
+              <a:solidFill>
+                <a:srgbClr val="FF0000"/>
+              </a:solidFill>
+            </a:endParaRPr>
           </a:p>
         </p:txBody>
       </p:sp>
@@ -10992,7 +11007,7 @@
               <a:buNone/>
             </a:pPr>
             <a:r>
-              <a:rPr lang="en-US" sz="1000" b="1" dirty="0" err="1">
+              <a:rPr lang="en-US" sz="1000" b="1" dirty="0">
                 <a:solidFill>
                   <a:schemeClr val="tx1"/>
                 </a:solidFill>
@@ -11414,8 +11429,8 @@
         </p:nvSpPr>
         <p:spPr>
           <a:xfrm>
-            <a:off x="657103" y="5843304"/>
-            <a:ext cx="987300" cy="432000"/>
+            <a:off x="657103" y="5811705"/>
+            <a:ext cx="987300" cy="463599"/>
           </a:xfrm>
           <a:prstGeom prst="rect">
             <a:avLst/>
@@ -11483,6 +11498,21 @@
             <a:r>
               <a:rPr lang="en" sz="1000" b="1" dirty="0"/>
               <a:t>Pagamento</a:t>
+            </a:r>
+          </a:p>
+          <a:p>
+            <a:pPr marL="0" marR="0" lvl="0" indent="0" algn="ctr" rtl="0">
+              <a:spcBef>
+                <a:spcPts val="0"/>
+              </a:spcBef>
+              <a:spcAft>
+                <a:spcPts val="0"/>
+              </a:spcAft>
+              <a:buNone/>
+            </a:pPr>
+            <a:r>
+              <a:rPr lang="en" sz="1000" b="1" i="0" u="none" strike="noStrike" cap="none" dirty="0"/>
+              <a:t>Controller</a:t>
             </a:r>
             <a:endParaRPr sz="1000" i="0" u="none" strike="noStrike" cap="none" dirty="0"/>
           </a:p>
@@ -11803,8 +11833,8 @@
         </p:nvSpPr>
         <p:spPr>
           <a:xfrm>
-            <a:off x="657103" y="4207510"/>
-            <a:ext cx="987300" cy="432000"/>
+            <a:off x="657103" y="4175911"/>
+            <a:ext cx="987300" cy="463599"/>
           </a:xfrm>
           <a:prstGeom prst="rect">
             <a:avLst/>
@@ -11872,6 +11902,21 @@
             <a:r>
               <a:rPr lang="en" sz="1000" b="1" dirty="0"/>
               <a:t>Pedido</a:t>
+            </a:r>
+          </a:p>
+          <a:p>
+            <a:pPr marL="0" marR="0" lvl="0" indent="0" algn="ctr" rtl="0">
+              <a:spcBef>
+                <a:spcPts val="0"/>
+              </a:spcBef>
+              <a:spcAft>
+                <a:spcPts val="0"/>
+              </a:spcAft>
+              <a:buNone/>
+            </a:pPr>
+            <a:r>
+              <a:rPr lang="en" sz="1000" b="1" i="0" u="none" strike="noStrike" cap="none" dirty="0"/>
+              <a:t>Controller</a:t>
             </a:r>
             <a:endParaRPr sz="1000" i="0" u="none" strike="noStrike" cap="none" dirty="0"/>
           </a:p>
@@ -12192,8 +12237,8 @@
         </p:nvSpPr>
         <p:spPr>
           <a:xfrm>
-            <a:off x="657619" y="2854867"/>
-            <a:ext cx="987300" cy="432000"/>
+            <a:off x="657619" y="2823268"/>
+            <a:ext cx="987300" cy="463599"/>
           </a:xfrm>
           <a:prstGeom prst="rect">
             <a:avLst/>
@@ -12261,6 +12306,21 @@
             <a:r>
               <a:rPr lang="en" sz="1000" b="1" dirty="0"/>
               <a:t>Produto</a:t>
+            </a:r>
+          </a:p>
+          <a:p>
+            <a:pPr marL="0" marR="0" lvl="0" indent="0" algn="ctr" rtl="0">
+              <a:spcBef>
+                <a:spcPts val="0"/>
+              </a:spcBef>
+              <a:spcAft>
+                <a:spcPts val="0"/>
+              </a:spcAft>
+              <a:buNone/>
+            </a:pPr>
+            <a:r>
+              <a:rPr lang="en" sz="1000" b="1" i="0" u="none" strike="noStrike" cap="none" dirty="0"/>
+              <a:t>Controller</a:t>
             </a:r>
             <a:endParaRPr sz="1000" i="0" u="none" strike="noStrike" cap="none" dirty="0"/>
           </a:p>
@@ -12698,12 +12758,12 @@
               <a:buNone/>
             </a:pPr>
             <a:r>
-              <a:rPr lang="en-US" sz="1000" b="1" dirty="0" err="1">
+              <a:rPr lang="en-US" sz="1000" b="1" dirty="0">
                 <a:solidFill>
                   <a:schemeClr val="tx1"/>
                 </a:solidFill>
               </a:rPr>
-              <a:t>Busca</a:t>
+              <a:t>BuscaProdutos</a:t>
             </a:r>
             <a:endParaRPr sz="1000" b="1" dirty="0">
               <a:solidFill>
@@ -13189,10 +13249,18 @@
               <a:buNone/>
             </a:pPr>
             <a:r>
-              <a:rPr lang="en" sz="600" strike="noStrike" dirty="0"/>
+              <a:rPr lang="en" sz="600" strike="noStrike" dirty="0">
+                <a:solidFill>
+                  <a:srgbClr val="FF0000"/>
+                </a:solidFill>
+              </a:rPr>
               <a:t>IBusca</a:t>
             </a:r>
-            <a:endParaRPr sz="600" strike="noStrike" dirty="0"/>
+            <a:endParaRPr sz="600" strike="noStrike" dirty="0">
+              <a:solidFill>
+                <a:srgbClr val="FF0000"/>
+              </a:solidFill>
+            </a:endParaRPr>
           </a:p>
         </p:txBody>
       </p:sp>
@@ -13285,7 +13353,7 @@
               <a:buNone/>
             </a:pPr>
             <a:r>
-              <a:rPr lang="en-US" sz="1000" b="1" dirty="0" err="1">
+              <a:rPr lang="en-US" sz="1000" b="1" dirty="0">
                 <a:solidFill>
                   <a:schemeClr val="tx1"/>
                 </a:solidFill>
@@ -13729,10 +13797,18 @@
               <a:buNone/>
             </a:pPr>
             <a:r>
-              <a:rPr lang="en" sz="600" strike="noStrike" dirty="0"/>
+              <a:rPr lang="en" sz="600" strike="noStrike" dirty="0">
+                <a:solidFill>
+                  <a:srgbClr val="FF0000"/>
+                </a:solidFill>
+              </a:rPr>
               <a:t>IProduto</a:t>
             </a:r>
-            <a:endParaRPr sz="600" strike="noStrike" dirty="0"/>
+            <a:endParaRPr sz="600" strike="noStrike" dirty="0">
+              <a:solidFill>
+                <a:srgbClr val="FF0000"/>
+              </a:solidFill>
+            </a:endParaRPr>
           </a:p>
         </p:txBody>
       </p:sp>
@@ -13825,7 +13901,7 @@
               <a:buNone/>
             </a:pPr>
             <a:r>
-              <a:rPr lang="en-US" sz="1000" b="1" dirty="0" err="1">
+              <a:rPr lang="en-US" sz="1000" b="1" dirty="0">
                 <a:solidFill>
                   <a:schemeClr val="tx1"/>
                 </a:solidFill>
@@ -14274,7 +14350,7 @@
               <a:buNone/>
             </a:pPr>
             <a:r>
-              <a:rPr lang="en-US" sz="1000" b="1" dirty="0" err="1">
+              <a:rPr lang="en-US" sz="1000" b="1" dirty="0">
                 <a:solidFill>
                   <a:schemeClr val="tx1"/>
                 </a:solidFill>
@@ -14723,7 +14799,7 @@
               <a:buNone/>
             </a:pPr>
             <a:r>
-              <a:rPr lang="en-US" sz="1000" b="1" dirty="0" err="1">
+              <a:rPr lang="en-US" sz="1000" b="1" dirty="0">
                 <a:solidFill>
                   <a:schemeClr val="tx1"/>
                 </a:solidFill>
@@ -15083,65 +15159,176 @@
           </p:spPr>
         </p:cxnSp>
       </p:grpSp>
-    </p:spTree>
-  </p:cSld>
-  <p:clrMapOvr>
-    <a:masterClrMapping/>
-  </p:clrMapOvr>
-</p:sld>
-</file>
-
-<file path=ppt/slides/slide3.xml><?xml version="1.0" encoding="utf-8"?>
-<p:sld xmlns:a="http://schemas.openxmlformats.org/drawingml/2006/main" xmlns:r="http://schemas.openxmlformats.org/officeDocument/2006/relationships" xmlns:p="http://schemas.openxmlformats.org/presentationml/2006/main">
-  <p:cSld>
-    <p:spTree>
-      <p:nvGrpSpPr>
-        <p:cNvPr id="1" name="Shape 308"/>
-        <p:cNvGrpSpPr/>
-        <p:nvPr/>
-      </p:nvGrpSpPr>
-      <p:grpSpPr>
-        <a:xfrm>
-          <a:off x="0" y="0"/>
-          <a:ext cx="0" cy="0"/>
-          <a:chOff x="0" y="0"/>
-          <a:chExt cx="0" cy="0"/>
-        </a:xfrm>
-      </p:grpSpPr>
+      <p:cxnSp>
+        <p:nvCxnSpPr>
+          <p:cNvPr id="3" name="Connector: Elbow 2">
+            <a:extLst>
+              <a:ext uri="{FF2B5EF4-FFF2-40B4-BE49-F238E27FC236}">
+                <a16:creationId xmlns:a16="http://schemas.microsoft.com/office/drawing/2014/main" id="{33EE7F78-4B21-49B7-A5AA-DDCE279597B6}"/>
+              </a:ext>
+            </a:extLst>
+          </p:cNvPr>
+          <p:cNvCxnSpPr>
+            <a:stCxn id="45" idx="6"/>
+          </p:cNvCxnSpPr>
+          <p:nvPr/>
+        </p:nvCxnSpPr>
+        <p:spPr>
+          <a:xfrm flipV="1">
+            <a:off x="2014429" y="3974074"/>
+            <a:ext cx="1215412" cy="282186"/>
+          </a:xfrm>
+          <a:prstGeom prst="bentConnector3">
+            <a:avLst>
+              <a:gd name="adj1" fmla="val 60394"/>
+            </a:avLst>
+          </a:prstGeom>
+          <a:ln w="12700">
+            <a:solidFill>
+              <a:schemeClr val="tx1"/>
+            </a:solidFill>
+            <a:prstDash val="dash"/>
+          </a:ln>
+        </p:spPr>
+        <p:style>
+          <a:lnRef idx="1">
+            <a:schemeClr val="dk1"/>
+          </a:lnRef>
+          <a:fillRef idx="0">
+            <a:schemeClr val="dk1"/>
+          </a:fillRef>
+          <a:effectRef idx="0">
+            <a:schemeClr val="dk1"/>
+          </a:effectRef>
+          <a:fontRef idx="minor">
+            <a:schemeClr val="tx1"/>
+          </a:fontRef>
+        </p:style>
+      </p:cxnSp>
+      <p:cxnSp>
+        <p:nvCxnSpPr>
+          <p:cNvPr id="8" name="Connector: Elbow 7">
+            <a:extLst>
+              <a:ext uri="{FF2B5EF4-FFF2-40B4-BE49-F238E27FC236}">
+                <a16:creationId xmlns:a16="http://schemas.microsoft.com/office/drawing/2014/main" id="{E6960198-3476-4D43-8FC5-E6B62A9675C6}"/>
+              </a:ext>
+            </a:extLst>
+          </p:cNvPr>
+          <p:cNvCxnSpPr>
+            <a:stCxn id="45" idx="6"/>
+          </p:cNvCxnSpPr>
+          <p:nvPr/>
+        </p:nvCxnSpPr>
+        <p:spPr>
+          <a:xfrm>
+            <a:off x="2014429" y="4256260"/>
+            <a:ext cx="1215412" cy="273014"/>
+          </a:xfrm>
+          <a:prstGeom prst="bentConnector3">
+            <a:avLst>
+              <a:gd name="adj1" fmla="val 60394"/>
+            </a:avLst>
+          </a:prstGeom>
+          <a:ln w="12700">
+            <a:solidFill>
+              <a:schemeClr val="tx1"/>
+            </a:solidFill>
+            <a:prstDash val="dash"/>
+          </a:ln>
+        </p:spPr>
+        <p:style>
+          <a:lnRef idx="1">
+            <a:schemeClr val="accent1"/>
+          </a:lnRef>
+          <a:fillRef idx="0">
+            <a:schemeClr val="accent1"/>
+          </a:fillRef>
+          <a:effectRef idx="0">
+            <a:schemeClr val="accent1"/>
+          </a:effectRef>
+          <a:fontRef idx="minor">
+            <a:schemeClr val="tx1"/>
+          </a:fontRef>
+        </p:style>
+      </p:cxnSp>
+      <p:cxnSp>
+        <p:nvCxnSpPr>
+          <p:cNvPr id="10" name="Connector: Elbow 9">
+            <a:extLst>
+              <a:ext uri="{FF2B5EF4-FFF2-40B4-BE49-F238E27FC236}">
+                <a16:creationId xmlns:a16="http://schemas.microsoft.com/office/drawing/2014/main" id="{64C6A6AA-F43A-4191-A859-A4A828D5B768}"/>
+              </a:ext>
+            </a:extLst>
+          </p:cNvPr>
+          <p:cNvCxnSpPr>
+            <a:stCxn id="45" idx="6"/>
+          </p:cNvCxnSpPr>
+          <p:nvPr/>
+        </p:nvCxnSpPr>
+        <p:spPr>
+          <a:xfrm>
+            <a:off x="2014429" y="4256260"/>
+            <a:ext cx="1215412" cy="871016"/>
+          </a:xfrm>
+          <a:prstGeom prst="bentConnector3">
+            <a:avLst>
+              <a:gd name="adj1" fmla="val 60394"/>
+            </a:avLst>
+          </a:prstGeom>
+          <a:ln w="12700">
+            <a:solidFill>
+              <a:schemeClr val="tx1"/>
+            </a:solidFill>
+            <a:prstDash val="dash"/>
+          </a:ln>
+        </p:spPr>
+        <p:style>
+          <a:lnRef idx="1">
+            <a:schemeClr val="accent1"/>
+          </a:lnRef>
+          <a:fillRef idx="0">
+            <a:schemeClr val="accent1"/>
+          </a:fillRef>
+          <a:effectRef idx="0">
+            <a:schemeClr val="accent1"/>
+          </a:effectRef>
+          <a:fontRef idx="minor">
+            <a:schemeClr val="tx1"/>
+          </a:fontRef>
+        </p:style>
+      </p:cxnSp>
       <p:sp>
         <p:nvSpPr>
-          <p:cNvPr id="309" name="Google Shape;309;p17"/>
-          <p:cNvSpPr/>
+          <p:cNvPr id="20" name="Google Shape;286;p16">
+            <a:extLst>
+              <a:ext uri="{FF2B5EF4-FFF2-40B4-BE49-F238E27FC236}">
+                <a16:creationId xmlns:a16="http://schemas.microsoft.com/office/drawing/2014/main" id="{7A8862ED-8822-4031-993F-A3F52DED6A62}"/>
+              </a:ext>
+            </a:extLst>
+          </p:cNvPr>
+          <p:cNvSpPr txBox="1"/>
           <p:nvPr/>
         </p:nvSpPr>
         <p:spPr>
           <a:xfrm>
-            <a:off x="2986725" y="4324350"/>
-            <a:ext cx="2115300" cy="4610100"/>
+            <a:off x="2543893" y="3793310"/>
+            <a:ext cx="470022" cy="143100"/>
           </a:xfrm>
           <a:prstGeom prst="rect">
             <a:avLst/>
           </a:prstGeom>
-          <a:solidFill>
-            <a:schemeClr val="lt2"/>
-          </a:solidFill>
-          <a:ln w="9525" cap="flat" cmpd="sng">
-            <a:solidFill>
-              <a:schemeClr val="dk2"/>
-            </a:solidFill>
-            <a:prstDash val="solid"/>
-            <a:round/>
-            <a:headEnd type="none" w="sm" len="sm"/>
-            <a:tailEnd type="none" w="sm" len="sm"/>
+          <a:noFill/>
+          <a:ln>
+            <a:noFill/>
           </a:ln>
         </p:spPr>
         <p:txBody>
-          <a:bodyPr spcFirstLastPara="1" wrap="square" lIns="91425" tIns="91425" rIns="91425" bIns="91425" anchor="ctr" anchorCtr="0">
+          <a:bodyPr spcFirstLastPara="1" wrap="square" lIns="90000" tIns="45000" rIns="90000" bIns="45000" anchor="t" anchorCtr="0">
             <a:noAutofit/>
           </a:bodyPr>
           <a:lstStyle/>
           <a:p>
-            <a:pPr marL="0" lvl="0" indent="0" algn="l" rtl="0">
+            <a:pPr marL="0" marR="0" lvl="0" indent="0" algn="l" rtl="0">
               <a:spcBef>
                 <a:spcPts val="0"/>
               </a:spcBef>
@@ -15150,44 +15337,54 @@
               </a:spcAft>
               <a:buNone/>
             </a:pPr>
-            <a:endParaRPr/>
+            <a:r>
+              <a:rPr lang="en" sz="600" strike="noStrike" dirty="0">
+                <a:solidFill>
+                  <a:srgbClr val="FF0000"/>
+                </a:solidFill>
+              </a:rPr>
+              <a:t>IPedido</a:t>
+            </a:r>
+            <a:endParaRPr sz="600" strike="noStrike" dirty="0">
+              <a:solidFill>
+                <a:srgbClr val="FF0000"/>
+              </a:solidFill>
+            </a:endParaRPr>
           </a:p>
         </p:txBody>
       </p:sp>
       <p:sp>
         <p:nvSpPr>
-          <p:cNvPr id="310" name="Google Shape;310;p17"/>
-          <p:cNvSpPr/>
+          <p:cNvPr id="22" name="Google Shape;286;p16">
+            <a:extLst>
+              <a:ext uri="{FF2B5EF4-FFF2-40B4-BE49-F238E27FC236}">
+                <a16:creationId xmlns:a16="http://schemas.microsoft.com/office/drawing/2014/main" id="{F20D2798-B613-462A-8FBE-69E71EB057A7}"/>
+              </a:ext>
+            </a:extLst>
+          </p:cNvPr>
+          <p:cNvSpPr txBox="1"/>
           <p:nvPr/>
         </p:nvSpPr>
         <p:spPr>
           <a:xfrm>
-            <a:off x="514350" y="4324350"/>
-            <a:ext cx="2115300" cy="4610100"/>
+            <a:off x="2364274" y="4445772"/>
+            <a:ext cx="470022" cy="143100"/>
           </a:xfrm>
           <a:prstGeom prst="rect">
             <a:avLst/>
           </a:prstGeom>
-          <a:solidFill>
-            <a:schemeClr val="lt2"/>
-          </a:solidFill>
-          <a:ln w="9525" cap="flat" cmpd="sng">
-            <a:solidFill>
-              <a:schemeClr val="dk2"/>
-            </a:solidFill>
-            <a:prstDash val="solid"/>
-            <a:round/>
-            <a:headEnd type="none" w="sm" len="sm"/>
-            <a:tailEnd type="none" w="sm" len="sm"/>
+          <a:noFill/>
+          <a:ln>
+            <a:noFill/>
           </a:ln>
         </p:spPr>
         <p:txBody>
-          <a:bodyPr spcFirstLastPara="1" wrap="square" lIns="91425" tIns="91425" rIns="91425" bIns="91425" anchor="ctr" anchorCtr="0">
+          <a:bodyPr spcFirstLastPara="1" wrap="square" lIns="90000" tIns="45000" rIns="90000" bIns="45000" anchor="t" anchorCtr="0">
             <a:noAutofit/>
           </a:bodyPr>
           <a:lstStyle/>
           <a:p>
-            <a:pPr marL="0" lvl="0" indent="0" algn="l" rtl="0">
+            <a:pPr marL="0" marR="0" lvl="0" indent="0" algn="l" rtl="0">
               <a:spcBef>
                 <a:spcPts val="0"/>
               </a:spcBef>
@@ -15196,36 +15393,54 @@
               </a:spcAft>
               <a:buNone/>
             </a:pPr>
-            <a:endParaRPr/>
+            <a:r>
+              <a:rPr lang="en" sz="600" strike="noStrike" dirty="0">
+                <a:solidFill>
+                  <a:srgbClr val="FF0000"/>
+                </a:solidFill>
+              </a:rPr>
+              <a:t>IPedido</a:t>
+            </a:r>
+            <a:endParaRPr sz="600" strike="noStrike" dirty="0">
+              <a:solidFill>
+                <a:srgbClr val="FF0000"/>
+              </a:solidFill>
+            </a:endParaRPr>
           </a:p>
         </p:txBody>
       </p:sp>
       <p:sp>
         <p:nvSpPr>
-          <p:cNvPr id="311" name="Google Shape;311;p17"/>
-          <p:cNvSpPr txBox="1">
-            <a:spLocks noGrp="1"/>
-          </p:cNvSpPr>
-          <p:nvPr>
-            <p:ph type="title"/>
-          </p:nvPr>
+          <p:cNvPr id="23" name="Google Shape;286;p16">
+            <a:extLst>
+              <a:ext uri="{FF2B5EF4-FFF2-40B4-BE49-F238E27FC236}">
+                <a16:creationId xmlns:a16="http://schemas.microsoft.com/office/drawing/2014/main" id="{F9D2D5D9-79C6-4319-AC15-B5AD75DC8B9B}"/>
+              </a:ext>
+            </a:extLst>
+          </p:cNvPr>
+          <p:cNvSpPr txBox="1"/>
+          <p:nvPr/>
         </p:nvSpPr>
         <p:spPr>
           <a:xfrm>
-            <a:off x="2789325" y="137100"/>
-            <a:ext cx="2510100" cy="3514200"/>
+            <a:off x="2509903" y="5150777"/>
+            <a:ext cx="470022" cy="143100"/>
           </a:xfrm>
           <a:prstGeom prst="rect">
             <a:avLst/>
           </a:prstGeom>
+          <a:noFill/>
+          <a:ln>
+            <a:noFill/>
+          </a:ln>
         </p:spPr>
         <p:txBody>
-          <a:bodyPr spcFirstLastPara="1" wrap="square" lIns="91425" tIns="91425" rIns="91425" bIns="91425" anchor="t" anchorCtr="0">
+          <a:bodyPr spcFirstLastPara="1" wrap="square" lIns="90000" tIns="45000" rIns="90000" bIns="45000" anchor="t" anchorCtr="0">
             <a:noAutofit/>
           </a:bodyPr>
           <a:lstStyle/>
           <a:p>
-            <a:pPr marL="0" lvl="0" indent="0" algn="l" rtl="0">
+            <a:pPr marL="0" marR="0" lvl="0" indent="0" algn="l" rtl="0">
               <a:spcBef>
                 <a:spcPts val="0"/>
               </a:spcBef>
@@ -15235,67 +15450,37 @@
               <a:buNone/>
             </a:pPr>
             <a:r>
-              <a:rPr lang="en" b="1"/>
-              <a:t>Tarefa 3</a:t>
+              <a:rPr lang="en" sz="600" strike="noStrike" dirty="0">
+                <a:solidFill>
+                  <a:srgbClr val="FF0000"/>
+                </a:solidFill>
+              </a:rPr>
+              <a:t>IPedido</a:t>
             </a:r>
-            <a:endParaRPr b="1"/>
-          </a:p>
-          <a:p>
-            <a:pPr marL="0" lvl="0" indent="0" algn="l" rtl="0">
-              <a:spcBef>
-                <a:spcPts val="0"/>
-              </a:spcBef>
-              <a:spcAft>
-                <a:spcPts val="0"/>
-              </a:spcAft>
-              <a:buNone/>
-            </a:pPr>
-            <a:r>
-              <a:rPr lang="en" sz="2200" b="1"/>
-              <a:t>Componentes Técnicos</a:t>
-            </a:r>
-            <a:endParaRPr sz="2200" b="1"/>
-          </a:p>
-          <a:p>
-            <a:pPr marL="0" lvl="0" indent="0" algn="l" rtl="0">
-              <a:spcBef>
-                <a:spcPts val="0"/>
-              </a:spcBef>
-              <a:spcAft>
-                <a:spcPts val="0"/>
-              </a:spcAft>
-              <a:buNone/>
-            </a:pPr>
-            <a:endParaRPr sz="2200"/>
-          </a:p>
-          <a:p>
-            <a:pPr marL="0" lvl="0" indent="0" algn="l" rtl="0">
-              <a:spcBef>
-                <a:spcPts val="0"/>
-              </a:spcBef>
-              <a:spcAft>
-                <a:spcPts val="0"/>
-              </a:spcAft>
-              <a:buNone/>
-            </a:pPr>
-            <a:r>
-              <a:rPr lang="en" sz="2200"/>
-              <a:t>Separe os componentes do Model daqueles definidos no Controller</a:t>
-            </a:r>
-            <a:endParaRPr sz="2200"/>
+            <a:endParaRPr sz="600" strike="noStrike" dirty="0">
+              <a:solidFill>
+                <a:srgbClr val="FF0000"/>
+              </a:solidFill>
+            </a:endParaRPr>
           </a:p>
         </p:txBody>
       </p:sp>
       <p:sp>
         <p:nvSpPr>
-          <p:cNvPr id="312" name="Google Shape;312;p17"/>
+          <p:cNvPr id="110" name="Google Shape;287;p16">
+            <a:extLst>
+              <a:ext uri="{FF2B5EF4-FFF2-40B4-BE49-F238E27FC236}">
+                <a16:creationId xmlns:a16="http://schemas.microsoft.com/office/drawing/2014/main" id="{E735D783-110E-4721-B81E-87151B74EDCB}"/>
+              </a:ext>
+            </a:extLst>
+          </p:cNvPr>
           <p:cNvSpPr/>
           <p:nvPr/>
         </p:nvSpPr>
         <p:spPr>
           <a:xfrm>
-            <a:off x="933938" y="4662338"/>
-            <a:ext cx="987300" cy="432000"/>
+            <a:off x="3393473" y="5843303"/>
+            <a:ext cx="1398897" cy="479285"/>
           </a:xfrm>
           <a:prstGeom prst="rect">
             <a:avLst/>
@@ -15319,7 +15504,7 @@
           </a:bodyPr>
           <a:lstStyle/>
           <a:p>
-            <a:pPr marL="0" marR="0" lvl="0" indent="0" algn="ctr" rtl="0">
+            <a:pPr marL="0" lvl="0" indent="0" algn="ctr" rtl="0">
               <a:spcBef>
                 <a:spcPts val="0"/>
               </a:spcBef>
@@ -15329,465 +15514,14 @@
               <a:buNone/>
             </a:pPr>
             <a:r>
-              <a:rPr lang="en" sz="800" i="0" u="none" strike="noStrike" cap="none">
+              <a:rPr lang="en" sz="800" dirty="0">
                 <a:solidFill>
                   <a:srgbClr val="666666"/>
                 </a:solidFill>
               </a:rPr>
               <a:t>«component»</a:t>
             </a:r>
-            <a:endParaRPr sz="800" i="0" u="none" strike="noStrike" cap="none"/>
-          </a:p>
-          <a:p>
-            <a:pPr marL="0" marR="0" lvl="0" indent="0" algn="ctr" rtl="0">
-              <a:spcBef>
-                <a:spcPts val="0"/>
-              </a:spcBef>
-              <a:spcAft>
-                <a:spcPts val="0"/>
-              </a:spcAft>
-              <a:buNone/>
-            </a:pPr>
-            <a:endParaRPr sz="100" i="0" u="none" strike="noStrike" cap="none"/>
-          </a:p>
-          <a:p>
-            <a:pPr marL="0" marR="0" lvl="0" indent="0" algn="ctr" rtl="0">
-              <a:spcBef>
-                <a:spcPts val="0"/>
-              </a:spcBef>
-              <a:spcAft>
-                <a:spcPts val="0"/>
-              </a:spcAft>
-              <a:buNone/>
-            </a:pPr>
-            <a:r>
-              <a:rPr lang="en" sz="1000" b="1"/>
-              <a:t>Componente A</a:t>
-            </a:r>
-            <a:endParaRPr sz="1000" i="0" u="none" strike="noStrike" cap="none"/>
-          </a:p>
-        </p:txBody>
-      </p:sp>
-      <p:cxnSp>
-        <p:nvCxnSpPr>
-          <p:cNvPr id="313" name="Google Shape;313;p17"/>
-          <p:cNvCxnSpPr/>
-          <p:nvPr/>
-        </p:nvCxnSpPr>
-        <p:spPr>
-          <a:xfrm>
-            <a:off x="1920980" y="4984102"/>
-            <a:ext cx="249300" cy="0"/>
-          </a:xfrm>
-          <a:prstGeom prst="straightConnector1">
-            <a:avLst/>
-          </a:prstGeom>
-          <a:noFill/>
-          <a:ln w="19050" cap="flat" cmpd="sng">
-            <a:solidFill>
-              <a:srgbClr val="000000"/>
-            </a:solidFill>
-            <a:prstDash val="solid"/>
-            <a:round/>
-            <a:headEnd type="none" w="sm" len="sm"/>
-            <a:tailEnd type="none" w="sm" len="sm"/>
-          </a:ln>
-        </p:spPr>
-      </p:cxnSp>
-      <p:sp>
-        <p:nvSpPr>
-          <p:cNvPr id="314" name="Google Shape;314;p17"/>
-          <p:cNvSpPr/>
-          <p:nvPr/>
-        </p:nvSpPr>
-        <p:spPr>
-          <a:xfrm>
-            <a:off x="2177438" y="4934331"/>
-            <a:ext cx="51197" cy="99700"/>
-          </a:xfrm>
-          <a:custGeom>
-            <a:avLst/>
-            <a:gdLst/>
-            <a:ahLst/>
-            <a:cxnLst/>
-            <a:rect l="l" t="t" r="r" b="b"/>
-            <a:pathLst>
-              <a:path w="323" h="629" extrusionOk="0">
-                <a:moveTo>
-                  <a:pt x="320" y="0"/>
-                </a:moveTo>
-                <a:lnTo>
-                  <a:pt x="319" y="1"/>
-                </a:lnTo>
-                <a:cubicBezTo>
-                  <a:pt x="319" y="1"/>
-                  <a:pt x="318" y="1"/>
-                  <a:pt x="318" y="2"/>
-                </a:cubicBezTo>
-                <a:cubicBezTo>
-                  <a:pt x="317" y="3"/>
-                  <a:pt x="317" y="3"/>
-                  <a:pt x="317" y="4"/>
-                </a:cubicBezTo>
-                <a:lnTo>
-                  <a:pt x="317" y="7"/>
-                </a:lnTo>
-                <a:cubicBezTo>
-                  <a:pt x="316" y="7"/>
-                  <a:pt x="315" y="7"/>
-                  <a:pt x="314" y="7"/>
-                </a:cubicBezTo>
-                <a:cubicBezTo>
-                  <a:pt x="271" y="7"/>
-                  <a:pt x="230" y="15"/>
-                  <a:pt x="192" y="30"/>
-                </a:cubicBezTo>
-                <a:cubicBezTo>
-                  <a:pt x="156" y="45"/>
-                  <a:pt x="123" y="68"/>
-                  <a:pt x="95" y="95"/>
-                </a:cubicBezTo>
-                <a:cubicBezTo>
-                  <a:pt x="68" y="123"/>
-                  <a:pt x="45" y="156"/>
-                  <a:pt x="30" y="192"/>
-                </a:cubicBezTo>
-                <a:cubicBezTo>
-                  <a:pt x="15" y="230"/>
-                  <a:pt x="7" y="271"/>
-                  <a:pt x="7" y="314"/>
-                </a:cubicBezTo>
-                <a:cubicBezTo>
-                  <a:pt x="7" y="357"/>
-                  <a:pt x="15" y="398"/>
-                  <a:pt x="30" y="436"/>
-                </a:cubicBezTo>
-                <a:cubicBezTo>
-                  <a:pt x="45" y="473"/>
-                  <a:pt x="68" y="506"/>
-                  <a:pt x="95" y="533"/>
-                </a:cubicBezTo>
-                <a:cubicBezTo>
-                  <a:pt x="123" y="560"/>
-                  <a:pt x="156" y="583"/>
-                  <a:pt x="192" y="598"/>
-                </a:cubicBezTo>
-                <a:cubicBezTo>
-                  <a:pt x="230" y="613"/>
-                  <a:pt x="271" y="622"/>
-                  <a:pt x="314" y="622"/>
-                </a:cubicBezTo>
-                <a:cubicBezTo>
-                  <a:pt x="315" y="622"/>
-                  <a:pt x="316" y="622"/>
-                  <a:pt x="317" y="622"/>
-                </a:cubicBezTo>
-                <a:lnTo>
-                  <a:pt x="317" y="628"/>
-                </a:lnTo>
-                <a:cubicBezTo>
-                  <a:pt x="316" y="628"/>
-                  <a:pt x="315" y="628"/>
-                  <a:pt x="314" y="628"/>
-                </a:cubicBezTo>
-                <a:cubicBezTo>
-                  <a:pt x="270" y="628"/>
-                  <a:pt x="228" y="620"/>
-                  <a:pt x="190" y="604"/>
-                </a:cubicBezTo>
-                <a:cubicBezTo>
-                  <a:pt x="152" y="589"/>
-                  <a:pt x="118" y="566"/>
-                  <a:pt x="90" y="538"/>
-                </a:cubicBezTo>
-                <a:cubicBezTo>
-                  <a:pt x="62" y="510"/>
-                  <a:pt x="39" y="476"/>
-                  <a:pt x="24" y="438"/>
-                </a:cubicBezTo>
-                <a:cubicBezTo>
-                  <a:pt x="9" y="400"/>
-                  <a:pt x="0" y="358"/>
-                  <a:pt x="0" y="314"/>
-                </a:cubicBezTo>
-                <a:cubicBezTo>
-                  <a:pt x="0" y="270"/>
-                  <a:pt x="9" y="228"/>
-                  <a:pt x="24" y="190"/>
-                </a:cubicBezTo>
-                <a:cubicBezTo>
-                  <a:pt x="39" y="152"/>
-                  <a:pt x="62" y="118"/>
-                  <a:pt x="90" y="90"/>
-                </a:cubicBezTo>
-                <a:cubicBezTo>
-                  <a:pt x="118" y="62"/>
-                  <a:pt x="152" y="39"/>
-                  <a:pt x="190" y="24"/>
-                </a:cubicBezTo>
-                <a:cubicBezTo>
-                  <a:pt x="228" y="9"/>
-                  <a:pt x="270" y="0"/>
-                  <a:pt x="314" y="0"/>
-                </a:cubicBezTo>
-                <a:cubicBezTo>
-                  <a:pt x="316" y="0"/>
-                  <a:pt x="319" y="0"/>
-                  <a:pt x="322" y="0"/>
-                </a:cubicBezTo>
-                <a:lnTo>
-                  <a:pt x="320" y="0"/>
-                </a:lnTo>
-              </a:path>
-            </a:pathLst>
-          </a:custGeom>
-          <a:solidFill>
-            <a:srgbClr val="000000"/>
-          </a:solidFill>
-          <a:ln w="19050" cap="flat" cmpd="sng">
-            <a:solidFill>
-              <a:srgbClr val="000000"/>
-            </a:solidFill>
-            <a:prstDash val="solid"/>
-            <a:round/>
-            <a:headEnd type="none" w="sm" len="sm"/>
-            <a:tailEnd type="none" w="sm" len="sm"/>
-          </a:ln>
-        </p:spPr>
-        <p:txBody>
-          <a:bodyPr spcFirstLastPara="1" wrap="square" lIns="91425" tIns="91425" rIns="91425" bIns="91425" anchor="ctr" anchorCtr="0">
-            <a:noAutofit/>
-          </a:bodyPr>
-          <a:lstStyle/>
-          <a:p>
-            <a:pPr marL="0" lvl="0" indent="0" algn="l" rtl="0">
-              <a:spcBef>
-                <a:spcPts val="0"/>
-              </a:spcBef>
-              <a:spcAft>
-                <a:spcPts val="0"/>
-              </a:spcAft>
-              <a:buNone/>
-            </a:pPr>
-            <a:endParaRPr/>
-          </a:p>
-        </p:txBody>
-      </p:sp>
-      <p:sp>
-        <p:nvSpPr>
-          <p:cNvPr id="315" name="Google Shape;315;p17"/>
-          <p:cNvSpPr txBox="1"/>
-          <p:nvPr/>
-        </p:nvSpPr>
-        <p:spPr>
-          <a:xfrm>
-            <a:off x="1933709" y="5033876"/>
-            <a:ext cx="622500" cy="147300"/>
-          </a:xfrm>
-          <a:prstGeom prst="rect">
-            <a:avLst/>
-          </a:prstGeom>
-          <a:noFill/>
-          <a:ln>
-            <a:noFill/>
-          </a:ln>
-        </p:spPr>
-        <p:txBody>
-          <a:bodyPr spcFirstLastPara="1" wrap="square" lIns="90000" tIns="45000" rIns="90000" bIns="45000" anchor="t" anchorCtr="0">
-            <a:noAutofit/>
-          </a:bodyPr>
-          <a:lstStyle/>
-          <a:p>
-            <a:pPr marL="0" marR="0" lvl="0" indent="0" algn="l" rtl="0">
-              <a:spcBef>
-                <a:spcPts val="0"/>
-              </a:spcBef>
-              <a:spcAft>
-                <a:spcPts val="0"/>
-              </a:spcAft>
-              <a:buNone/>
-            </a:pPr>
-            <a:r>
-              <a:rPr lang="en" sz="600" i="0" u="none" strike="noStrike" cap="none"/>
-              <a:t>I</a:t>
-            </a:r>
-            <a:r>
-              <a:rPr lang="en" sz="600"/>
-              <a:t>nterface B</a:t>
-            </a:r>
-            <a:endParaRPr sz="600" strike="noStrike"/>
-          </a:p>
-        </p:txBody>
-      </p:sp>
-      <p:sp>
-        <p:nvSpPr>
-          <p:cNvPr id="316" name="Google Shape;316;p17"/>
-          <p:cNvSpPr/>
-          <p:nvPr/>
-        </p:nvSpPr>
-        <p:spPr>
-          <a:xfrm>
-            <a:off x="2193764" y="4662338"/>
-            <a:ext cx="97500" cy="97500"/>
-          </a:xfrm>
-          <a:prstGeom prst="ellipse">
-            <a:avLst/>
-          </a:prstGeom>
-          <a:solidFill>
-            <a:srgbClr val="FFFFFF"/>
-          </a:solidFill>
-          <a:ln w="19050" cap="flat" cmpd="sng">
-            <a:solidFill>
-              <a:srgbClr val="000000"/>
-            </a:solidFill>
-            <a:prstDash val="solid"/>
-            <a:round/>
-            <a:headEnd type="none" w="sm" len="sm"/>
-            <a:tailEnd type="none" w="sm" len="sm"/>
-          </a:ln>
-        </p:spPr>
-        <p:txBody>
-          <a:bodyPr spcFirstLastPara="1" wrap="square" lIns="91425" tIns="91425" rIns="91425" bIns="91425" anchor="ctr" anchorCtr="0">
-            <a:noAutofit/>
-          </a:bodyPr>
-          <a:lstStyle/>
-          <a:p>
-            <a:pPr marL="0" lvl="0" indent="0" algn="l" rtl="0">
-              <a:spcBef>
-                <a:spcPts val="0"/>
-              </a:spcBef>
-              <a:spcAft>
-                <a:spcPts val="0"/>
-              </a:spcAft>
-              <a:buNone/>
-            </a:pPr>
-            <a:endParaRPr/>
-          </a:p>
-        </p:txBody>
-      </p:sp>
-      <p:cxnSp>
-        <p:nvCxnSpPr>
-          <p:cNvPr id="317" name="Google Shape;317;p17"/>
-          <p:cNvCxnSpPr/>
-          <p:nvPr/>
-        </p:nvCxnSpPr>
-        <p:spPr>
-          <a:xfrm>
-            <a:off x="1920980" y="4710998"/>
-            <a:ext cx="272700" cy="0"/>
-          </a:xfrm>
-          <a:prstGeom prst="straightConnector1">
-            <a:avLst/>
-          </a:prstGeom>
-          <a:noFill/>
-          <a:ln w="19050" cap="flat" cmpd="sng">
-            <a:solidFill>
-              <a:srgbClr val="000000"/>
-            </a:solidFill>
-            <a:prstDash val="solid"/>
-            <a:round/>
-            <a:headEnd type="none" w="sm" len="sm"/>
-            <a:tailEnd type="none" w="sm" len="sm"/>
-          </a:ln>
-        </p:spPr>
-      </p:cxnSp>
-      <p:sp>
-        <p:nvSpPr>
-          <p:cNvPr id="318" name="Google Shape;318;p17"/>
-          <p:cNvSpPr txBox="1"/>
-          <p:nvPr/>
-        </p:nvSpPr>
-        <p:spPr>
-          <a:xfrm>
-            <a:off x="1920985" y="4756967"/>
-            <a:ext cx="601800" cy="143100"/>
-          </a:xfrm>
-          <a:prstGeom prst="rect">
-            <a:avLst/>
-          </a:prstGeom>
-          <a:noFill/>
-          <a:ln>
-            <a:noFill/>
-          </a:ln>
-        </p:spPr>
-        <p:txBody>
-          <a:bodyPr spcFirstLastPara="1" wrap="square" lIns="90000" tIns="45000" rIns="90000" bIns="45000" anchor="t" anchorCtr="0">
-            <a:noAutofit/>
-          </a:bodyPr>
-          <a:lstStyle/>
-          <a:p>
-            <a:pPr marL="0" marR="0" lvl="0" indent="0" algn="l" rtl="0">
-              <a:spcBef>
-                <a:spcPts val="0"/>
-              </a:spcBef>
-              <a:spcAft>
-                <a:spcPts val="0"/>
-              </a:spcAft>
-              <a:buNone/>
-            </a:pPr>
-            <a:r>
-              <a:rPr lang="en" sz="600" strike="noStrike"/>
-              <a:t>I</a:t>
-            </a:r>
-            <a:r>
-              <a:rPr lang="en" sz="600"/>
-              <a:t>nterface A</a:t>
-            </a:r>
-            <a:endParaRPr sz="600" strike="noStrike"/>
-          </a:p>
-        </p:txBody>
-      </p:sp>
-      <p:sp>
-        <p:nvSpPr>
-          <p:cNvPr id="319" name="Google Shape;319;p17"/>
-          <p:cNvSpPr/>
-          <p:nvPr/>
-        </p:nvSpPr>
-        <p:spPr>
-          <a:xfrm>
-            <a:off x="3257964" y="4670738"/>
-            <a:ext cx="1128900" cy="432000"/>
-          </a:xfrm>
-          <a:prstGeom prst="rect">
-            <a:avLst/>
-          </a:prstGeom>
-          <a:solidFill>
-            <a:srgbClr val="FFFFFF"/>
-          </a:solidFill>
-          <a:ln w="19050" cap="flat" cmpd="sng">
-            <a:solidFill>
-              <a:srgbClr val="000000"/>
-            </a:solidFill>
-            <a:prstDash val="solid"/>
-            <a:round/>
-            <a:headEnd type="none" w="sm" len="sm"/>
-            <a:tailEnd type="none" w="sm" len="sm"/>
-          </a:ln>
-        </p:spPr>
-        <p:txBody>
-          <a:bodyPr spcFirstLastPara="1" wrap="square" lIns="104400" tIns="59400" rIns="104400" bIns="59400" anchor="ctr" anchorCtr="0">
-            <a:noAutofit/>
-          </a:bodyPr>
-          <a:lstStyle/>
-          <a:p>
-            <a:pPr marL="0" lvl="0" indent="0" algn="ctr" rtl="0">
-              <a:spcBef>
-                <a:spcPts val="0"/>
-              </a:spcBef>
-              <a:spcAft>
-                <a:spcPts val="0"/>
-              </a:spcAft>
-              <a:buNone/>
-            </a:pPr>
-            <a:r>
-              <a:rPr lang="en" sz="800">
-                <a:solidFill>
-                  <a:srgbClr val="666666"/>
-                </a:solidFill>
-              </a:rPr>
-              <a:t>«component»</a:t>
-            </a:r>
-            <a:endParaRPr sz="800">
+            <a:endParaRPr sz="800" dirty="0">
               <a:solidFill>
                 <a:srgbClr val="000000"/>
               </a:solidFill>
@@ -15803,7 +15537,7 @@
               </a:spcAft>
               <a:buNone/>
             </a:pPr>
-            <a:endParaRPr sz="100">
+            <a:endParaRPr sz="100" dirty="0">
               <a:solidFill>
                 <a:srgbClr val="000000"/>
               </a:solidFill>
@@ -15820,16 +15554,35 @@
               <a:buNone/>
             </a:pPr>
             <a:r>
-              <a:rPr lang="en" sz="1000" b="1">
+              <a:rPr lang="en-US" sz="1000" b="1" dirty="0">
                 <a:solidFill>
-                  <a:srgbClr val="000000"/>
+                  <a:schemeClr val="tx1"/>
                 </a:solidFill>
               </a:rPr>
-              <a:t>Componente B</a:t>
+              <a:t>ConfirmarDados</a:t>
             </a:r>
-            <a:endParaRPr sz="800">
+          </a:p>
+          <a:p>
+            <a:pPr marL="0" lvl="0" indent="0" algn="ctr" rtl="0">
+              <a:spcBef>
+                <a:spcPts val="0"/>
+              </a:spcBef>
+              <a:spcAft>
+                <a:spcPts val="0"/>
+              </a:spcAft>
+              <a:buNone/>
+            </a:pPr>
+            <a:r>
+              <a:rPr lang="en-US" sz="1000" b="1" dirty="0">
+                <a:solidFill>
+                  <a:schemeClr val="tx1"/>
+                </a:solidFill>
+              </a:rPr>
+              <a:t>Pagamento</a:t>
+            </a:r>
+            <a:endParaRPr sz="1000" b="1" dirty="0">
               <a:solidFill>
-                <a:srgbClr val="666666"/>
+                <a:schemeClr val="tx1"/>
               </a:solidFill>
             </a:endParaRPr>
           </a:p>
@@ -15837,13 +15590,19 @@
       </p:sp>
       <p:grpSp>
         <p:nvGrpSpPr>
-          <p:cNvPr id="320" name="Google Shape;320;p17"/>
+          <p:cNvPr id="111" name="Google Shape;288;p16">
+            <a:extLst>
+              <a:ext uri="{FF2B5EF4-FFF2-40B4-BE49-F238E27FC236}">
+                <a16:creationId xmlns:a16="http://schemas.microsoft.com/office/drawing/2014/main" id="{41CB51A6-E623-40C1-B21E-ED9D47EAD4E2}"/>
+              </a:ext>
+            </a:extLst>
+          </p:cNvPr>
           <p:cNvGrpSpPr/>
           <p:nvPr/>
         </p:nvGrpSpPr>
         <p:grpSpPr>
           <a:xfrm>
-            <a:off x="3045622" y="4942781"/>
+            <a:off x="3181132" y="6115347"/>
             <a:ext cx="212401" cy="99702"/>
             <a:chOff x="4613040" y="5077440"/>
             <a:chExt cx="482400" cy="226440"/>
@@ -15851,7 +15610,13 @@
         </p:grpSpPr>
         <p:cxnSp>
           <p:nvCxnSpPr>
-            <p:cNvPr id="321" name="Google Shape;321;p17"/>
+            <p:cNvPr id="112" name="Google Shape;289;p16">
+              <a:extLst>
+                <a:ext uri="{FF2B5EF4-FFF2-40B4-BE49-F238E27FC236}">
+                  <a16:creationId xmlns:a16="http://schemas.microsoft.com/office/drawing/2014/main" id="{4723DC24-BC71-4B03-8A52-ECFA64765669}"/>
+                </a:ext>
+              </a:extLst>
+            </p:cNvPr>
             <p:cNvCxnSpPr/>
             <p:nvPr/>
           </p:nvCxnSpPr>
@@ -15877,7 +15642,13 @@
         </p:cxnSp>
         <p:sp>
           <p:nvSpPr>
-            <p:cNvPr id="322" name="Google Shape;322;p17"/>
+            <p:cNvPr id="113" name="Google Shape;290;p16">
+              <a:extLst>
+                <a:ext uri="{FF2B5EF4-FFF2-40B4-BE49-F238E27FC236}">
+                  <a16:creationId xmlns:a16="http://schemas.microsoft.com/office/drawing/2014/main" id="{A69ECF89-6AEB-47AF-BB7C-0E1B9C995AEC}"/>
+                </a:ext>
+              </a:extLst>
+            </p:cNvPr>
             <p:cNvSpPr/>
             <p:nvPr/>
           </p:nvSpPr>
@@ -16057,57 +15828,21 @@
           </p:txBody>
         </p:sp>
       </p:grpSp>
-      <p:sp>
-        <p:nvSpPr>
-          <p:cNvPr id="323" name="Google Shape;323;p17"/>
-          <p:cNvSpPr txBox="1"/>
-          <p:nvPr/>
-        </p:nvSpPr>
-        <p:spPr>
-          <a:xfrm>
-            <a:off x="2815416" y="5106568"/>
-            <a:ext cx="601800" cy="142500"/>
-          </a:xfrm>
-          <a:prstGeom prst="rect">
-            <a:avLst/>
-          </a:prstGeom>
-          <a:noFill/>
-          <a:ln>
-            <a:noFill/>
-          </a:ln>
-        </p:spPr>
-        <p:txBody>
-          <a:bodyPr spcFirstLastPara="1" wrap="square" lIns="90000" tIns="45000" rIns="90000" bIns="45000" anchor="t" anchorCtr="0">
-            <a:noAutofit/>
-          </a:bodyPr>
-          <a:lstStyle/>
-          <a:p>
-            <a:pPr marL="0" marR="0" lvl="0" indent="0" algn="l" rtl="0">
-              <a:spcBef>
-                <a:spcPts val="0"/>
-              </a:spcBef>
-              <a:spcAft>
-                <a:spcPts val="0"/>
-              </a:spcAft>
-              <a:buNone/>
-            </a:pPr>
-            <a:r>
-              <a:rPr lang="en" sz="600"/>
-              <a:t>Interface C</a:t>
-            </a:r>
-            <a:endParaRPr sz="600" strike="noStrike"/>
-          </a:p>
-        </p:txBody>
-      </p:sp>
       <p:grpSp>
         <p:nvGrpSpPr>
-          <p:cNvPr id="324" name="Google Shape;324;p17"/>
+          <p:cNvPr id="114" name="Google Shape;292;p16">
+            <a:extLst>
+              <a:ext uri="{FF2B5EF4-FFF2-40B4-BE49-F238E27FC236}">
+                <a16:creationId xmlns:a16="http://schemas.microsoft.com/office/drawing/2014/main" id="{B46A0382-B3C5-4D5A-B629-0567750D17A4}"/>
+              </a:ext>
+            </a:extLst>
+          </p:cNvPr>
           <p:cNvGrpSpPr/>
           <p:nvPr/>
         </p:nvGrpSpPr>
         <p:grpSpPr>
           <a:xfrm>
-            <a:off x="2982721" y="4670781"/>
+            <a:off x="3118231" y="5889939"/>
             <a:ext cx="275302" cy="97615"/>
             <a:chOff x="4470180" y="4459680"/>
             <a:chExt cx="625260" cy="221700"/>
@@ -16115,7 +15850,13 @@
         </p:grpSpPr>
         <p:sp>
           <p:nvSpPr>
-            <p:cNvPr id="325" name="Google Shape;325;p17"/>
+            <p:cNvPr id="115" name="Google Shape;293;p16">
+              <a:extLst>
+                <a:ext uri="{FF2B5EF4-FFF2-40B4-BE49-F238E27FC236}">
+                  <a16:creationId xmlns:a16="http://schemas.microsoft.com/office/drawing/2014/main" id="{33816084-C0E1-45BD-AF0C-4B4C58A66D5E}"/>
+                </a:ext>
+              </a:extLst>
+            </p:cNvPr>
             <p:cNvSpPr/>
             <p:nvPr/>
           </p:nvSpPr>
@@ -16161,7 +15902,13 @@
         </p:sp>
         <p:cxnSp>
           <p:nvCxnSpPr>
-            <p:cNvPr id="326" name="Google Shape;326;p17"/>
+            <p:cNvPr id="116" name="Google Shape;294;p16">
+              <a:extLst>
+                <a:ext uri="{FF2B5EF4-FFF2-40B4-BE49-F238E27FC236}">
+                  <a16:creationId xmlns:a16="http://schemas.microsoft.com/office/drawing/2014/main" id="{151EAED0-874E-4FDA-BD7B-DE17AA55C0F0}"/>
+                </a:ext>
+              </a:extLst>
+            </p:cNvPr>
             <p:cNvCxnSpPr/>
             <p:nvPr/>
           </p:nvCxnSpPr>
@@ -16186,16 +15933,68 @@
           </p:spPr>
         </p:cxnSp>
       </p:grpSp>
+      <p:cxnSp>
+        <p:nvCxnSpPr>
+          <p:cNvPr id="25" name="Connector: Elbow 24">
+            <a:extLst>
+              <a:ext uri="{FF2B5EF4-FFF2-40B4-BE49-F238E27FC236}">
+                <a16:creationId xmlns:a16="http://schemas.microsoft.com/office/drawing/2014/main" id="{C0D89D04-ACBD-4057-B3DA-C7E7DBD5D730}"/>
+              </a:ext>
+            </a:extLst>
+          </p:cNvPr>
+          <p:cNvCxnSpPr>
+            <a:stCxn id="40" idx="6"/>
+          </p:cNvCxnSpPr>
+          <p:nvPr/>
+        </p:nvCxnSpPr>
+        <p:spPr>
+          <a:xfrm>
+            <a:off x="2014429" y="5892054"/>
+            <a:ext cx="1215412" cy="273014"/>
+          </a:xfrm>
+          <a:prstGeom prst="bentConnector3">
+            <a:avLst>
+              <a:gd name="adj1" fmla="val 59899"/>
+            </a:avLst>
+          </a:prstGeom>
+          <a:ln w="12700">
+            <a:solidFill>
+              <a:schemeClr val="tx1"/>
+            </a:solidFill>
+            <a:prstDash val="dash"/>
+          </a:ln>
+        </p:spPr>
+        <p:style>
+          <a:lnRef idx="1">
+            <a:schemeClr val="accent1"/>
+          </a:lnRef>
+          <a:fillRef idx="0">
+            <a:schemeClr val="accent1"/>
+          </a:fillRef>
+          <a:effectRef idx="0">
+            <a:schemeClr val="accent1"/>
+          </a:effectRef>
+          <a:fontRef idx="minor">
+            <a:schemeClr val="tx1"/>
+          </a:fontRef>
+        </p:style>
+      </p:cxnSp>
       <p:sp>
         <p:nvSpPr>
-          <p:cNvPr id="327" name="Google Shape;327;p17"/>
+          <p:cNvPr id="27" name="Google Shape;286;p16">
+            <a:extLst>
+              <a:ext uri="{FF2B5EF4-FFF2-40B4-BE49-F238E27FC236}">
+                <a16:creationId xmlns:a16="http://schemas.microsoft.com/office/drawing/2014/main" id="{AD79BA19-F751-4837-B427-053E30C876DF}"/>
+              </a:ext>
+            </a:extLst>
+          </p:cNvPr>
           <p:cNvSpPr txBox="1"/>
           <p:nvPr/>
         </p:nvSpPr>
         <p:spPr>
           <a:xfrm>
-            <a:off x="2629571" y="4761557"/>
-            <a:ext cx="601800" cy="137100"/>
+            <a:off x="2123992" y="5698973"/>
+            <a:ext cx="626863" cy="190966"/>
           </a:xfrm>
           <a:prstGeom prst="rect">
             <a:avLst/>
@@ -16221,72 +16020,202 @@
               <a:buNone/>
             </a:pPr>
             <a:r>
-              <a:rPr lang="en" sz="600"/>
-              <a:t>Interface B</a:t>
+              <a:rPr lang="en" sz="600" strike="noStrike" dirty="0">
+                <a:solidFill>
+                  <a:srgbClr val="FF0000"/>
+                </a:solidFill>
+              </a:rPr>
+              <a:t>IPagamento</a:t>
             </a:r>
-            <a:endParaRPr sz="600" strike="noStrike"/>
+            <a:endParaRPr sz="600" strike="noStrike" dirty="0">
+              <a:solidFill>
+                <a:srgbClr val="FF0000"/>
+              </a:solidFill>
+            </a:endParaRPr>
+          </a:p>
+        </p:txBody>
+      </p:sp>
+    </p:spTree>
+  </p:cSld>
+  <p:clrMapOvr>
+    <a:masterClrMapping/>
+  </p:clrMapOvr>
+</p:sld>
+</file>
+
+<file path=ppt/slides/slide3.xml><?xml version="1.0" encoding="utf-8"?>
+<p:sld xmlns:a="http://schemas.openxmlformats.org/drawingml/2006/main" xmlns:r="http://schemas.openxmlformats.org/officeDocument/2006/relationships" xmlns:p="http://schemas.openxmlformats.org/presentationml/2006/main">
+  <p:cSld>
+    <p:spTree>
+      <p:nvGrpSpPr>
+        <p:cNvPr id="1" name="Shape 308"/>
+        <p:cNvGrpSpPr/>
+        <p:nvPr/>
+      </p:nvGrpSpPr>
+      <p:grpSpPr>
+        <a:xfrm>
+          <a:off x="0" y="0"/>
+          <a:ext cx="0" cy="0"/>
+          <a:chOff x="0" y="0"/>
+          <a:chExt cx="0" cy="0"/>
+        </a:xfrm>
+      </p:grpSpPr>
+      <p:sp>
+        <p:nvSpPr>
+          <p:cNvPr id="310" name="Google Shape;310;p17"/>
+          <p:cNvSpPr/>
+          <p:nvPr/>
+        </p:nvSpPr>
+        <p:spPr>
+          <a:xfrm>
+            <a:off x="460208" y="546433"/>
+            <a:ext cx="2115300" cy="6188241"/>
+          </a:xfrm>
+          <a:prstGeom prst="rect">
+            <a:avLst/>
+          </a:prstGeom>
+          <a:solidFill>
+            <a:schemeClr val="lt2"/>
+          </a:solidFill>
+          <a:ln w="9525" cap="flat" cmpd="sng">
+            <a:solidFill>
+              <a:schemeClr val="dk2"/>
+            </a:solidFill>
+            <a:prstDash val="solid"/>
+            <a:round/>
+            <a:headEnd type="none" w="sm" len="sm"/>
+            <a:tailEnd type="none" w="sm" len="sm"/>
+          </a:ln>
+        </p:spPr>
+        <p:txBody>
+          <a:bodyPr spcFirstLastPara="1" wrap="square" lIns="91425" tIns="91425" rIns="91425" bIns="91425" anchor="ctr" anchorCtr="0">
+            <a:noAutofit/>
+          </a:bodyPr>
+          <a:lstStyle/>
+          <a:p>
+            <a:pPr marL="0" lvl="0" indent="0" algn="l" rtl="0">
+              <a:spcBef>
+                <a:spcPts val="0"/>
+              </a:spcBef>
+              <a:spcAft>
+                <a:spcPts val="0"/>
+              </a:spcAft>
+              <a:buNone/>
+            </a:pPr>
+            <a:endParaRPr/>
           </a:p>
         </p:txBody>
       </p:sp>
       <p:sp>
         <p:nvSpPr>
-          <p:cNvPr id="328" name="Google Shape;328;p17"/>
+          <p:cNvPr id="335" name="Google Shape;335;p17"/>
+          <p:cNvSpPr txBox="1"/>
+          <p:nvPr/>
+        </p:nvSpPr>
+        <p:spPr>
+          <a:xfrm>
+            <a:off x="1031708" y="51134"/>
+            <a:ext cx="1470300" cy="320100"/>
+          </a:xfrm>
+          <a:prstGeom prst="rect">
+            <a:avLst/>
+          </a:prstGeom>
+          <a:noFill/>
+          <a:ln>
+            <a:noFill/>
+          </a:ln>
+        </p:spPr>
+        <p:txBody>
+          <a:bodyPr spcFirstLastPara="1" wrap="square" lIns="91425" tIns="91425" rIns="91425" bIns="91425" anchor="t" anchorCtr="0">
+            <a:noAutofit/>
+          </a:bodyPr>
+          <a:lstStyle/>
+          <a:p>
+            <a:pPr marL="0" lvl="0" indent="0" algn="l" rtl="0">
+              <a:spcBef>
+                <a:spcPts val="0"/>
+              </a:spcBef>
+              <a:spcAft>
+                <a:spcPts val="0"/>
+              </a:spcAft>
+              <a:buNone/>
+            </a:pPr>
+            <a:r>
+              <a:rPr lang="en" sz="2000" b="1"/>
+              <a:t>Model</a:t>
+            </a:r>
+            <a:endParaRPr sz="2000" b="1"/>
+          </a:p>
+        </p:txBody>
+      </p:sp>
+      <p:sp>
+        <p:nvSpPr>
+          <p:cNvPr id="32" name="Google Shape;278;p16">
+            <a:extLst>
+              <a:ext uri="{FF2B5EF4-FFF2-40B4-BE49-F238E27FC236}">
+                <a16:creationId xmlns:a16="http://schemas.microsoft.com/office/drawing/2014/main" id="{4229CB0B-7C49-4CF0-A9B5-82CD7BD2BD8F}"/>
+              </a:ext>
+            </a:extLst>
+          </p:cNvPr>
           <p:cNvSpPr/>
           <p:nvPr/>
         </p:nvSpPr>
         <p:spPr>
           <a:xfrm>
-            <a:off x="2228476" y="4738578"/>
-            <a:ext cx="806156" cy="254084"/>
-          </a:xfrm>
-          <a:custGeom>
+            <a:off x="2984394" y="546434"/>
+            <a:ext cx="2115300" cy="6188242"/>
+          </a:xfrm>
+          <a:prstGeom prst="rect">
             <a:avLst/>
-            <a:gdLst/>
-            <a:ahLst/>
-            <a:cxnLst/>
-            <a:rect l="l" t="t" r="r" b="b"/>
-            <a:pathLst>
-              <a:path w="5086" h="1603" extrusionOk="0">
-                <a:moveTo>
-                  <a:pt x="0" y="1602"/>
-                </a:moveTo>
-                <a:lnTo>
-                  <a:pt x="2196" y="1602"/>
-                </a:lnTo>
-                <a:lnTo>
-                  <a:pt x="2196" y="0"/>
-                </a:lnTo>
-                <a:lnTo>
-                  <a:pt x="5060" y="0"/>
-                </a:lnTo>
-                <a:lnTo>
-                  <a:pt x="5085" y="0"/>
-                </a:lnTo>
-              </a:path>
-            </a:pathLst>
-          </a:custGeom>
-          <a:noFill/>
-          <a:ln w="19050" cap="flat" cmpd="sng">
+          </a:prstGeom>
+          <a:solidFill>
+            <a:schemeClr val="lt2"/>
+          </a:solidFill>
+          <a:ln w="9525" cap="flat" cmpd="sng">
             <a:solidFill>
-              <a:srgbClr val="000000"/>
+              <a:schemeClr val="dk2"/>
             </a:solidFill>
-            <a:prstDash val="dash"/>
+            <a:prstDash val="solid"/>
             <a:round/>
             <a:headEnd type="none" w="sm" len="sm"/>
             <a:tailEnd type="none" w="sm" len="sm"/>
           </a:ln>
         </p:spPr>
+        <p:txBody>
+          <a:bodyPr spcFirstLastPara="1" wrap="square" lIns="91425" tIns="91425" rIns="91425" bIns="91425" anchor="ctr" anchorCtr="0">
+            <a:noAutofit/>
+          </a:bodyPr>
+          <a:lstStyle/>
+          <a:p>
+            <a:pPr marL="0" lvl="0" indent="0" algn="l" rtl="0">
+              <a:spcBef>
+                <a:spcPts val="0"/>
+              </a:spcBef>
+              <a:spcAft>
+                <a:spcPts val="0"/>
+              </a:spcAft>
+              <a:buNone/>
+            </a:pPr>
+            <a:endParaRPr/>
+          </a:p>
+        </p:txBody>
       </p:sp>
       <p:sp>
         <p:nvSpPr>
-          <p:cNvPr id="329" name="Google Shape;329;p17"/>
+          <p:cNvPr id="33" name="Google Shape;280;p16">
+            <a:extLst>
+              <a:ext uri="{FF2B5EF4-FFF2-40B4-BE49-F238E27FC236}">
+                <a16:creationId xmlns:a16="http://schemas.microsoft.com/office/drawing/2014/main" id="{77256BB9-8052-4227-867D-2F17A464D93E}"/>
+              </a:ext>
+            </a:extLst>
+          </p:cNvPr>
           <p:cNvSpPr/>
           <p:nvPr/>
         </p:nvSpPr>
         <p:spPr>
           <a:xfrm>
-            <a:off x="3261616" y="5347863"/>
-            <a:ext cx="1128900" cy="432000"/>
+            <a:off x="3610952" y="1085685"/>
+            <a:ext cx="1204861" cy="463599"/>
           </a:xfrm>
           <a:prstGeom prst="rect">
             <a:avLst/>
@@ -16310,7 +16239,7 @@
           </a:bodyPr>
           <a:lstStyle/>
           <a:p>
-            <a:pPr marL="0" lvl="0" indent="0" algn="ctr" rtl="0">
+            <a:pPr marL="0" marR="0" lvl="0" indent="0" algn="ctr" rtl="0">
               <a:spcBef>
                 <a:spcPts val="0"/>
               </a:spcBef>
@@ -16320,21 +16249,17 @@
               <a:buNone/>
             </a:pPr>
             <a:r>
-              <a:rPr lang="en" sz="800">
+              <a:rPr lang="en" sz="800" i="0" u="none" strike="noStrike" cap="none" dirty="0">
                 <a:solidFill>
                   <a:srgbClr val="666666"/>
                 </a:solidFill>
               </a:rPr>
               <a:t>«component»</a:t>
             </a:r>
-            <a:endParaRPr sz="800">
-              <a:solidFill>
-                <a:srgbClr val="000000"/>
-              </a:solidFill>
-            </a:endParaRPr>
-          </a:p>
-          <a:p>
-            <a:pPr marL="0" lvl="0" indent="0" algn="ctr" rtl="0">
+            <a:endParaRPr sz="800" i="0" u="none" strike="noStrike" cap="none" dirty="0"/>
+          </a:p>
+          <a:p>
+            <a:pPr marL="0" marR="0" lvl="0" indent="0" algn="ctr" rtl="0">
               <a:spcBef>
                 <a:spcPts val="0"/>
               </a:spcBef>
@@ -16343,14 +16268,10 @@
               </a:spcAft>
               <a:buNone/>
             </a:pPr>
-            <a:endParaRPr sz="100">
-              <a:solidFill>
-                <a:srgbClr val="000000"/>
-              </a:solidFill>
-            </a:endParaRPr>
-          </a:p>
-          <a:p>
-            <a:pPr marL="0" lvl="0" indent="0" algn="ctr" rtl="0">
+            <a:endParaRPr sz="100" i="0" u="none" strike="noStrike" cap="none" dirty="0"/>
+          </a:p>
+          <a:p>
+            <a:pPr marL="0" marR="0" lvl="0" indent="0" algn="ctr" rtl="0">
               <a:spcBef>
                 <a:spcPts val="0"/>
               </a:spcBef>
@@ -16360,45 +16281,287 @@
               <a:buNone/>
             </a:pPr>
             <a:r>
-              <a:rPr lang="en" sz="1000" b="1">
-                <a:solidFill>
-                  <a:srgbClr val="000000"/>
-                </a:solidFill>
-              </a:rPr>
-              <a:t>Componente C</a:t>
+              <a:rPr lang="en" sz="1000" b="1" dirty="0"/>
+              <a:t>BuscaProdutosController</a:t>
             </a:r>
-            <a:endParaRPr sz="800">
-              <a:solidFill>
-                <a:srgbClr val="666666"/>
-              </a:solidFill>
-            </a:endParaRPr>
+            <a:endParaRPr sz="1000" i="0" u="none" strike="noStrike" cap="none" dirty="0"/>
           </a:p>
         </p:txBody>
       </p:sp>
       <p:grpSp>
         <p:nvGrpSpPr>
-          <p:cNvPr id="330" name="Google Shape;330;p17"/>
+          <p:cNvPr id="34" name="Group 33">
+            <a:extLst>
+              <a:ext uri="{FF2B5EF4-FFF2-40B4-BE49-F238E27FC236}">
+                <a16:creationId xmlns:a16="http://schemas.microsoft.com/office/drawing/2014/main" id="{0833E666-2725-4AA8-B8F5-2DA1B061C256}"/>
+              </a:ext>
+            </a:extLst>
+          </p:cNvPr>
           <p:cNvGrpSpPr/>
           <p:nvPr/>
         </p:nvGrpSpPr>
         <p:grpSpPr>
-          <a:xfrm>
-            <a:off x="2986367" y="5347928"/>
-            <a:ext cx="275302" cy="97615"/>
-            <a:chOff x="4478460" y="5997600"/>
-            <a:chExt cx="625260" cy="221700"/>
+          <a:xfrm rot="10800000">
+            <a:off x="3308189" y="1160847"/>
+            <a:ext cx="307655" cy="99700"/>
+            <a:chOff x="1862738" y="1105281"/>
+            <a:chExt cx="307655" cy="99700"/>
           </a:xfrm>
         </p:grpSpPr>
+        <p:cxnSp>
+          <p:nvCxnSpPr>
+            <p:cNvPr id="35" name="Google Shape;281;p16">
+              <a:extLst>
+                <a:ext uri="{FF2B5EF4-FFF2-40B4-BE49-F238E27FC236}">
+                  <a16:creationId xmlns:a16="http://schemas.microsoft.com/office/drawing/2014/main" id="{0143B22A-106F-4479-BE54-B994B3DA3B88}"/>
+                </a:ext>
+              </a:extLst>
+            </p:cNvPr>
+            <p:cNvCxnSpPr/>
+            <p:nvPr/>
+          </p:nvCxnSpPr>
+          <p:spPr>
+            <a:xfrm>
+              <a:off x="1862738" y="1155052"/>
+              <a:ext cx="249300" cy="0"/>
+            </a:xfrm>
+            <a:prstGeom prst="straightConnector1">
+              <a:avLst/>
+            </a:prstGeom>
+            <a:noFill/>
+            <a:ln w="19050" cap="flat" cmpd="sng">
+              <a:solidFill>
+                <a:srgbClr val="000000"/>
+              </a:solidFill>
+              <a:prstDash val="solid"/>
+              <a:round/>
+              <a:headEnd type="none" w="sm" len="sm"/>
+              <a:tailEnd type="none" w="sm" len="sm"/>
+            </a:ln>
+          </p:spPr>
+        </p:cxnSp>
         <p:sp>
           <p:nvSpPr>
-            <p:cNvPr id="331" name="Google Shape;331;p17"/>
+            <p:cNvPr id="36" name="Google Shape;282;p16">
+              <a:extLst>
+                <a:ext uri="{FF2B5EF4-FFF2-40B4-BE49-F238E27FC236}">
+                  <a16:creationId xmlns:a16="http://schemas.microsoft.com/office/drawing/2014/main" id="{D7635CBC-2A75-43A1-AC2C-05175E110A1A}"/>
+                </a:ext>
+              </a:extLst>
+            </p:cNvPr>
             <p:cNvSpPr/>
             <p:nvPr/>
           </p:nvSpPr>
           <p:spPr>
-            <a:xfrm flipH="1">
-              <a:off x="4478460" y="5997600"/>
-              <a:ext cx="221700" cy="221700"/>
+            <a:xfrm>
+              <a:off x="2119196" y="1105281"/>
+              <a:ext cx="51197" cy="99700"/>
+            </a:xfrm>
+            <a:custGeom>
+              <a:avLst/>
+              <a:gdLst/>
+              <a:ahLst/>
+              <a:cxnLst/>
+              <a:rect l="l" t="t" r="r" b="b"/>
+              <a:pathLst>
+                <a:path w="323" h="629" extrusionOk="0">
+                  <a:moveTo>
+                    <a:pt x="320" y="0"/>
+                  </a:moveTo>
+                  <a:lnTo>
+                    <a:pt x="319" y="1"/>
+                  </a:lnTo>
+                  <a:cubicBezTo>
+                    <a:pt x="319" y="1"/>
+                    <a:pt x="318" y="1"/>
+                    <a:pt x="318" y="2"/>
+                  </a:cubicBezTo>
+                  <a:cubicBezTo>
+                    <a:pt x="317" y="3"/>
+                    <a:pt x="317" y="3"/>
+                    <a:pt x="317" y="4"/>
+                  </a:cubicBezTo>
+                  <a:lnTo>
+                    <a:pt x="317" y="7"/>
+                  </a:lnTo>
+                  <a:cubicBezTo>
+                    <a:pt x="316" y="7"/>
+                    <a:pt x="315" y="7"/>
+                    <a:pt x="314" y="7"/>
+                  </a:cubicBezTo>
+                  <a:cubicBezTo>
+                    <a:pt x="271" y="7"/>
+                    <a:pt x="230" y="15"/>
+                    <a:pt x="192" y="30"/>
+                  </a:cubicBezTo>
+                  <a:cubicBezTo>
+                    <a:pt x="156" y="45"/>
+                    <a:pt x="123" y="68"/>
+                    <a:pt x="95" y="95"/>
+                  </a:cubicBezTo>
+                  <a:cubicBezTo>
+                    <a:pt x="68" y="123"/>
+                    <a:pt x="45" y="156"/>
+                    <a:pt x="30" y="192"/>
+                  </a:cubicBezTo>
+                  <a:cubicBezTo>
+                    <a:pt x="15" y="230"/>
+                    <a:pt x="7" y="271"/>
+                    <a:pt x="7" y="314"/>
+                  </a:cubicBezTo>
+                  <a:cubicBezTo>
+                    <a:pt x="7" y="357"/>
+                    <a:pt x="15" y="398"/>
+                    <a:pt x="30" y="436"/>
+                  </a:cubicBezTo>
+                  <a:cubicBezTo>
+                    <a:pt x="45" y="473"/>
+                    <a:pt x="68" y="506"/>
+                    <a:pt x="95" y="533"/>
+                  </a:cubicBezTo>
+                  <a:cubicBezTo>
+                    <a:pt x="123" y="560"/>
+                    <a:pt x="156" y="583"/>
+                    <a:pt x="192" y="598"/>
+                  </a:cubicBezTo>
+                  <a:cubicBezTo>
+                    <a:pt x="230" y="613"/>
+                    <a:pt x="271" y="622"/>
+                    <a:pt x="314" y="622"/>
+                  </a:cubicBezTo>
+                  <a:cubicBezTo>
+                    <a:pt x="315" y="622"/>
+                    <a:pt x="316" y="622"/>
+                    <a:pt x="317" y="622"/>
+                  </a:cubicBezTo>
+                  <a:lnTo>
+                    <a:pt x="317" y="628"/>
+                  </a:lnTo>
+                  <a:cubicBezTo>
+                    <a:pt x="316" y="628"/>
+                    <a:pt x="315" y="628"/>
+                    <a:pt x="314" y="628"/>
+                  </a:cubicBezTo>
+                  <a:cubicBezTo>
+                    <a:pt x="270" y="628"/>
+                    <a:pt x="228" y="620"/>
+                    <a:pt x="190" y="604"/>
+                  </a:cubicBezTo>
+                  <a:cubicBezTo>
+                    <a:pt x="152" y="589"/>
+                    <a:pt x="118" y="566"/>
+                    <a:pt x="90" y="538"/>
+                  </a:cubicBezTo>
+                  <a:cubicBezTo>
+                    <a:pt x="62" y="510"/>
+                    <a:pt x="39" y="476"/>
+                    <a:pt x="24" y="438"/>
+                  </a:cubicBezTo>
+                  <a:cubicBezTo>
+                    <a:pt x="9" y="400"/>
+                    <a:pt x="0" y="358"/>
+                    <a:pt x="0" y="314"/>
+                  </a:cubicBezTo>
+                  <a:cubicBezTo>
+                    <a:pt x="0" y="270"/>
+                    <a:pt x="9" y="228"/>
+                    <a:pt x="24" y="190"/>
+                  </a:cubicBezTo>
+                  <a:cubicBezTo>
+                    <a:pt x="39" y="152"/>
+                    <a:pt x="62" y="118"/>
+                    <a:pt x="90" y="90"/>
+                  </a:cubicBezTo>
+                  <a:cubicBezTo>
+                    <a:pt x="118" y="62"/>
+                    <a:pt x="152" y="39"/>
+                    <a:pt x="190" y="24"/>
+                  </a:cubicBezTo>
+                  <a:cubicBezTo>
+                    <a:pt x="228" y="9"/>
+                    <a:pt x="270" y="0"/>
+                    <a:pt x="314" y="0"/>
+                  </a:cubicBezTo>
+                  <a:cubicBezTo>
+                    <a:pt x="316" y="0"/>
+                    <a:pt x="319" y="0"/>
+                    <a:pt x="322" y="0"/>
+                  </a:cubicBezTo>
+                  <a:lnTo>
+                    <a:pt x="320" y="0"/>
+                  </a:lnTo>
+                </a:path>
+              </a:pathLst>
+            </a:custGeom>
+            <a:solidFill>
+              <a:srgbClr val="000000"/>
+            </a:solidFill>
+            <a:ln w="19050" cap="flat" cmpd="sng">
+              <a:solidFill>
+                <a:srgbClr val="000000"/>
+              </a:solidFill>
+              <a:prstDash val="solid"/>
+              <a:round/>
+              <a:headEnd type="none" w="sm" len="sm"/>
+              <a:tailEnd type="none" w="sm" len="sm"/>
+            </a:ln>
+          </p:spPr>
+          <p:txBody>
+            <a:bodyPr spcFirstLastPara="1" wrap="square" lIns="91425" tIns="91425" rIns="91425" bIns="91425" anchor="ctr" anchorCtr="0">
+              <a:noAutofit/>
+            </a:bodyPr>
+            <a:lstStyle/>
+            <a:p>
+              <a:pPr marL="0" lvl="0" indent="0" algn="l" rtl="0">
+                <a:spcBef>
+                  <a:spcPts val="0"/>
+                </a:spcBef>
+                <a:spcAft>
+                  <a:spcPts val="0"/>
+                </a:spcAft>
+                <a:buNone/>
+              </a:pPr>
+              <a:endParaRPr/>
+            </a:p>
+          </p:txBody>
+        </p:sp>
+      </p:grpSp>
+      <p:grpSp>
+        <p:nvGrpSpPr>
+          <p:cNvPr id="37" name="Group 36">
+            <a:extLst>
+              <a:ext uri="{FF2B5EF4-FFF2-40B4-BE49-F238E27FC236}">
+                <a16:creationId xmlns:a16="http://schemas.microsoft.com/office/drawing/2014/main" id="{CA4251B6-E3BD-4442-ADD2-038363C7DA0F}"/>
+              </a:ext>
+            </a:extLst>
+          </p:cNvPr>
+          <p:cNvGrpSpPr/>
+          <p:nvPr/>
+        </p:nvGrpSpPr>
+        <p:grpSpPr>
+          <a:xfrm rot="10800000">
+            <a:off x="3240152" y="1380122"/>
+            <a:ext cx="370284" cy="97500"/>
+            <a:chOff x="1826375" y="1590661"/>
+            <a:chExt cx="370284" cy="97500"/>
+          </a:xfrm>
+        </p:grpSpPr>
+        <p:sp>
+          <p:nvSpPr>
+            <p:cNvPr id="38" name="Google Shape;284;p16">
+              <a:extLst>
+                <a:ext uri="{FF2B5EF4-FFF2-40B4-BE49-F238E27FC236}">
+                  <a16:creationId xmlns:a16="http://schemas.microsoft.com/office/drawing/2014/main" id="{CA85B294-9ACB-4E52-906B-D6B136F36312}"/>
+                </a:ext>
+              </a:extLst>
+            </p:cNvPr>
+            <p:cNvSpPr/>
+            <p:nvPr/>
+          </p:nvSpPr>
+          <p:spPr>
+            <a:xfrm>
+              <a:off x="2099159" y="1590661"/>
+              <a:ext cx="97500" cy="97500"/>
             </a:xfrm>
             <a:prstGeom prst="ellipse">
               <a:avLst/>
@@ -16437,14 +16600,20 @@
         </p:sp>
         <p:cxnSp>
           <p:nvCxnSpPr>
-            <p:cNvPr id="332" name="Google Shape;332;p17"/>
+            <p:cNvPr id="39" name="Google Shape;285;p16">
+              <a:extLst>
+                <a:ext uri="{FF2B5EF4-FFF2-40B4-BE49-F238E27FC236}">
+                  <a16:creationId xmlns:a16="http://schemas.microsoft.com/office/drawing/2014/main" id="{B7F62D7A-EBB5-40E3-B552-C4FF99885495}"/>
+                </a:ext>
+              </a:extLst>
+            </p:cNvPr>
             <p:cNvCxnSpPr/>
             <p:nvPr/>
           </p:nvCxnSpPr>
           <p:spPr>
-            <a:xfrm rot="10800000">
-              <a:off x="4700220" y="6108120"/>
-              <a:ext cx="403500" cy="0"/>
+            <a:xfrm>
+              <a:off x="1826375" y="1639321"/>
+              <a:ext cx="272700" cy="0"/>
             </a:xfrm>
             <a:prstGeom prst="straightConnector1">
               <a:avLst/>
@@ -16464,14 +16633,20 @@
       </p:grpSp>
       <p:sp>
         <p:nvSpPr>
-          <p:cNvPr id="333" name="Google Shape;333;p17"/>
+          <p:cNvPr id="40" name="Google Shape;303;p16">
+            <a:extLst>
+              <a:ext uri="{FF2B5EF4-FFF2-40B4-BE49-F238E27FC236}">
+                <a16:creationId xmlns:a16="http://schemas.microsoft.com/office/drawing/2014/main" id="{F72D26E2-0074-4CEB-AE83-D2C2E8F0C3B1}"/>
+              </a:ext>
+            </a:extLst>
+          </p:cNvPr>
           <p:cNvSpPr txBox="1"/>
           <p:nvPr/>
         </p:nvSpPr>
         <p:spPr>
           <a:xfrm>
-            <a:off x="2696373" y="5481013"/>
-            <a:ext cx="573900" cy="137100"/>
+            <a:off x="3306894" y="56989"/>
+            <a:ext cx="1470300" cy="320100"/>
           </a:xfrm>
           <a:prstGeom prst="rect">
             <a:avLst/>
@@ -16482,12 +16657,12 @@
           </a:ln>
         </p:spPr>
         <p:txBody>
-          <a:bodyPr spcFirstLastPara="1" wrap="square" lIns="90000" tIns="45000" rIns="90000" bIns="45000" anchor="t" anchorCtr="0">
+          <a:bodyPr spcFirstLastPara="1" wrap="square" lIns="91425" tIns="91425" rIns="91425" bIns="91425" anchor="t" anchorCtr="0">
             <a:noAutofit/>
           </a:bodyPr>
           <a:lstStyle/>
           <a:p>
-            <a:pPr marL="0" marR="0" lvl="0" indent="0" algn="l" rtl="0">
+            <a:pPr marL="0" lvl="0" indent="0" algn="l" rtl="0">
               <a:spcBef>
                 <a:spcPts val="0"/>
               </a:spcBef>
@@ -16497,69 +16672,4186 @@
               <a:buNone/>
             </a:pPr>
             <a:r>
-              <a:rPr lang="en" sz="600"/>
-              <a:t>Interface C</a:t>
+              <a:rPr lang="en" sz="2000" b="1" dirty="0"/>
+              <a:t>Controller</a:t>
             </a:r>
-            <a:endParaRPr sz="600" strike="noStrike"/>
+            <a:endParaRPr sz="2000" b="1" dirty="0"/>
           </a:p>
         </p:txBody>
       </p:sp>
       <p:sp>
         <p:nvSpPr>
-          <p:cNvPr id="334" name="Google Shape;334;p17"/>
+          <p:cNvPr id="41" name="Google Shape;280;p16">
+            <a:extLst>
+              <a:ext uri="{FF2B5EF4-FFF2-40B4-BE49-F238E27FC236}">
+                <a16:creationId xmlns:a16="http://schemas.microsoft.com/office/drawing/2014/main" id="{BD21EB8D-87FB-4365-89B7-97C88867EB18}"/>
+              </a:ext>
+            </a:extLst>
+          </p:cNvPr>
           <p:cNvSpPr/>
           <p:nvPr/>
         </p:nvSpPr>
         <p:spPr>
           <a:xfrm>
-            <a:off x="2795918" y="4992502"/>
-            <a:ext cx="250279" cy="411796"/>
-          </a:xfrm>
-          <a:custGeom>
+            <a:off x="3599665" y="5406639"/>
+            <a:ext cx="987300" cy="463599"/>
+          </a:xfrm>
+          <a:prstGeom prst="rect">
             <a:avLst/>
-            <a:gdLst/>
-            <a:ahLst/>
-            <a:cxnLst/>
-            <a:rect l="l" t="t" r="r" b="b"/>
-            <a:pathLst>
-              <a:path w="1579" h="2598" extrusionOk="0">
-                <a:moveTo>
-                  <a:pt x="1335" y="0"/>
-                </a:moveTo>
-                <a:lnTo>
-                  <a:pt x="0" y="0"/>
-                </a:lnTo>
-                <a:lnTo>
-                  <a:pt x="0" y="2597"/>
-                </a:lnTo>
-                <a:lnTo>
-                  <a:pt x="1578" y="2597"/>
-                </a:lnTo>
-              </a:path>
-            </a:pathLst>
-          </a:custGeom>
-          <a:noFill/>
+          </a:prstGeom>
+          <a:solidFill>
+            <a:srgbClr val="FFFFFF"/>
+          </a:solidFill>
           <a:ln w="19050" cap="flat" cmpd="sng">
             <a:solidFill>
               <a:srgbClr val="000000"/>
             </a:solidFill>
-            <a:prstDash val="dash"/>
+            <a:prstDash val="solid"/>
             <a:round/>
             <a:headEnd type="none" w="sm" len="sm"/>
             <a:tailEnd type="none" w="sm" len="sm"/>
           </a:ln>
         </p:spPr>
+        <p:txBody>
+          <a:bodyPr spcFirstLastPara="1" wrap="square" lIns="104400" tIns="59400" rIns="104400" bIns="59400" anchor="ctr" anchorCtr="0">
+            <a:noAutofit/>
+          </a:bodyPr>
+          <a:lstStyle/>
+          <a:p>
+            <a:pPr marL="0" marR="0" lvl="0" indent="0" algn="ctr" rtl="0">
+              <a:spcBef>
+                <a:spcPts val="0"/>
+              </a:spcBef>
+              <a:spcAft>
+                <a:spcPts val="0"/>
+              </a:spcAft>
+              <a:buNone/>
+            </a:pPr>
+            <a:r>
+              <a:rPr lang="en" sz="800" i="0" u="none" strike="noStrike" cap="none" dirty="0">
+                <a:solidFill>
+                  <a:srgbClr val="666666"/>
+                </a:solidFill>
+              </a:rPr>
+              <a:t>«component»</a:t>
+            </a:r>
+            <a:endParaRPr sz="800" i="0" u="none" strike="noStrike" cap="none" dirty="0"/>
+          </a:p>
+          <a:p>
+            <a:pPr marL="0" marR="0" lvl="0" indent="0" algn="ctr" rtl="0">
+              <a:spcBef>
+                <a:spcPts val="0"/>
+              </a:spcBef>
+              <a:spcAft>
+                <a:spcPts val="0"/>
+              </a:spcAft>
+              <a:buNone/>
+            </a:pPr>
+            <a:endParaRPr sz="100" i="0" u="none" strike="noStrike" cap="none" dirty="0"/>
+          </a:p>
+          <a:p>
+            <a:pPr marL="0" marR="0" lvl="0" indent="0" algn="ctr" rtl="0">
+              <a:spcBef>
+                <a:spcPts val="0"/>
+              </a:spcBef>
+              <a:spcAft>
+                <a:spcPts val="0"/>
+              </a:spcAft>
+              <a:buNone/>
+            </a:pPr>
+            <a:r>
+              <a:rPr lang="en" sz="1000" b="1" dirty="0"/>
+              <a:t>Pagamento</a:t>
+            </a:r>
+          </a:p>
+          <a:p>
+            <a:pPr marL="0" marR="0" lvl="0" indent="0" algn="ctr" rtl="0">
+              <a:spcBef>
+                <a:spcPts val="0"/>
+              </a:spcBef>
+              <a:spcAft>
+                <a:spcPts val="0"/>
+              </a:spcAft>
+              <a:buNone/>
+            </a:pPr>
+            <a:r>
+              <a:rPr lang="en" sz="1000" b="1" i="0" u="none" strike="noStrike" cap="none" dirty="0"/>
+              <a:t>Controller</a:t>
+            </a:r>
+            <a:endParaRPr sz="1000" i="0" u="none" strike="noStrike" cap="none" dirty="0"/>
+          </a:p>
+        </p:txBody>
       </p:sp>
+      <p:grpSp>
+        <p:nvGrpSpPr>
+          <p:cNvPr id="7" name="Group 6">
+            <a:extLst>
+              <a:ext uri="{FF2B5EF4-FFF2-40B4-BE49-F238E27FC236}">
+                <a16:creationId xmlns:a16="http://schemas.microsoft.com/office/drawing/2014/main" id="{C10B5E91-5B19-4CC4-9D94-69E7CBCEE1BE}"/>
+              </a:ext>
+            </a:extLst>
+          </p:cNvPr>
+          <p:cNvGrpSpPr/>
+          <p:nvPr/>
+        </p:nvGrpSpPr>
+        <p:grpSpPr>
+          <a:xfrm rot="10800000">
+            <a:off x="3300407" y="5469248"/>
+            <a:ext cx="307655" cy="99700"/>
+            <a:chOff x="4172431" y="6166431"/>
+            <a:chExt cx="307655" cy="99700"/>
+          </a:xfrm>
+        </p:grpSpPr>
+        <p:cxnSp>
+          <p:nvCxnSpPr>
+            <p:cNvPr id="42" name="Google Shape;281;p16">
+              <a:extLst>
+                <a:ext uri="{FF2B5EF4-FFF2-40B4-BE49-F238E27FC236}">
+                  <a16:creationId xmlns:a16="http://schemas.microsoft.com/office/drawing/2014/main" id="{ADA6ADB2-C85A-4DD5-96A6-1CEE59AEC2F6}"/>
+                </a:ext>
+              </a:extLst>
+            </p:cNvPr>
+            <p:cNvCxnSpPr/>
+            <p:nvPr/>
+          </p:nvCxnSpPr>
+          <p:spPr>
+            <a:xfrm>
+              <a:off x="4172431" y="6216202"/>
+              <a:ext cx="249300" cy="0"/>
+            </a:xfrm>
+            <a:prstGeom prst="straightConnector1">
+              <a:avLst/>
+            </a:prstGeom>
+            <a:noFill/>
+            <a:ln w="19050" cap="flat" cmpd="sng">
+              <a:solidFill>
+                <a:srgbClr val="000000"/>
+              </a:solidFill>
+              <a:prstDash val="solid"/>
+              <a:round/>
+              <a:headEnd type="none" w="sm" len="sm"/>
+              <a:tailEnd type="none" w="sm" len="sm"/>
+            </a:ln>
+          </p:spPr>
+        </p:cxnSp>
+        <p:sp>
+          <p:nvSpPr>
+            <p:cNvPr id="43" name="Google Shape;282;p16">
+              <a:extLst>
+                <a:ext uri="{FF2B5EF4-FFF2-40B4-BE49-F238E27FC236}">
+                  <a16:creationId xmlns:a16="http://schemas.microsoft.com/office/drawing/2014/main" id="{12484DDB-06BF-45DF-8F0B-78213B170524}"/>
+                </a:ext>
+              </a:extLst>
+            </p:cNvPr>
+            <p:cNvSpPr/>
+            <p:nvPr/>
+          </p:nvSpPr>
+          <p:spPr>
+            <a:xfrm>
+              <a:off x="4428889" y="6166431"/>
+              <a:ext cx="51197" cy="99700"/>
+            </a:xfrm>
+            <a:custGeom>
+              <a:avLst/>
+              <a:gdLst/>
+              <a:ahLst/>
+              <a:cxnLst/>
+              <a:rect l="l" t="t" r="r" b="b"/>
+              <a:pathLst>
+                <a:path w="323" h="629" extrusionOk="0">
+                  <a:moveTo>
+                    <a:pt x="320" y="0"/>
+                  </a:moveTo>
+                  <a:lnTo>
+                    <a:pt x="319" y="1"/>
+                  </a:lnTo>
+                  <a:cubicBezTo>
+                    <a:pt x="319" y="1"/>
+                    <a:pt x="318" y="1"/>
+                    <a:pt x="318" y="2"/>
+                  </a:cubicBezTo>
+                  <a:cubicBezTo>
+                    <a:pt x="317" y="3"/>
+                    <a:pt x="317" y="3"/>
+                    <a:pt x="317" y="4"/>
+                  </a:cubicBezTo>
+                  <a:lnTo>
+                    <a:pt x="317" y="7"/>
+                  </a:lnTo>
+                  <a:cubicBezTo>
+                    <a:pt x="316" y="7"/>
+                    <a:pt x="315" y="7"/>
+                    <a:pt x="314" y="7"/>
+                  </a:cubicBezTo>
+                  <a:cubicBezTo>
+                    <a:pt x="271" y="7"/>
+                    <a:pt x="230" y="15"/>
+                    <a:pt x="192" y="30"/>
+                  </a:cubicBezTo>
+                  <a:cubicBezTo>
+                    <a:pt x="156" y="45"/>
+                    <a:pt x="123" y="68"/>
+                    <a:pt x="95" y="95"/>
+                  </a:cubicBezTo>
+                  <a:cubicBezTo>
+                    <a:pt x="68" y="123"/>
+                    <a:pt x="45" y="156"/>
+                    <a:pt x="30" y="192"/>
+                  </a:cubicBezTo>
+                  <a:cubicBezTo>
+                    <a:pt x="15" y="230"/>
+                    <a:pt x="7" y="271"/>
+                    <a:pt x="7" y="314"/>
+                  </a:cubicBezTo>
+                  <a:cubicBezTo>
+                    <a:pt x="7" y="357"/>
+                    <a:pt x="15" y="398"/>
+                    <a:pt x="30" y="436"/>
+                  </a:cubicBezTo>
+                  <a:cubicBezTo>
+                    <a:pt x="45" y="473"/>
+                    <a:pt x="68" y="506"/>
+                    <a:pt x="95" y="533"/>
+                  </a:cubicBezTo>
+                  <a:cubicBezTo>
+                    <a:pt x="123" y="560"/>
+                    <a:pt x="156" y="583"/>
+                    <a:pt x="192" y="598"/>
+                  </a:cubicBezTo>
+                  <a:cubicBezTo>
+                    <a:pt x="230" y="613"/>
+                    <a:pt x="271" y="622"/>
+                    <a:pt x="314" y="622"/>
+                  </a:cubicBezTo>
+                  <a:cubicBezTo>
+                    <a:pt x="315" y="622"/>
+                    <a:pt x="316" y="622"/>
+                    <a:pt x="317" y="622"/>
+                  </a:cubicBezTo>
+                  <a:lnTo>
+                    <a:pt x="317" y="628"/>
+                  </a:lnTo>
+                  <a:cubicBezTo>
+                    <a:pt x="316" y="628"/>
+                    <a:pt x="315" y="628"/>
+                    <a:pt x="314" y="628"/>
+                  </a:cubicBezTo>
+                  <a:cubicBezTo>
+                    <a:pt x="270" y="628"/>
+                    <a:pt x="228" y="620"/>
+                    <a:pt x="190" y="604"/>
+                  </a:cubicBezTo>
+                  <a:cubicBezTo>
+                    <a:pt x="152" y="589"/>
+                    <a:pt x="118" y="566"/>
+                    <a:pt x="90" y="538"/>
+                  </a:cubicBezTo>
+                  <a:cubicBezTo>
+                    <a:pt x="62" y="510"/>
+                    <a:pt x="39" y="476"/>
+                    <a:pt x="24" y="438"/>
+                  </a:cubicBezTo>
+                  <a:cubicBezTo>
+                    <a:pt x="9" y="400"/>
+                    <a:pt x="0" y="358"/>
+                    <a:pt x="0" y="314"/>
+                  </a:cubicBezTo>
+                  <a:cubicBezTo>
+                    <a:pt x="0" y="270"/>
+                    <a:pt x="9" y="228"/>
+                    <a:pt x="24" y="190"/>
+                  </a:cubicBezTo>
+                  <a:cubicBezTo>
+                    <a:pt x="39" y="152"/>
+                    <a:pt x="62" y="118"/>
+                    <a:pt x="90" y="90"/>
+                  </a:cubicBezTo>
+                  <a:cubicBezTo>
+                    <a:pt x="118" y="62"/>
+                    <a:pt x="152" y="39"/>
+                    <a:pt x="190" y="24"/>
+                  </a:cubicBezTo>
+                  <a:cubicBezTo>
+                    <a:pt x="228" y="9"/>
+                    <a:pt x="270" y="0"/>
+                    <a:pt x="314" y="0"/>
+                  </a:cubicBezTo>
+                  <a:cubicBezTo>
+                    <a:pt x="316" y="0"/>
+                    <a:pt x="319" y="0"/>
+                    <a:pt x="322" y="0"/>
+                  </a:cubicBezTo>
+                  <a:lnTo>
+                    <a:pt x="320" y="0"/>
+                  </a:lnTo>
+                </a:path>
+              </a:pathLst>
+            </a:custGeom>
+            <a:solidFill>
+              <a:srgbClr val="000000"/>
+            </a:solidFill>
+            <a:ln w="19050" cap="flat" cmpd="sng">
+              <a:solidFill>
+                <a:srgbClr val="000000"/>
+              </a:solidFill>
+              <a:prstDash val="solid"/>
+              <a:round/>
+              <a:headEnd type="none" w="sm" len="sm"/>
+              <a:tailEnd type="none" w="sm" len="sm"/>
+            </a:ln>
+          </p:spPr>
+          <p:txBody>
+            <a:bodyPr spcFirstLastPara="1" wrap="square" lIns="91425" tIns="91425" rIns="91425" bIns="91425" anchor="ctr" anchorCtr="0">
+              <a:noAutofit/>
+            </a:bodyPr>
+            <a:lstStyle/>
+            <a:p>
+              <a:pPr marL="0" lvl="0" indent="0" algn="l" rtl="0">
+                <a:spcBef>
+                  <a:spcPts val="0"/>
+                </a:spcBef>
+                <a:spcAft>
+                  <a:spcPts val="0"/>
+                </a:spcAft>
+                <a:buNone/>
+              </a:pPr>
+              <a:endParaRPr/>
+            </a:p>
+          </p:txBody>
+        </p:sp>
+      </p:grpSp>
+      <p:grpSp>
+        <p:nvGrpSpPr>
+          <p:cNvPr id="6" name="Group 5">
+            <a:extLst>
+              <a:ext uri="{FF2B5EF4-FFF2-40B4-BE49-F238E27FC236}">
+                <a16:creationId xmlns:a16="http://schemas.microsoft.com/office/drawing/2014/main" id="{C8C278FD-ACC6-417E-B20D-00E151F19E1C}"/>
+              </a:ext>
+            </a:extLst>
+          </p:cNvPr>
+          <p:cNvGrpSpPr/>
+          <p:nvPr/>
+        </p:nvGrpSpPr>
+        <p:grpSpPr>
+          <a:xfrm rot="10800000">
+            <a:off x="3235220" y="5712431"/>
+            <a:ext cx="370284" cy="97500"/>
+            <a:chOff x="4172431" y="5894438"/>
+            <a:chExt cx="370284" cy="97500"/>
+          </a:xfrm>
+        </p:grpSpPr>
+        <p:sp>
+          <p:nvSpPr>
+            <p:cNvPr id="44" name="Google Shape;284;p16">
+              <a:extLst>
+                <a:ext uri="{FF2B5EF4-FFF2-40B4-BE49-F238E27FC236}">
+                  <a16:creationId xmlns:a16="http://schemas.microsoft.com/office/drawing/2014/main" id="{01D85149-595E-4C38-8E3F-0C42238C90C9}"/>
+                </a:ext>
+              </a:extLst>
+            </p:cNvPr>
+            <p:cNvSpPr/>
+            <p:nvPr/>
+          </p:nvSpPr>
+          <p:spPr>
+            <a:xfrm>
+              <a:off x="4445215" y="5894438"/>
+              <a:ext cx="97500" cy="97500"/>
+            </a:xfrm>
+            <a:prstGeom prst="ellipse">
+              <a:avLst/>
+            </a:prstGeom>
+            <a:solidFill>
+              <a:srgbClr val="FFFFFF"/>
+            </a:solidFill>
+            <a:ln w="19050" cap="flat" cmpd="sng">
+              <a:solidFill>
+                <a:srgbClr val="000000"/>
+              </a:solidFill>
+              <a:prstDash val="solid"/>
+              <a:round/>
+              <a:headEnd type="none" w="sm" len="sm"/>
+              <a:tailEnd type="none" w="sm" len="sm"/>
+            </a:ln>
+          </p:spPr>
+          <p:txBody>
+            <a:bodyPr spcFirstLastPara="1" wrap="square" lIns="91425" tIns="91425" rIns="91425" bIns="91425" anchor="ctr" anchorCtr="0">
+              <a:noAutofit/>
+            </a:bodyPr>
+            <a:lstStyle/>
+            <a:p>
+              <a:pPr marL="0" lvl="0" indent="0" algn="l" rtl="0">
+                <a:spcBef>
+                  <a:spcPts val="0"/>
+                </a:spcBef>
+                <a:spcAft>
+                  <a:spcPts val="0"/>
+                </a:spcAft>
+                <a:buNone/>
+              </a:pPr>
+              <a:endParaRPr/>
+            </a:p>
+          </p:txBody>
+        </p:sp>
+        <p:cxnSp>
+          <p:nvCxnSpPr>
+            <p:cNvPr id="45" name="Google Shape;285;p16">
+              <a:extLst>
+                <a:ext uri="{FF2B5EF4-FFF2-40B4-BE49-F238E27FC236}">
+                  <a16:creationId xmlns:a16="http://schemas.microsoft.com/office/drawing/2014/main" id="{1BF84A73-EAD4-4B87-BFF1-447BCAA721CE}"/>
+                </a:ext>
+              </a:extLst>
+            </p:cNvPr>
+            <p:cNvCxnSpPr/>
+            <p:nvPr/>
+          </p:nvCxnSpPr>
+          <p:spPr>
+            <a:xfrm>
+              <a:off x="4172431" y="5943098"/>
+              <a:ext cx="272700" cy="0"/>
+            </a:xfrm>
+            <a:prstGeom prst="straightConnector1">
+              <a:avLst/>
+            </a:prstGeom>
+            <a:noFill/>
+            <a:ln w="19050" cap="flat" cmpd="sng">
+              <a:solidFill>
+                <a:srgbClr val="000000"/>
+              </a:solidFill>
+              <a:prstDash val="solid"/>
+              <a:round/>
+              <a:headEnd type="none" w="sm" len="sm"/>
+              <a:tailEnd type="none" w="sm" len="sm"/>
+            </a:ln>
+          </p:spPr>
+        </p:cxnSp>
+      </p:grpSp>
       <p:sp>
         <p:nvSpPr>
-          <p:cNvPr id="335" name="Google Shape;335;p17"/>
+          <p:cNvPr id="46" name="Google Shape;280;p16">
+            <a:extLst>
+              <a:ext uri="{FF2B5EF4-FFF2-40B4-BE49-F238E27FC236}">
+                <a16:creationId xmlns:a16="http://schemas.microsoft.com/office/drawing/2014/main" id="{14BAFE1E-73A5-4DCF-AB74-902E2F4801DC}"/>
+              </a:ext>
+            </a:extLst>
+          </p:cNvPr>
+          <p:cNvSpPr/>
+          <p:nvPr/>
+        </p:nvSpPr>
+        <p:spPr>
+          <a:xfrm>
+            <a:off x="3599665" y="3860250"/>
+            <a:ext cx="987300" cy="463599"/>
+          </a:xfrm>
+          <a:prstGeom prst="rect">
+            <a:avLst/>
+          </a:prstGeom>
+          <a:solidFill>
+            <a:srgbClr val="FFFFFF"/>
+          </a:solidFill>
+          <a:ln w="19050" cap="flat" cmpd="sng">
+            <a:solidFill>
+              <a:srgbClr val="000000"/>
+            </a:solidFill>
+            <a:prstDash val="solid"/>
+            <a:round/>
+            <a:headEnd type="none" w="sm" len="sm"/>
+            <a:tailEnd type="none" w="sm" len="sm"/>
+          </a:ln>
+        </p:spPr>
+        <p:txBody>
+          <a:bodyPr spcFirstLastPara="1" wrap="square" lIns="104400" tIns="59400" rIns="104400" bIns="59400" anchor="ctr" anchorCtr="0">
+            <a:noAutofit/>
+          </a:bodyPr>
+          <a:lstStyle/>
+          <a:p>
+            <a:pPr marL="0" marR="0" lvl="0" indent="0" algn="ctr" rtl="0">
+              <a:spcBef>
+                <a:spcPts val="0"/>
+              </a:spcBef>
+              <a:spcAft>
+                <a:spcPts val="0"/>
+              </a:spcAft>
+              <a:buNone/>
+            </a:pPr>
+            <a:r>
+              <a:rPr lang="en" sz="800" i="0" u="none" strike="noStrike" cap="none" dirty="0">
+                <a:solidFill>
+                  <a:srgbClr val="666666"/>
+                </a:solidFill>
+              </a:rPr>
+              <a:t>«component»</a:t>
+            </a:r>
+            <a:endParaRPr sz="800" i="0" u="none" strike="noStrike" cap="none" dirty="0"/>
+          </a:p>
+          <a:p>
+            <a:pPr marL="0" marR="0" lvl="0" indent="0" algn="ctr" rtl="0">
+              <a:spcBef>
+                <a:spcPts val="0"/>
+              </a:spcBef>
+              <a:spcAft>
+                <a:spcPts val="0"/>
+              </a:spcAft>
+              <a:buNone/>
+            </a:pPr>
+            <a:endParaRPr sz="100" i="0" u="none" strike="noStrike" cap="none" dirty="0"/>
+          </a:p>
+          <a:p>
+            <a:pPr marL="0" marR="0" lvl="0" indent="0" algn="ctr" rtl="0">
+              <a:spcBef>
+                <a:spcPts val="0"/>
+              </a:spcBef>
+              <a:spcAft>
+                <a:spcPts val="0"/>
+              </a:spcAft>
+              <a:buNone/>
+            </a:pPr>
+            <a:r>
+              <a:rPr lang="en" sz="1000" b="1" dirty="0"/>
+              <a:t>Pedido</a:t>
+            </a:r>
+          </a:p>
+          <a:p>
+            <a:pPr marL="0" marR="0" lvl="0" indent="0" algn="ctr" rtl="0">
+              <a:spcBef>
+                <a:spcPts val="0"/>
+              </a:spcBef>
+              <a:spcAft>
+                <a:spcPts val="0"/>
+              </a:spcAft>
+              <a:buNone/>
+            </a:pPr>
+            <a:r>
+              <a:rPr lang="en" sz="1000" b="1" i="0" u="none" strike="noStrike" cap="none" dirty="0"/>
+              <a:t>Controller</a:t>
+            </a:r>
+            <a:endParaRPr sz="1000" i="0" u="none" strike="noStrike" cap="none" dirty="0"/>
+          </a:p>
+        </p:txBody>
+      </p:sp>
+      <p:grpSp>
+        <p:nvGrpSpPr>
+          <p:cNvPr id="5" name="Group 4">
+            <a:extLst>
+              <a:ext uri="{FF2B5EF4-FFF2-40B4-BE49-F238E27FC236}">
+                <a16:creationId xmlns:a16="http://schemas.microsoft.com/office/drawing/2014/main" id="{CEEDCAA5-4085-4B5E-A448-D0331BDBA055}"/>
+              </a:ext>
+            </a:extLst>
+          </p:cNvPr>
+          <p:cNvGrpSpPr/>
+          <p:nvPr/>
+        </p:nvGrpSpPr>
+        <p:grpSpPr>
+          <a:xfrm rot="10800000">
+            <a:off x="3295215" y="3943831"/>
+            <a:ext cx="307655" cy="99700"/>
+            <a:chOff x="4172431" y="4530637"/>
+            <a:chExt cx="307655" cy="99700"/>
+          </a:xfrm>
+        </p:grpSpPr>
+        <p:cxnSp>
+          <p:nvCxnSpPr>
+            <p:cNvPr id="47" name="Google Shape;281;p16">
+              <a:extLst>
+                <a:ext uri="{FF2B5EF4-FFF2-40B4-BE49-F238E27FC236}">
+                  <a16:creationId xmlns:a16="http://schemas.microsoft.com/office/drawing/2014/main" id="{2C723236-0B02-435C-932E-4ED70B8BEC40}"/>
+                </a:ext>
+              </a:extLst>
+            </p:cNvPr>
+            <p:cNvCxnSpPr/>
+            <p:nvPr/>
+          </p:nvCxnSpPr>
+          <p:spPr>
+            <a:xfrm>
+              <a:off x="4172431" y="4580408"/>
+              <a:ext cx="249300" cy="0"/>
+            </a:xfrm>
+            <a:prstGeom prst="straightConnector1">
+              <a:avLst/>
+            </a:prstGeom>
+            <a:noFill/>
+            <a:ln w="19050" cap="flat" cmpd="sng">
+              <a:solidFill>
+                <a:srgbClr val="000000"/>
+              </a:solidFill>
+              <a:prstDash val="solid"/>
+              <a:round/>
+              <a:headEnd type="none" w="sm" len="sm"/>
+              <a:tailEnd type="none" w="sm" len="sm"/>
+            </a:ln>
+          </p:spPr>
+        </p:cxnSp>
+        <p:sp>
+          <p:nvSpPr>
+            <p:cNvPr id="48" name="Google Shape;282;p16">
+              <a:extLst>
+                <a:ext uri="{FF2B5EF4-FFF2-40B4-BE49-F238E27FC236}">
+                  <a16:creationId xmlns:a16="http://schemas.microsoft.com/office/drawing/2014/main" id="{78335462-0B80-4406-8204-67D853F4578C}"/>
+                </a:ext>
+              </a:extLst>
+            </p:cNvPr>
+            <p:cNvSpPr/>
+            <p:nvPr/>
+          </p:nvSpPr>
+          <p:spPr>
+            <a:xfrm>
+              <a:off x="4428889" y="4530637"/>
+              <a:ext cx="51197" cy="99700"/>
+            </a:xfrm>
+            <a:custGeom>
+              <a:avLst/>
+              <a:gdLst/>
+              <a:ahLst/>
+              <a:cxnLst/>
+              <a:rect l="l" t="t" r="r" b="b"/>
+              <a:pathLst>
+                <a:path w="323" h="629" extrusionOk="0">
+                  <a:moveTo>
+                    <a:pt x="320" y="0"/>
+                  </a:moveTo>
+                  <a:lnTo>
+                    <a:pt x="319" y="1"/>
+                  </a:lnTo>
+                  <a:cubicBezTo>
+                    <a:pt x="319" y="1"/>
+                    <a:pt x="318" y="1"/>
+                    <a:pt x="318" y="2"/>
+                  </a:cubicBezTo>
+                  <a:cubicBezTo>
+                    <a:pt x="317" y="3"/>
+                    <a:pt x="317" y="3"/>
+                    <a:pt x="317" y="4"/>
+                  </a:cubicBezTo>
+                  <a:lnTo>
+                    <a:pt x="317" y="7"/>
+                  </a:lnTo>
+                  <a:cubicBezTo>
+                    <a:pt x="316" y="7"/>
+                    <a:pt x="315" y="7"/>
+                    <a:pt x="314" y="7"/>
+                  </a:cubicBezTo>
+                  <a:cubicBezTo>
+                    <a:pt x="271" y="7"/>
+                    <a:pt x="230" y="15"/>
+                    <a:pt x="192" y="30"/>
+                  </a:cubicBezTo>
+                  <a:cubicBezTo>
+                    <a:pt x="156" y="45"/>
+                    <a:pt x="123" y="68"/>
+                    <a:pt x="95" y="95"/>
+                  </a:cubicBezTo>
+                  <a:cubicBezTo>
+                    <a:pt x="68" y="123"/>
+                    <a:pt x="45" y="156"/>
+                    <a:pt x="30" y="192"/>
+                  </a:cubicBezTo>
+                  <a:cubicBezTo>
+                    <a:pt x="15" y="230"/>
+                    <a:pt x="7" y="271"/>
+                    <a:pt x="7" y="314"/>
+                  </a:cubicBezTo>
+                  <a:cubicBezTo>
+                    <a:pt x="7" y="357"/>
+                    <a:pt x="15" y="398"/>
+                    <a:pt x="30" y="436"/>
+                  </a:cubicBezTo>
+                  <a:cubicBezTo>
+                    <a:pt x="45" y="473"/>
+                    <a:pt x="68" y="506"/>
+                    <a:pt x="95" y="533"/>
+                  </a:cubicBezTo>
+                  <a:cubicBezTo>
+                    <a:pt x="123" y="560"/>
+                    <a:pt x="156" y="583"/>
+                    <a:pt x="192" y="598"/>
+                  </a:cubicBezTo>
+                  <a:cubicBezTo>
+                    <a:pt x="230" y="613"/>
+                    <a:pt x="271" y="622"/>
+                    <a:pt x="314" y="622"/>
+                  </a:cubicBezTo>
+                  <a:cubicBezTo>
+                    <a:pt x="315" y="622"/>
+                    <a:pt x="316" y="622"/>
+                    <a:pt x="317" y="622"/>
+                  </a:cubicBezTo>
+                  <a:lnTo>
+                    <a:pt x="317" y="628"/>
+                  </a:lnTo>
+                  <a:cubicBezTo>
+                    <a:pt x="316" y="628"/>
+                    <a:pt x="315" y="628"/>
+                    <a:pt x="314" y="628"/>
+                  </a:cubicBezTo>
+                  <a:cubicBezTo>
+                    <a:pt x="270" y="628"/>
+                    <a:pt x="228" y="620"/>
+                    <a:pt x="190" y="604"/>
+                  </a:cubicBezTo>
+                  <a:cubicBezTo>
+                    <a:pt x="152" y="589"/>
+                    <a:pt x="118" y="566"/>
+                    <a:pt x="90" y="538"/>
+                  </a:cubicBezTo>
+                  <a:cubicBezTo>
+                    <a:pt x="62" y="510"/>
+                    <a:pt x="39" y="476"/>
+                    <a:pt x="24" y="438"/>
+                  </a:cubicBezTo>
+                  <a:cubicBezTo>
+                    <a:pt x="9" y="400"/>
+                    <a:pt x="0" y="358"/>
+                    <a:pt x="0" y="314"/>
+                  </a:cubicBezTo>
+                  <a:cubicBezTo>
+                    <a:pt x="0" y="270"/>
+                    <a:pt x="9" y="228"/>
+                    <a:pt x="24" y="190"/>
+                  </a:cubicBezTo>
+                  <a:cubicBezTo>
+                    <a:pt x="39" y="152"/>
+                    <a:pt x="62" y="118"/>
+                    <a:pt x="90" y="90"/>
+                  </a:cubicBezTo>
+                  <a:cubicBezTo>
+                    <a:pt x="118" y="62"/>
+                    <a:pt x="152" y="39"/>
+                    <a:pt x="190" y="24"/>
+                  </a:cubicBezTo>
+                  <a:cubicBezTo>
+                    <a:pt x="228" y="9"/>
+                    <a:pt x="270" y="0"/>
+                    <a:pt x="314" y="0"/>
+                  </a:cubicBezTo>
+                  <a:cubicBezTo>
+                    <a:pt x="316" y="0"/>
+                    <a:pt x="319" y="0"/>
+                    <a:pt x="322" y="0"/>
+                  </a:cubicBezTo>
+                  <a:lnTo>
+                    <a:pt x="320" y="0"/>
+                  </a:lnTo>
+                </a:path>
+              </a:pathLst>
+            </a:custGeom>
+            <a:solidFill>
+              <a:srgbClr val="000000"/>
+            </a:solidFill>
+            <a:ln w="19050" cap="flat" cmpd="sng">
+              <a:solidFill>
+                <a:srgbClr val="000000"/>
+              </a:solidFill>
+              <a:prstDash val="solid"/>
+              <a:round/>
+              <a:headEnd type="none" w="sm" len="sm"/>
+              <a:tailEnd type="none" w="sm" len="sm"/>
+            </a:ln>
+          </p:spPr>
+          <p:txBody>
+            <a:bodyPr spcFirstLastPara="1" wrap="square" lIns="91425" tIns="91425" rIns="91425" bIns="91425" anchor="ctr" anchorCtr="0">
+              <a:noAutofit/>
+            </a:bodyPr>
+            <a:lstStyle/>
+            <a:p>
+              <a:pPr marL="0" lvl="0" indent="0" algn="l" rtl="0">
+                <a:spcBef>
+                  <a:spcPts val="0"/>
+                </a:spcBef>
+                <a:spcAft>
+                  <a:spcPts val="0"/>
+                </a:spcAft>
+                <a:buNone/>
+              </a:pPr>
+              <a:endParaRPr/>
+            </a:p>
+          </p:txBody>
+        </p:sp>
+      </p:grpSp>
+      <p:grpSp>
+        <p:nvGrpSpPr>
+          <p:cNvPr id="4" name="Group 3">
+            <a:extLst>
+              <a:ext uri="{FF2B5EF4-FFF2-40B4-BE49-F238E27FC236}">
+                <a16:creationId xmlns:a16="http://schemas.microsoft.com/office/drawing/2014/main" id="{AFE5DCA4-9993-4538-9318-3E47C17F04AD}"/>
+              </a:ext>
+            </a:extLst>
+          </p:cNvPr>
+          <p:cNvGrpSpPr/>
+          <p:nvPr/>
+        </p:nvGrpSpPr>
+        <p:grpSpPr>
+          <a:xfrm rot="10800000">
+            <a:off x="3236572" y="4172885"/>
+            <a:ext cx="370284" cy="97500"/>
+            <a:chOff x="4172431" y="4258644"/>
+            <a:chExt cx="370284" cy="97500"/>
+          </a:xfrm>
+        </p:grpSpPr>
+        <p:sp>
+          <p:nvSpPr>
+            <p:cNvPr id="49" name="Google Shape;284;p16">
+              <a:extLst>
+                <a:ext uri="{FF2B5EF4-FFF2-40B4-BE49-F238E27FC236}">
+                  <a16:creationId xmlns:a16="http://schemas.microsoft.com/office/drawing/2014/main" id="{54508055-87AF-4D31-963E-CBFDC7E93D99}"/>
+                </a:ext>
+              </a:extLst>
+            </p:cNvPr>
+            <p:cNvSpPr/>
+            <p:nvPr/>
+          </p:nvSpPr>
+          <p:spPr>
+            <a:xfrm>
+              <a:off x="4445215" y="4258644"/>
+              <a:ext cx="97500" cy="97500"/>
+            </a:xfrm>
+            <a:prstGeom prst="ellipse">
+              <a:avLst/>
+            </a:prstGeom>
+            <a:solidFill>
+              <a:srgbClr val="FFFFFF"/>
+            </a:solidFill>
+            <a:ln w="19050" cap="flat" cmpd="sng">
+              <a:solidFill>
+                <a:srgbClr val="000000"/>
+              </a:solidFill>
+              <a:prstDash val="solid"/>
+              <a:round/>
+              <a:headEnd type="none" w="sm" len="sm"/>
+              <a:tailEnd type="none" w="sm" len="sm"/>
+            </a:ln>
+          </p:spPr>
+          <p:txBody>
+            <a:bodyPr spcFirstLastPara="1" wrap="square" lIns="91425" tIns="91425" rIns="91425" bIns="91425" anchor="ctr" anchorCtr="0">
+              <a:noAutofit/>
+            </a:bodyPr>
+            <a:lstStyle/>
+            <a:p>
+              <a:pPr marL="0" lvl="0" indent="0" algn="l" rtl="0">
+                <a:spcBef>
+                  <a:spcPts val="0"/>
+                </a:spcBef>
+                <a:spcAft>
+                  <a:spcPts val="0"/>
+                </a:spcAft>
+                <a:buNone/>
+              </a:pPr>
+              <a:endParaRPr/>
+            </a:p>
+          </p:txBody>
+        </p:sp>
+        <p:cxnSp>
+          <p:nvCxnSpPr>
+            <p:cNvPr id="50" name="Google Shape;285;p16">
+              <a:extLst>
+                <a:ext uri="{FF2B5EF4-FFF2-40B4-BE49-F238E27FC236}">
+                  <a16:creationId xmlns:a16="http://schemas.microsoft.com/office/drawing/2014/main" id="{93A1EA16-6FF8-441D-9C9D-1A0F449C3313}"/>
+                </a:ext>
+              </a:extLst>
+            </p:cNvPr>
+            <p:cNvCxnSpPr/>
+            <p:nvPr/>
+          </p:nvCxnSpPr>
+          <p:spPr>
+            <a:xfrm>
+              <a:off x="4172431" y="4307304"/>
+              <a:ext cx="272700" cy="0"/>
+            </a:xfrm>
+            <a:prstGeom prst="straightConnector1">
+              <a:avLst/>
+            </a:prstGeom>
+            <a:noFill/>
+            <a:ln w="19050" cap="flat" cmpd="sng">
+              <a:solidFill>
+                <a:srgbClr val="000000"/>
+              </a:solidFill>
+              <a:prstDash val="solid"/>
+              <a:round/>
+              <a:headEnd type="none" w="sm" len="sm"/>
+              <a:tailEnd type="none" w="sm" len="sm"/>
+            </a:ln>
+          </p:spPr>
+        </p:cxnSp>
+      </p:grpSp>
+      <p:sp>
+        <p:nvSpPr>
+          <p:cNvPr id="51" name="Google Shape;280;p16">
+            <a:extLst>
+              <a:ext uri="{FF2B5EF4-FFF2-40B4-BE49-F238E27FC236}">
+                <a16:creationId xmlns:a16="http://schemas.microsoft.com/office/drawing/2014/main" id="{5C0C9515-2442-41AA-9AD7-11DDAC0977E3}"/>
+              </a:ext>
+            </a:extLst>
+          </p:cNvPr>
+          <p:cNvSpPr/>
+          <p:nvPr/>
+        </p:nvSpPr>
+        <p:spPr>
+          <a:xfrm>
+            <a:off x="3610436" y="2506185"/>
+            <a:ext cx="987300" cy="463599"/>
+          </a:xfrm>
+          <a:prstGeom prst="rect">
+            <a:avLst/>
+          </a:prstGeom>
+          <a:solidFill>
+            <a:srgbClr val="FFFFFF"/>
+          </a:solidFill>
+          <a:ln w="19050" cap="flat" cmpd="sng">
+            <a:solidFill>
+              <a:srgbClr val="000000"/>
+            </a:solidFill>
+            <a:prstDash val="solid"/>
+            <a:round/>
+            <a:headEnd type="none" w="sm" len="sm"/>
+            <a:tailEnd type="none" w="sm" len="sm"/>
+          </a:ln>
+        </p:spPr>
+        <p:txBody>
+          <a:bodyPr spcFirstLastPara="1" wrap="square" lIns="104400" tIns="59400" rIns="104400" bIns="59400" anchor="ctr" anchorCtr="0">
+            <a:noAutofit/>
+          </a:bodyPr>
+          <a:lstStyle/>
+          <a:p>
+            <a:pPr marL="0" marR="0" lvl="0" indent="0" algn="ctr" rtl="0">
+              <a:spcBef>
+                <a:spcPts val="0"/>
+              </a:spcBef>
+              <a:spcAft>
+                <a:spcPts val="0"/>
+              </a:spcAft>
+              <a:buNone/>
+            </a:pPr>
+            <a:r>
+              <a:rPr lang="en" sz="800" i="0" u="none" strike="noStrike" cap="none" dirty="0">
+                <a:solidFill>
+                  <a:srgbClr val="666666"/>
+                </a:solidFill>
+              </a:rPr>
+              <a:t>«component»</a:t>
+            </a:r>
+            <a:endParaRPr sz="800" i="0" u="none" strike="noStrike" cap="none" dirty="0"/>
+          </a:p>
+          <a:p>
+            <a:pPr marL="0" marR="0" lvl="0" indent="0" algn="ctr" rtl="0">
+              <a:spcBef>
+                <a:spcPts val="0"/>
+              </a:spcBef>
+              <a:spcAft>
+                <a:spcPts val="0"/>
+              </a:spcAft>
+              <a:buNone/>
+            </a:pPr>
+            <a:endParaRPr sz="100" i="0" u="none" strike="noStrike" cap="none" dirty="0"/>
+          </a:p>
+          <a:p>
+            <a:pPr marL="0" marR="0" lvl="0" indent="0" algn="ctr" rtl="0">
+              <a:spcBef>
+                <a:spcPts val="0"/>
+              </a:spcBef>
+              <a:spcAft>
+                <a:spcPts val="0"/>
+              </a:spcAft>
+              <a:buNone/>
+            </a:pPr>
+            <a:r>
+              <a:rPr lang="en" sz="1000" b="1" dirty="0"/>
+              <a:t>Produto</a:t>
+            </a:r>
+          </a:p>
+          <a:p>
+            <a:pPr marL="0" marR="0" lvl="0" indent="0" algn="ctr" rtl="0">
+              <a:spcBef>
+                <a:spcPts val="0"/>
+              </a:spcBef>
+              <a:spcAft>
+                <a:spcPts val="0"/>
+              </a:spcAft>
+              <a:buNone/>
+            </a:pPr>
+            <a:r>
+              <a:rPr lang="en" sz="1000" b="1" i="0" u="none" strike="noStrike" cap="none" dirty="0"/>
+              <a:t>Controller</a:t>
+            </a:r>
+            <a:endParaRPr sz="1000" i="0" u="none" strike="noStrike" cap="none" dirty="0"/>
+          </a:p>
+        </p:txBody>
+      </p:sp>
+      <p:grpSp>
+        <p:nvGrpSpPr>
+          <p:cNvPr id="52" name="Group 51">
+            <a:extLst>
+              <a:ext uri="{FF2B5EF4-FFF2-40B4-BE49-F238E27FC236}">
+                <a16:creationId xmlns:a16="http://schemas.microsoft.com/office/drawing/2014/main" id="{031F0877-C065-41A2-9C17-BE75CE7AB404}"/>
+              </a:ext>
+            </a:extLst>
+          </p:cNvPr>
+          <p:cNvGrpSpPr/>
+          <p:nvPr/>
+        </p:nvGrpSpPr>
+        <p:grpSpPr>
+          <a:xfrm rot="10800000">
+            <a:off x="3309456" y="2575236"/>
+            <a:ext cx="307655" cy="99700"/>
+            <a:chOff x="1644661" y="3126860"/>
+            <a:chExt cx="307655" cy="99700"/>
+          </a:xfrm>
+        </p:grpSpPr>
+        <p:cxnSp>
+          <p:nvCxnSpPr>
+            <p:cNvPr id="53" name="Google Shape;281;p16">
+              <a:extLst>
+                <a:ext uri="{FF2B5EF4-FFF2-40B4-BE49-F238E27FC236}">
+                  <a16:creationId xmlns:a16="http://schemas.microsoft.com/office/drawing/2014/main" id="{63799793-6425-44ED-B337-8F59915133C5}"/>
+                </a:ext>
+              </a:extLst>
+            </p:cNvPr>
+            <p:cNvCxnSpPr/>
+            <p:nvPr/>
+          </p:nvCxnSpPr>
+          <p:spPr>
+            <a:xfrm>
+              <a:off x="1644661" y="3176631"/>
+              <a:ext cx="249300" cy="0"/>
+            </a:xfrm>
+            <a:prstGeom prst="straightConnector1">
+              <a:avLst/>
+            </a:prstGeom>
+            <a:noFill/>
+            <a:ln w="19050" cap="flat" cmpd="sng">
+              <a:solidFill>
+                <a:srgbClr val="000000"/>
+              </a:solidFill>
+              <a:prstDash val="solid"/>
+              <a:round/>
+              <a:headEnd type="none" w="sm" len="sm"/>
+              <a:tailEnd type="none" w="sm" len="sm"/>
+            </a:ln>
+          </p:spPr>
+        </p:cxnSp>
+        <p:sp>
+          <p:nvSpPr>
+            <p:cNvPr id="54" name="Google Shape;282;p16">
+              <a:extLst>
+                <a:ext uri="{FF2B5EF4-FFF2-40B4-BE49-F238E27FC236}">
+                  <a16:creationId xmlns:a16="http://schemas.microsoft.com/office/drawing/2014/main" id="{8DA50880-C9D6-4E2D-BB9C-9BA59B993885}"/>
+                </a:ext>
+              </a:extLst>
+            </p:cNvPr>
+            <p:cNvSpPr/>
+            <p:nvPr/>
+          </p:nvSpPr>
+          <p:spPr>
+            <a:xfrm>
+              <a:off x="1901119" y="3126860"/>
+              <a:ext cx="51197" cy="99700"/>
+            </a:xfrm>
+            <a:custGeom>
+              <a:avLst/>
+              <a:gdLst/>
+              <a:ahLst/>
+              <a:cxnLst/>
+              <a:rect l="l" t="t" r="r" b="b"/>
+              <a:pathLst>
+                <a:path w="323" h="629" extrusionOk="0">
+                  <a:moveTo>
+                    <a:pt x="320" y="0"/>
+                  </a:moveTo>
+                  <a:lnTo>
+                    <a:pt x="319" y="1"/>
+                  </a:lnTo>
+                  <a:cubicBezTo>
+                    <a:pt x="319" y="1"/>
+                    <a:pt x="318" y="1"/>
+                    <a:pt x="318" y="2"/>
+                  </a:cubicBezTo>
+                  <a:cubicBezTo>
+                    <a:pt x="317" y="3"/>
+                    <a:pt x="317" y="3"/>
+                    <a:pt x="317" y="4"/>
+                  </a:cubicBezTo>
+                  <a:lnTo>
+                    <a:pt x="317" y="7"/>
+                  </a:lnTo>
+                  <a:cubicBezTo>
+                    <a:pt x="316" y="7"/>
+                    <a:pt x="315" y="7"/>
+                    <a:pt x="314" y="7"/>
+                  </a:cubicBezTo>
+                  <a:cubicBezTo>
+                    <a:pt x="271" y="7"/>
+                    <a:pt x="230" y="15"/>
+                    <a:pt x="192" y="30"/>
+                  </a:cubicBezTo>
+                  <a:cubicBezTo>
+                    <a:pt x="156" y="45"/>
+                    <a:pt x="123" y="68"/>
+                    <a:pt x="95" y="95"/>
+                  </a:cubicBezTo>
+                  <a:cubicBezTo>
+                    <a:pt x="68" y="123"/>
+                    <a:pt x="45" y="156"/>
+                    <a:pt x="30" y="192"/>
+                  </a:cubicBezTo>
+                  <a:cubicBezTo>
+                    <a:pt x="15" y="230"/>
+                    <a:pt x="7" y="271"/>
+                    <a:pt x="7" y="314"/>
+                  </a:cubicBezTo>
+                  <a:cubicBezTo>
+                    <a:pt x="7" y="357"/>
+                    <a:pt x="15" y="398"/>
+                    <a:pt x="30" y="436"/>
+                  </a:cubicBezTo>
+                  <a:cubicBezTo>
+                    <a:pt x="45" y="473"/>
+                    <a:pt x="68" y="506"/>
+                    <a:pt x="95" y="533"/>
+                  </a:cubicBezTo>
+                  <a:cubicBezTo>
+                    <a:pt x="123" y="560"/>
+                    <a:pt x="156" y="583"/>
+                    <a:pt x="192" y="598"/>
+                  </a:cubicBezTo>
+                  <a:cubicBezTo>
+                    <a:pt x="230" y="613"/>
+                    <a:pt x="271" y="622"/>
+                    <a:pt x="314" y="622"/>
+                  </a:cubicBezTo>
+                  <a:cubicBezTo>
+                    <a:pt x="315" y="622"/>
+                    <a:pt x="316" y="622"/>
+                    <a:pt x="317" y="622"/>
+                  </a:cubicBezTo>
+                  <a:lnTo>
+                    <a:pt x="317" y="628"/>
+                  </a:lnTo>
+                  <a:cubicBezTo>
+                    <a:pt x="316" y="628"/>
+                    <a:pt x="315" y="628"/>
+                    <a:pt x="314" y="628"/>
+                  </a:cubicBezTo>
+                  <a:cubicBezTo>
+                    <a:pt x="270" y="628"/>
+                    <a:pt x="228" y="620"/>
+                    <a:pt x="190" y="604"/>
+                  </a:cubicBezTo>
+                  <a:cubicBezTo>
+                    <a:pt x="152" y="589"/>
+                    <a:pt x="118" y="566"/>
+                    <a:pt x="90" y="538"/>
+                  </a:cubicBezTo>
+                  <a:cubicBezTo>
+                    <a:pt x="62" y="510"/>
+                    <a:pt x="39" y="476"/>
+                    <a:pt x="24" y="438"/>
+                  </a:cubicBezTo>
+                  <a:cubicBezTo>
+                    <a:pt x="9" y="400"/>
+                    <a:pt x="0" y="358"/>
+                    <a:pt x="0" y="314"/>
+                  </a:cubicBezTo>
+                  <a:cubicBezTo>
+                    <a:pt x="0" y="270"/>
+                    <a:pt x="9" y="228"/>
+                    <a:pt x="24" y="190"/>
+                  </a:cubicBezTo>
+                  <a:cubicBezTo>
+                    <a:pt x="39" y="152"/>
+                    <a:pt x="62" y="118"/>
+                    <a:pt x="90" y="90"/>
+                  </a:cubicBezTo>
+                  <a:cubicBezTo>
+                    <a:pt x="118" y="62"/>
+                    <a:pt x="152" y="39"/>
+                    <a:pt x="190" y="24"/>
+                  </a:cubicBezTo>
+                  <a:cubicBezTo>
+                    <a:pt x="228" y="9"/>
+                    <a:pt x="270" y="0"/>
+                    <a:pt x="314" y="0"/>
+                  </a:cubicBezTo>
+                  <a:cubicBezTo>
+                    <a:pt x="316" y="0"/>
+                    <a:pt x="319" y="0"/>
+                    <a:pt x="322" y="0"/>
+                  </a:cubicBezTo>
+                  <a:lnTo>
+                    <a:pt x="320" y="0"/>
+                  </a:lnTo>
+                </a:path>
+              </a:pathLst>
+            </a:custGeom>
+            <a:solidFill>
+              <a:srgbClr val="000000"/>
+            </a:solidFill>
+            <a:ln w="19050" cap="flat" cmpd="sng">
+              <a:solidFill>
+                <a:srgbClr val="000000"/>
+              </a:solidFill>
+              <a:prstDash val="solid"/>
+              <a:round/>
+              <a:headEnd type="none" w="sm" len="sm"/>
+              <a:tailEnd type="none" w="sm" len="sm"/>
+            </a:ln>
+          </p:spPr>
+          <p:txBody>
+            <a:bodyPr spcFirstLastPara="1" wrap="square" lIns="91425" tIns="91425" rIns="91425" bIns="91425" anchor="ctr" anchorCtr="0">
+              <a:noAutofit/>
+            </a:bodyPr>
+            <a:lstStyle/>
+            <a:p>
+              <a:pPr marL="0" lvl="0" indent="0" algn="l" rtl="0">
+                <a:spcBef>
+                  <a:spcPts val="0"/>
+                </a:spcBef>
+                <a:spcAft>
+                  <a:spcPts val="0"/>
+                </a:spcAft>
+                <a:buNone/>
+              </a:pPr>
+              <a:endParaRPr/>
+            </a:p>
+          </p:txBody>
+        </p:sp>
+      </p:grpSp>
+      <p:grpSp>
+        <p:nvGrpSpPr>
+          <p:cNvPr id="55" name="Group 54">
+            <a:extLst>
+              <a:ext uri="{FF2B5EF4-FFF2-40B4-BE49-F238E27FC236}">
+                <a16:creationId xmlns:a16="http://schemas.microsoft.com/office/drawing/2014/main" id="{B23E8C3D-169E-469B-89D6-D0A940769BC8}"/>
+              </a:ext>
+            </a:extLst>
+          </p:cNvPr>
+          <p:cNvGrpSpPr/>
+          <p:nvPr/>
+        </p:nvGrpSpPr>
+        <p:grpSpPr>
+          <a:xfrm rot="10800000">
+            <a:off x="3236573" y="2809777"/>
+            <a:ext cx="370284" cy="97500"/>
+            <a:chOff x="1644661" y="2889811"/>
+            <a:chExt cx="370284" cy="97500"/>
+          </a:xfrm>
+        </p:grpSpPr>
+        <p:sp>
+          <p:nvSpPr>
+            <p:cNvPr id="56" name="Google Shape;284;p16">
+              <a:extLst>
+                <a:ext uri="{FF2B5EF4-FFF2-40B4-BE49-F238E27FC236}">
+                  <a16:creationId xmlns:a16="http://schemas.microsoft.com/office/drawing/2014/main" id="{279F8E61-7BE1-4557-A308-7F0AAA2DD90E}"/>
+                </a:ext>
+              </a:extLst>
+            </p:cNvPr>
+            <p:cNvSpPr/>
+            <p:nvPr/>
+          </p:nvSpPr>
+          <p:spPr>
+            <a:xfrm>
+              <a:off x="1917445" y="2889811"/>
+              <a:ext cx="97500" cy="97500"/>
+            </a:xfrm>
+            <a:prstGeom prst="ellipse">
+              <a:avLst/>
+            </a:prstGeom>
+            <a:solidFill>
+              <a:srgbClr val="FFFFFF"/>
+            </a:solidFill>
+            <a:ln w="19050" cap="flat" cmpd="sng">
+              <a:solidFill>
+                <a:srgbClr val="000000"/>
+              </a:solidFill>
+              <a:prstDash val="solid"/>
+              <a:round/>
+              <a:headEnd type="none" w="sm" len="sm"/>
+              <a:tailEnd type="none" w="sm" len="sm"/>
+            </a:ln>
+          </p:spPr>
+          <p:txBody>
+            <a:bodyPr spcFirstLastPara="1" wrap="square" lIns="91425" tIns="91425" rIns="91425" bIns="91425" anchor="ctr" anchorCtr="0">
+              <a:noAutofit/>
+            </a:bodyPr>
+            <a:lstStyle/>
+            <a:p>
+              <a:pPr marL="0" lvl="0" indent="0" algn="l" rtl="0">
+                <a:spcBef>
+                  <a:spcPts val="0"/>
+                </a:spcBef>
+                <a:spcAft>
+                  <a:spcPts val="0"/>
+                </a:spcAft>
+                <a:buNone/>
+              </a:pPr>
+              <a:endParaRPr/>
+            </a:p>
+          </p:txBody>
+        </p:sp>
+        <p:cxnSp>
+          <p:nvCxnSpPr>
+            <p:cNvPr id="57" name="Google Shape;285;p16">
+              <a:extLst>
+                <a:ext uri="{FF2B5EF4-FFF2-40B4-BE49-F238E27FC236}">
+                  <a16:creationId xmlns:a16="http://schemas.microsoft.com/office/drawing/2014/main" id="{9C36796D-9B78-4803-9D8E-2DE57A589047}"/>
+                </a:ext>
+              </a:extLst>
+            </p:cNvPr>
+            <p:cNvCxnSpPr/>
+            <p:nvPr/>
+          </p:nvCxnSpPr>
+          <p:spPr>
+            <a:xfrm>
+              <a:off x="1644661" y="2938471"/>
+              <a:ext cx="272700" cy="0"/>
+            </a:xfrm>
+            <a:prstGeom prst="straightConnector1">
+              <a:avLst/>
+            </a:prstGeom>
+            <a:noFill/>
+            <a:ln w="19050" cap="flat" cmpd="sng">
+              <a:solidFill>
+                <a:srgbClr val="000000"/>
+              </a:solidFill>
+              <a:prstDash val="solid"/>
+              <a:round/>
+              <a:headEnd type="none" w="sm" len="sm"/>
+              <a:tailEnd type="none" w="sm" len="sm"/>
+            </a:ln>
+          </p:spPr>
+        </p:cxnSp>
+      </p:grpSp>
+      <p:sp>
+        <p:nvSpPr>
+          <p:cNvPr id="62" name="Google Shape;280;p16">
+            <a:extLst>
+              <a:ext uri="{FF2B5EF4-FFF2-40B4-BE49-F238E27FC236}">
+                <a16:creationId xmlns:a16="http://schemas.microsoft.com/office/drawing/2014/main" id="{9C6AA80B-F749-4BF5-8EB9-1D3F79C9292F}"/>
+              </a:ext>
+            </a:extLst>
+          </p:cNvPr>
+          <p:cNvSpPr/>
+          <p:nvPr/>
+        </p:nvSpPr>
+        <p:spPr>
+          <a:xfrm>
+            <a:off x="729567" y="2206872"/>
+            <a:ext cx="1204861" cy="463599"/>
+          </a:xfrm>
+          <a:prstGeom prst="rect">
+            <a:avLst/>
+          </a:prstGeom>
+          <a:solidFill>
+            <a:srgbClr val="FFFFFF"/>
+          </a:solidFill>
+          <a:ln w="19050" cap="flat" cmpd="sng">
+            <a:solidFill>
+              <a:srgbClr val="000000"/>
+            </a:solidFill>
+            <a:prstDash val="solid"/>
+            <a:round/>
+            <a:headEnd type="none" w="sm" len="sm"/>
+            <a:tailEnd type="none" w="sm" len="sm"/>
+          </a:ln>
+        </p:spPr>
+        <p:txBody>
+          <a:bodyPr spcFirstLastPara="1" wrap="square" lIns="104400" tIns="59400" rIns="104400" bIns="59400" anchor="ctr" anchorCtr="0">
+            <a:noAutofit/>
+          </a:bodyPr>
+          <a:lstStyle/>
+          <a:p>
+            <a:pPr marL="0" marR="0" lvl="0" indent="0" algn="ctr" rtl="0">
+              <a:spcBef>
+                <a:spcPts val="0"/>
+              </a:spcBef>
+              <a:spcAft>
+                <a:spcPts val="0"/>
+              </a:spcAft>
+              <a:buNone/>
+            </a:pPr>
+            <a:r>
+              <a:rPr lang="en" sz="800" i="0" u="none" strike="noStrike" cap="none" dirty="0">
+                <a:solidFill>
+                  <a:srgbClr val="666666"/>
+                </a:solidFill>
+              </a:rPr>
+              <a:t>«component»</a:t>
+            </a:r>
+            <a:endParaRPr sz="800" i="0" u="none" strike="noStrike" cap="none" dirty="0"/>
+          </a:p>
+          <a:p>
+            <a:pPr marL="0" marR="0" lvl="0" indent="0" algn="ctr" rtl="0">
+              <a:spcBef>
+                <a:spcPts val="0"/>
+              </a:spcBef>
+              <a:spcAft>
+                <a:spcPts val="0"/>
+              </a:spcAft>
+              <a:buNone/>
+            </a:pPr>
+            <a:endParaRPr sz="100" i="0" u="none" strike="noStrike" cap="none" dirty="0"/>
+          </a:p>
+          <a:p>
+            <a:pPr marL="0" marR="0" lvl="0" indent="0" algn="ctr" rtl="0">
+              <a:spcBef>
+                <a:spcPts val="0"/>
+              </a:spcBef>
+              <a:spcAft>
+                <a:spcPts val="0"/>
+              </a:spcAft>
+              <a:buNone/>
+            </a:pPr>
+            <a:r>
+              <a:rPr lang="en" sz="1000" b="1" dirty="0"/>
+              <a:t>Produto</a:t>
+            </a:r>
+            <a:endParaRPr sz="1000" i="0" u="none" strike="noStrike" cap="none" dirty="0"/>
+          </a:p>
+        </p:txBody>
+      </p:sp>
+      <p:grpSp>
+        <p:nvGrpSpPr>
+          <p:cNvPr id="63" name="Group 62">
+            <a:extLst>
+              <a:ext uri="{FF2B5EF4-FFF2-40B4-BE49-F238E27FC236}">
+                <a16:creationId xmlns:a16="http://schemas.microsoft.com/office/drawing/2014/main" id="{E43D28B8-5187-4EAB-8437-CAC276828C21}"/>
+              </a:ext>
+            </a:extLst>
+          </p:cNvPr>
+          <p:cNvGrpSpPr/>
+          <p:nvPr/>
+        </p:nvGrpSpPr>
+        <p:grpSpPr>
+          <a:xfrm>
+            <a:off x="1946641" y="2288050"/>
+            <a:ext cx="307655" cy="99700"/>
+            <a:chOff x="1862738" y="1105281"/>
+            <a:chExt cx="307655" cy="99700"/>
+          </a:xfrm>
+        </p:grpSpPr>
+        <p:cxnSp>
+          <p:nvCxnSpPr>
+            <p:cNvPr id="64" name="Google Shape;281;p16">
+              <a:extLst>
+                <a:ext uri="{FF2B5EF4-FFF2-40B4-BE49-F238E27FC236}">
+                  <a16:creationId xmlns:a16="http://schemas.microsoft.com/office/drawing/2014/main" id="{5C8F0DDF-60D7-431A-8297-2BD528FC92CD}"/>
+                </a:ext>
+              </a:extLst>
+            </p:cNvPr>
+            <p:cNvCxnSpPr/>
+            <p:nvPr/>
+          </p:nvCxnSpPr>
+          <p:spPr>
+            <a:xfrm>
+              <a:off x="1862738" y="1155052"/>
+              <a:ext cx="249300" cy="0"/>
+            </a:xfrm>
+            <a:prstGeom prst="straightConnector1">
+              <a:avLst/>
+            </a:prstGeom>
+            <a:noFill/>
+            <a:ln w="19050" cap="flat" cmpd="sng">
+              <a:solidFill>
+                <a:srgbClr val="000000"/>
+              </a:solidFill>
+              <a:prstDash val="solid"/>
+              <a:round/>
+              <a:headEnd type="none" w="sm" len="sm"/>
+              <a:tailEnd type="none" w="sm" len="sm"/>
+            </a:ln>
+          </p:spPr>
+        </p:cxnSp>
+        <p:sp>
+          <p:nvSpPr>
+            <p:cNvPr id="65" name="Google Shape;282;p16">
+              <a:extLst>
+                <a:ext uri="{FF2B5EF4-FFF2-40B4-BE49-F238E27FC236}">
+                  <a16:creationId xmlns:a16="http://schemas.microsoft.com/office/drawing/2014/main" id="{E64A746F-847C-4638-8106-A633FBA40321}"/>
+                </a:ext>
+              </a:extLst>
+            </p:cNvPr>
+            <p:cNvSpPr/>
+            <p:nvPr/>
+          </p:nvSpPr>
+          <p:spPr>
+            <a:xfrm>
+              <a:off x="2119196" y="1105281"/>
+              <a:ext cx="51197" cy="99700"/>
+            </a:xfrm>
+            <a:custGeom>
+              <a:avLst/>
+              <a:gdLst/>
+              <a:ahLst/>
+              <a:cxnLst/>
+              <a:rect l="l" t="t" r="r" b="b"/>
+              <a:pathLst>
+                <a:path w="323" h="629" extrusionOk="0">
+                  <a:moveTo>
+                    <a:pt x="320" y="0"/>
+                  </a:moveTo>
+                  <a:lnTo>
+                    <a:pt x="319" y="1"/>
+                  </a:lnTo>
+                  <a:cubicBezTo>
+                    <a:pt x="319" y="1"/>
+                    <a:pt x="318" y="1"/>
+                    <a:pt x="318" y="2"/>
+                  </a:cubicBezTo>
+                  <a:cubicBezTo>
+                    <a:pt x="317" y="3"/>
+                    <a:pt x="317" y="3"/>
+                    <a:pt x="317" y="4"/>
+                  </a:cubicBezTo>
+                  <a:lnTo>
+                    <a:pt x="317" y="7"/>
+                  </a:lnTo>
+                  <a:cubicBezTo>
+                    <a:pt x="316" y="7"/>
+                    <a:pt x="315" y="7"/>
+                    <a:pt x="314" y="7"/>
+                  </a:cubicBezTo>
+                  <a:cubicBezTo>
+                    <a:pt x="271" y="7"/>
+                    <a:pt x="230" y="15"/>
+                    <a:pt x="192" y="30"/>
+                  </a:cubicBezTo>
+                  <a:cubicBezTo>
+                    <a:pt x="156" y="45"/>
+                    <a:pt x="123" y="68"/>
+                    <a:pt x="95" y="95"/>
+                  </a:cubicBezTo>
+                  <a:cubicBezTo>
+                    <a:pt x="68" y="123"/>
+                    <a:pt x="45" y="156"/>
+                    <a:pt x="30" y="192"/>
+                  </a:cubicBezTo>
+                  <a:cubicBezTo>
+                    <a:pt x="15" y="230"/>
+                    <a:pt x="7" y="271"/>
+                    <a:pt x="7" y="314"/>
+                  </a:cubicBezTo>
+                  <a:cubicBezTo>
+                    <a:pt x="7" y="357"/>
+                    <a:pt x="15" y="398"/>
+                    <a:pt x="30" y="436"/>
+                  </a:cubicBezTo>
+                  <a:cubicBezTo>
+                    <a:pt x="45" y="473"/>
+                    <a:pt x="68" y="506"/>
+                    <a:pt x="95" y="533"/>
+                  </a:cubicBezTo>
+                  <a:cubicBezTo>
+                    <a:pt x="123" y="560"/>
+                    <a:pt x="156" y="583"/>
+                    <a:pt x="192" y="598"/>
+                  </a:cubicBezTo>
+                  <a:cubicBezTo>
+                    <a:pt x="230" y="613"/>
+                    <a:pt x="271" y="622"/>
+                    <a:pt x="314" y="622"/>
+                  </a:cubicBezTo>
+                  <a:cubicBezTo>
+                    <a:pt x="315" y="622"/>
+                    <a:pt x="316" y="622"/>
+                    <a:pt x="317" y="622"/>
+                  </a:cubicBezTo>
+                  <a:lnTo>
+                    <a:pt x="317" y="628"/>
+                  </a:lnTo>
+                  <a:cubicBezTo>
+                    <a:pt x="316" y="628"/>
+                    <a:pt x="315" y="628"/>
+                    <a:pt x="314" y="628"/>
+                  </a:cubicBezTo>
+                  <a:cubicBezTo>
+                    <a:pt x="270" y="628"/>
+                    <a:pt x="228" y="620"/>
+                    <a:pt x="190" y="604"/>
+                  </a:cubicBezTo>
+                  <a:cubicBezTo>
+                    <a:pt x="152" y="589"/>
+                    <a:pt x="118" y="566"/>
+                    <a:pt x="90" y="538"/>
+                  </a:cubicBezTo>
+                  <a:cubicBezTo>
+                    <a:pt x="62" y="510"/>
+                    <a:pt x="39" y="476"/>
+                    <a:pt x="24" y="438"/>
+                  </a:cubicBezTo>
+                  <a:cubicBezTo>
+                    <a:pt x="9" y="400"/>
+                    <a:pt x="0" y="358"/>
+                    <a:pt x="0" y="314"/>
+                  </a:cubicBezTo>
+                  <a:cubicBezTo>
+                    <a:pt x="0" y="270"/>
+                    <a:pt x="9" y="228"/>
+                    <a:pt x="24" y="190"/>
+                  </a:cubicBezTo>
+                  <a:cubicBezTo>
+                    <a:pt x="39" y="152"/>
+                    <a:pt x="62" y="118"/>
+                    <a:pt x="90" y="90"/>
+                  </a:cubicBezTo>
+                  <a:cubicBezTo>
+                    <a:pt x="118" y="62"/>
+                    <a:pt x="152" y="39"/>
+                    <a:pt x="190" y="24"/>
+                  </a:cubicBezTo>
+                  <a:cubicBezTo>
+                    <a:pt x="228" y="9"/>
+                    <a:pt x="270" y="0"/>
+                    <a:pt x="314" y="0"/>
+                  </a:cubicBezTo>
+                  <a:cubicBezTo>
+                    <a:pt x="316" y="0"/>
+                    <a:pt x="319" y="0"/>
+                    <a:pt x="322" y="0"/>
+                  </a:cubicBezTo>
+                  <a:lnTo>
+                    <a:pt x="320" y="0"/>
+                  </a:lnTo>
+                </a:path>
+              </a:pathLst>
+            </a:custGeom>
+            <a:solidFill>
+              <a:srgbClr val="000000"/>
+            </a:solidFill>
+            <a:ln w="19050" cap="flat" cmpd="sng">
+              <a:solidFill>
+                <a:srgbClr val="000000"/>
+              </a:solidFill>
+              <a:prstDash val="solid"/>
+              <a:round/>
+              <a:headEnd type="none" w="sm" len="sm"/>
+              <a:tailEnd type="none" w="sm" len="sm"/>
+            </a:ln>
+          </p:spPr>
+          <p:txBody>
+            <a:bodyPr spcFirstLastPara="1" wrap="square" lIns="91425" tIns="91425" rIns="91425" bIns="91425" anchor="ctr" anchorCtr="0">
+              <a:noAutofit/>
+            </a:bodyPr>
+            <a:lstStyle/>
+            <a:p>
+              <a:pPr marL="0" lvl="0" indent="0" algn="l" rtl="0">
+                <a:spcBef>
+                  <a:spcPts val="0"/>
+                </a:spcBef>
+                <a:spcAft>
+                  <a:spcPts val="0"/>
+                </a:spcAft>
+                <a:buNone/>
+              </a:pPr>
+              <a:endParaRPr/>
+            </a:p>
+          </p:txBody>
+        </p:sp>
+      </p:grpSp>
+      <p:grpSp>
+        <p:nvGrpSpPr>
+          <p:cNvPr id="66" name="Group 65">
+            <a:extLst>
+              <a:ext uri="{FF2B5EF4-FFF2-40B4-BE49-F238E27FC236}">
+                <a16:creationId xmlns:a16="http://schemas.microsoft.com/office/drawing/2014/main" id="{51D010B6-5DB3-4445-99EC-28CB4B0274B4}"/>
+              </a:ext>
+            </a:extLst>
+          </p:cNvPr>
+          <p:cNvGrpSpPr/>
+          <p:nvPr/>
+        </p:nvGrpSpPr>
+        <p:grpSpPr>
+          <a:xfrm>
+            <a:off x="1933912" y="2500827"/>
+            <a:ext cx="370284" cy="97500"/>
+            <a:chOff x="1826375" y="1590661"/>
+            <a:chExt cx="370284" cy="97500"/>
+          </a:xfrm>
+        </p:grpSpPr>
+        <p:sp>
+          <p:nvSpPr>
+            <p:cNvPr id="67" name="Google Shape;284;p16">
+              <a:extLst>
+                <a:ext uri="{FF2B5EF4-FFF2-40B4-BE49-F238E27FC236}">
+                  <a16:creationId xmlns:a16="http://schemas.microsoft.com/office/drawing/2014/main" id="{5C2E794C-9022-4C6A-B0EF-DC170CF5AF71}"/>
+                </a:ext>
+              </a:extLst>
+            </p:cNvPr>
+            <p:cNvSpPr/>
+            <p:nvPr/>
+          </p:nvSpPr>
+          <p:spPr>
+            <a:xfrm>
+              <a:off x="2099159" y="1590661"/>
+              <a:ext cx="97500" cy="97500"/>
+            </a:xfrm>
+            <a:prstGeom prst="ellipse">
+              <a:avLst/>
+            </a:prstGeom>
+            <a:solidFill>
+              <a:srgbClr val="FFFFFF"/>
+            </a:solidFill>
+            <a:ln w="19050" cap="flat" cmpd="sng">
+              <a:solidFill>
+                <a:srgbClr val="000000"/>
+              </a:solidFill>
+              <a:prstDash val="solid"/>
+              <a:round/>
+              <a:headEnd type="none" w="sm" len="sm"/>
+              <a:tailEnd type="none" w="sm" len="sm"/>
+            </a:ln>
+          </p:spPr>
+          <p:txBody>
+            <a:bodyPr spcFirstLastPara="1" wrap="square" lIns="91425" tIns="91425" rIns="91425" bIns="91425" anchor="ctr" anchorCtr="0">
+              <a:noAutofit/>
+            </a:bodyPr>
+            <a:lstStyle/>
+            <a:p>
+              <a:pPr marL="0" lvl="0" indent="0" algn="l" rtl="0">
+                <a:spcBef>
+                  <a:spcPts val="0"/>
+                </a:spcBef>
+                <a:spcAft>
+                  <a:spcPts val="0"/>
+                </a:spcAft>
+                <a:buNone/>
+              </a:pPr>
+              <a:endParaRPr/>
+            </a:p>
+          </p:txBody>
+        </p:sp>
+        <p:cxnSp>
+          <p:nvCxnSpPr>
+            <p:cNvPr id="68" name="Google Shape;285;p16">
+              <a:extLst>
+                <a:ext uri="{FF2B5EF4-FFF2-40B4-BE49-F238E27FC236}">
+                  <a16:creationId xmlns:a16="http://schemas.microsoft.com/office/drawing/2014/main" id="{223E677D-9212-4799-B311-F1D0504E2B7F}"/>
+                </a:ext>
+              </a:extLst>
+            </p:cNvPr>
+            <p:cNvCxnSpPr/>
+            <p:nvPr/>
+          </p:nvCxnSpPr>
+          <p:spPr>
+            <a:xfrm>
+              <a:off x="1826375" y="1639321"/>
+              <a:ext cx="272700" cy="0"/>
+            </a:xfrm>
+            <a:prstGeom prst="straightConnector1">
+              <a:avLst/>
+            </a:prstGeom>
+            <a:noFill/>
+            <a:ln w="19050" cap="flat" cmpd="sng">
+              <a:solidFill>
+                <a:srgbClr val="000000"/>
+              </a:solidFill>
+              <a:prstDash val="solid"/>
+              <a:round/>
+              <a:headEnd type="none" w="sm" len="sm"/>
+              <a:tailEnd type="none" w="sm" len="sm"/>
+            </a:ln>
+          </p:spPr>
+        </p:cxnSp>
+      </p:grpSp>
+      <p:sp>
+        <p:nvSpPr>
+          <p:cNvPr id="69" name="Google Shape;280;p16">
+            <a:extLst>
+              <a:ext uri="{FF2B5EF4-FFF2-40B4-BE49-F238E27FC236}">
+                <a16:creationId xmlns:a16="http://schemas.microsoft.com/office/drawing/2014/main" id="{E2675DB8-8786-41FB-92A0-1DB889E4A717}"/>
+              </a:ext>
+            </a:extLst>
+          </p:cNvPr>
+          <p:cNvSpPr/>
+          <p:nvPr/>
+        </p:nvSpPr>
+        <p:spPr>
+          <a:xfrm>
+            <a:off x="724277" y="2876619"/>
+            <a:ext cx="1204861" cy="463599"/>
+          </a:xfrm>
+          <a:prstGeom prst="rect">
+            <a:avLst/>
+          </a:prstGeom>
+          <a:solidFill>
+            <a:srgbClr val="FFFFFF"/>
+          </a:solidFill>
+          <a:ln w="19050" cap="flat" cmpd="sng">
+            <a:solidFill>
+              <a:srgbClr val="000000"/>
+            </a:solidFill>
+            <a:prstDash val="solid"/>
+            <a:round/>
+            <a:headEnd type="none" w="sm" len="sm"/>
+            <a:tailEnd type="none" w="sm" len="sm"/>
+          </a:ln>
+        </p:spPr>
+        <p:txBody>
+          <a:bodyPr spcFirstLastPara="1" wrap="square" lIns="104400" tIns="59400" rIns="104400" bIns="59400" anchor="ctr" anchorCtr="0">
+            <a:noAutofit/>
+          </a:bodyPr>
+          <a:lstStyle/>
+          <a:p>
+            <a:pPr marL="0" marR="0" lvl="0" indent="0" algn="ctr" rtl="0">
+              <a:spcBef>
+                <a:spcPts val="0"/>
+              </a:spcBef>
+              <a:spcAft>
+                <a:spcPts val="0"/>
+              </a:spcAft>
+              <a:buNone/>
+            </a:pPr>
+            <a:r>
+              <a:rPr lang="en" sz="800" i="0" u="none" strike="noStrike" cap="none" dirty="0">
+                <a:solidFill>
+                  <a:srgbClr val="666666"/>
+                </a:solidFill>
+              </a:rPr>
+              <a:t>«component»</a:t>
+            </a:r>
+            <a:endParaRPr sz="800" i="0" u="none" strike="noStrike" cap="none" dirty="0"/>
+          </a:p>
+          <a:p>
+            <a:pPr marL="0" marR="0" lvl="0" indent="0" algn="ctr" rtl="0">
+              <a:spcBef>
+                <a:spcPts val="0"/>
+              </a:spcBef>
+              <a:spcAft>
+                <a:spcPts val="0"/>
+              </a:spcAft>
+              <a:buNone/>
+            </a:pPr>
+            <a:endParaRPr sz="100" i="0" u="none" strike="noStrike" cap="none" dirty="0"/>
+          </a:p>
+          <a:p>
+            <a:pPr marL="0" marR="0" lvl="0" indent="0" algn="ctr" rtl="0">
+              <a:spcBef>
+                <a:spcPts val="0"/>
+              </a:spcBef>
+              <a:spcAft>
+                <a:spcPts val="0"/>
+              </a:spcAft>
+              <a:buNone/>
+            </a:pPr>
+            <a:r>
+              <a:rPr lang="en" sz="1000" b="1" dirty="0"/>
+              <a:t>Usuario</a:t>
+            </a:r>
+            <a:endParaRPr sz="1000" i="0" u="none" strike="noStrike" cap="none" dirty="0"/>
+          </a:p>
+        </p:txBody>
+      </p:sp>
+      <p:grpSp>
+        <p:nvGrpSpPr>
+          <p:cNvPr id="70" name="Group 69">
+            <a:extLst>
+              <a:ext uri="{FF2B5EF4-FFF2-40B4-BE49-F238E27FC236}">
+                <a16:creationId xmlns:a16="http://schemas.microsoft.com/office/drawing/2014/main" id="{8F1579D2-7E86-407F-ACAC-6F9C45BF11F3}"/>
+              </a:ext>
+            </a:extLst>
+          </p:cNvPr>
+          <p:cNvGrpSpPr/>
+          <p:nvPr/>
+        </p:nvGrpSpPr>
+        <p:grpSpPr>
+          <a:xfrm>
+            <a:off x="1941351" y="2957797"/>
+            <a:ext cx="307655" cy="99700"/>
+            <a:chOff x="1862738" y="1105281"/>
+            <a:chExt cx="307655" cy="99700"/>
+          </a:xfrm>
+        </p:grpSpPr>
+        <p:cxnSp>
+          <p:nvCxnSpPr>
+            <p:cNvPr id="71" name="Google Shape;281;p16">
+              <a:extLst>
+                <a:ext uri="{FF2B5EF4-FFF2-40B4-BE49-F238E27FC236}">
+                  <a16:creationId xmlns:a16="http://schemas.microsoft.com/office/drawing/2014/main" id="{D004A295-EE82-4167-A16A-BA08573681D3}"/>
+                </a:ext>
+              </a:extLst>
+            </p:cNvPr>
+            <p:cNvCxnSpPr/>
+            <p:nvPr/>
+          </p:nvCxnSpPr>
+          <p:spPr>
+            <a:xfrm>
+              <a:off x="1862738" y="1155052"/>
+              <a:ext cx="249300" cy="0"/>
+            </a:xfrm>
+            <a:prstGeom prst="straightConnector1">
+              <a:avLst/>
+            </a:prstGeom>
+            <a:noFill/>
+            <a:ln w="19050" cap="flat" cmpd="sng">
+              <a:solidFill>
+                <a:srgbClr val="000000"/>
+              </a:solidFill>
+              <a:prstDash val="solid"/>
+              <a:round/>
+              <a:headEnd type="none" w="sm" len="sm"/>
+              <a:tailEnd type="none" w="sm" len="sm"/>
+            </a:ln>
+          </p:spPr>
+        </p:cxnSp>
+        <p:sp>
+          <p:nvSpPr>
+            <p:cNvPr id="72" name="Google Shape;282;p16">
+              <a:extLst>
+                <a:ext uri="{FF2B5EF4-FFF2-40B4-BE49-F238E27FC236}">
+                  <a16:creationId xmlns:a16="http://schemas.microsoft.com/office/drawing/2014/main" id="{48716171-9CAE-41B1-8B6C-AB476284C2FF}"/>
+                </a:ext>
+              </a:extLst>
+            </p:cNvPr>
+            <p:cNvSpPr/>
+            <p:nvPr/>
+          </p:nvSpPr>
+          <p:spPr>
+            <a:xfrm>
+              <a:off x="2119196" y="1105281"/>
+              <a:ext cx="51197" cy="99700"/>
+            </a:xfrm>
+            <a:custGeom>
+              <a:avLst/>
+              <a:gdLst/>
+              <a:ahLst/>
+              <a:cxnLst/>
+              <a:rect l="l" t="t" r="r" b="b"/>
+              <a:pathLst>
+                <a:path w="323" h="629" extrusionOk="0">
+                  <a:moveTo>
+                    <a:pt x="320" y="0"/>
+                  </a:moveTo>
+                  <a:lnTo>
+                    <a:pt x="319" y="1"/>
+                  </a:lnTo>
+                  <a:cubicBezTo>
+                    <a:pt x="319" y="1"/>
+                    <a:pt x="318" y="1"/>
+                    <a:pt x="318" y="2"/>
+                  </a:cubicBezTo>
+                  <a:cubicBezTo>
+                    <a:pt x="317" y="3"/>
+                    <a:pt x="317" y="3"/>
+                    <a:pt x="317" y="4"/>
+                  </a:cubicBezTo>
+                  <a:lnTo>
+                    <a:pt x="317" y="7"/>
+                  </a:lnTo>
+                  <a:cubicBezTo>
+                    <a:pt x="316" y="7"/>
+                    <a:pt x="315" y="7"/>
+                    <a:pt x="314" y="7"/>
+                  </a:cubicBezTo>
+                  <a:cubicBezTo>
+                    <a:pt x="271" y="7"/>
+                    <a:pt x="230" y="15"/>
+                    <a:pt x="192" y="30"/>
+                  </a:cubicBezTo>
+                  <a:cubicBezTo>
+                    <a:pt x="156" y="45"/>
+                    <a:pt x="123" y="68"/>
+                    <a:pt x="95" y="95"/>
+                  </a:cubicBezTo>
+                  <a:cubicBezTo>
+                    <a:pt x="68" y="123"/>
+                    <a:pt x="45" y="156"/>
+                    <a:pt x="30" y="192"/>
+                  </a:cubicBezTo>
+                  <a:cubicBezTo>
+                    <a:pt x="15" y="230"/>
+                    <a:pt x="7" y="271"/>
+                    <a:pt x="7" y="314"/>
+                  </a:cubicBezTo>
+                  <a:cubicBezTo>
+                    <a:pt x="7" y="357"/>
+                    <a:pt x="15" y="398"/>
+                    <a:pt x="30" y="436"/>
+                  </a:cubicBezTo>
+                  <a:cubicBezTo>
+                    <a:pt x="45" y="473"/>
+                    <a:pt x="68" y="506"/>
+                    <a:pt x="95" y="533"/>
+                  </a:cubicBezTo>
+                  <a:cubicBezTo>
+                    <a:pt x="123" y="560"/>
+                    <a:pt x="156" y="583"/>
+                    <a:pt x="192" y="598"/>
+                  </a:cubicBezTo>
+                  <a:cubicBezTo>
+                    <a:pt x="230" y="613"/>
+                    <a:pt x="271" y="622"/>
+                    <a:pt x="314" y="622"/>
+                  </a:cubicBezTo>
+                  <a:cubicBezTo>
+                    <a:pt x="315" y="622"/>
+                    <a:pt x="316" y="622"/>
+                    <a:pt x="317" y="622"/>
+                  </a:cubicBezTo>
+                  <a:lnTo>
+                    <a:pt x="317" y="628"/>
+                  </a:lnTo>
+                  <a:cubicBezTo>
+                    <a:pt x="316" y="628"/>
+                    <a:pt x="315" y="628"/>
+                    <a:pt x="314" y="628"/>
+                  </a:cubicBezTo>
+                  <a:cubicBezTo>
+                    <a:pt x="270" y="628"/>
+                    <a:pt x="228" y="620"/>
+                    <a:pt x="190" y="604"/>
+                  </a:cubicBezTo>
+                  <a:cubicBezTo>
+                    <a:pt x="152" y="589"/>
+                    <a:pt x="118" y="566"/>
+                    <a:pt x="90" y="538"/>
+                  </a:cubicBezTo>
+                  <a:cubicBezTo>
+                    <a:pt x="62" y="510"/>
+                    <a:pt x="39" y="476"/>
+                    <a:pt x="24" y="438"/>
+                  </a:cubicBezTo>
+                  <a:cubicBezTo>
+                    <a:pt x="9" y="400"/>
+                    <a:pt x="0" y="358"/>
+                    <a:pt x="0" y="314"/>
+                  </a:cubicBezTo>
+                  <a:cubicBezTo>
+                    <a:pt x="0" y="270"/>
+                    <a:pt x="9" y="228"/>
+                    <a:pt x="24" y="190"/>
+                  </a:cubicBezTo>
+                  <a:cubicBezTo>
+                    <a:pt x="39" y="152"/>
+                    <a:pt x="62" y="118"/>
+                    <a:pt x="90" y="90"/>
+                  </a:cubicBezTo>
+                  <a:cubicBezTo>
+                    <a:pt x="118" y="62"/>
+                    <a:pt x="152" y="39"/>
+                    <a:pt x="190" y="24"/>
+                  </a:cubicBezTo>
+                  <a:cubicBezTo>
+                    <a:pt x="228" y="9"/>
+                    <a:pt x="270" y="0"/>
+                    <a:pt x="314" y="0"/>
+                  </a:cubicBezTo>
+                  <a:cubicBezTo>
+                    <a:pt x="316" y="0"/>
+                    <a:pt x="319" y="0"/>
+                    <a:pt x="322" y="0"/>
+                  </a:cubicBezTo>
+                  <a:lnTo>
+                    <a:pt x="320" y="0"/>
+                  </a:lnTo>
+                </a:path>
+              </a:pathLst>
+            </a:custGeom>
+            <a:solidFill>
+              <a:srgbClr val="000000"/>
+            </a:solidFill>
+            <a:ln w="19050" cap="flat" cmpd="sng">
+              <a:solidFill>
+                <a:srgbClr val="000000"/>
+              </a:solidFill>
+              <a:prstDash val="solid"/>
+              <a:round/>
+              <a:headEnd type="none" w="sm" len="sm"/>
+              <a:tailEnd type="none" w="sm" len="sm"/>
+            </a:ln>
+          </p:spPr>
+          <p:txBody>
+            <a:bodyPr spcFirstLastPara="1" wrap="square" lIns="91425" tIns="91425" rIns="91425" bIns="91425" anchor="ctr" anchorCtr="0">
+              <a:noAutofit/>
+            </a:bodyPr>
+            <a:lstStyle/>
+            <a:p>
+              <a:pPr marL="0" lvl="0" indent="0" algn="l" rtl="0">
+                <a:spcBef>
+                  <a:spcPts val="0"/>
+                </a:spcBef>
+                <a:spcAft>
+                  <a:spcPts val="0"/>
+                </a:spcAft>
+                <a:buNone/>
+              </a:pPr>
+              <a:endParaRPr/>
+            </a:p>
+          </p:txBody>
+        </p:sp>
+      </p:grpSp>
+      <p:grpSp>
+        <p:nvGrpSpPr>
+          <p:cNvPr id="73" name="Group 72">
+            <a:extLst>
+              <a:ext uri="{FF2B5EF4-FFF2-40B4-BE49-F238E27FC236}">
+                <a16:creationId xmlns:a16="http://schemas.microsoft.com/office/drawing/2014/main" id="{697D2B16-FBAA-4968-A98D-9C1565C7BC18}"/>
+              </a:ext>
+            </a:extLst>
+          </p:cNvPr>
+          <p:cNvGrpSpPr/>
+          <p:nvPr/>
+        </p:nvGrpSpPr>
+        <p:grpSpPr>
+          <a:xfrm>
+            <a:off x="1928622" y="3170574"/>
+            <a:ext cx="370284" cy="97500"/>
+            <a:chOff x="1826375" y="1590661"/>
+            <a:chExt cx="370284" cy="97500"/>
+          </a:xfrm>
+        </p:grpSpPr>
+        <p:sp>
+          <p:nvSpPr>
+            <p:cNvPr id="74" name="Google Shape;284;p16">
+              <a:extLst>
+                <a:ext uri="{FF2B5EF4-FFF2-40B4-BE49-F238E27FC236}">
+                  <a16:creationId xmlns:a16="http://schemas.microsoft.com/office/drawing/2014/main" id="{FC667312-98B6-468A-906A-14D181D4B03F}"/>
+                </a:ext>
+              </a:extLst>
+            </p:cNvPr>
+            <p:cNvSpPr/>
+            <p:nvPr/>
+          </p:nvSpPr>
+          <p:spPr>
+            <a:xfrm>
+              <a:off x="2099159" y="1590661"/>
+              <a:ext cx="97500" cy="97500"/>
+            </a:xfrm>
+            <a:prstGeom prst="ellipse">
+              <a:avLst/>
+            </a:prstGeom>
+            <a:solidFill>
+              <a:srgbClr val="FFFFFF"/>
+            </a:solidFill>
+            <a:ln w="19050" cap="flat" cmpd="sng">
+              <a:solidFill>
+                <a:srgbClr val="000000"/>
+              </a:solidFill>
+              <a:prstDash val="solid"/>
+              <a:round/>
+              <a:headEnd type="none" w="sm" len="sm"/>
+              <a:tailEnd type="none" w="sm" len="sm"/>
+            </a:ln>
+          </p:spPr>
+          <p:txBody>
+            <a:bodyPr spcFirstLastPara="1" wrap="square" lIns="91425" tIns="91425" rIns="91425" bIns="91425" anchor="ctr" anchorCtr="0">
+              <a:noAutofit/>
+            </a:bodyPr>
+            <a:lstStyle/>
+            <a:p>
+              <a:pPr marL="0" lvl="0" indent="0" algn="l" rtl="0">
+                <a:spcBef>
+                  <a:spcPts val="0"/>
+                </a:spcBef>
+                <a:spcAft>
+                  <a:spcPts val="0"/>
+                </a:spcAft>
+                <a:buNone/>
+              </a:pPr>
+              <a:endParaRPr/>
+            </a:p>
+          </p:txBody>
+        </p:sp>
+        <p:cxnSp>
+          <p:nvCxnSpPr>
+            <p:cNvPr id="75" name="Google Shape;285;p16">
+              <a:extLst>
+                <a:ext uri="{FF2B5EF4-FFF2-40B4-BE49-F238E27FC236}">
+                  <a16:creationId xmlns:a16="http://schemas.microsoft.com/office/drawing/2014/main" id="{D1D32D2B-5BB8-4958-9FC1-C196495E4EE7}"/>
+                </a:ext>
+              </a:extLst>
+            </p:cNvPr>
+            <p:cNvCxnSpPr/>
+            <p:nvPr/>
+          </p:nvCxnSpPr>
+          <p:spPr>
+            <a:xfrm>
+              <a:off x="1826375" y="1639321"/>
+              <a:ext cx="272700" cy="0"/>
+            </a:xfrm>
+            <a:prstGeom prst="straightConnector1">
+              <a:avLst/>
+            </a:prstGeom>
+            <a:noFill/>
+            <a:ln w="19050" cap="flat" cmpd="sng">
+              <a:solidFill>
+                <a:srgbClr val="000000"/>
+              </a:solidFill>
+              <a:prstDash val="solid"/>
+              <a:round/>
+              <a:headEnd type="none" w="sm" len="sm"/>
+              <a:tailEnd type="none" w="sm" len="sm"/>
+            </a:ln>
+          </p:spPr>
+        </p:cxnSp>
+      </p:grpSp>
+      <p:sp>
+        <p:nvSpPr>
+          <p:cNvPr id="76" name="Google Shape;280;p16">
+            <a:extLst>
+              <a:ext uri="{FF2B5EF4-FFF2-40B4-BE49-F238E27FC236}">
+                <a16:creationId xmlns:a16="http://schemas.microsoft.com/office/drawing/2014/main" id="{A0DD6BD6-D2A2-4999-BC1E-03242FB47856}"/>
+              </a:ext>
+            </a:extLst>
+          </p:cNvPr>
+          <p:cNvSpPr/>
+          <p:nvPr/>
+        </p:nvSpPr>
+        <p:spPr>
+          <a:xfrm>
+            <a:off x="736490" y="3549797"/>
+            <a:ext cx="1204861" cy="463599"/>
+          </a:xfrm>
+          <a:prstGeom prst="rect">
+            <a:avLst/>
+          </a:prstGeom>
+          <a:solidFill>
+            <a:srgbClr val="FFFFFF"/>
+          </a:solidFill>
+          <a:ln w="19050" cap="flat" cmpd="sng">
+            <a:solidFill>
+              <a:srgbClr val="000000"/>
+            </a:solidFill>
+            <a:prstDash val="solid"/>
+            <a:round/>
+            <a:headEnd type="none" w="sm" len="sm"/>
+            <a:tailEnd type="none" w="sm" len="sm"/>
+          </a:ln>
+        </p:spPr>
+        <p:txBody>
+          <a:bodyPr spcFirstLastPara="1" wrap="square" lIns="104400" tIns="59400" rIns="104400" bIns="59400" anchor="ctr" anchorCtr="0">
+            <a:noAutofit/>
+          </a:bodyPr>
+          <a:lstStyle/>
+          <a:p>
+            <a:pPr marL="0" marR="0" lvl="0" indent="0" algn="ctr" rtl="0">
+              <a:spcBef>
+                <a:spcPts val="0"/>
+              </a:spcBef>
+              <a:spcAft>
+                <a:spcPts val="0"/>
+              </a:spcAft>
+              <a:buNone/>
+            </a:pPr>
+            <a:r>
+              <a:rPr lang="en" sz="800" i="0" u="none" strike="noStrike" cap="none" dirty="0">
+                <a:solidFill>
+                  <a:srgbClr val="666666"/>
+                </a:solidFill>
+              </a:rPr>
+              <a:t>«component»</a:t>
+            </a:r>
+            <a:endParaRPr sz="800" i="0" u="none" strike="noStrike" cap="none" dirty="0"/>
+          </a:p>
+          <a:p>
+            <a:pPr marL="0" marR="0" lvl="0" indent="0" algn="ctr" rtl="0">
+              <a:spcBef>
+                <a:spcPts val="0"/>
+              </a:spcBef>
+              <a:spcAft>
+                <a:spcPts val="0"/>
+              </a:spcAft>
+              <a:buNone/>
+            </a:pPr>
+            <a:endParaRPr sz="100" i="0" u="none" strike="noStrike" cap="none" dirty="0"/>
+          </a:p>
+          <a:p>
+            <a:pPr marL="0" marR="0" lvl="0" indent="0" algn="ctr" rtl="0">
+              <a:spcBef>
+                <a:spcPts val="0"/>
+              </a:spcBef>
+              <a:spcAft>
+                <a:spcPts val="0"/>
+              </a:spcAft>
+              <a:buNone/>
+            </a:pPr>
+            <a:r>
+              <a:rPr lang="en" sz="1000" b="1" dirty="0"/>
+              <a:t>Pedido</a:t>
+            </a:r>
+            <a:endParaRPr sz="1000" i="0" u="none" strike="noStrike" cap="none" dirty="0"/>
+          </a:p>
+        </p:txBody>
+      </p:sp>
+      <p:grpSp>
+        <p:nvGrpSpPr>
+          <p:cNvPr id="77" name="Group 76">
+            <a:extLst>
+              <a:ext uri="{FF2B5EF4-FFF2-40B4-BE49-F238E27FC236}">
+                <a16:creationId xmlns:a16="http://schemas.microsoft.com/office/drawing/2014/main" id="{452A2E99-FBF2-45B5-9A6E-FFA8A5E97732}"/>
+              </a:ext>
+            </a:extLst>
+          </p:cNvPr>
+          <p:cNvGrpSpPr/>
+          <p:nvPr/>
+        </p:nvGrpSpPr>
+        <p:grpSpPr>
+          <a:xfrm>
+            <a:off x="1953564" y="3630975"/>
+            <a:ext cx="307655" cy="99700"/>
+            <a:chOff x="1862738" y="1105281"/>
+            <a:chExt cx="307655" cy="99700"/>
+          </a:xfrm>
+        </p:grpSpPr>
+        <p:cxnSp>
+          <p:nvCxnSpPr>
+            <p:cNvPr id="78" name="Google Shape;281;p16">
+              <a:extLst>
+                <a:ext uri="{FF2B5EF4-FFF2-40B4-BE49-F238E27FC236}">
+                  <a16:creationId xmlns:a16="http://schemas.microsoft.com/office/drawing/2014/main" id="{192CDB13-55D8-4E36-8BF4-3886CA355793}"/>
+                </a:ext>
+              </a:extLst>
+            </p:cNvPr>
+            <p:cNvCxnSpPr/>
+            <p:nvPr/>
+          </p:nvCxnSpPr>
+          <p:spPr>
+            <a:xfrm>
+              <a:off x="1862738" y="1155052"/>
+              <a:ext cx="249300" cy="0"/>
+            </a:xfrm>
+            <a:prstGeom prst="straightConnector1">
+              <a:avLst/>
+            </a:prstGeom>
+            <a:noFill/>
+            <a:ln w="19050" cap="flat" cmpd="sng">
+              <a:solidFill>
+                <a:srgbClr val="000000"/>
+              </a:solidFill>
+              <a:prstDash val="solid"/>
+              <a:round/>
+              <a:headEnd type="none" w="sm" len="sm"/>
+              <a:tailEnd type="none" w="sm" len="sm"/>
+            </a:ln>
+          </p:spPr>
+        </p:cxnSp>
+        <p:sp>
+          <p:nvSpPr>
+            <p:cNvPr id="79" name="Google Shape;282;p16">
+              <a:extLst>
+                <a:ext uri="{FF2B5EF4-FFF2-40B4-BE49-F238E27FC236}">
+                  <a16:creationId xmlns:a16="http://schemas.microsoft.com/office/drawing/2014/main" id="{7CA0F3C9-4108-4A5B-A1E5-15DAA7DB9A38}"/>
+                </a:ext>
+              </a:extLst>
+            </p:cNvPr>
+            <p:cNvSpPr/>
+            <p:nvPr/>
+          </p:nvSpPr>
+          <p:spPr>
+            <a:xfrm>
+              <a:off x="2119196" y="1105281"/>
+              <a:ext cx="51197" cy="99700"/>
+            </a:xfrm>
+            <a:custGeom>
+              <a:avLst/>
+              <a:gdLst/>
+              <a:ahLst/>
+              <a:cxnLst/>
+              <a:rect l="l" t="t" r="r" b="b"/>
+              <a:pathLst>
+                <a:path w="323" h="629" extrusionOk="0">
+                  <a:moveTo>
+                    <a:pt x="320" y="0"/>
+                  </a:moveTo>
+                  <a:lnTo>
+                    <a:pt x="319" y="1"/>
+                  </a:lnTo>
+                  <a:cubicBezTo>
+                    <a:pt x="319" y="1"/>
+                    <a:pt x="318" y="1"/>
+                    <a:pt x="318" y="2"/>
+                  </a:cubicBezTo>
+                  <a:cubicBezTo>
+                    <a:pt x="317" y="3"/>
+                    <a:pt x="317" y="3"/>
+                    <a:pt x="317" y="4"/>
+                  </a:cubicBezTo>
+                  <a:lnTo>
+                    <a:pt x="317" y="7"/>
+                  </a:lnTo>
+                  <a:cubicBezTo>
+                    <a:pt x="316" y="7"/>
+                    <a:pt x="315" y="7"/>
+                    <a:pt x="314" y="7"/>
+                  </a:cubicBezTo>
+                  <a:cubicBezTo>
+                    <a:pt x="271" y="7"/>
+                    <a:pt x="230" y="15"/>
+                    <a:pt x="192" y="30"/>
+                  </a:cubicBezTo>
+                  <a:cubicBezTo>
+                    <a:pt x="156" y="45"/>
+                    <a:pt x="123" y="68"/>
+                    <a:pt x="95" y="95"/>
+                  </a:cubicBezTo>
+                  <a:cubicBezTo>
+                    <a:pt x="68" y="123"/>
+                    <a:pt x="45" y="156"/>
+                    <a:pt x="30" y="192"/>
+                  </a:cubicBezTo>
+                  <a:cubicBezTo>
+                    <a:pt x="15" y="230"/>
+                    <a:pt x="7" y="271"/>
+                    <a:pt x="7" y="314"/>
+                  </a:cubicBezTo>
+                  <a:cubicBezTo>
+                    <a:pt x="7" y="357"/>
+                    <a:pt x="15" y="398"/>
+                    <a:pt x="30" y="436"/>
+                  </a:cubicBezTo>
+                  <a:cubicBezTo>
+                    <a:pt x="45" y="473"/>
+                    <a:pt x="68" y="506"/>
+                    <a:pt x="95" y="533"/>
+                  </a:cubicBezTo>
+                  <a:cubicBezTo>
+                    <a:pt x="123" y="560"/>
+                    <a:pt x="156" y="583"/>
+                    <a:pt x="192" y="598"/>
+                  </a:cubicBezTo>
+                  <a:cubicBezTo>
+                    <a:pt x="230" y="613"/>
+                    <a:pt x="271" y="622"/>
+                    <a:pt x="314" y="622"/>
+                  </a:cubicBezTo>
+                  <a:cubicBezTo>
+                    <a:pt x="315" y="622"/>
+                    <a:pt x="316" y="622"/>
+                    <a:pt x="317" y="622"/>
+                  </a:cubicBezTo>
+                  <a:lnTo>
+                    <a:pt x="317" y="628"/>
+                  </a:lnTo>
+                  <a:cubicBezTo>
+                    <a:pt x="316" y="628"/>
+                    <a:pt x="315" y="628"/>
+                    <a:pt x="314" y="628"/>
+                  </a:cubicBezTo>
+                  <a:cubicBezTo>
+                    <a:pt x="270" y="628"/>
+                    <a:pt x="228" y="620"/>
+                    <a:pt x="190" y="604"/>
+                  </a:cubicBezTo>
+                  <a:cubicBezTo>
+                    <a:pt x="152" y="589"/>
+                    <a:pt x="118" y="566"/>
+                    <a:pt x="90" y="538"/>
+                  </a:cubicBezTo>
+                  <a:cubicBezTo>
+                    <a:pt x="62" y="510"/>
+                    <a:pt x="39" y="476"/>
+                    <a:pt x="24" y="438"/>
+                  </a:cubicBezTo>
+                  <a:cubicBezTo>
+                    <a:pt x="9" y="400"/>
+                    <a:pt x="0" y="358"/>
+                    <a:pt x="0" y="314"/>
+                  </a:cubicBezTo>
+                  <a:cubicBezTo>
+                    <a:pt x="0" y="270"/>
+                    <a:pt x="9" y="228"/>
+                    <a:pt x="24" y="190"/>
+                  </a:cubicBezTo>
+                  <a:cubicBezTo>
+                    <a:pt x="39" y="152"/>
+                    <a:pt x="62" y="118"/>
+                    <a:pt x="90" y="90"/>
+                  </a:cubicBezTo>
+                  <a:cubicBezTo>
+                    <a:pt x="118" y="62"/>
+                    <a:pt x="152" y="39"/>
+                    <a:pt x="190" y="24"/>
+                  </a:cubicBezTo>
+                  <a:cubicBezTo>
+                    <a:pt x="228" y="9"/>
+                    <a:pt x="270" y="0"/>
+                    <a:pt x="314" y="0"/>
+                  </a:cubicBezTo>
+                  <a:cubicBezTo>
+                    <a:pt x="316" y="0"/>
+                    <a:pt x="319" y="0"/>
+                    <a:pt x="322" y="0"/>
+                  </a:cubicBezTo>
+                  <a:lnTo>
+                    <a:pt x="320" y="0"/>
+                  </a:lnTo>
+                </a:path>
+              </a:pathLst>
+            </a:custGeom>
+            <a:solidFill>
+              <a:srgbClr val="000000"/>
+            </a:solidFill>
+            <a:ln w="19050" cap="flat" cmpd="sng">
+              <a:solidFill>
+                <a:srgbClr val="000000"/>
+              </a:solidFill>
+              <a:prstDash val="solid"/>
+              <a:round/>
+              <a:headEnd type="none" w="sm" len="sm"/>
+              <a:tailEnd type="none" w="sm" len="sm"/>
+            </a:ln>
+          </p:spPr>
+          <p:txBody>
+            <a:bodyPr spcFirstLastPara="1" wrap="square" lIns="91425" tIns="91425" rIns="91425" bIns="91425" anchor="ctr" anchorCtr="0">
+              <a:noAutofit/>
+            </a:bodyPr>
+            <a:lstStyle/>
+            <a:p>
+              <a:pPr marL="0" lvl="0" indent="0" algn="l" rtl="0">
+                <a:spcBef>
+                  <a:spcPts val="0"/>
+                </a:spcBef>
+                <a:spcAft>
+                  <a:spcPts val="0"/>
+                </a:spcAft>
+                <a:buNone/>
+              </a:pPr>
+              <a:endParaRPr/>
+            </a:p>
+          </p:txBody>
+        </p:sp>
+      </p:grpSp>
+      <p:grpSp>
+        <p:nvGrpSpPr>
+          <p:cNvPr id="80" name="Group 79">
+            <a:extLst>
+              <a:ext uri="{FF2B5EF4-FFF2-40B4-BE49-F238E27FC236}">
+                <a16:creationId xmlns:a16="http://schemas.microsoft.com/office/drawing/2014/main" id="{6079EA44-9D77-4492-B35D-BD52A1A03A69}"/>
+              </a:ext>
+            </a:extLst>
+          </p:cNvPr>
+          <p:cNvGrpSpPr/>
+          <p:nvPr/>
+        </p:nvGrpSpPr>
+        <p:grpSpPr>
+          <a:xfrm>
+            <a:off x="1940835" y="3843752"/>
+            <a:ext cx="370284" cy="97500"/>
+            <a:chOff x="1826375" y="1590661"/>
+            <a:chExt cx="370284" cy="97500"/>
+          </a:xfrm>
+        </p:grpSpPr>
+        <p:sp>
+          <p:nvSpPr>
+            <p:cNvPr id="81" name="Google Shape;284;p16">
+              <a:extLst>
+                <a:ext uri="{FF2B5EF4-FFF2-40B4-BE49-F238E27FC236}">
+                  <a16:creationId xmlns:a16="http://schemas.microsoft.com/office/drawing/2014/main" id="{0E485505-DAB7-447B-86CD-D4C69B031FD7}"/>
+                </a:ext>
+              </a:extLst>
+            </p:cNvPr>
+            <p:cNvSpPr/>
+            <p:nvPr/>
+          </p:nvSpPr>
+          <p:spPr>
+            <a:xfrm>
+              <a:off x="2099159" y="1590661"/>
+              <a:ext cx="97500" cy="97500"/>
+            </a:xfrm>
+            <a:prstGeom prst="ellipse">
+              <a:avLst/>
+            </a:prstGeom>
+            <a:solidFill>
+              <a:srgbClr val="FFFFFF"/>
+            </a:solidFill>
+            <a:ln w="19050" cap="flat" cmpd="sng">
+              <a:solidFill>
+                <a:srgbClr val="000000"/>
+              </a:solidFill>
+              <a:prstDash val="solid"/>
+              <a:round/>
+              <a:headEnd type="none" w="sm" len="sm"/>
+              <a:tailEnd type="none" w="sm" len="sm"/>
+            </a:ln>
+          </p:spPr>
+          <p:txBody>
+            <a:bodyPr spcFirstLastPara="1" wrap="square" lIns="91425" tIns="91425" rIns="91425" bIns="91425" anchor="ctr" anchorCtr="0">
+              <a:noAutofit/>
+            </a:bodyPr>
+            <a:lstStyle/>
+            <a:p>
+              <a:pPr marL="0" lvl="0" indent="0" algn="l" rtl="0">
+                <a:spcBef>
+                  <a:spcPts val="0"/>
+                </a:spcBef>
+                <a:spcAft>
+                  <a:spcPts val="0"/>
+                </a:spcAft>
+                <a:buNone/>
+              </a:pPr>
+              <a:endParaRPr/>
+            </a:p>
+          </p:txBody>
+        </p:sp>
+        <p:cxnSp>
+          <p:nvCxnSpPr>
+            <p:cNvPr id="82" name="Google Shape;285;p16">
+              <a:extLst>
+                <a:ext uri="{FF2B5EF4-FFF2-40B4-BE49-F238E27FC236}">
+                  <a16:creationId xmlns:a16="http://schemas.microsoft.com/office/drawing/2014/main" id="{C4F6DC26-BA6F-4F70-B988-BF4975D5D01A}"/>
+                </a:ext>
+              </a:extLst>
+            </p:cNvPr>
+            <p:cNvCxnSpPr/>
+            <p:nvPr/>
+          </p:nvCxnSpPr>
+          <p:spPr>
+            <a:xfrm>
+              <a:off x="1826375" y="1639321"/>
+              <a:ext cx="272700" cy="0"/>
+            </a:xfrm>
+            <a:prstGeom prst="straightConnector1">
+              <a:avLst/>
+            </a:prstGeom>
+            <a:noFill/>
+            <a:ln w="19050" cap="flat" cmpd="sng">
+              <a:solidFill>
+                <a:srgbClr val="000000"/>
+              </a:solidFill>
+              <a:prstDash val="solid"/>
+              <a:round/>
+              <a:headEnd type="none" w="sm" len="sm"/>
+              <a:tailEnd type="none" w="sm" len="sm"/>
+            </a:ln>
+          </p:spPr>
+        </p:cxnSp>
+      </p:grpSp>
+      <p:sp>
+        <p:nvSpPr>
+          <p:cNvPr id="83" name="Google Shape;280;p16">
+            <a:extLst>
+              <a:ext uri="{FF2B5EF4-FFF2-40B4-BE49-F238E27FC236}">
+                <a16:creationId xmlns:a16="http://schemas.microsoft.com/office/drawing/2014/main" id="{99C0C5E4-0B21-45CC-8D35-3B3126026D7D}"/>
+              </a:ext>
+            </a:extLst>
+          </p:cNvPr>
+          <p:cNvSpPr/>
+          <p:nvPr/>
+        </p:nvSpPr>
+        <p:spPr>
+          <a:xfrm>
+            <a:off x="733853" y="4223098"/>
+            <a:ext cx="1204861" cy="463599"/>
+          </a:xfrm>
+          <a:prstGeom prst="rect">
+            <a:avLst/>
+          </a:prstGeom>
+          <a:solidFill>
+            <a:srgbClr val="FFFFFF"/>
+          </a:solidFill>
+          <a:ln w="19050" cap="flat" cmpd="sng">
+            <a:solidFill>
+              <a:srgbClr val="000000"/>
+            </a:solidFill>
+            <a:prstDash val="solid"/>
+            <a:round/>
+            <a:headEnd type="none" w="sm" len="sm"/>
+            <a:tailEnd type="none" w="sm" len="sm"/>
+          </a:ln>
+        </p:spPr>
+        <p:txBody>
+          <a:bodyPr spcFirstLastPara="1" wrap="square" lIns="104400" tIns="59400" rIns="104400" bIns="59400" anchor="ctr" anchorCtr="0">
+            <a:noAutofit/>
+          </a:bodyPr>
+          <a:lstStyle/>
+          <a:p>
+            <a:pPr marL="0" marR="0" lvl="0" indent="0" algn="ctr" rtl="0">
+              <a:spcBef>
+                <a:spcPts val="0"/>
+              </a:spcBef>
+              <a:spcAft>
+                <a:spcPts val="0"/>
+              </a:spcAft>
+              <a:buNone/>
+            </a:pPr>
+            <a:r>
+              <a:rPr lang="en" sz="800" i="0" u="none" strike="noStrike" cap="none" dirty="0">
+                <a:solidFill>
+                  <a:srgbClr val="666666"/>
+                </a:solidFill>
+              </a:rPr>
+              <a:t>«component»</a:t>
+            </a:r>
+            <a:endParaRPr sz="800" i="0" u="none" strike="noStrike" cap="none" dirty="0"/>
+          </a:p>
+          <a:p>
+            <a:pPr marL="0" marR="0" lvl="0" indent="0" algn="ctr" rtl="0">
+              <a:spcBef>
+                <a:spcPts val="0"/>
+              </a:spcBef>
+              <a:spcAft>
+                <a:spcPts val="0"/>
+              </a:spcAft>
+              <a:buNone/>
+            </a:pPr>
+            <a:endParaRPr sz="100" i="0" u="none" strike="noStrike" cap="none" dirty="0"/>
+          </a:p>
+          <a:p>
+            <a:pPr marL="0" marR="0" lvl="0" indent="0" algn="ctr" rtl="0">
+              <a:spcBef>
+                <a:spcPts val="0"/>
+              </a:spcBef>
+              <a:spcAft>
+                <a:spcPts val="0"/>
+              </a:spcAft>
+              <a:buNone/>
+            </a:pPr>
+            <a:r>
+              <a:rPr lang="en" sz="1000" b="1" dirty="0"/>
+              <a:t>Transportador</a:t>
+            </a:r>
+            <a:endParaRPr sz="1000" i="0" u="none" strike="noStrike" cap="none" dirty="0"/>
+          </a:p>
+        </p:txBody>
+      </p:sp>
+      <p:grpSp>
+        <p:nvGrpSpPr>
+          <p:cNvPr id="84" name="Group 83">
+            <a:extLst>
+              <a:ext uri="{FF2B5EF4-FFF2-40B4-BE49-F238E27FC236}">
+                <a16:creationId xmlns:a16="http://schemas.microsoft.com/office/drawing/2014/main" id="{9D0BC160-E05A-40D9-B65B-16A08B750693}"/>
+              </a:ext>
+            </a:extLst>
+          </p:cNvPr>
+          <p:cNvGrpSpPr/>
+          <p:nvPr/>
+        </p:nvGrpSpPr>
+        <p:grpSpPr>
+          <a:xfrm>
+            <a:off x="1950927" y="4304276"/>
+            <a:ext cx="307655" cy="99700"/>
+            <a:chOff x="1862738" y="1105281"/>
+            <a:chExt cx="307655" cy="99700"/>
+          </a:xfrm>
+        </p:grpSpPr>
+        <p:cxnSp>
+          <p:nvCxnSpPr>
+            <p:cNvPr id="85" name="Google Shape;281;p16">
+              <a:extLst>
+                <a:ext uri="{FF2B5EF4-FFF2-40B4-BE49-F238E27FC236}">
+                  <a16:creationId xmlns:a16="http://schemas.microsoft.com/office/drawing/2014/main" id="{F5708BE9-37C0-44A1-89B9-87189A24A3DA}"/>
+                </a:ext>
+              </a:extLst>
+            </p:cNvPr>
+            <p:cNvCxnSpPr/>
+            <p:nvPr/>
+          </p:nvCxnSpPr>
+          <p:spPr>
+            <a:xfrm>
+              <a:off x="1862738" y="1155052"/>
+              <a:ext cx="249300" cy="0"/>
+            </a:xfrm>
+            <a:prstGeom prst="straightConnector1">
+              <a:avLst/>
+            </a:prstGeom>
+            <a:noFill/>
+            <a:ln w="19050" cap="flat" cmpd="sng">
+              <a:solidFill>
+                <a:srgbClr val="000000"/>
+              </a:solidFill>
+              <a:prstDash val="solid"/>
+              <a:round/>
+              <a:headEnd type="none" w="sm" len="sm"/>
+              <a:tailEnd type="none" w="sm" len="sm"/>
+            </a:ln>
+          </p:spPr>
+        </p:cxnSp>
+        <p:sp>
+          <p:nvSpPr>
+            <p:cNvPr id="86" name="Google Shape;282;p16">
+              <a:extLst>
+                <a:ext uri="{FF2B5EF4-FFF2-40B4-BE49-F238E27FC236}">
+                  <a16:creationId xmlns:a16="http://schemas.microsoft.com/office/drawing/2014/main" id="{267FD7E8-02EF-4761-B3F4-97BB00175C8F}"/>
+                </a:ext>
+              </a:extLst>
+            </p:cNvPr>
+            <p:cNvSpPr/>
+            <p:nvPr/>
+          </p:nvSpPr>
+          <p:spPr>
+            <a:xfrm>
+              <a:off x="2119196" y="1105281"/>
+              <a:ext cx="51197" cy="99700"/>
+            </a:xfrm>
+            <a:custGeom>
+              <a:avLst/>
+              <a:gdLst/>
+              <a:ahLst/>
+              <a:cxnLst/>
+              <a:rect l="l" t="t" r="r" b="b"/>
+              <a:pathLst>
+                <a:path w="323" h="629" extrusionOk="0">
+                  <a:moveTo>
+                    <a:pt x="320" y="0"/>
+                  </a:moveTo>
+                  <a:lnTo>
+                    <a:pt x="319" y="1"/>
+                  </a:lnTo>
+                  <a:cubicBezTo>
+                    <a:pt x="319" y="1"/>
+                    <a:pt x="318" y="1"/>
+                    <a:pt x="318" y="2"/>
+                  </a:cubicBezTo>
+                  <a:cubicBezTo>
+                    <a:pt x="317" y="3"/>
+                    <a:pt x="317" y="3"/>
+                    <a:pt x="317" y="4"/>
+                  </a:cubicBezTo>
+                  <a:lnTo>
+                    <a:pt x="317" y="7"/>
+                  </a:lnTo>
+                  <a:cubicBezTo>
+                    <a:pt x="316" y="7"/>
+                    <a:pt x="315" y="7"/>
+                    <a:pt x="314" y="7"/>
+                  </a:cubicBezTo>
+                  <a:cubicBezTo>
+                    <a:pt x="271" y="7"/>
+                    <a:pt x="230" y="15"/>
+                    <a:pt x="192" y="30"/>
+                  </a:cubicBezTo>
+                  <a:cubicBezTo>
+                    <a:pt x="156" y="45"/>
+                    <a:pt x="123" y="68"/>
+                    <a:pt x="95" y="95"/>
+                  </a:cubicBezTo>
+                  <a:cubicBezTo>
+                    <a:pt x="68" y="123"/>
+                    <a:pt x="45" y="156"/>
+                    <a:pt x="30" y="192"/>
+                  </a:cubicBezTo>
+                  <a:cubicBezTo>
+                    <a:pt x="15" y="230"/>
+                    <a:pt x="7" y="271"/>
+                    <a:pt x="7" y="314"/>
+                  </a:cubicBezTo>
+                  <a:cubicBezTo>
+                    <a:pt x="7" y="357"/>
+                    <a:pt x="15" y="398"/>
+                    <a:pt x="30" y="436"/>
+                  </a:cubicBezTo>
+                  <a:cubicBezTo>
+                    <a:pt x="45" y="473"/>
+                    <a:pt x="68" y="506"/>
+                    <a:pt x="95" y="533"/>
+                  </a:cubicBezTo>
+                  <a:cubicBezTo>
+                    <a:pt x="123" y="560"/>
+                    <a:pt x="156" y="583"/>
+                    <a:pt x="192" y="598"/>
+                  </a:cubicBezTo>
+                  <a:cubicBezTo>
+                    <a:pt x="230" y="613"/>
+                    <a:pt x="271" y="622"/>
+                    <a:pt x="314" y="622"/>
+                  </a:cubicBezTo>
+                  <a:cubicBezTo>
+                    <a:pt x="315" y="622"/>
+                    <a:pt x="316" y="622"/>
+                    <a:pt x="317" y="622"/>
+                  </a:cubicBezTo>
+                  <a:lnTo>
+                    <a:pt x="317" y="628"/>
+                  </a:lnTo>
+                  <a:cubicBezTo>
+                    <a:pt x="316" y="628"/>
+                    <a:pt x="315" y="628"/>
+                    <a:pt x="314" y="628"/>
+                  </a:cubicBezTo>
+                  <a:cubicBezTo>
+                    <a:pt x="270" y="628"/>
+                    <a:pt x="228" y="620"/>
+                    <a:pt x="190" y="604"/>
+                  </a:cubicBezTo>
+                  <a:cubicBezTo>
+                    <a:pt x="152" y="589"/>
+                    <a:pt x="118" y="566"/>
+                    <a:pt x="90" y="538"/>
+                  </a:cubicBezTo>
+                  <a:cubicBezTo>
+                    <a:pt x="62" y="510"/>
+                    <a:pt x="39" y="476"/>
+                    <a:pt x="24" y="438"/>
+                  </a:cubicBezTo>
+                  <a:cubicBezTo>
+                    <a:pt x="9" y="400"/>
+                    <a:pt x="0" y="358"/>
+                    <a:pt x="0" y="314"/>
+                  </a:cubicBezTo>
+                  <a:cubicBezTo>
+                    <a:pt x="0" y="270"/>
+                    <a:pt x="9" y="228"/>
+                    <a:pt x="24" y="190"/>
+                  </a:cubicBezTo>
+                  <a:cubicBezTo>
+                    <a:pt x="39" y="152"/>
+                    <a:pt x="62" y="118"/>
+                    <a:pt x="90" y="90"/>
+                  </a:cubicBezTo>
+                  <a:cubicBezTo>
+                    <a:pt x="118" y="62"/>
+                    <a:pt x="152" y="39"/>
+                    <a:pt x="190" y="24"/>
+                  </a:cubicBezTo>
+                  <a:cubicBezTo>
+                    <a:pt x="228" y="9"/>
+                    <a:pt x="270" y="0"/>
+                    <a:pt x="314" y="0"/>
+                  </a:cubicBezTo>
+                  <a:cubicBezTo>
+                    <a:pt x="316" y="0"/>
+                    <a:pt x="319" y="0"/>
+                    <a:pt x="322" y="0"/>
+                  </a:cubicBezTo>
+                  <a:lnTo>
+                    <a:pt x="320" y="0"/>
+                  </a:lnTo>
+                </a:path>
+              </a:pathLst>
+            </a:custGeom>
+            <a:solidFill>
+              <a:srgbClr val="000000"/>
+            </a:solidFill>
+            <a:ln w="19050" cap="flat" cmpd="sng">
+              <a:solidFill>
+                <a:srgbClr val="000000"/>
+              </a:solidFill>
+              <a:prstDash val="solid"/>
+              <a:round/>
+              <a:headEnd type="none" w="sm" len="sm"/>
+              <a:tailEnd type="none" w="sm" len="sm"/>
+            </a:ln>
+          </p:spPr>
+          <p:txBody>
+            <a:bodyPr spcFirstLastPara="1" wrap="square" lIns="91425" tIns="91425" rIns="91425" bIns="91425" anchor="ctr" anchorCtr="0">
+              <a:noAutofit/>
+            </a:bodyPr>
+            <a:lstStyle/>
+            <a:p>
+              <a:pPr marL="0" lvl="0" indent="0" algn="l" rtl="0">
+                <a:spcBef>
+                  <a:spcPts val="0"/>
+                </a:spcBef>
+                <a:spcAft>
+                  <a:spcPts val="0"/>
+                </a:spcAft>
+                <a:buNone/>
+              </a:pPr>
+              <a:endParaRPr/>
+            </a:p>
+          </p:txBody>
+        </p:sp>
+      </p:grpSp>
+      <p:grpSp>
+        <p:nvGrpSpPr>
+          <p:cNvPr id="87" name="Group 86">
+            <a:extLst>
+              <a:ext uri="{FF2B5EF4-FFF2-40B4-BE49-F238E27FC236}">
+                <a16:creationId xmlns:a16="http://schemas.microsoft.com/office/drawing/2014/main" id="{88000D32-E2E2-499D-905F-98B32C0B6E1C}"/>
+              </a:ext>
+            </a:extLst>
+          </p:cNvPr>
+          <p:cNvGrpSpPr/>
+          <p:nvPr/>
+        </p:nvGrpSpPr>
+        <p:grpSpPr>
+          <a:xfrm>
+            <a:off x="1938198" y="4517053"/>
+            <a:ext cx="370284" cy="97500"/>
+            <a:chOff x="1826375" y="1590661"/>
+            <a:chExt cx="370284" cy="97500"/>
+          </a:xfrm>
+        </p:grpSpPr>
+        <p:sp>
+          <p:nvSpPr>
+            <p:cNvPr id="88" name="Google Shape;284;p16">
+              <a:extLst>
+                <a:ext uri="{FF2B5EF4-FFF2-40B4-BE49-F238E27FC236}">
+                  <a16:creationId xmlns:a16="http://schemas.microsoft.com/office/drawing/2014/main" id="{02A6FA88-55DE-42CF-8177-EA87499D4C02}"/>
+                </a:ext>
+              </a:extLst>
+            </p:cNvPr>
+            <p:cNvSpPr/>
+            <p:nvPr/>
+          </p:nvSpPr>
+          <p:spPr>
+            <a:xfrm>
+              <a:off x="2099159" y="1590661"/>
+              <a:ext cx="97500" cy="97500"/>
+            </a:xfrm>
+            <a:prstGeom prst="ellipse">
+              <a:avLst/>
+            </a:prstGeom>
+            <a:solidFill>
+              <a:srgbClr val="FFFFFF"/>
+            </a:solidFill>
+            <a:ln w="19050" cap="flat" cmpd="sng">
+              <a:solidFill>
+                <a:srgbClr val="000000"/>
+              </a:solidFill>
+              <a:prstDash val="solid"/>
+              <a:round/>
+              <a:headEnd type="none" w="sm" len="sm"/>
+              <a:tailEnd type="none" w="sm" len="sm"/>
+            </a:ln>
+          </p:spPr>
+          <p:txBody>
+            <a:bodyPr spcFirstLastPara="1" wrap="square" lIns="91425" tIns="91425" rIns="91425" bIns="91425" anchor="ctr" anchorCtr="0">
+              <a:noAutofit/>
+            </a:bodyPr>
+            <a:lstStyle/>
+            <a:p>
+              <a:pPr marL="0" lvl="0" indent="0" algn="l" rtl="0">
+                <a:spcBef>
+                  <a:spcPts val="0"/>
+                </a:spcBef>
+                <a:spcAft>
+                  <a:spcPts val="0"/>
+                </a:spcAft>
+                <a:buNone/>
+              </a:pPr>
+              <a:endParaRPr/>
+            </a:p>
+          </p:txBody>
+        </p:sp>
+        <p:cxnSp>
+          <p:nvCxnSpPr>
+            <p:cNvPr id="89" name="Google Shape;285;p16">
+              <a:extLst>
+                <a:ext uri="{FF2B5EF4-FFF2-40B4-BE49-F238E27FC236}">
+                  <a16:creationId xmlns:a16="http://schemas.microsoft.com/office/drawing/2014/main" id="{B7F82557-80E5-4799-BF3D-F74E9DA649EA}"/>
+                </a:ext>
+              </a:extLst>
+            </p:cNvPr>
+            <p:cNvCxnSpPr/>
+            <p:nvPr/>
+          </p:nvCxnSpPr>
+          <p:spPr>
+            <a:xfrm>
+              <a:off x="1826375" y="1639321"/>
+              <a:ext cx="272700" cy="0"/>
+            </a:xfrm>
+            <a:prstGeom prst="straightConnector1">
+              <a:avLst/>
+            </a:prstGeom>
+            <a:noFill/>
+            <a:ln w="19050" cap="flat" cmpd="sng">
+              <a:solidFill>
+                <a:srgbClr val="000000"/>
+              </a:solidFill>
+              <a:prstDash val="solid"/>
+              <a:round/>
+              <a:headEnd type="none" w="sm" len="sm"/>
+              <a:tailEnd type="none" w="sm" len="sm"/>
+            </a:ln>
+          </p:spPr>
+        </p:cxnSp>
+      </p:grpSp>
+      <p:sp>
+        <p:nvSpPr>
+          <p:cNvPr id="90" name="Google Shape;280;p16">
+            <a:extLst>
+              <a:ext uri="{FF2B5EF4-FFF2-40B4-BE49-F238E27FC236}">
+                <a16:creationId xmlns:a16="http://schemas.microsoft.com/office/drawing/2014/main" id="{EACA0D5D-314D-45DC-9C37-18FB23F4318B}"/>
+              </a:ext>
+            </a:extLst>
+          </p:cNvPr>
+          <p:cNvSpPr/>
+          <p:nvPr/>
+        </p:nvSpPr>
+        <p:spPr>
+          <a:xfrm>
+            <a:off x="723761" y="4896398"/>
+            <a:ext cx="1204861" cy="463599"/>
+          </a:xfrm>
+          <a:prstGeom prst="rect">
+            <a:avLst/>
+          </a:prstGeom>
+          <a:solidFill>
+            <a:srgbClr val="FFFFFF"/>
+          </a:solidFill>
+          <a:ln w="19050" cap="flat" cmpd="sng">
+            <a:solidFill>
+              <a:srgbClr val="000000"/>
+            </a:solidFill>
+            <a:prstDash val="solid"/>
+            <a:round/>
+            <a:headEnd type="none" w="sm" len="sm"/>
+            <a:tailEnd type="none" w="sm" len="sm"/>
+          </a:ln>
+        </p:spPr>
+        <p:txBody>
+          <a:bodyPr spcFirstLastPara="1" wrap="square" lIns="104400" tIns="59400" rIns="104400" bIns="59400" anchor="ctr" anchorCtr="0">
+            <a:noAutofit/>
+          </a:bodyPr>
+          <a:lstStyle/>
+          <a:p>
+            <a:pPr marL="0" marR="0" lvl="0" indent="0" algn="ctr" rtl="0">
+              <a:spcBef>
+                <a:spcPts val="0"/>
+              </a:spcBef>
+              <a:spcAft>
+                <a:spcPts val="0"/>
+              </a:spcAft>
+              <a:buNone/>
+            </a:pPr>
+            <a:r>
+              <a:rPr lang="en" sz="800" i="0" u="none" strike="noStrike" cap="none" dirty="0">
+                <a:solidFill>
+                  <a:srgbClr val="666666"/>
+                </a:solidFill>
+              </a:rPr>
+              <a:t>«component»</a:t>
+            </a:r>
+            <a:endParaRPr sz="800" i="0" u="none" strike="noStrike" cap="none" dirty="0"/>
+          </a:p>
+          <a:p>
+            <a:pPr marL="0" marR="0" lvl="0" indent="0" algn="ctr" rtl="0">
+              <a:spcBef>
+                <a:spcPts val="0"/>
+              </a:spcBef>
+              <a:spcAft>
+                <a:spcPts val="0"/>
+              </a:spcAft>
+              <a:buNone/>
+            </a:pPr>
+            <a:endParaRPr sz="100" i="0" u="none" strike="noStrike" cap="none" dirty="0"/>
+          </a:p>
+          <a:p>
+            <a:pPr marL="0" marR="0" lvl="0" indent="0" algn="ctr" rtl="0">
+              <a:spcBef>
+                <a:spcPts val="0"/>
+              </a:spcBef>
+              <a:spcAft>
+                <a:spcPts val="0"/>
+              </a:spcAft>
+              <a:buNone/>
+            </a:pPr>
+            <a:r>
+              <a:rPr lang="en" sz="1000" b="1" dirty="0"/>
+              <a:t>Pagamento</a:t>
+            </a:r>
+            <a:endParaRPr sz="1000" i="0" u="none" strike="noStrike" cap="none" dirty="0"/>
+          </a:p>
+        </p:txBody>
+      </p:sp>
+      <p:grpSp>
+        <p:nvGrpSpPr>
+          <p:cNvPr id="91" name="Group 90">
+            <a:extLst>
+              <a:ext uri="{FF2B5EF4-FFF2-40B4-BE49-F238E27FC236}">
+                <a16:creationId xmlns:a16="http://schemas.microsoft.com/office/drawing/2014/main" id="{1B8A0CD3-A589-4EED-9500-D9E908EED368}"/>
+              </a:ext>
+            </a:extLst>
+          </p:cNvPr>
+          <p:cNvGrpSpPr/>
+          <p:nvPr/>
+        </p:nvGrpSpPr>
+        <p:grpSpPr>
+          <a:xfrm>
+            <a:off x="1940835" y="4977576"/>
+            <a:ext cx="307655" cy="99700"/>
+            <a:chOff x="1862738" y="1105281"/>
+            <a:chExt cx="307655" cy="99700"/>
+          </a:xfrm>
+        </p:grpSpPr>
+        <p:cxnSp>
+          <p:nvCxnSpPr>
+            <p:cNvPr id="92" name="Google Shape;281;p16">
+              <a:extLst>
+                <a:ext uri="{FF2B5EF4-FFF2-40B4-BE49-F238E27FC236}">
+                  <a16:creationId xmlns:a16="http://schemas.microsoft.com/office/drawing/2014/main" id="{602160F6-7BB4-4503-8804-C4730CC1EB57}"/>
+                </a:ext>
+              </a:extLst>
+            </p:cNvPr>
+            <p:cNvCxnSpPr/>
+            <p:nvPr/>
+          </p:nvCxnSpPr>
+          <p:spPr>
+            <a:xfrm>
+              <a:off x="1862738" y="1155052"/>
+              <a:ext cx="249300" cy="0"/>
+            </a:xfrm>
+            <a:prstGeom prst="straightConnector1">
+              <a:avLst/>
+            </a:prstGeom>
+            <a:noFill/>
+            <a:ln w="19050" cap="flat" cmpd="sng">
+              <a:solidFill>
+                <a:srgbClr val="000000"/>
+              </a:solidFill>
+              <a:prstDash val="solid"/>
+              <a:round/>
+              <a:headEnd type="none" w="sm" len="sm"/>
+              <a:tailEnd type="none" w="sm" len="sm"/>
+            </a:ln>
+          </p:spPr>
+        </p:cxnSp>
+        <p:sp>
+          <p:nvSpPr>
+            <p:cNvPr id="93" name="Google Shape;282;p16">
+              <a:extLst>
+                <a:ext uri="{FF2B5EF4-FFF2-40B4-BE49-F238E27FC236}">
+                  <a16:creationId xmlns:a16="http://schemas.microsoft.com/office/drawing/2014/main" id="{72734F2D-7DB5-4806-8DDE-2841EF4F1665}"/>
+                </a:ext>
+              </a:extLst>
+            </p:cNvPr>
+            <p:cNvSpPr/>
+            <p:nvPr/>
+          </p:nvSpPr>
+          <p:spPr>
+            <a:xfrm>
+              <a:off x="2119196" y="1105281"/>
+              <a:ext cx="51197" cy="99700"/>
+            </a:xfrm>
+            <a:custGeom>
+              <a:avLst/>
+              <a:gdLst/>
+              <a:ahLst/>
+              <a:cxnLst/>
+              <a:rect l="l" t="t" r="r" b="b"/>
+              <a:pathLst>
+                <a:path w="323" h="629" extrusionOk="0">
+                  <a:moveTo>
+                    <a:pt x="320" y="0"/>
+                  </a:moveTo>
+                  <a:lnTo>
+                    <a:pt x="319" y="1"/>
+                  </a:lnTo>
+                  <a:cubicBezTo>
+                    <a:pt x="319" y="1"/>
+                    <a:pt x="318" y="1"/>
+                    <a:pt x="318" y="2"/>
+                  </a:cubicBezTo>
+                  <a:cubicBezTo>
+                    <a:pt x="317" y="3"/>
+                    <a:pt x="317" y="3"/>
+                    <a:pt x="317" y="4"/>
+                  </a:cubicBezTo>
+                  <a:lnTo>
+                    <a:pt x="317" y="7"/>
+                  </a:lnTo>
+                  <a:cubicBezTo>
+                    <a:pt x="316" y="7"/>
+                    <a:pt x="315" y="7"/>
+                    <a:pt x="314" y="7"/>
+                  </a:cubicBezTo>
+                  <a:cubicBezTo>
+                    <a:pt x="271" y="7"/>
+                    <a:pt x="230" y="15"/>
+                    <a:pt x="192" y="30"/>
+                  </a:cubicBezTo>
+                  <a:cubicBezTo>
+                    <a:pt x="156" y="45"/>
+                    <a:pt x="123" y="68"/>
+                    <a:pt x="95" y="95"/>
+                  </a:cubicBezTo>
+                  <a:cubicBezTo>
+                    <a:pt x="68" y="123"/>
+                    <a:pt x="45" y="156"/>
+                    <a:pt x="30" y="192"/>
+                  </a:cubicBezTo>
+                  <a:cubicBezTo>
+                    <a:pt x="15" y="230"/>
+                    <a:pt x="7" y="271"/>
+                    <a:pt x="7" y="314"/>
+                  </a:cubicBezTo>
+                  <a:cubicBezTo>
+                    <a:pt x="7" y="357"/>
+                    <a:pt x="15" y="398"/>
+                    <a:pt x="30" y="436"/>
+                  </a:cubicBezTo>
+                  <a:cubicBezTo>
+                    <a:pt x="45" y="473"/>
+                    <a:pt x="68" y="506"/>
+                    <a:pt x="95" y="533"/>
+                  </a:cubicBezTo>
+                  <a:cubicBezTo>
+                    <a:pt x="123" y="560"/>
+                    <a:pt x="156" y="583"/>
+                    <a:pt x="192" y="598"/>
+                  </a:cubicBezTo>
+                  <a:cubicBezTo>
+                    <a:pt x="230" y="613"/>
+                    <a:pt x="271" y="622"/>
+                    <a:pt x="314" y="622"/>
+                  </a:cubicBezTo>
+                  <a:cubicBezTo>
+                    <a:pt x="315" y="622"/>
+                    <a:pt x="316" y="622"/>
+                    <a:pt x="317" y="622"/>
+                  </a:cubicBezTo>
+                  <a:lnTo>
+                    <a:pt x="317" y="628"/>
+                  </a:lnTo>
+                  <a:cubicBezTo>
+                    <a:pt x="316" y="628"/>
+                    <a:pt x="315" y="628"/>
+                    <a:pt x="314" y="628"/>
+                  </a:cubicBezTo>
+                  <a:cubicBezTo>
+                    <a:pt x="270" y="628"/>
+                    <a:pt x="228" y="620"/>
+                    <a:pt x="190" y="604"/>
+                  </a:cubicBezTo>
+                  <a:cubicBezTo>
+                    <a:pt x="152" y="589"/>
+                    <a:pt x="118" y="566"/>
+                    <a:pt x="90" y="538"/>
+                  </a:cubicBezTo>
+                  <a:cubicBezTo>
+                    <a:pt x="62" y="510"/>
+                    <a:pt x="39" y="476"/>
+                    <a:pt x="24" y="438"/>
+                  </a:cubicBezTo>
+                  <a:cubicBezTo>
+                    <a:pt x="9" y="400"/>
+                    <a:pt x="0" y="358"/>
+                    <a:pt x="0" y="314"/>
+                  </a:cubicBezTo>
+                  <a:cubicBezTo>
+                    <a:pt x="0" y="270"/>
+                    <a:pt x="9" y="228"/>
+                    <a:pt x="24" y="190"/>
+                  </a:cubicBezTo>
+                  <a:cubicBezTo>
+                    <a:pt x="39" y="152"/>
+                    <a:pt x="62" y="118"/>
+                    <a:pt x="90" y="90"/>
+                  </a:cubicBezTo>
+                  <a:cubicBezTo>
+                    <a:pt x="118" y="62"/>
+                    <a:pt x="152" y="39"/>
+                    <a:pt x="190" y="24"/>
+                  </a:cubicBezTo>
+                  <a:cubicBezTo>
+                    <a:pt x="228" y="9"/>
+                    <a:pt x="270" y="0"/>
+                    <a:pt x="314" y="0"/>
+                  </a:cubicBezTo>
+                  <a:cubicBezTo>
+                    <a:pt x="316" y="0"/>
+                    <a:pt x="319" y="0"/>
+                    <a:pt x="322" y="0"/>
+                  </a:cubicBezTo>
+                  <a:lnTo>
+                    <a:pt x="320" y="0"/>
+                  </a:lnTo>
+                </a:path>
+              </a:pathLst>
+            </a:custGeom>
+            <a:solidFill>
+              <a:srgbClr val="000000"/>
+            </a:solidFill>
+            <a:ln w="19050" cap="flat" cmpd="sng">
+              <a:solidFill>
+                <a:srgbClr val="000000"/>
+              </a:solidFill>
+              <a:prstDash val="solid"/>
+              <a:round/>
+              <a:headEnd type="none" w="sm" len="sm"/>
+              <a:tailEnd type="none" w="sm" len="sm"/>
+            </a:ln>
+          </p:spPr>
+          <p:txBody>
+            <a:bodyPr spcFirstLastPara="1" wrap="square" lIns="91425" tIns="91425" rIns="91425" bIns="91425" anchor="ctr" anchorCtr="0">
+              <a:noAutofit/>
+            </a:bodyPr>
+            <a:lstStyle/>
+            <a:p>
+              <a:pPr marL="0" lvl="0" indent="0" algn="l" rtl="0">
+                <a:spcBef>
+                  <a:spcPts val="0"/>
+                </a:spcBef>
+                <a:spcAft>
+                  <a:spcPts val="0"/>
+                </a:spcAft>
+                <a:buNone/>
+              </a:pPr>
+              <a:endParaRPr/>
+            </a:p>
+          </p:txBody>
+        </p:sp>
+      </p:grpSp>
+      <p:grpSp>
+        <p:nvGrpSpPr>
+          <p:cNvPr id="94" name="Group 93">
+            <a:extLst>
+              <a:ext uri="{FF2B5EF4-FFF2-40B4-BE49-F238E27FC236}">
+                <a16:creationId xmlns:a16="http://schemas.microsoft.com/office/drawing/2014/main" id="{74D2B423-7749-4EF6-B638-FBA8BD3DF1D3}"/>
+              </a:ext>
+            </a:extLst>
+          </p:cNvPr>
+          <p:cNvGrpSpPr/>
+          <p:nvPr/>
+        </p:nvGrpSpPr>
+        <p:grpSpPr>
+          <a:xfrm>
+            <a:off x="1928106" y="5190353"/>
+            <a:ext cx="370284" cy="97500"/>
+            <a:chOff x="1826375" y="1590661"/>
+            <a:chExt cx="370284" cy="97500"/>
+          </a:xfrm>
+        </p:grpSpPr>
+        <p:sp>
+          <p:nvSpPr>
+            <p:cNvPr id="95" name="Google Shape;284;p16">
+              <a:extLst>
+                <a:ext uri="{FF2B5EF4-FFF2-40B4-BE49-F238E27FC236}">
+                  <a16:creationId xmlns:a16="http://schemas.microsoft.com/office/drawing/2014/main" id="{F8D56F02-FFCC-4A69-891A-46E540874113}"/>
+                </a:ext>
+              </a:extLst>
+            </p:cNvPr>
+            <p:cNvSpPr/>
+            <p:nvPr/>
+          </p:nvSpPr>
+          <p:spPr>
+            <a:xfrm>
+              <a:off x="2099159" y="1590661"/>
+              <a:ext cx="97500" cy="97500"/>
+            </a:xfrm>
+            <a:prstGeom prst="ellipse">
+              <a:avLst/>
+            </a:prstGeom>
+            <a:solidFill>
+              <a:srgbClr val="FFFFFF"/>
+            </a:solidFill>
+            <a:ln w="19050" cap="flat" cmpd="sng">
+              <a:solidFill>
+                <a:srgbClr val="000000"/>
+              </a:solidFill>
+              <a:prstDash val="solid"/>
+              <a:round/>
+              <a:headEnd type="none" w="sm" len="sm"/>
+              <a:tailEnd type="none" w="sm" len="sm"/>
+            </a:ln>
+          </p:spPr>
+          <p:txBody>
+            <a:bodyPr spcFirstLastPara="1" wrap="square" lIns="91425" tIns="91425" rIns="91425" bIns="91425" anchor="ctr" anchorCtr="0">
+              <a:noAutofit/>
+            </a:bodyPr>
+            <a:lstStyle/>
+            <a:p>
+              <a:pPr marL="0" lvl="0" indent="0" algn="l" rtl="0">
+                <a:spcBef>
+                  <a:spcPts val="0"/>
+                </a:spcBef>
+                <a:spcAft>
+                  <a:spcPts val="0"/>
+                </a:spcAft>
+                <a:buNone/>
+              </a:pPr>
+              <a:endParaRPr/>
+            </a:p>
+          </p:txBody>
+        </p:sp>
+        <p:cxnSp>
+          <p:nvCxnSpPr>
+            <p:cNvPr id="96" name="Google Shape;285;p16">
+              <a:extLst>
+                <a:ext uri="{FF2B5EF4-FFF2-40B4-BE49-F238E27FC236}">
+                  <a16:creationId xmlns:a16="http://schemas.microsoft.com/office/drawing/2014/main" id="{0E41E161-F40B-419F-9DA3-92FDDB5AD15C}"/>
+                </a:ext>
+              </a:extLst>
+            </p:cNvPr>
+            <p:cNvCxnSpPr/>
+            <p:nvPr/>
+          </p:nvCxnSpPr>
+          <p:spPr>
+            <a:xfrm>
+              <a:off x="1826375" y="1639321"/>
+              <a:ext cx="272700" cy="0"/>
+            </a:xfrm>
+            <a:prstGeom prst="straightConnector1">
+              <a:avLst/>
+            </a:prstGeom>
+            <a:noFill/>
+            <a:ln w="19050" cap="flat" cmpd="sng">
+              <a:solidFill>
+                <a:srgbClr val="000000"/>
+              </a:solidFill>
+              <a:prstDash val="solid"/>
+              <a:round/>
+              <a:headEnd type="none" w="sm" len="sm"/>
+              <a:tailEnd type="none" w="sm" len="sm"/>
+            </a:ln>
+          </p:spPr>
+        </p:cxnSp>
+      </p:grpSp>
+      <p:sp>
+        <p:nvSpPr>
+          <p:cNvPr id="97" name="Google Shape;280;p16">
+            <a:extLst>
+              <a:ext uri="{FF2B5EF4-FFF2-40B4-BE49-F238E27FC236}">
+                <a16:creationId xmlns:a16="http://schemas.microsoft.com/office/drawing/2014/main" id="{B0BE37B7-842B-4259-A4B4-284097D031AE}"/>
+              </a:ext>
+            </a:extLst>
+          </p:cNvPr>
+          <p:cNvSpPr/>
+          <p:nvPr/>
+        </p:nvSpPr>
+        <p:spPr>
+          <a:xfrm>
+            <a:off x="723245" y="1534538"/>
+            <a:ext cx="1204861" cy="463599"/>
+          </a:xfrm>
+          <a:prstGeom prst="rect">
+            <a:avLst/>
+          </a:prstGeom>
+          <a:solidFill>
+            <a:srgbClr val="FFFFFF"/>
+          </a:solidFill>
+          <a:ln w="19050" cap="flat" cmpd="sng">
+            <a:solidFill>
+              <a:srgbClr val="000000"/>
+            </a:solidFill>
+            <a:prstDash val="solid"/>
+            <a:round/>
+            <a:headEnd type="none" w="sm" len="sm"/>
+            <a:tailEnd type="none" w="sm" len="sm"/>
+          </a:ln>
+        </p:spPr>
+        <p:txBody>
+          <a:bodyPr spcFirstLastPara="1" wrap="square" lIns="104400" tIns="59400" rIns="104400" bIns="59400" anchor="ctr" anchorCtr="0">
+            <a:noAutofit/>
+          </a:bodyPr>
+          <a:lstStyle/>
+          <a:p>
+            <a:pPr marL="0" marR="0" lvl="0" indent="0" algn="ctr" rtl="0">
+              <a:spcBef>
+                <a:spcPts val="0"/>
+              </a:spcBef>
+              <a:spcAft>
+                <a:spcPts val="0"/>
+              </a:spcAft>
+              <a:buNone/>
+            </a:pPr>
+            <a:r>
+              <a:rPr lang="en" sz="800" i="0" u="none" strike="noStrike" cap="none" dirty="0">
+                <a:solidFill>
+                  <a:srgbClr val="666666"/>
+                </a:solidFill>
+              </a:rPr>
+              <a:t>«component»</a:t>
+            </a:r>
+            <a:endParaRPr sz="800" i="0" u="none" strike="noStrike" cap="none" dirty="0"/>
+          </a:p>
+          <a:p>
+            <a:pPr marL="0" marR="0" lvl="0" indent="0" algn="ctr" rtl="0">
+              <a:spcBef>
+                <a:spcPts val="0"/>
+              </a:spcBef>
+              <a:spcAft>
+                <a:spcPts val="0"/>
+              </a:spcAft>
+              <a:buNone/>
+            </a:pPr>
+            <a:endParaRPr sz="100" i="0" u="none" strike="noStrike" cap="none" dirty="0"/>
+          </a:p>
+          <a:p>
+            <a:pPr marL="0" marR="0" lvl="0" indent="0" algn="ctr" rtl="0">
+              <a:spcBef>
+                <a:spcPts val="0"/>
+              </a:spcBef>
+              <a:spcAft>
+                <a:spcPts val="0"/>
+              </a:spcAft>
+              <a:buNone/>
+            </a:pPr>
+            <a:r>
+              <a:rPr lang="en" sz="1000" b="1" dirty="0"/>
+              <a:t>Session</a:t>
+            </a:r>
+            <a:endParaRPr sz="1000" i="0" u="none" strike="noStrike" cap="none" dirty="0"/>
+          </a:p>
+        </p:txBody>
+      </p:sp>
+      <p:grpSp>
+        <p:nvGrpSpPr>
+          <p:cNvPr id="98" name="Group 97">
+            <a:extLst>
+              <a:ext uri="{FF2B5EF4-FFF2-40B4-BE49-F238E27FC236}">
+                <a16:creationId xmlns:a16="http://schemas.microsoft.com/office/drawing/2014/main" id="{052F5750-C327-4F31-8E6D-96660CC6B5DE}"/>
+              </a:ext>
+            </a:extLst>
+          </p:cNvPr>
+          <p:cNvGrpSpPr/>
+          <p:nvPr/>
+        </p:nvGrpSpPr>
+        <p:grpSpPr>
+          <a:xfrm>
+            <a:off x="1940319" y="1615716"/>
+            <a:ext cx="307655" cy="99700"/>
+            <a:chOff x="1862738" y="1105281"/>
+            <a:chExt cx="307655" cy="99700"/>
+          </a:xfrm>
+        </p:grpSpPr>
+        <p:cxnSp>
+          <p:nvCxnSpPr>
+            <p:cNvPr id="99" name="Google Shape;281;p16">
+              <a:extLst>
+                <a:ext uri="{FF2B5EF4-FFF2-40B4-BE49-F238E27FC236}">
+                  <a16:creationId xmlns:a16="http://schemas.microsoft.com/office/drawing/2014/main" id="{BE281015-9AF8-4622-9E78-688A79CD3E76}"/>
+                </a:ext>
+              </a:extLst>
+            </p:cNvPr>
+            <p:cNvCxnSpPr/>
+            <p:nvPr/>
+          </p:nvCxnSpPr>
+          <p:spPr>
+            <a:xfrm>
+              <a:off x="1862738" y="1155052"/>
+              <a:ext cx="249300" cy="0"/>
+            </a:xfrm>
+            <a:prstGeom prst="straightConnector1">
+              <a:avLst/>
+            </a:prstGeom>
+            <a:noFill/>
+            <a:ln w="19050" cap="flat" cmpd="sng">
+              <a:solidFill>
+                <a:srgbClr val="000000"/>
+              </a:solidFill>
+              <a:prstDash val="solid"/>
+              <a:round/>
+              <a:headEnd type="none" w="sm" len="sm"/>
+              <a:tailEnd type="none" w="sm" len="sm"/>
+            </a:ln>
+          </p:spPr>
+        </p:cxnSp>
+        <p:sp>
+          <p:nvSpPr>
+            <p:cNvPr id="100" name="Google Shape;282;p16">
+              <a:extLst>
+                <a:ext uri="{FF2B5EF4-FFF2-40B4-BE49-F238E27FC236}">
+                  <a16:creationId xmlns:a16="http://schemas.microsoft.com/office/drawing/2014/main" id="{CA2D9853-CBDA-45CF-A6F2-0A64342A781A}"/>
+                </a:ext>
+              </a:extLst>
+            </p:cNvPr>
+            <p:cNvSpPr/>
+            <p:nvPr/>
+          </p:nvSpPr>
+          <p:spPr>
+            <a:xfrm>
+              <a:off x="2119196" y="1105281"/>
+              <a:ext cx="51197" cy="99700"/>
+            </a:xfrm>
+            <a:custGeom>
+              <a:avLst/>
+              <a:gdLst/>
+              <a:ahLst/>
+              <a:cxnLst/>
+              <a:rect l="l" t="t" r="r" b="b"/>
+              <a:pathLst>
+                <a:path w="323" h="629" extrusionOk="0">
+                  <a:moveTo>
+                    <a:pt x="320" y="0"/>
+                  </a:moveTo>
+                  <a:lnTo>
+                    <a:pt x="319" y="1"/>
+                  </a:lnTo>
+                  <a:cubicBezTo>
+                    <a:pt x="319" y="1"/>
+                    <a:pt x="318" y="1"/>
+                    <a:pt x="318" y="2"/>
+                  </a:cubicBezTo>
+                  <a:cubicBezTo>
+                    <a:pt x="317" y="3"/>
+                    <a:pt x="317" y="3"/>
+                    <a:pt x="317" y="4"/>
+                  </a:cubicBezTo>
+                  <a:lnTo>
+                    <a:pt x="317" y="7"/>
+                  </a:lnTo>
+                  <a:cubicBezTo>
+                    <a:pt x="316" y="7"/>
+                    <a:pt x="315" y="7"/>
+                    <a:pt x="314" y="7"/>
+                  </a:cubicBezTo>
+                  <a:cubicBezTo>
+                    <a:pt x="271" y="7"/>
+                    <a:pt x="230" y="15"/>
+                    <a:pt x="192" y="30"/>
+                  </a:cubicBezTo>
+                  <a:cubicBezTo>
+                    <a:pt x="156" y="45"/>
+                    <a:pt x="123" y="68"/>
+                    <a:pt x="95" y="95"/>
+                  </a:cubicBezTo>
+                  <a:cubicBezTo>
+                    <a:pt x="68" y="123"/>
+                    <a:pt x="45" y="156"/>
+                    <a:pt x="30" y="192"/>
+                  </a:cubicBezTo>
+                  <a:cubicBezTo>
+                    <a:pt x="15" y="230"/>
+                    <a:pt x="7" y="271"/>
+                    <a:pt x="7" y="314"/>
+                  </a:cubicBezTo>
+                  <a:cubicBezTo>
+                    <a:pt x="7" y="357"/>
+                    <a:pt x="15" y="398"/>
+                    <a:pt x="30" y="436"/>
+                  </a:cubicBezTo>
+                  <a:cubicBezTo>
+                    <a:pt x="45" y="473"/>
+                    <a:pt x="68" y="506"/>
+                    <a:pt x="95" y="533"/>
+                  </a:cubicBezTo>
+                  <a:cubicBezTo>
+                    <a:pt x="123" y="560"/>
+                    <a:pt x="156" y="583"/>
+                    <a:pt x="192" y="598"/>
+                  </a:cubicBezTo>
+                  <a:cubicBezTo>
+                    <a:pt x="230" y="613"/>
+                    <a:pt x="271" y="622"/>
+                    <a:pt x="314" y="622"/>
+                  </a:cubicBezTo>
+                  <a:cubicBezTo>
+                    <a:pt x="315" y="622"/>
+                    <a:pt x="316" y="622"/>
+                    <a:pt x="317" y="622"/>
+                  </a:cubicBezTo>
+                  <a:lnTo>
+                    <a:pt x="317" y="628"/>
+                  </a:lnTo>
+                  <a:cubicBezTo>
+                    <a:pt x="316" y="628"/>
+                    <a:pt x="315" y="628"/>
+                    <a:pt x="314" y="628"/>
+                  </a:cubicBezTo>
+                  <a:cubicBezTo>
+                    <a:pt x="270" y="628"/>
+                    <a:pt x="228" y="620"/>
+                    <a:pt x="190" y="604"/>
+                  </a:cubicBezTo>
+                  <a:cubicBezTo>
+                    <a:pt x="152" y="589"/>
+                    <a:pt x="118" y="566"/>
+                    <a:pt x="90" y="538"/>
+                  </a:cubicBezTo>
+                  <a:cubicBezTo>
+                    <a:pt x="62" y="510"/>
+                    <a:pt x="39" y="476"/>
+                    <a:pt x="24" y="438"/>
+                  </a:cubicBezTo>
+                  <a:cubicBezTo>
+                    <a:pt x="9" y="400"/>
+                    <a:pt x="0" y="358"/>
+                    <a:pt x="0" y="314"/>
+                  </a:cubicBezTo>
+                  <a:cubicBezTo>
+                    <a:pt x="0" y="270"/>
+                    <a:pt x="9" y="228"/>
+                    <a:pt x="24" y="190"/>
+                  </a:cubicBezTo>
+                  <a:cubicBezTo>
+                    <a:pt x="39" y="152"/>
+                    <a:pt x="62" y="118"/>
+                    <a:pt x="90" y="90"/>
+                  </a:cubicBezTo>
+                  <a:cubicBezTo>
+                    <a:pt x="118" y="62"/>
+                    <a:pt x="152" y="39"/>
+                    <a:pt x="190" y="24"/>
+                  </a:cubicBezTo>
+                  <a:cubicBezTo>
+                    <a:pt x="228" y="9"/>
+                    <a:pt x="270" y="0"/>
+                    <a:pt x="314" y="0"/>
+                  </a:cubicBezTo>
+                  <a:cubicBezTo>
+                    <a:pt x="316" y="0"/>
+                    <a:pt x="319" y="0"/>
+                    <a:pt x="322" y="0"/>
+                  </a:cubicBezTo>
+                  <a:lnTo>
+                    <a:pt x="320" y="0"/>
+                  </a:lnTo>
+                </a:path>
+              </a:pathLst>
+            </a:custGeom>
+            <a:solidFill>
+              <a:srgbClr val="000000"/>
+            </a:solidFill>
+            <a:ln w="19050" cap="flat" cmpd="sng">
+              <a:solidFill>
+                <a:srgbClr val="000000"/>
+              </a:solidFill>
+              <a:prstDash val="solid"/>
+              <a:round/>
+              <a:headEnd type="none" w="sm" len="sm"/>
+              <a:tailEnd type="none" w="sm" len="sm"/>
+            </a:ln>
+          </p:spPr>
+          <p:txBody>
+            <a:bodyPr spcFirstLastPara="1" wrap="square" lIns="91425" tIns="91425" rIns="91425" bIns="91425" anchor="ctr" anchorCtr="0">
+              <a:noAutofit/>
+            </a:bodyPr>
+            <a:lstStyle/>
+            <a:p>
+              <a:pPr marL="0" lvl="0" indent="0" algn="l" rtl="0">
+                <a:spcBef>
+                  <a:spcPts val="0"/>
+                </a:spcBef>
+                <a:spcAft>
+                  <a:spcPts val="0"/>
+                </a:spcAft>
+                <a:buNone/>
+              </a:pPr>
+              <a:endParaRPr/>
+            </a:p>
+          </p:txBody>
+        </p:sp>
+      </p:grpSp>
+      <p:grpSp>
+        <p:nvGrpSpPr>
+          <p:cNvPr id="101" name="Group 100">
+            <a:extLst>
+              <a:ext uri="{FF2B5EF4-FFF2-40B4-BE49-F238E27FC236}">
+                <a16:creationId xmlns:a16="http://schemas.microsoft.com/office/drawing/2014/main" id="{1093F96D-5BE9-46B2-9E87-061BBFD14157}"/>
+              </a:ext>
+            </a:extLst>
+          </p:cNvPr>
+          <p:cNvGrpSpPr/>
+          <p:nvPr/>
+        </p:nvGrpSpPr>
+        <p:grpSpPr>
+          <a:xfrm>
+            <a:off x="1927590" y="1828493"/>
+            <a:ext cx="370284" cy="97500"/>
+            <a:chOff x="1826375" y="1590661"/>
+            <a:chExt cx="370284" cy="97500"/>
+          </a:xfrm>
+        </p:grpSpPr>
+        <p:sp>
+          <p:nvSpPr>
+            <p:cNvPr id="102" name="Google Shape;284;p16">
+              <a:extLst>
+                <a:ext uri="{FF2B5EF4-FFF2-40B4-BE49-F238E27FC236}">
+                  <a16:creationId xmlns:a16="http://schemas.microsoft.com/office/drawing/2014/main" id="{D1EEE847-D97B-4B87-ABF7-9F6E765FA24B}"/>
+                </a:ext>
+              </a:extLst>
+            </p:cNvPr>
+            <p:cNvSpPr/>
+            <p:nvPr/>
+          </p:nvSpPr>
+          <p:spPr>
+            <a:xfrm>
+              <a:off x="2099159" y="1590661"/>
+              <a:ext cx="97500" cy="97500"/>
+            </a:xfrm>
+            <a:prstGeom prst="ellipse">
+              <a:avLst/>
+            </a:prstGeom>
+            <a:solidFill>
+              <a:srgbClr val="FFFFFF"/>
+            </a:solidFill>
+            <a:ln w="19050" cap="flat" cmpd="sng">
+              <a:solidFill>
+                <a:srgbClr val="000000"/>
+              </a:solidFill>
+              <a:prstDash val="solid"/>
+              <a:round/>
+              <a:headEnd type="none" w="sm" len="sm"/>
+              <a:tailEnd type="none" w="sm" len="sm"/>
+            </a:ln>
+          </p:spPr>
+          <p:txBody>
+            <a:bodyPr spcFirstLastPara="1" wrap="square" lIns="91425" tIns="91425" rIns="91425" bIns="91425" anchor="ctr" anchorCtr="0">
+              <a:noAutofit/>
+            </a:bodyPr>
+            <a:lstStyle/>
+            <a:p>
+              <a:pPr marL="0" lvl="0" indent="0" algn="l" rtl="0">
+                <a:spcBef>
+                  <a:spcPts val="0"/>
+                </a:spcBef>
+                <a:spcAft>
+                  <a:spcPts val="0"/>
+                </a:spcAft>
+                <a:buNone/>
+              </a:pPr>
+              <a:endParaRPr/>
+            </a:p>
+          </p:txBody>
+        </p:sp>
+        <p:cxnSp>
+          <p:nvCxnSpPr>
+            <p:cNvPr id="103" name="Google Shape;285;p16">
+              <a:extLst>
+                <a:ext uri="{FF2B5EF4-FFF2-40B4-BE49-F238E27FC236}">
+                  <a16:creationId xmlns:a16="http://schemas.microsoft.com/office/drawing/2014/main" id="{551D3395-C284-42FE-8D59-E4F095E3E08C}"/>
+                </a:ext>
+              </a:extLst>
+            </p:cNvPr>
+            <p:cNvCxnSpPr/>
+            <p:nvPr/>
+          </p:nvCxnSpPr>
+          <p:spPr>
+            <a:xfrm>
+              <a:off x="1826375" y="1639321"/>
+              <a:ext cx="272700" cy="0"/>
+            </a:xfrm>
+            <a:prstGeom prst="straightConnector1">
+              <a:avLst/>
+            </a:prstGeom>
+            <a:noFill/>
+            <a:ln w="19050" cap="flat" cmpd="sng">
+              <a:solidFill>
+                <a:srgbClr val="000000"/>
+              </a:solidFill>
+              <a:prstDash val="solid"/>
+              <a:round/>
+              <a:headEnd type="none" w="sm" len="sm"/>
+              <a:tailEnd type="none" w="sm" len="sm"/>
+            </a:ln>
+          </p:spPr>
+        </p:cxnSp>
+      </p:grpSp>
+      <p:cxnSp>
+        <p:nvCxnSpPr>
+          <p:cNvPr id="22" name="Connector: Elbow 21">
+            <a:extLst>
+              <a:ext uri="{FF2B5EF4-FFF2-40B4-BE49-F238E27FC236}">
+                <a16:creationId xmlns:a16="http://schemas.microsoft.com/office/drawing/2014/main" id="{4D1417D6-1CE0-47CB-92CC-5775ED4E1C95}"/>
+              </a:ext>
+            </a:extLst>
+          </p:cNvPr>
+          <p:cNvCxnSpPr>
+            <a:cxnSpLocks/>
+          </p:cNvCxnSpPr>
+          <p:nvPr/>
+        </p:nvCxnSpPr>
+        <p:spPr>
+          <a:xfrm>
+            <a:off x="2289933" y="1875970"/>
+            <a:ext cx="1080000" cy="2124000"/>
+          </a:xfrm>
+          <a:prstGeom prst="bentConnector3">
+            <a:avLst>
+              <a:gd name="adj1" fmla="val 44987"/>
+            </a:avLst>
+          </a:prstGeom>
+          <a:ln w="12700">
+            <a:solidFill>
+              <a:schemeClr val="tx1"/>
+            </a:solidFill>
+            <a:prstDash val="dash"/>
+          </a:ln>
+        </p:spPr>
+        <p:style>
+          <a:lnRef idx="1">
+            <a:schemeClr val="accent1"/>
+          </a:lnRef>
+          <a:fillRef idx="0">
+            <a:schemeClr val="accent1"/>
+          </a:fillRef>
+          <a:effectRef idx="0">
+            <a:schemeClr val="accent1"/>
+          </a:effectRef>
+          <a:fontRef idx="minor">
+            <a:schemeClr val="tx1"/>
+          </a:fontRef>
+        </p:style>
+      </p:cxnSp>
+      <p:cxnSp>
+        <p:nvCxnSpPr>
+          <p:cNvPr id="125" name="Connector: Elbow 124">
+            <a:extLst>
+              <a:ext uri="{FF2B5EF4-FFF2-40B4-BE49-F238E27FC236}">
+                <a16:creationId xmlns:a16="http://schemas.microsoft.com/office/drawing/2014/main" id="{8AE7C9B9-6746-40F3-A7AB-7118BAB785B9}"/>
+              </a:ext>
+            </a:extLst>
+          </p:cNvPr>
+          <p:cNvCxnSpPr>
+            <a:cxnSpLocks/>
+          </p:cNvCxnSpPr>
+          <p:nvPr/>
+        </p:nvCxnSpPr>
+        <p:spPr>
+          <a:xfrm>
+            <a:off x="2290526" y="1879601"/>
+            <a:ext cx="1080000" cy="3654000"/>
+          </a:xfrm>
+          <a:prstGeom prst="bentConnector3">
+            <a:avLst>
+              <a:gd name="adj1" fmla="val 44987"/>
+            </a:avLst>
+          </a:prstGeom>
+          <a:ln w="12700">
+            <a:solidFill>
+              <a:schemeClr val="tx1"/>
+            </a:solidFill>
+            <a:prstDash val="dash"/>
+          </a:ln>
+        </p:spPr>
+        <p:style>
+          <a:lnRef idx="1">
+            <a:schemeClr val="accent1"/>
+          </a:lnRef>
+          <a:fillRef idx="0">
+            <a:schemeClr val="accent1"/>
+          </a:fillRef>
+          <a:effectRef idx="0">
+            <a:schemeClr val="accent1"/>
+          </a:effectRef>
+          <a:fontRef idx="minor">
+            <a:schemeClr val="tx1"/>
+          </a:fontRef>
+        </p:style>
+      </p:cxnSp>
+      <p:cxnSp>
+        <p:nvCxnSpPr>
+          <p:cNvPr id="29" name="Connector: Elbow 28">
+            <a:extLst>
+              <a:ext uri="{FF2B5EF4-FFF2-40B4-BE49-F238E27FC236}">
+                <a16:creationId xmlns:a16="http://schemas.microsoft.com/office/drawing/2014/main" id="{AD8E3C94-870D-4816-A212-0B763A2F003F}"/>
+              </a:ext>
+            </a:extLst>
+          </p:cNvPr>
+          <p:cNvCxnSpPr>
+            <a:cxnSpLocks/>
+          </p:cNvCxnSpPr>
+          <p:nvPr/>
+        </p:nvCxnSpPr>
+        <p:spPr>
+          <a:xfrm flipV="1">
+            <a:off x="2304196" y="1214219"/>
+            <a:ext cx="1044000" cy="1332000"/>
+          </a:xfrm>
+          <a:prstGeom prst="bentConnector3">
+            <a:avLst>
+              <a:gd name="adj1" fmla="val 53457"/>
+            </a:avLst>
+          </a:prstGeom>
+          <a:ln w="12700">
+            <a:solidFill>
+              <a:schemeClr val="tx1"/>
+            </a:solidFill>
+            <a:prstDash val="dash"/>
+          </a:ln>
+        </p:spPr>
+        <p:style>
+          <a:lnRef idx="1">
+            <a:schemeClr val="accent1"/>
+          </a:lnRef>
+          <a:fillRef idx="0">
+            <a:schemeClr val="accent1"/>
+          </a:fillRef>
+          <a:effectRef idx="0">
+            <a:schemeClr val="accent1"/>
+          </a:effectRef>
+          <a:fontRef idx="minor">
+            <a:schemeClr val="tx1"/>
+          </a:fontRef>
+        </p:style>
+      </p:cxnSp>
+      <p:cxnSp>
+        <p:nvCxnSpPr>
+          <p:cNvPr id="59" name="Connector: Elbow 58">
+            <a:extLst>
+              <a:ext uri="{FF2B5EF4-FFF2-40B4-BE49-F238E27FC236}">
+                <a16:creationId xmlns:a16="http://schemas.microsoft.com/office/drawing/2014/main" id="{2BEA15BC-42D8-4D9D-A1D7-297B613D2E96}"/>
+              </a:ext>
+            </a:extLst>
+          </p:cNvPr>
+          <p:cNvCxnSpPr>
+            <a:cxnSpLocks/>
+            <a:stCxn id="67" idx="6"/>
+            <a:endCxn id="56" idx="6"/>
+          </p:cNvCxnSpPr>
+          <p:nvPr/>
+        </p:nvCxnSpPr>
+        <p:spPr>
+          <a:xfrm>
+            <a:off x="2304196" y="2549577"/>
+            <a:ext cx="932377" cy="308950"/>
+          </a:xfrm>
+          <a:prstGeom prst="bentConnector3">
+            <a:avLst>
+              <a:gd name="adj1" fmla="val 59678"/>
+            </a:avLst>
+          </a:prstGeom>
+          <a:ln w="12700">
+            <a:solidFill>
+              <a:schemeClr val="tx1"/>
+            </a:solidFill>
+            <a:prstDash val="dash"/>
+          </a:ln>
+        </p:spPr>
+        <p:style>
+          <a:lnRef idx="1">
+            <a:schemeClr val="accent1"/>
+          </a:lnRef>
+          <a:fillRef idx="0">
+            <a:schemeClr val="accent1"/>
+          </a:fillRef>
+          <a:effectRef idx="0">
+            <a:schemeClr val="accent1"/>
+          </a:effectRef>
+          <a:fontRef idx="minor">
+            <a:schemeClr val="tx1"/>
+          </a:fontRef>
+        </p:style>
+      </p:cxnSp>
+      <p:cxnSp>
+        <p:nvCxnSpPr>
+          <p:cNvPr id="289" name="Connector: Elbow 288">
+            <a:extLst>
+              <a:ext uri="{FF2B5EF4-FFF2-40B4-BE49-F238E27FC236}">
+                <a16:creationId xmlns:a16="http://schemas.microsoft.com/office/drawing/2014/main" id="{00A0471B-0CC4-4CD6-AE5D-B0982C79D1A8}"/>
+              </a:ext>
+            </a:extLst>
+          </p:cNvPr>
+          <p:cNvCxnSpPr>
+            <a:cxnSpLocks/>
+            <a:stCxn id="74" idx="6"/>
+          </p:cNvCxnSpPr>
+          <p:nvPr/>
+        </p:nvCxnSpPr>
+        <p:spPr>
+          <a:xfrm>
+            <a:off x="2298906" y="3219324"/>
+            <a:ext cx="846790" cy="784004"/>
+          </a:xfrm>
+          <a:prstGeom prst="bentConnector3">
+            <a:avLst>
+              <a:gd name="adj1" fmla="val 45027"/>
+            </a:avLst>
+          </a:prstGeom>
+          <a:ln w="12700">
+            <a:solidFill>
+              <a:schemeClr val="tx1"/>
+            </a:solidFill>
+            <a:prstDash val="dash"/>
+          </a:ln>
+        </p:spPr>
+        <p:style>
+          <a:lnRef idx="1">
+            <a:schemeClr val="accent1"/>
+          </a:lnRef>
+          <a:fillRef idx="0">
+            <a:schemeClr val="accent1"/>
+          </a:fillRef>
+          <a:effectRef idx="0">
+            <a:schemeClr val="accent1"/>
+          </a:effectRef>
+          <a:fontRef idx="minor">
+            <a:schemeClr val="tx1"/>
+          </a:fontRef>
+        </p:style>
+      </p:cxnSp>
+      <p:sp>
+        <p:nvSpPr>
+          <p:cNvPr id="295" name="Google Shape;286;p16">
+            <a:extLst>
+              <a:ext uri="{FF2B5EF4-FFF2-40B4-BE49-F238E27FC236}">
+                <a16:creationId xmlns:a16="http://schemas.microsoft.com/office/drawing/2014/main" id="{50406D78-EE12-4DB7-8655-66E36586F771}"/>
+              </a:ext>
+            </a:extLst>
+          </p:cNvPr>
           <p:cNvSpPr txBox="1"/>
           <p:nvPr/>
         </p:nvSpPr>
         <p:spPr>
           <a:xfrm>
-            <a:off x="1085850" y="3829050"/>
-            <a:ext cx="1470300" cy="320100"/>
+            <a:off x="2333682" y="2382102"/>
+            <a:ext cx="470022" cy="143100"/>
           </a:xfrm>
           <a:prstGeom prst="rect">
             <a:avLst/>
@@ -16570,12 +20862,12 @@
           </a:ln>
         </p:spPr>
         <p:txBody>
-          <a:bodyPr spcFirstLastPara="1" wrap="square" lIns="91425" tIns="91425" rIns="91425" bIns="91425" anchor="t" anchorCtr="0">
+          <a:bodyPr spcFirstLastPara="1" wrap="square" lIns="90000" tIns="45000" rIns="90000" bIns="45000" anchor="t" anchorCtr="0">
             <a:noAutofit/>
           </a:bodyPr>
           <a:lstStyle/>
           <a:p>
-            <a:pPr marL="0" lvl="0" indent="0" algn="l" rtl="0">
+            <a:pPr marL="0" marR="0" lvl="0" indent="0" algn="l" rtl="0">
               <a:spcBef>
                 <a:spcPts val="0"/>
               </a:spcBef>
@@ -16585,23 +20877,37 @@
               <a:buNone/>
             </a:pPr>
             <a:r>
-              <a:rPr lang="en" sz="2000" b="1"/>
-              <a:t>Model</a:t>
+              <a:rPr lang="en" sz="600" strike="noStrike" dirty="0">
+                <a:solidFill>
+                  <a:srgbClr val="FF0000"/>
+                </a:solidFill>
+              </a:rPr>
+              <a:t>IProduto</a:t>
             </a:r>
-            <a:endParaRPr sz="2000" b="1"/>
+            <a:endParaRPr sz="600" strike="noStrike" dirty="0">
+              <a:solidFill>
+                <a:srgbClr val="FF0000"/>
+              </a:solidFill>
+            </a:endParaRPr>
           </a:p>
         </p:txBody>
       </p:sp>
       <p:sp>
         <p:nvSpPr>
-          <p:cNvPr id="336" name="Google Shape;336;p17"/>
+          <p:cNvPr id="296" name="Google Shape;286;p16">
+            <a:extLst>
+              <a:ext uri="{FF2B5EF4-FFF2-40B4-BE49-F238E27FC236}">
+                <a16:creationId xmlns:a16="http://schemas.microsoft.com/office/drawing/2014/main" id="{FE4005F1-659D-4B44-8C38-4BB6BF29630B}"/>
+              </a:ext>
+            </a:extLst>
+          </p:cNvPr>
           <p:cNvSpPr txBox="1"/>
           <p:nvPr/>
         </p:nvSpPr>
         <p:spPr>
           <a:xfrm>
-            <a:off x="3390900" y="3852850"/>
-            <a:ext cx="1600200" cy="320100"/>
+            <a:off x="2280416" y="3057660"/>
+            <a:ext cx="572507" cy="158305"/>
           </a:xfrm>
           <a:prstGeom prst="rect">
             <a:avLst/>
@@ -16612,12 +20918,12 @@
           </a:ln>
         </p:spPr>
         <p:txBody>
-          <a:bodyPr spcFirstLastPara="1" wrap="square" lIns="91425" tIns="91425" rIns="91425" bIns="91425" anchor="t" anchorCtr="0">
+          <a:bodyPr spcFirstLastPara="1" wrap="square" lIns="90000" tIns="45000" rIns="90000" bIns="45000" anchor="t" anchorCtr="0">
             <a:noAutofit/>
           </a:bodyPr>
           <a:lstStyle/>
           <a:p>
-            <a:pPr marL="0" lvl="0" indent="0" algn="l" rtl="0">
+            <a:pPr marL="0" marR="0" lvl="0" indent="0" algn="l" rtl="0">
               <a:spcBef>
                 <a:spcPts val="0"/>
               </a:spcBef>
@@ -16627,10 +20933,540 @@
               <a:buNone/>
             </a:pPr>
             <a:r>
-              <a:rPr lang="en" sz="2000" b="1"/>
-              <a:t>Controller</a:t>
+              <a:rPr lang="en" sz="600" strike="noStrike" dirty="0">
+                <a:solidFill>
+                  <a:srgbClr val="FF0000"/>
+                </a:solidFill>
+              </a:rPr>
+              <a:t>IVendedor</a:t>
             </a:r>
-            <a:endParaRPr sz="2000" b="1"/>
+            <a:endParaRPr sz="600" strike="noStrike" dirty="0">
+              <a:solidFill>
+                <a:srgbClr val="FF0000"/>
+              </a:solidFill>
+            </a:endParaRPr>
+          </a:p>
+        </p:txBody>
+      </p:sp>
+      <p:sp>
+        <p:nvSpPr>
+          <p:cNvPr id="297" name="Google Shape;286;p16">
+            <a:extLst>
+              <a:ext uri="{FF2B5EF4-FFF2-40B4-BE49-F238E27FC236}">
+                <a16:creationId xmlns:a16="http://schemas.microsoft.com/office/drawing/2014/main" id="{00F7CD9D-FCA6-4A5D-9E6E-77F1078526EE}"/>
+              </a:ext>
+            </a:extLst>
+          </p:cNvPr>
+          <p:cNvSpPr txBox="1"/>
+          <p:nvPr/>
+        </p:nvSpPr>
+        <p:spPr>
+          <a:xfrm>
+            <a:off x="2300361" y="1715484"/>
+            <a:ext cx="538183" cy="160486"/>
+          </a:xfrm>
+          <a:prstGeom prst="rect">
+            <a:avLst/>
+          </a:prstGeom>
+          <a:noFill/>
+          <a:ln>
+            <a:noFill/>
+          </a:ln>
+        </p:spPr>
+        <p:txBody>
+          <a:bodyPr spcFirstLastPara="1" wrap="square" lIns="90000" tIns="45000" rIns="90000" bIns="45000" anchor="t" anchorCtr="0">
+            <a:noAutofit/>
+          </a:bodyPr>
+          <a:lstStyle/>
+          <a:p>
+            <a:pPr marL="0" marR="0" lvl="0" indent="0" algn="l" rtl="0">
+              <a:spcBef>
+                <a:spcPts val="0"/>
+              </a:spcBef>
+              <a:spcAft>
+                <a:spcPts val="0"/>
+              </a:spcAft>
+              <a:buNone/>
+            </a:pPr>
+            <a:r>
+              <a:rPr lang="en" sz="600" strike="noStrike" dirty="0">
+                <a:solidFill>
+                  <a:srgbClr val="FF0000"/>
+                </a:solidFill>
+              </a:rPr>
+              <a:t>ISession</a:t>
+            </a:r>
+            <a:endParaRPr sz="600" strike="noStrike" dirty="0">
+              <a:solidFill>
+                <a:srgbClr val="FF0000"/>
+              </a:solidFill>
+            </a:endParaRPr>
+          </a:p>
+        </p:txBody>
+      </p:sp>
+      <p:cxnSp>
+        <p:nvCxnSpPr>
+          <p:cNvPr id="299" name="Connector: Elbow 298">
+            <a:extLst>
+              <a:ext uri="{FF2B5EF4-FFF2-40B4-BE49-F238E27FC236}">
+                <a16:creationId xmlns:a16="http://schemas.microsoft.com/office/drawing/2014/main" id="{3DFD4FBB-4F40-410B-9EA6-868DB84C0BD8}"/>
+              </a:ext>
+            </a:extLst>
+          </p:cNvPr>
+          <p:cNvCxnSpPr>
+            <a:cxnSpLocks/>
+            <a:stCxn id="81" idx="6"/>
+          </p:cNvCxnSpPr>
+          <p:nvPr/>
+        </p:nvCxnSpPr>
+        <p:spPr>
+          <a:xfrm>
+            <a:off x="2311119" y="3892502"/>
+            <a:ext cx="1021600" cy="110826"/>
+          </a:xfrm>
+          <a:prstGeom prst="bentConnector3">
+            <a:avLst>
+              <a:gd name="adj1" fmla="val 54122"/>
+            </a:avLst>
+          </a:prstGeom>
+          <a:ln w="12700">
+            <a:solidFill>
+              <a:schemeClr val="tx1"/>
+            </a:solidFill>
+            <a:prstDash val="dash"/>
+          </a:ln>
+        </p:spPr>
+        <p:style>
+          <a:lnRef idx="1">
+            <a:schemeClr val="accent1"/>
+          </a:lnRef>
+          <a:fillRef idx="0">
+            <a:schemeClr val="accent1"/>
+          </a:fillRef>
+          <a:effectRef idx="0">
+            <a:schemeClr val="accent1"/>
+          </a:effectRef>
+          <a:fontRef idx="minor">
+            <a:schemeClr val="tx1"/>
+          </a:fontRef>
+        </p:style>
+      </p:cxnSp>
+      <p:sp>
+        <p:nvSpPr>
+          <p:cNvPr id="302" name="Google Shape;286;p16">
+            <a:extLst>
+              <a:ext uri="{FF2B5EF4-FFF2-40B4-BE49-F238E27FC236}">
+                <a16:creationId xmlns:a16="http://schemas.microsoft.com/office/drawing/2014/main" id="{701AD1A1-F0BC-49A2-8BA6-EDB406A2F4C8}"/>
+              </a:ext>
+            </a:extLst>
+          </p:cNvPr>
+          <p:cNvSpPr txBox="1"/>
+          <p:nvPr/>
+        </p:nvSpPr>
+        <p:spPr>
+          <a:xfrm>
+            <a:off x="2266037" y="3702443"/>
+            <a:ext cx="572507" cy="158305"/>
+          </a:xfrm>
+          <a:prstGeom prst="rect">
+            <a:avLst/>
+          </a:prstGeom>
+          <a:noFill/>
+          <a:ln>
+            <a:noFill/>
+          </a:ln>
+        </p:spPr>
+        <p:txBody>
+          <a:bodyPr spcFirstLastPara="1" wrap="square" lIns="90000" tIns="45000" rIns="90000" bIns="45000" anchor="t" anchorCtr="0">
+            <a:noAutofit/>
+          </a:bodyPr>
+          <a:lstStyle/>
+          <a:p>
+            <a:pPr marL="0" marR="0" lvl="0" indent="0" algn="l" rtl="0">
+              <a:spcBef>
+                <a:spcPts val="0"/>
+              </a:spcBef>
+              <a:spcAft>
+                <a:spcPts val="0"/>
+              </a:spcAft>
+              <a:buNone/>
+            </a:pPr>
+            <a:r>
+              <a:rPr lang="en" sz="600" strike="noStrike" dirty="0">
+                <a:solidFill>
+                  <a:srgbClr val="FF0000"/>
+                </a:solidFill>
+              </a:rPr>
+              <a:t>IPedido</a:t>
+            </a:r>
+            <a:endParaRPr sz="600" strike="noStrike" dirty="0">
+              <a:solidFill>
+                <a:srgbClr val="FF0000"/>
+              </a:solidFill>
+            </a:endParaRPr>
+          </a:p>
+        </p:txBody>
+      </p:sp>
+      <p:cxnSp>
+        <p:nvCxnSpPr>
+          <p:cNvPr id="304" name="Connector: Elbow 303">
+            <a:extLst>
+              <a:ext uri="{FF2B5EF4-FFF2-40B4-BE49-F238E27FC236}">
+                <a16:creationId xmlns:a16="http://schemas.microsoft.com/office/drawing/2014/main" id="{7DEB1B76-281F-481F-BFEF-8811D669B35F}"/>
+              </a:ext>
+            </a:extLst>
+          </p:cNvPr>
+          <p:cNvCxnSpPr>
+            <a:cxnSpLocks/>
+          </p:cNvCxnSpPr>
+          <p:nvPr/>
+        </p:nvCxnSpPr>
+        <p:spPr>
+          <a:xfrm rot="10800000" flipV="1">
+            <a:off x="2213537" y="4233421"/>
+            <a:ext cx="947621" cy="120626"/>
+          </a:xfrm>
+          <a:prstGeom prst="bentConnector3">
+            <a:avLst>
+              <a:gd name="adj1" fmla="val 50000"/>
+            </a:avLst>
+          </a:prstGeom>
+          <a:ln w="12700">
+            <a:solidFill>
+              <a:schemeClr val="tx1"/>
+            </a:solidFill>
+            <a:prstDash val="dash"/>
+          </a:ln>
+        </p:spPr>
+        <p:style>
+          <a:lnRef idx="1">
+            <a:schemeClr val="accent1"/>
+          </a:lnRef>
+          <a:fillRef idx="0">
+            <a:schemeClr val="accent1"/>
+          </a:fillRef>
+          <a:effectRef idx="0">
+            <a:schemeClr val="accent1"/>
+          </a:effectRef>
+          <a:fontRef idx="minor">
+            <a:schemeClr val="tx1"/>
+          </a:fontRef>
+        </p:style>
+      </p:cxnSp>
+      <p:sp>
+        <p:nvSpPr>
+          <p:cNvPr id="306" name="Google Shape;286;p16">
+            <a:extLst>
+              <a:ext uri="{FF2B5EF4-FFF2-40B4-BE49-F238E27FC236}">
+                <a16:creationId xmlns:a16="http://schemas.microsoft.com/office/drawing/2014/main" id="{75E8E308-E5D4-4706-8113-E61605E92F7E}"/>
+              </a:ext>
+            </a:extLst>
+          </p:cNvPr>
+          <p:cNvSpPr txBox="1"/>
+          <p:nvPr/>
+        </p:nvSpPr>
+        <p:spPr>
+          <a:xfrm>
+            <a:off x="2378890" y="4101216"/>
+            <a:ext cx="572507" cy="158305"/>
+          </a:xfrm>
+          <a:prstGeom prst="rect">
+            <a:avLst/>
+          </a:prstGeom>
+          <a:noFill/>
+          <a:ln>
+            <a:noFill/>
+          </a:ln>
+        </p:spPr>
+        <p:txBody>
+          <a:bodyPr spcFirstLastPara="1" wrap="square" lIns="90000" tIns="45000" rIns="90000" bIns="45000" anchor="t" anchorCtr="0">
+            <a:noAutofit/>
+          </a:bodyPr>
+          <a:lstStyle/>
+          <a:p>
+            <a:pPr marL="0" marR="0" lvl="0" indent="0" algn="l" rtl="0">
+              <a:spcBef>
+                <a:spcPts val="0"/>
+              </a:spcBef>
+              <a:spcAft>
+                <a:spcPts val="0"/>
+              </a:spcAft>
+              <a:buNone/>
+            </a:pPr>
+            <a:r>
+              <a:rPr lang="en" sz="600" strike="noStrike" dirty="0">
+                <a:solidFill>
+                  <a:srgbClr val="FF0000"/>
+                </a:solidFill>
+              </a:rPr>
+              <a:t>IPedido</a:t>
+            </a:r>
+            <a:endParaRPr sz="600" strike="noStrike" dirty="0">
+              <a:solidFill>
+                <a:srgbClr val="FF0000"/>
+              </a:solidFill>
+            </a:endParaRPr>
+          </a:p>
+        </p:txBody>
+      </p:sp>
+      <p:cxnSp>
+        <p:nvCxnSpPr>
+          <p:cNvPr id="308" name="Connector: Elbow 307">
+            <a:extLst>
+              <a:ext uri="{FF2B5EF4-FFF2-40B4-BE49-F238E27FC236}">
+                <a16:creationId xmlns:a16="http://schemas.microsoft.com/office/drawing/2014/main" id="{CFB8A87D-8115-4D93-A4D2-1B2F132FEA4B}"/>
+              </a:ext>
+            </a:extLst>
+          </p:cNvPr>
+          <p:cNvCxnSpPr>
+            <a:stCxn id="88" idx="6"/>
+          </p:cNvCxnSpPr>
+          <p:nvPr/>
+        </p:nvCxnSpPr>
+        <p:spPr>
+          <a:xfrm flipV="1">
+            <a:off x="2308482" y="4003328"/>
+            <a:ext cx="1024237" cy="562475"/>
+          </a:xfrm>
+          <a:prstGeom prst="bentConnector3">
+            <a:avLst>
+              <a:gd name="adj1" fmla="val 54111"/>
+            </a:avLst>
+          </a:prstGeom>
+          <a:ln w="12700">
+            <a:solidFill>
+              <a:schemeClr val="tx1"/>
+            </a:solidFill>
+            <a:prstDash val="dash"/>
+          </a:ln>
+        </p:spPr>
+        <p:style>
+          <a:lnRef idx="1">
+            <a:schemeClr val="accent1"/>
+          </a:lnRef>
+          <a:fillRef idx="0">
+            <a:schemeClr val="accent1"/>
+          </a:fillRef>
+          <a:effectRef idx="0">
+            <a:schemeClr val="accent1"/>
+          </a:effectRef>
+          <a:fontRef idx="minor">
+            <a:schemeClr val="tx1"/>
+          </a:fontRef>
+        </p:style>
+      </p:cxnSp>
+      <p:sp>
+        <p:nvSpPr>
+          <p:cNvPr id="338" name="Google Shape;286;p16">
+            <a:extLst>
+              <a:ext uri="{FF2B5EF4-FFF2-40B4-BE49-F238E27FC236}">
+                <a16:creationId xmlns:a16="http://schemas.microsoft.com/office/drawing/2014/main" id="{89FD6B0C-5A47-41E7-B2D0-4542B20F1CCE}"/>
+              </a:ext>
+            </a:extLst>
+          </p:cNvPr>
+          <p:cNvSpPr txBox="1"/>
+          <p:nvPr/>
+        </p:nvSpPr>
+        <p:spPr>
+          <a:xfrm>
+            <a:off x="2222375" y="4586475"/>
+            <a:ext cx="572507" cy="158305"/>
+          </a:xfrm>
+          <a:prstGeom prst="rect">
+            <a:avLst/>
+          </a:prstGeom>
+          <a:noFill/>
+          <a:ln>
+            <a:noFill/>
+          </a:ln>
+        </p:spPr>
+        <p:txBody>
+          <a:bodyPr spcFirstLastPara="1" wrap="square" lIns="90000" tIns="45000" rIns="90000" bIns="45000" anchor="t" anchorCtr="0">
+            <a:noAutofit/>
+          </a:bodyPr>
+          <a:lstStyle/>
+          <a:p>
+            <a:pPr marL="0" marR="0" lvl="0" indent="0" algn="l" rtl="0">
+              <a:spcBef>
+                <a:spcPts val="0"/>
+              </a:spcBef>
+              <a:spcAft>
+                <a:spcPts val="0"/>
+              </a:spcAft>
+              <a:buNone/>
+            </a:pPr>
+            <a:r>
+              <a:rPr lang="en" sz="600" strike="noStrike" dirty="0">
+                <a:solidFill>
+                  <a:srgbClr val="FF0000"/>
+                </a:solidFill>
+              </a:rPr>
+              <a:t>ILogistica</a:t>
+            </a:r>
+            <a:endParaRPr sz="600" strike="noStrike" dirty="0">
+              <a:solidFill>
+                <a:srgbClr val="FF0000"/>
+              </a:solidFill>
+            </a:endParaRPr>
+          </a:p>
+        </p:txBody>
+      </p:sp>
+      <p:sp>
+        <p:nvSpPr>
+          <p:cNvPr id="339" name="Google Shape;286;p16">
+            <a:extLst>
+              <a:ext uri="{FF2B5EF4-FFF2-40B4-BE49-F238E27FC236}">
+                <a16:creationId xmlns:a16="http://schemas.microsoft.com/office/drawing/2014/main" id="{341CC896-EDBA-4D72-93B7-69D1CC5E3294}"/>
+              </a:ext>
+            </a:extLst>
+          </p:cNvPr>
+          <p:cNvSpPr txBox="1"/>
+          <p:nvPr/>
+        </p:nvSpPr>
+        <p:spPr>
+          <a:xfrm>
+            <a:off x="2719573" y="5104587"/>
+            <a:ext cx="538183" cy="160486"/>
+          </a:xfrm>
+          <a:prstGeom prst="rect">
+            <a:avLst/>
+          </a:prstGeom>
+          <a:noFill/>
+          <a:ln>
+            <a:noFill/>
+          </a:ln>
+        </p:spPr>
+        <p:txBody>
+          <a:bodyPr spcFirstLastPara="1" wrap="square" lIns="90000" tIns="45000" rIns="90000" bIns="45000" anchor="t" anchorCtr="0">
+            <a:noAutofit/>
+          </a:bodyPr>
+          <a:lstStyle/>
+          <a:p>
+            <a:pPr marL="0" marR="0" lvl="0" indent="0" algn="l" rtl="0">
+              <a:spcBef>
+                <a:spcPts val="0"/>
+              </a:spcBef>
+              <a:spcAft>
+                <a:spcPts val="0"/>
+              </a:spcAft>
+              <a:buNone/>
+            </a:pPr>
+            <a:r>
+              <a:rPr lang="en" sz="600" strike="noStrike" dirty="0">
+                <a:solidFill>
+                  <a:srgbClr val="FF0000"/>
+                </a:solidFill>
+              </a:rPr>
+              <a:t>ISession</a:t>
+            </a:r>
+            <a:endParaRPr sz="600" strike="noStrike" dirty="0">
+              <a:solidFill>
+                <a:srgbClr val="FF0000"/>
+              </a:solidFill>
+            </a:endParaRPr>
+          </a:p>
+        </p:txBody>
+      </p:sp>
+      <p:cxnSp>
+        <p:nvCxnSpPr>
+          <p:cNvPr id="341" name="Connector: Elbow 340">
+            <a:extLst>
+              <a:ext uri="{FF2B5EF4-FFF2-40B4-BE49-F238E27FC236}">
+                <a16:creationId xmlns:a16="http://schemas.microsoft.com/office/drawing/2014/main" id="{2A1B7B3D-9CDC-4A0C-852B-90CEDC763A1F}"/>
+              </a:ext>
+            </a:extLst>
+          </p:cNvPr>
+          <p:cNvCxnSpPr>
+            <a:cxnSpLocks/>
+            <a:stCxn id="95" idx="6"/>
+          </p:cNvCxnSpPr>
+          <p:nvPr/>
+        </p:nvCxnSpPr>
+        <p:spPr>
+          <a:xfrm>
+            <a:off x="2298390" y="5239103"/>
+            <a:ext cx="1048022" cy="294498"/>
+          </a:xfrm>
+          <a:prstGeom prst="bentConnector3">
+            <a:avLst>
+              <a:gd name="adj1" fmla="val 36798"/>
+            </a:avLst>
+          </a:prstGeom>
+          <a:ln w="12700">
+            <a:solidFill>
+              <a:schemeClr val="tx1"/>
+            </a:solidFill>
+            <a:prstDash val="dash"/>
+          </a:ln>
+        </p:spPr>
+        <p:style>
+          <a:lnRef idx="1">
+            <a:schemeClr val="accent1"/>
+          </a:lnRef>
+          <a:fillRef idx="0">
+            <a:schemeClr val="accent1"/>
+          </a:fillRef>
+          <a:effectRef idx="0">
+            <a:schemeClr val="accent1"/>
+          </a:effectRef>
+          <a:fontRef idx="minor">
+            <a:schemeClr val="tx1"/>
+          </a:fontRef>
+        </p:style>
+      </p:cxnSp>
+      <p:sp>
+        <p:nvSpPr>
+          <p:cNvPr id="344" name="Google Shape;286;p16">
+            <a:extLst>
+              <a:ext uri="{FF2B5EF4-FFF2-40B4-BE49-F238E27FC236}">
+                <a16:creationId xmlns:a16="http://schemas.microsoft.com/office/drawing/2014/main" id="{B79CFAD6-352C-4C93-B8E1-04677E31E957}"/>
+              </a:ext>
+            </a:extLst>
+          </p:cNvPr>
+          <p:cNvSpPr txBox="1"/>
+          <p:nvPr/>
+        </p:nvSpPr>
+        <p:spPr>
+          <a:xfrm>
+            <a:off x="2274276" y="5526130"/>
+            <a:ext cx="677121" cy="182669"/>
+          </a:xfrm>
+          <a:prstGeom prst="rect">
+            <a:avLst/>
+          </a:prstGeom>
+          <a:noFill/>
+          <a:ln>
+            <a:noFill/>
+          </a:ln>
+        </p:spPr>
+        <p:txBody>
+          <a:bodyPr spcFirstLastPara="1" wrap="square" lIns="90000" tIns="45000" rIns="90000" bIns="45000" anchor="t" anchorCtr="0">
+            <a:noAutofit/>
+          </a:bodyPr>
+          <a:lstStyle/>
+          <a:p>
+            <a:pPr marL="0" marR="0" lvl="0" indent="0" algn="l" rtl="0">
+              <a:spcBef>
+                <a:spcPts val="0"/>
+              </a:spcBef>
+              <a:spcAft>
+                <a:spcPts val="0"/>
+              </a:spcAft>
+              <a:buNone/>
+            </a:pPr>
+            <a:r>
+              <a:rPr lang="en" sz="600" strike="noStrike" dirty="0">
+                <a:solidFill>
+                  <a:srgbClr val="FF0000"/>
+                </a:solidFill>
+              </a:rPr>
+              <a:t>IPagamento</a:t>
+            </a:r>
+            <a:endParaRPr sz="600" strike="noStrike" dirty="0">
+              <a:solidFill>
+                <a:srgbClr val="FF0000"/>
+              </a:solidFill>
+            </a:endParaRPr>
           </a:p>
         </p:txBody>
       </p:sp>
